--- a/reports/Slide.pptx
+++ b/reports/Slide.pptx
@@ -5,10 +5,10 @@
     <p:sldMasterId id="2147483648" r:id="rId4"/>
   </p:sldMasterIdLst>
   <p:notesMasterIdLst>
-    <p:notesMasterId r:id="rId35"/>
+    <p:notesMasterId r:id="rId38"/>
   </p:notesMasterIdLst>
   <p:handoutMasterIdLst>
-    <p:handoutMasterId r:id="rId36"/>
+    <p:handoutMasterId r:id="rId39"/>
   </p:handoutMasterIdLst>
   <p:sldIdLst>
     <p:sldId id="256" r:id="rId5"/>
@@ -41,6 +41,9 @@
     <p:sldId id="295" r:id="rId32"/>
     <p:sldId id="296" r:id="rId33"/>
     <p:sldId id="265" r:id="rId34"/>
+    <p:sldId id="297" r:id="rId35"/>
+    <p:sldId id="298" r:id="rId36"/>
+    <p:sldId id="299" r:id="rId37"/>
   </p:sldIdLst>
   <p:sldSz cx="12192000" cy="6858000"/>
   <p:notesSz cx="6858000" cy="9144000"/>
@@ -164,7 +167,7 @@
 <file path=ppt/revisionInfo.xml><?xml version="1.0" encoding="utf-8"?>
 <p1510:revInfo xmlns:a="http://schemas.openxmlformats.org/drawingml/2006/main" xmlns:r="http://schemas.openxmlformats.org/officeDocument/2006/relationships" xmlns:p1510="http://schemas.microsoft.com/office/powerpoint/2015/10/main">
   <p1510:revLst>
-    <p1510:client id="{6EE49EC0-8BAF-4A04-BF4F-0C154EE8672F}" v="20" dt="2021-09-10T09:52:21.357"/>
+    <p1510:client id="{6EE49EC0-8BAF-4A04-BF4F-0C154EE8672F}" v="44" dt="2021-09-12T10:35:45.658"/>
   </p1510:revLst>
 </p1510:revInfo>
 </file>
@@ -174,7 +177,7 @@
   <pc:docChgLst>
     <pc:chgData name="HUY VÕ VĂN QUỐC" userId="50f882b7-b645-45c2-af11-042dc02e2e34" providerId="ADAL" clId="{6EE49EC0-8BAF-4A04-BF4F-0C154EE8672F}"/>
     <pc:docChg chg="undo redo custSel addSld delSld modSld sldOrd">
-      <pc:chgData name="HUY VÕ VĂN QUỐC" userId="50f882b7-b645-45c2-af11-042dc02e2e34" providerId="ADAL" clId="{6EE49EC0-8BAF-4A04-BF4F-0C154EE8672F}" dt="2021-09-10T10:06:44.329" v="5638" actId="403"/>
+      <pc:chgData name="HUY VÕ VĂN QUỐC" userId="50f882b7-b645-45c2-af11-042dc02e2e34" providerId="ADAL" clId="{6EE49EC0-8BAF-4A04-BF4F-0C154EE8672F}" dt="2021-09-12T10:35:55.554" v="6473" actId="404"/>
       <pc:docMkLst>
         <pc:docMk/>
       </pc:docMkLst>
@@ -264,13 +267,13 @@
         </pc:spChg>
       </pc:sldChg>
       <pc:sldChg chg="addSp delSp modSp mod modClrScheme chgLayout">
-        <pc:chgData name="HUY VÕ VĂN QUỐC" userId="50f882b7-b645-45c2-af11-042dc02e2e34" providerId="ADAL" clId="{6EE49EC0-8BAF-4A04-BF4F-0C154EE8672F}" dt="2021-09-10T07:44:58.493" v="873" actId="33524"/>
+        <pc:chgData name="HUY VÕ VĂN QUỐC" userId="50f882b7-b645-45c2-af11-042dc02e2e34" providerId="ADAL" clId="{6EE49EC0-8BAF-4A04-BF4F-0C154EE8672F}" dt="2021-09-12T10:33:37.489" v="6441" actId="2711"/>
         <pc:sldMkLst>
           <pc:docMk/>
           <pc:sldMk cId="2853788422" sldId="259"/>
         </pc:sldMkLst>
         <pc:spChg chg="mod ord">
-          <ac:chgData name="HUY VÕ VĂN QUỐC" userId="50f882b7-b645-45c2-af11-042dc02e2e34" providerId="ADAL" clId="{6EE49EC0-8BAF-4A04-BF4F-0C154EE8672F}" dt="2021-09-10T07:42:22.462" v="802" actId="26606"/>
+          <ac:chgData name="HUY VÕ VĂN QUỐC" userId="50f882b7-b645-45c2-af11-042dc02e2e34" providerId="ADAL" clId="{6EE49EC0-8BAF-4A04-BF4F-0C154EE8672F}" dt="2021-09-12T10:33:37.489" v="6441" actId="2711"/>
           <ac:spMkLst>
             <pc:docMk/>
             <pc:sldMk cId="2853788422" sldId="259"/>
@@ -369,6 +372,61 @@
           </ac:picMkLst>
         </pc:picChg>
       </pc:sldChg>
+      <pc:sldChg chg="addSp delSp modSp mod modClrScheme chgLayout">
+        <pc:chgData name="HUY VÕ VĂN QUỐC" userId="50f882b7-b645-45c2-af11-042dc02e2e34" providerId="ADAL" clId="{6EE49EC0-8BAF-4A04-BF4F-0C154EE8672F}" dt="2021-09-12T10:35:55.554" v="6473" actId="404"/>
+        <pc:sldMkLst>
+          <pc:docMk/>
+          <pc:sldMk cId="3197023440" sldId="265"/>
+        </pc:sldMkLst>
+        <pc:spChg chg="mod ord">
+          <ac:chgData name="HUY VÕ VĂN QUỐC" userId="50f882b7-b645-45c2-af11-042dc02e2e34" providerId="ADAL" clId="{6EE49EC0-8BAF-4A04-BF4F-0C154EE8672F}" dt="2021-09-12T10:35:20.204" v="6465"/>
+          <ac:spMkLst>
+            <pc:docMk/>
+            <pc:sldMk cId="3197023440" sldId="265"/>
+            <ac:spMk id="2" creationId="{00000000-0000-0000-0000-000000000000}"/>
+          </ac:spMkLst>
+        </pc:spChg>
+        <pc:spChg chg="del mod ord">
+          <ac:chgData name="HUY VÕ VĂN QUỐC" userId="50f882b7-b645-45c2-af11-042dc02e2e34" providerId="ADAL" clId="{6EE49EC0-8BAF-4A04-BF4F-0C154EE8672F}" dt="2021-09-11T18:36:58.925" v="5683" actId="700"/>
+          <ac:spMkLst>
+            <pc:docMk/>
+            <pc:sldMk cId="3197023440" sldId="265"/>
+            <ac:spMk id="3" creationId="{00000000-0000-0000-0000-000000000000}"/>
+          </ac:spMkLst>
+        </pc:spChg>
+        <pc:spChg chg="del mod ord">
+          <ac:chgData name="HUY VÕ VĂN QUỐC" userId="50f882b7-b645-45c2-af11-042dc02e2e34" providerId="ADAL" clId="{6EE49EC0-8BAF-4A04-BF4F-0C154EE8672F}" dt="2021-09-11T18:36:58.925" v="5683" actId="700"/>
+          <ac:spMkLst>
+            <pc:docMk/>
+            <pc:sldMk cId="3197023440" sldId="265"/>
+            <ac:spMk id="4" creationId="{00000000-0000-0000-0000-000000000000}"/>
+          </ac:spMkLst>
+        </pc:spChg>
+        <pc:spChg chg="add del mod ord">
+          <ac:chgData name="HUY VÕ VĂN QUỐC" userId="50f882b7-b645-45c2-af11-042dc02e2e34" providerId="ADAL" clId="{6EE49EC0-8BAF-4A04-BF4F-0C154EE8672F}" dt="2021-09-12T10:12:54.324" v="6162" actId="26606"/>
+          <ac:spMkLst>
+            <pc:docMk/>
+            <pc:sldMk cId="3197023440" sldId="265"/>
+            <ac:spMk id="5" creationId="{173A35FE-7AB5-46C8-8F17-F0AD17EA5E0F}"/>
+          </ac:spMkLst>
+        </pc:spChg>
+        <pc:spChg chg="add del mod ord">
+          <ac:chgData name="HUY VÕ VĂN QUỐC" userId="50f882b7-b645-45c2-af11-042dc02e2e34" providerId="ADAL" clId="{6EE49EC0-8BAF-4A04-BF4F-0C154EE8672F}" dt="2021-09-12T10:12:49.019" v="6161" actId="478"/>
+          <ac:spMkLst>
+            <pc:docMk/>
+            <pc:sldMk cId="3197023440" sldId="265"/>
+            <ac:spMk id="6" creationId="{3D84FCB4-043A-4CBB-ACA6-6B4B5101EF6E}"/>
+          </ac:spMkLst>
+        </pc:spChg>
+        <pc:graphicFrameChg chg="add mod modGraphic">
+          <ac:chgData name="HUY VÕ VĂN QUỐC" userId="50f882b7-b645-45c2-af11-042dc02e2e34" providerId="ADAL" clId="{6EE49EC0-8BAF-4A04-BF4F-0C154EE8672F}" dt="2021-09-12T10:35:55.554" v="6473" actId="404"/>
+          <ac:graphicFrameMkLst>
+            <pc:docMk/>
+            <pc:sldMk cId="3197023440" sldId="265"/>
+            <ac:graphicFrameMk id="7" creationId="{35327839-46F5-4226-B5FC-F69C8026790B}"/>
+          </ac:graphicFrameMkLst>
+        </pc:graphicFrameChg>
+      </pc:sldChg>
       <pc:sldChg chg="del">
         <pc:chgData name="HUY VÕ VĂN QUỐC" userId="50f882b7-b645-45c2-af11-042dc02e2e34" providerId="ADAL" clId="{6EE49EC0-8BAF-4A04-BF4F-0C154EE8672F}" dt="2021-09-10T09:46:42.865" v="4792" actId="47"/>
         <pc:sldMkLst>
@@ -454,11 +512,19 @@
         </pc:picChg>
       </pc:sldChg>
       <pc:sldChg chg="addSp delSp modSp add mod">
-        <pc:chgData name="HUY VÕ VĂN QUỐC" userId="50f882b7-b645-45c2-af11-042dc02e2e34" providerId="ADAL" clId="{6EE49EC0-8BAF-4A04-BF4F-0C154EE8672F}" dt="2021-09-10T07:36:02.643" v="593" actId="14100"/>
+        <pc:chgData name="HUY VÕ VĂN QUỐC" userId="50f882b7-b645-45c2-af11-042dc02e2e34" providerId="ADAL" clId="{6EE49EC0-8BAF-4A04-BF4F-0C154EE8672F}" dt="2021-09-12T10:33:26.559" v="6439" actId="2711"/>
         <pc:sldMkLst>
           <pc:docMk/>
           <pc:sldMk cId="3424572213" sldId="271"/>
         </pc:sldMkLst>
+        <pc:spChg chg="mod">
+          <ac:chgData name="HUY VÕ VĂN QUỐC" userId="50f882b7-b645-45c2-af11-042dc02e2e34" providerId="ADAL" clId="{6EE49EC0-8BAF-4A04-BF4F-0C154EE8672F}" dt="2021-09-12T10:33:26.559" v="6439" actId="2711"/>
+          <ac:spMkLst>
+            <pc:docMk/>
+            <pc:sldMk cId="3424572213" sldId="271"/>
+            <ac:spMk id="2" creationId="{C8C91938-6020-41C6-9539-F027D0B81F5C}"/>
+          </ac:spMkLst>
+        </pc:spChg>
         <pc:spChg chg="mod">
           <ac:chgData name="HUY VÕ VĂN QUỐC" userId="50f882b7-b645-45c2-af11-042dc02e2e34" providerId="ADAL" clId="{6EE49EC0-8BAF-4A04-BF4F-0C154EE8672F}" dt="2021-09-10T07:35:57.222" v="591" actId="14100"/>
           <ac:spMkLst>
@@ -509,11 +575,19 @@
         </pc:picChg>
       </pc:sldChg>
       <pc:sldChg chg="addSp delSp modSp add mod">
-        <pc:chgData name="HUY VÕ VĂN QUỐC" userId="50f882b7-b645-45c2-af11-042dc02e2e34" providerId="ADAL" clId="{6EE49EC0-8BAF-4A04-BF4F-0C154EE8672F}" dt="2021-09-10T07:38:33.652" v="765" actId="1076"/>
+        <pc:chgData name="HUY VÕ VĂN QUỐC" userId="50f882b7-b645-45c2-af11-042dc02e2e34" providerId="ADAL" clId="{6EE49EC0-8BAF-4A04-BF4F-0C154EE8672F}" dt="2021-09-12T10:33:31.696" v="6440" actId="2711"/>
         <pc:sldMkLst>
           <pc:docMk/>
           <pc:sldMk cId="1162835462" sldId="272"/>
         </pc:sldMkLst>
+        <pc:spChg chg="mod">
+          <ac:chgData name="HUY VÕ VĂN QUỐC" userId="50f882b7-b645-45c2-af11-042dc02e2e34" providerId="ADAL" clId="{6EE49EC0-8BAF-4A04-BF4F-0C154EE8672F}" dt="2021-09-12T10:33:31.696" v="6440" actId="2711"/>
+          <ac:spMkLst>
+            <pc:docMk/>
+            <pc:sldMk cId="1162835462" sldId="272"/>
+            <ac:spMk id="2" creationId="{C8C91938-6020-41C6-9539-F027D0B81F5C}"/>
+          </ac:spMkLst>
+        </pc:spChg>
         <pc:spChg chg="mod">
           <ac:chgData name="HUY VÕ VĂN QUỐC" userId="50f882b7-b645-45c2-af11-042dc02e2e34" providerId="ADAL" clId="{6EE49EC0-8BAF-4A04-BF4F-0C154EE8672F}" dt="2021-09-10T07:38:26.666" v="764" actId="20577"/>
           <ac:spMkLst>
@@ -548,11 +622,19 @@
         </pc:picChg>
       </pc:sldChg>
       <pc:sldChg chg="modSp add mod">
-        <pc:chgData name="HUY VÕ VĂN QUỐC" userId="50f882b7-b645-45c2-af11-042dc02e2e34" providerId="ADAL" clId="{6EE49EC0-8BAF-4A04-BF4F-0C154EE8672F}" dt="2021-09-10T07:45:45.168" v="886" actId="5793"/>
+        <pc:chgData name="HUY VÕ VĂN QUỐC" userId="50f882b7-b645-45c2-af11-042dc02e2e34" providerId="ADAL" clId="{6EE49EC0-8BAF-4A04-BF4F-0C154EE8672F}" dt="2021-09-12T10:33:45.895" v="6442" actId="2711"/>
         <pc:sldMkLst>
           <pc:docMk/>
           <pc:sldMk cId="1078011635" sldId="273"/>
         </pc:sldMkLst>
+        <pc:spChg chg="mod">
+          <ac:chgData name="HUY VÕ VĂN QUỐC" userId="50f882b7-b645-45c2-af11-042dc02e2e34" providerId="ADAL" clId="{6EE49EC0-8BAF-4A04-BF4F-0C154EE8672F}" dt="2021-09-12T10:33:45.895" v="6442" actId="2711"/>
+          <ac:spMkLst>
+            <pc:docMk/>
+            <pc:sldMk cId="1078011635" sldId="273"/>
+            <ac:spMk id="2" creationId="{00000000-0000-0000-0000-000000000000}"/>
+          </ac:spMkLst>
+        </pc:spChg>
         <pc:spChg chg="mod">
           <ac:chgData name="HUY VÕ VĂN QUỐC" userId="50f882b7-b645-45c2-af11-042dc02e2e34" providerId="ADAL" clId="{6EE49EC0-8BAF-4A04-BF4F-0C154EE8672F}" dt="2021-09-10T07:45:45.168" v="886" actId="5793"/>
           <ac:spMkLst>
@@ -752,7 +834,7 @@
         </pc:spChg>
       </pc:sldChg>
       <pc:sldChg chg="addSp delSp modSp add mod modClrScheme chgLayout">
-        <pc:chgData name="HUY VÕ VĂN QUỐC" userId="50f882b7-b645-45c2-af11-042dc02e2e34" providerId="ADAL" clId="{6EE49EC0-8BAF-4A04-BF4F-0C154EE8672F}" dt="2021-09-10T07:58:06.518" v="1983" actId="1076"/>
+        <pc:chgData name="HUY VÕ VĂN QUỐC" userId="50f882b7-b645-45c2-af11-042dc02e2e34" providerId="ADAL" clId="{6EE49EC0-8BAF-4A04-BF4F-0C154EE8672F}" dt="2021-09-12T10:33:54.143" v="6443" actId="2711"/>
         <pc:sldMkLst>
           <pc:docMk/>
           <pc:sldMk cId="2195068126" sldId="277"/>
@@ -766,7 +848,7 @@
           </ac:spMkLst>
         </pc:spChg>
         <pc:spChg chg="mod">
-          <ac:chgData name="HUY VÕ VĂN QUỐC" userId="50f882b7-b645-45c2-af11-042dc02e2e34" providerId="ADAL" clId="{6EE49EC0-8BAF-4A04-BF4F-0C154EE8672F}" dt="2021-09-10T07:57:55.368" v="1979" actId="26606"/>
+          <ac:chgData name="HUY VÕ VĂN QUỐC" userId="50f882b7-b645-45c2-af11-042dc02e2e34" providerId="ADAL" clId="{6EE49EC0-8BAF-4A04-BF4F-0C154EE8672F}" dt="2021-09-12T10:33:54.143" v="6443" actId="2711"/>
           <ac:spMkLst>
             <pc:docMk/>
             <pc:sldMk cId="2195068126" sldId="277"/>
@@ -791,7 +873,7 @@
         </pc:picChg>
       </pc:sldChg>
       <pc:sldChg chg="addSp delSp modSp add mod">
-        <pc:chgData name="HUY VÕ VĂN QUỐC" userId="50f882b7-b645-45c2-af11-042dc02e2e34" providerId="ADAL" clId="{6EE49EC0-8BAF-4A04-BF4F-0C154EE8672F}" dt="2021-09-10T07:58:41.917" v="1992" actId="1076"/>
+        <pc:chgData name="HUY VÕ VĂN QUỐC" userId="50f882b7-b645-45c2-af11-042dc02e2e34" providerId="ADAL" clId="{6EE49EC0-8BAF-4A04-BF4F-0C154EE8672F}" dt="2021-09-12T10:33:58.911" v="6444" actId="2711"/>
         <pc:sldMkLst>
           <pc:docMk/>
           <pc:sldMk cId="2358637468" sldId="278"/>
@@ -802,6 +884,14 @@
             <pc:docMk/>
             <pc:sldMk cId="2358637468" sldId="278"/>
             <ac:spMk id="3" creationId="{64FA81CF-730B-471A-9EB9-B23FCEF0E772}"/>
+          </ac:spMkLst>
+        </pc:spChg>
+        <pc:spChg chg="mod">
+          <ac:chgData name="HUY VÕ VĂN QUỐC" userId="50f882b7-b645-45c2-af11-042dc02e2e34" providerId="ADAL" clId="{6EE49EC0-8BAF-4A04-BF4F-0C154EE8672F}" dt="2021-09-12T10:33:58.911" v="6444" actId="2711"/>
+          <ac:spMkLst>
+            <pc:docMk/>
+            <pc:sldMk cId="2358637468" sldId="278"/>
+            <ac:spMk id="12" creationId="{CA05FDA5-242E-4FB2-BC63-9BFBB714E78E}"/>
           </ac:spMkLst>
         </pc:spChg>
         <pc:picChg chg="del">
@@ -830,7 +920,7 @@
         </pc:picChg>
       </pc:sldChg>
       <pc:sldChg chg="addSp delSp modSp add mod">
-        <pc:chgData name="HUY VÕ VĂN QUỐC" userId="50f882b7-b645-45c2-af11-042dc02e2e34" providerId="ADAL" clId="{6EE49EC0-8BAF-4A04-BF4F-0C154EE8672F}" dt="2021-09-10T08:00:17.113" v="2002" actId="1076"/>
+        <pc:chgData name="HUY VÕ VĂN QUỐC" userId="50f882b7-b645-45c2-af11-042dc02e2e34" providerId="ADAL" clId="{6EE49EC0-8BAF-4A04-BF4F-0C154EE8672F}" dt="2021-09-12T10:34:06.691" v="6446" actId="2711"/>
         <pc:sldMkLst>
           <pc:docMk/>
           <pc:sldMk cId="1192523806" sldId="279"/>
@@ -841,6 +931,14 @@
             <pc:docMk/>
             <pc:sldMk cId="1192523806" sldId="279"/>
             <ac:spMk id="3" creationId="{DD7529DF-4A1C-4142-A886-EE4241208A87}"/>
+          </ac:spMkLst>
+        </pc:spChg>
+        <pc:spChg chg="mod">
+          <ac:chgData name="HUY VÕ VĂN QUỐC" userId="50f882b7-b645-45c2-af11-042dc02e2e34" providerId="ADAL" clId="{6EE49EC0-8BAF-4A04-BF4F-0C154EE8672F}" dt="2021-09-12T10:34:06.691" v="6446" actId="2711"/>
+          <ac:spMkLst>
+            <pc:docMk/>
+            <pc:sldMk cId="1192523806" sldId="279"/>
+            <ac:spMk id="12" creationId="{CA05FDA5-242E-4FB2-BC63-9BFBB714E78E}"/>
           </ac:spMkLst>
         </pc:spChg>
         <pc:picChg chg="add mod ord">
@@ -954,7 +1052,7 @@
         </pc:spChg>
       </pc:sldChg>
       <pc:sldChg chg="addSp delSp modSp add mod modClrScheme chgLayout">
-        <pc:chgData name="HUY VÕ VĂN QUỐC" userId="50f882b7-b645-45c2-af11-042dc02e2e34" providerId="ADAL" clId="{6EE49EC0-8BAF-4A04-BF4F-0C154EE8672F}" dt="2021-09-10T08:07:46.077" v="2458" actId="2711"/>
+        <pc:chgData name="HUY VÕ VĂN QUỐC" userId="50f882b7-b645-45c2-af11-042dc02e2e34" providerId="ADAL" clId="{6EE49EC0-8BAF-4A04-BF4F-0C154EE8672F}" dt="2021-09-12T10:34:13.006" v="6447" actId="2711"/>
         <pc:sldMkLst>
           <pc:docMk/>
           <pc:sldMk cId="4063433490" sldId="281"/>
@@ -976,7 +1074,7 @@
           </ac:spMkLst>
         </pc:spChg>
         <pc:spChg chg="mod ord">
-          <ac:chgData name="HUY VÕ VĂN QUỐC" userId="50f882b7-b645-45c2-af11-042dc02e2e34" providerId="ADAL" clId="{6EE49EC0-8BAF-4A04-BF4F-0C154EE8672F}" dt="2021-09-10T08:07:42.071" v="2457" actId="26606"/>
+          <ac:chgData name="HUY VÕ VĂN QUỐC" userId="50f882b7-b645-45c2-af11-042dc02e2e34" providerId="ADAL" clId="{6EE49EC0-8BAF-4A04-BF4F-0C154EE8672F}" dt="2021-09-12T10:34:13.006" v="6447" actId="2711"/>
           <ac:spMkLst>
             <pc:docMk/>
             <pc:sldMk cId="4063433490" sldId="281"/>
@@ -1001,7 +1099,7 @@
         </pc:picChg>
       </pc:sldChg>
       <pc:sldChg chg="addSp delSp modSp add mod">
-        <pc:chgData name="HUY VÕ VĂN QUỐC" userId="50f882b7-b645-45c2-af11-042dc02e2e34" providerId="ADAL" clId="{6EE49EC0-8BAF-4A04-BF4F-0C154EE8672F}" dt="2021-09-10T08:09:50.728" v="2583" actId="1076"/>
+        <pc:chgData name="HUY VÕ VĂN QUỐC" userId="50f882b7-b645-45c2-af11-042dc02e2e34" providerId="ADAL" clId="{6EE49EC0-8BAF-4A04-BF4F-0C154EE8672F}" dt="2021-09-12T10:34:19.417" v="6448" actId="2711"/>
         <pc:sldMkLst>
           <pc:docMk/>
           <pc:sldMk cId="1479873137" sldId="282"/>
@@ -1028,6 +1126,14 @@
             <pc:docMk/>
             <pc:sldMk cId="1479873137" sldId="282"/>
             <ac:spMk id="11" creationId="{9C6B361C-FC60-4807-91F6-06D2FCBDA0CD}"/>
+          </ac:spMkLst>
+        </pc:spChg>
+        <pc:spChg chg="mod">
+          <ac:chgData name="HUY VÕ VĂN QUỐC" userId="50f882b7-b645-45c2-af11-042dc02e2e34" providerId="ADAL" clId="{6EE49EC0-8BAF-4A04-BF4F-0C154EE8672F}" dt="2021-09-12T10:34:19.417" v="6448" actId="2711"/>
+          <ac:spMkLst>
+            <pc:docMk/>
+            <pc:sldMk cId="1479873137" sldId="282"/>
+            <ac:spMk id="12" creationId="{CA05FDA5-242E-4FB2-BC63-9BFBB714E78E}"/>
           </ac:spMkLst>
         </pc:spChg>
         <pc:picChg chg="add del">
@@ -1064,13 +1170,13 @@
         </pc:picChg>
       </pc:sldChg>
       <pc:sldChg chg="delSp modSp new mod modClrScheme chgLayout">
-        <pc:chgData name="HUY VÕ VĂN QUỐC" userId="50f882b7-b645-45c2-af11-042dc02e2e34" providerId="ADAL" clId="{6EE49EC0-8BAF-4A04-BF4F-0C154EE8672F}" dt="2021-09-10T08:35:49.937" v="3485" actId="2711"/>
+        <pc:chgData name="HUY VÕ VĂN QUỐC" userId="50f882b7-b645-45c2-af11-042dc02e2e34" providerId="ADAL" clId="{6EE49EC0-8BAF-4A04-BF4F-0C154EE8672F}" dt="2021-09-12T10:34:23.471" v="6449" actId="2711"/>
         <pc:sldMkLst>
           <pc:docMk/>
           <pc:sldMk cId="1234463872" sldId="283"/>
         </pc:sldMkLst>
         <pc:spChg chg="mod ord">
-          <ac:chgData name="HUY VÕ VĂN QUỐC" userId="50f882b7-b645-45c2-af11-042dc02e2e34" providerId="ADAL" clId="{6EE49EC0-8BAF-4A04-BF4F-0C154EE8672F}" dt="2021-09-10T08:25:08.387" v="2680" actId="700"/>
+          <ac:chgData name="HUY VÕ VĂN QUỐC" userId="50f882b7-b645-45c2-af11-042dc02e2e34" providerId="ADAL" clId="{6EE49EC0-8BAF-4A04-BF4F-0C154EE8672F}" dt="2021-09-12T10:34:23.471" v="6449" actId="2711"/>
           <ac:spMkLst>
             <pc:docMk/>
             <pc:sldMk cId="1234463872" sldId="283"/>
@@ -1118,13 +1224,13 @@
         </pc:spChg>
       </pc:sldChg>
       <pc:sldChg chg="modSp new mod">
-        <pc:chgData name="HUY VÕ VĂN QUỐC" userId="50f882b7-b645-45c2-af11-042dc02e2e34" providerId="ADAL" clId="{6EE49EC0-8BAF-4A04-BF4F-0C154EE8672F}" dt="2021-09-10T08:44:31.064" v="4121" actId="20577"/>
+        <pc:chgData name="HUY VÕ VĂN QUỐC" userId="50f882b7-b645-45c2-af11-042dc02e2e34" providerId="ADAL" clId="{6EE49EC0-8BAF-4A04-BF4F-0C154EE8672F}" dt="2021-09-12T10:34:35.050" v="6451" actId="2711"/>
         <pc:sldMkLst>
           <pc:docMk/>
           <pc:sldMk cId="819206064" sldId="285"/>
         </pc:sldMkLst>
         <pc:spChg chg="mod">
-          <ac:chgData name="HUY VÕ VĂN QUỐC" userId="50f882b7-b645-45c2-af11-042dc02e2e34" providerId="ADAL" clId="{6EE49EC0-8BAF-4A04-BF4F-0C154EE8672F}" dt="2021-09-10T08:37:47.848" v="3841" actId="20577"/>
+          <ac:chgData name="HUY VÕ VĂN QUỐC" userId="50f882b7-b645-45c2-af11-042dc02e2e34" providerId="ADAL" clId="{6EE49EC0-8BAF-4A04-BF4F-0C154EE8672F}" dt="2021-09-12T10:34:35.050" v="6451" actId="2711"/>
           <ac:spMkLst>
             <pc:docMk/>
             <pc:sldMk cId="819206064" sldId="285"/>
@@ -1132,7 +1238,7 @@
           </ac:spMkLst>
         </pc:spChg>
         <pc:spChg chg="mod">
-          <ac:chgData name="HUY VÕ VĂN QUỐC" userId="50f882b7-b645-45c2-af11-042dc02e2e34" providerId="ADAL" clId="{6EE49EC0-8BAF-4A04-BF4F-0C154EE8672F}" dt="2021-09-10T08:44:31.064" v="4121" actId="20577"/>
+          <ac:chgData name="HUY VÕ VĂN QUỐC" userId="50f882b7-b645-45c2-af11-042dc02e2e34" providerId="ADAL" clId="{6EE49EC0-8BAF-4A04-BF4F-0C154EE8672F}" dt="2021-09-12T10:34:31.534" v="6450" actId="2711"/>
           <ac:spMkLst>
             <pc:docMk/>
             <pc:sldMk cId="819206064" sldId="285"/>
@@ -1141,11 +1247,19 @@
         </pc:spChg>
       </pc:sldChg>
       <pc:sldChg chg="addSp delSp modSp add mod">
-        <pc:chgData name="HUY VÕ VĂN QUỐC" userId="50f882b7-b645-45c2-af11-042dc02e2e34" providerId="ADAL" clId="{6EE49EC0-8BAF-4A04-BF4F-0C154EE8672F}" dt="2021-09-10T08:54:00.293" v="4129" actId="1076"/>
+        <pc:chgData name="HUY VÕ VĂN QUỐC" userId="50f882b7-b645-45c2-af11-042dc02e2e34" providerId="ADAL" clId="{6EE49EC0-8BAF-4A04-BF4F-0C154EE8672F}" dt="2021-09-12T10:34:39.597" v="6452" actId="2711"/>
         <pc:sldMkLst>
           <pc:docMk/>
           <pc:sldMk cId="448382591" sldId="286"/>
         </pc:sldMkLst>
+        <pc:spChg chg="mod">
+          <ac:chgData name="HUY VÕ VĂN QUỐC" userId="50f882b7-b645-45c2-af11-042dc02e2e34" providerId="ADAL" clId="{6EE49EC0-8BAF-4A04-BF4F-0C154EE8672F}" dt="2021-09-12T10:34:39.597" v="6452" actId="2711"/>
+          <ac:spMkLst>
+            <pc:docMk/>
+            <pc:sldMk cId="448382591" sldId="286"/>
+            <ac:spMk id="2" creationId="{4A2474AC-66BA-47DF-91C9-7F0CE8AD7046}"/>
+          </ac:spMkLst>
+        </pc:spChg>
         <pc:spChg chg="del mod">
           <ac:chgData name="HUY VÕ VĂN QUỐC" userId="50f882b7-b645-45c2-af11-042dc02e2e34" providerId="ADAL" clId="{6EE49EC0-8BAF-4A04-BF4F-0C154EE8672F}" dt="2021-09-10T08:53:37.183" v="4124" actId="22"/>
           <ac:spMkLst>
@@ -1171,13 +1285,13 @@
         </pc:sldMkLst>
       </pc:sldChg>
       <pc:sldChg chg="addSp delSp modSp add mod modClrScheme chgLayout">
-        <pc:chgData name="HUY VÕ VĂN QUỐC" userId="50f882b7-b645-45c2-af11-042dc02e2e34" providerId="ADAL" clId="{6EE49EC0-8BAF-4A04-BF4F-0C154EE8672F}" dt="2021-09-10T08:55:43.747" v="4243" actId="14100"/>
+        <pc:chgData name="HUY VÕ VĂN QUỐC" userId="50f882b7-b645-45c2-af11-042dc02e2e34" providerId="ADAL" clId="{6EE49EC0-8BAF-4A04-BF4F-0C154EE8672F}" dt="2021-09-12T10:34:53.825" v="6458" actId="2711"/>
         <pc:sldMkLst>
           <pc:docMk/>
           <pc:sldMk cId="2568391072" sldId="288"/>
         </pc:sldMkLst>
         <pc:spChg chg="mod ord">
-          <ac:chgData name="HUY VÕ VĂN QUỐC" userId="50f882b7-b645-45c2-af11-042dc02e2e34" providerId="ADAL" clId="{6EE49EC0-8BAF-4A04-BF4F-0C154EE8672F}" dt="2021-09-10T08:54:49.125" v="4176" actId="700"/>
+          <ac:chgData name="HUY VÕ VĂN QUỐC" userId="50f882b7-b645-45c2-af11-042dc02e2e34" providerId="ADAL" clId="{6EE49EC0-8BAF-4A04-BF4F-0C154EE8672F}" dt="2021-09-12T10:34:43.031" v="6453"/>
           <ac:spMkLst>
             <pc:docMk/>
             <pc:sldMk cId="2568391072" sldId="288"/>
@@ -1201,7 +1315,7 @@
           </ac:spMkLst>
         </pc:spChg>
         <pc:spChg chg="add mod ord">
-          <ac:chgData name="HUY VÕ VĂN QUỐC" userId="50f882b7-b645-45c2-af11-042dc02e2e34" providerId="ADAL" clId="{6EE49EC0-8BAF-4A04-BF4F-0C154EE8672F}" dt="2021-09-10T08:55:43.747" v="4243" actId="14100"/>
+          <ac:chgData name="HUY VÕ VĂN QUỐC" userId="50f882b7-b645-45c2-af11-042dc02e2e34" providerId="ADAL" clId="{6EE49EC0-8BAF-4A04-BF4F-0C154EE8672F}" dt="2021-09-12T10:34:53.825" v="6458" actId="2711"/>
           <ac:spMkLst>
             <pc:docMk/>
             <pc:sldMk cId="2568391072" sldId="288"/>
@@ -1234,11 +1348,19 @@
         </pc:picChg>
       </pc:sldChg>
       <pc:sldChg chg="modSp add mod">
-        <pc:chgData name="HUY VÕ VĂN QUỐC" userId="50f882b7-b645-45c2-af11-042dc02e2e34" providerId="ADAL" clId="{6EE49EC0-8BAF-4A04-BF4F-0C154EE8672F}" dt="2021-09-10T09:32:05.061" v="4783"/>
+        <pc:chgData name="HUY VÕ VĂN QUỐC" userId="50f882b7-b645-45c2-af11-042dc02e2e34" providerId="ADAL" clId="{6EE49EC0-8BAF-4A04-BF4F-0C154EE8672F}" dt="2021-09-12T10:35:05.239" v="6461"/>
         <pc:sldMkLst>
           <pc:docMk/>
           <pc:sldMk cId="815921244" sldId="289"/>
         </pc:sldMkLst>
+        <pc:spChg chg="mod">
+          <ac:chgData name="HUY VÕ VĂN QUỐC" userId="50f882b7-b645-45c2-af11-042dc02e2e34" providerId="ADAL" clId="{6EE49EC0-8BAF-4A04-BF4F-0C154EE8672F}" dt="2021-09-12T10:35:05.239" v="6461"/>
+          <ac:spMkLst>
+            <pc:docMk/>
+            <pc:sldMk cId="815921244" sldId="289"/>
+            <ac:spMk id="2" creationId="{4A2474AC-66BA-47DF-91C9-7F0CE8AD7046}"/>
+          </ac:spMkLst>
+        </pc:spChg>
         <pc:spChg chg="mod">
           <ac:chgData name="HUY VÕ VĂN QUỐC" userId="50f882b7-b645-45c2-af11-042dc02e2e34" providerId="ADAL" clId="{6EE49EC0-8BAF-4A04-BF4F-0C154EE8672F}" dt="2021-09-10T09:32:05.061" v="4783"/>
           <ac:spMkLst>
@@ -1249,17 +1371,33 @@
         </pc:spChg>
       </pc:sldChg>
       <pc:sldChg chg="addSp delSp modSp add mod">
-        <pc:chgData name="HUY VÕ VĂN QUỐC" userId="50f882b7-b645-45c2-af11-042dc02e2e34" providerId="ADAL" clId="{6EE49EC0-8BAF-4A04-BF4F-0C154EE8672F}" dt="2021-09-10T08:57:59.957" v="4248" actId="14100"/>
+        <pc:chgData name="HUY VÕ VĂN QUỐC" userId="50f882b7-b645-45c2-af11-042dc02e2e34" providerId="ADAL" clId="{6EE49EC0-8BAF-4A04-BF4F-0C154EE8672F}" dt="2021-09-12T10:34:49.606" v="6457" actId="2711"/>
         <pc:sldMkLst>
           <pc:docMk/>
           <pc:sldMk cId="2929175160" sldId="290"/>
         </pc:sldMkLst>
+        <pc:spChg chg="mod">
+          <ac:chgData name="HUY VÕ VĂN QUỐC" userId="50f882b7-b645-45c2-af11-042dc02e2e34" providerId="ADAL" clId="{6EE49EC0-8BAF-4A04-BF4F-0C154EE8672F}" dt="2021-09-12T10:34:44.821" v="6454"/>
+          <ac:spMkLst>
+            <pc:docMk/>
+            <pc:sldMk cId="2929175160" sldId="290"/>
+            <ac:spMk id="2" creationId="{4A2474AC-66BA-47DF-91C9-7F0CE8AD7046}"/>
+          </ac:spMkLst>
+        </pc:spChg>
         <pc:spChg chg="add del mod">
           <ac:chgData name="HUY VÕ VĂN QUỐC" userId="50f882b7-b645-45c2-af11-042dc02e2e34" providerId="ADAL" clId="{6EE49EC0-8BAF-4A04-BF4F-0C154EE8672F}" dt="2021-09-10T08:57:54.816" v="4246" actId="22"/>
           <ac:spMkLst>
             <pc:docMk/>
             <pc:sldMk cId="2929175160" sldId="290"/>
             <ac:spMk id="3" creationId="{88B999C0-371B-4183-8802-350E270C8654}"/>
+          </ac:spMkLst>
+        </pc:spChg>
+        <pc:spChg chg="mod">
+          <ac:chgData name="HUY VÕ VĂN QUỐC" userId="50f882b7-b645-45c2-af11-042dc02e2e34" providerId="ADAL" clId="{6EE49EC0-8BAF-4A04-BF4F-0C154EE8672F}" dt="2021-09-12T10:34:49.606" v="6457" actId="2711"/>
+          <ac:spMkLst>
+            <pc:docMk/>
+            <pc:sldMk cId="2929175160" sldId="290"/>
+            <ac:spMk id="7" creationId="{42E12C2E-31FA-4137-BEEF-2FEA5D3B4AF4}"/>
           </ac:spMkLst>
         </pc:spChg>
         <pc:picChg chg="add mod ord">
@@ -1279,19 +1417,43 @@
           </ac:picMkLst>
         </pc:picChg>
       </pc:sldChg>
-      <pc:sldChg chg="add">
-        <pc:chgData name="HUY VÕ VĂN QUỐC" userId="50f882b7-b645-45c2-af11-042dc02e2e34" providerId="ADAL" clId="{6EE49EC0-8BAF-4A04-BF4F-0C154EE8672F}" dt="2021-09-10T09:14:35.985" v="4249" actId="2890"/>
+      <pc:sldChg chg="modSp add mod">
+        <pc:chgData name="HUY VÕ VĂN QUỐC" userId="50f882b7-b645-45c2-af11-042dc02e2e34" providerId="ADAL" clId="{6EE49EC0-8BAF-4A04-BF4F-0C154EE8672F}" dt="2021-09-12T10:35:02.116" v="6460" actId="2711"/>
         <pc:sldMkLst>
           <pc:docMk/>
           <pc:sldMk cId="414710826" sldId="291"/>
         </pc:sldMkLst>
+        <pc:spChg chg="mod">
+          <ac:chgData name="HUY VÕ VĂN QUỐC" userId="50f882b7-b645-45c2-af11-042dc02e2e34" providerId="ADAL" clId="{6EE49EC0-8BAF-4A04-BF4F-0C154EE8672F}" dt="2021-09-12T10:34:59.539" v="6459"/>
+          <ac:spMkLst>
+            <pc:docMk/>
+            <pc:sldMk cId="414710826" sldId="291"/>
+            <ac:spMk id="2" creationId="{4A2474AC-66BA-47DF-91C9-7F0CE8AD7046}"/>
+          </ac:spMkLst>
+        </pc:spChg>
+        <pc:spChg chg="mod">
+          <ac:chgData name="HUY VÕ VĂN QUỐC" userId="50f882b7-b645-45c2-af11-042dc02e2e34" providerId="ADAL" clId="{6EE49EC0-8BAF-4A04-BF4F-0C154EE8672F}" dt="2021-09-12T10:35:02.116" v="6460" actId="2711"/>
+          <ac:spMkLst>
+            <pc:docMk/>
+            <pc:sldMk cId="414710826" sldId="291"/>
+            <ac:spMk id="7" creationId="{42E12C2E-31FA-4137-BEEF-2FEA5D3B4AF4}"/>
+          </ac:spMkLst>
+        </pc:spChg>
       </pc:sldChg>
       <pc:sldChg chg="addSp delSp modSp add mod">
-        <pc:chgData name="HUY VÕ VĂN QUỐC" userId="50f882b7-b645-45c2-af11-042dc02e2e34" providerId="ADAL" clId="{6EE49EC0-8BAF-4A04-BF4F-0C154EE8672F}" dt="2021-09-10T09:32:50.592" v="4790" actId="1076"/>
+        <pc:chgData name="HUY VÕ VĂN QUỐC" userId="50f882b7-b645-45c2-af11-042dc02e2e34" providerId="ADAL" clId="{6EE49EC0-8BAF-4A04-BF4F-0C154EE8672F}" dt="2021-09-12T10:35:08.436" v="6462"/>
         <pc:sldMkLst>
           <pc:docMk/>
           <pc:sldMk cId="4232599718" sldId="292"/>
         </pc:sldMkLst>
+        <pc:spChg chg="mod">
+          <ac:chgData name="HUY VÕ VĂN QUỐC" userId="50f882b7-b645-45c2-af11-042dc02e2e34" providerId="ADAL" clId="{6EE49EC0-8BAF-4A04-BF4F-0C154EE8672F}" dt="2021-09-12T10:35:08.436" v="6462"/>
+          <ac:spMkLst>
+            <pc:docMk/>
+            <pc:sldMk cId="4232599718" sldId="292"/>
+            <ac:spMk id="2" creationId="{4A2474AC-66BA-47DF-91C9-7F0CE8AD7046}"/>
+          </ac:spMkLst>
+        </pc:spChg>
         <pc:spChg chg="del">
           <ac:chgData name="HUY VÕ VĂN QUỐC" userId="50f882b7-b645-45c2-af11-042dc02e2e34" providerId="ADAL" clId="{6EE49EC0-8BAF-4A04-BF4F-0C154EE8672F}" dt="2021-09-10T09:32:35.388" v="4786" actId="478"/>
           <ac:spMkLst>
@@ -1364,13 +1526,13 @@
         </pc:spChg>
       </pc:sldChg>
       <pc:sldChg chg="addSp modSp add del mod modClrScheme chgLayout">
-        <pc:chgData name="HUY VÕ VĂN QUỐC" userId="50f882b7-b645-45c2-af11-042dc02e2e34" providerId="ADAL" clId="{6EE49EC0-8BAF-4A04-BF4F-0C154EE8672F}" dt="2021-09-10T09:51:56.125" v="5419" actId="2711"/>
+        <pc:chgData name="HUY VÕ VĂN QUỐC" userId="50f882b7-b645-45c2-af11-042dc02e2e34" providerId="ADAL" clId="{6EE49EC0-8BAF-4A04-BF4F-0C154EE8672F}" dt="2021-09-12T10:35:13.255" v="6463"/>
         <pc:sldMkLst>
           <pc:docMk/>
           <pc:sldMk cId="3654105760" sldId="295"/>
         </pc:sldMkLst>
         <pc:spChg chg="mod">
-          <ac:chgData name="HUY VÕ VĂN QUỐC" userId="50f882b7-b645-45c2-af11-042dc02e2e34" providerId="ADAL" clId="{6EE49EC0-8BAF-4A04-BF4F-0C154EE8672F}" dt="2021-09-10T09:51:29.168" v="5412" actId="26606"/>
+          <ac:chgData name="HUY VÕ VĂN QUỐC" userId="50f882b7-b645-45c2-af11-042dc02e2e34" providerId="ADAL" clId="{6EE49EC0-8BAF-4A04-BF4F-0C154EE8672F}" dt="2021-09-12T10:35:13.255" v="6463"/>
           <ac:spMkLst>
             <pc:docMk/>
             <pc:sldMk cId="3654105760" sldId="295"/>
@@ -1395,13 +1557,13 @@
         </pc:picChg>
       </pc:sldChg>
       <pc:sldChg chg="addSp delSp modSp add mod ord modClrScheme chgLayout">
-        <pc:chgData name="HUY VÕ VĂN QUỐC" userId="50f882b7-b645-45c2-af11-042dc02e2e34" providerId="ADAL" clId="{6EE49EC0-8BAF-4A04-BF4F-0C154EE8672F}" dt="2021-09-10T09:53:34.931" v="5613" actId="2711"/>
+        <pc:chgData name="HUY VÕ VĂN QUỐC" userId="50f882b7-b645-45c2-af11-042dc02e2e34" providerId="ADAL" clId="{6EE49EC0-8BAF-4A04-BF4F-0C154EE8672F}" dt="2021-09-12T10:35:17.225" v="6464"/>
         <pc:sldMkLst>
           <pc:docMk/>
           <pc:sldMk cId="3527041482" sldId="296"/>
         </pc:sldMkLst>
         <pc:spChg chg="mod">
-          <ac:chgData name="HUY VÕ VĂN QUỐC" userId="50f882b7-b645-45c2-af11-042dc02e2e34" providerId="ADAL" clId="{6EE49EC0-8BAF-4A04-BF4F-0C154EE8672F}" dt="2021-09-10T09:53:25.516" v="5611" actId="26606"/>
+          <ac:chgData name="HUY VÕ VĂN QUỐC" userId="50f882b7-b645-45c2-af11-042dc02e2e34" providerId="ADAL" clId="{6EE49EC0-8BAF-4A04-BF4F-0C154EE8672F}" dt="2021-09-12T10:35:17.225" v="6464"/>
           <ac:spMkLst>
             <pc:docMk/>
             <pc:sldMk cId="3527041482" sldId="296"/>
@@ -1433,9 +1595,4962 @@
           </ac:picMkLst>
         </pc:picChg>
       </pc:sldChg>
+      <pc:sldChg chg="addSp delSp modSp new mod modClrScheme chgLayout">
+        <pc:chgData name="HUY VÕ VĂN QUỐC" userId="50f882b7-b645-45c2-af11-042dc02e2e34" providerId="ADAL" clId="{6EE49EC0-8BAF-4A04-BF4F-0C154EE8672F}" dt="2021-09-12T10:31:17.189" v="6416" actId="2711"/>
+        <pc:sldMkLst>
+          <pc:docMk/>
+          <pc:sldMk cId="2258706049" sldId="297"/>
+        </pc:sldMkLst>
+        <pc:spChg chg="mod">
+          <ac:chgData name="HUY VÕ VĂN QUỐC" userId="50f882b7-b645-45c2-af11-042dc02e2e34" providerId="ADAL" clId="{6EE49EC0-8BAF-4A04-BF4F-0C154EE8672F}" dt="2021-09-12T10:31:17.189" v="6416" actId="2711"/>
+          <ac:spMkLst>
+            <pc:docMk/>
+            <pc:sldMk cId="2258706049" sldId="297"/>
+            <ac:spMk id="2" creationId="{1A40ABCB-1B77-4018-B026-3B243DB5CA83}"/>
+          </ac:spMkLst>
+        </pc:spChg>
+        <pc:spChg chg="add del mod">
+          <ac:chgData name="HUY VÕ VĂN QUỐC" userId="50f882b7-b645-45c2-af11-042dc02e2e34" providerId="ADAL" clId="{6EE49EC0-8BAF-4A04-BF4F-0C154EE8672F}" dt="2021-09-12T10:31:13.161" v="6415" actId="2711"/>
+          <ac:spMkLst>
+            <pc:docMk/>
+            <pc:sldMk cId="2258706049" sldId="297"/>
+            <ac:spMk id="3" creationId="{9E03A641-A383-4B76-BE74-2EE235661223}"/>
+          </ac:spMkLst>
+        </pc:spChg>
+        <pc:spChg chg="add del mod">
+          <ac:chgData name="HUY VÕ VĂN QUỐC" userId="50f882b7-b645-45c2-af11-042dc02e2e34" providerId="ADAL" clId="{6EE49EC0-8BAF-4A04-BF4F-0C154EE8672F}" dt="2021-09-12T10:29:58.754" v="6392" actId="26606"/>
+          <ac:spMkLst>
+            <pc:docMk/>
+            <pc:sldMk cId="2258706049" sldId="297"/>
+            <ac:spMk id="9" creationId="{62A6EC9A-6561-478E-9115-54C68987BD5C}"/>
+          </ac:spMkLst>
+        </pc:spChg>
+        <pc:spChg chg="add del mod">
+          <ac:chgData name="HUY VÕ VĂN QUỐC" userId="50f882b7-b645-45c2-af11-042dc02e2e34" providerId="ADAL" clId="{6EE49EC0-8BAF-4A04-BF4F-0C154EE8672F}" dt="2021-09-12T10:29:59.420" v="6394" actId="26606"/>
+          <ac:spMkLst>
+            <pc:docMk/>
+            <pc:sldMk cId="2258706049" sldId="297"/>
+            <ac:spMk id="11" creationId="{EDF3BC3D-B864-4FA2-B1F8-353B339E895F}"/>
+          </ac:spMkLst>
+        </pc:spChg>
+        <pc:graphicFrameChg chg="add del modGraphic">
+          <ac:chgData name="HUY VÕ VĂN QUỐC" userId="50f882b7-b645-45c2-af11-042dc02e2e34" providerId="ADAL" clId="{6EE49EC0-8BAF-4A04-BF4F-0C154EE8672F}" dt="2021-09-12T10:30:36.453" v="6402" actId="1032"/>
+          <ac:graphicFrameMkLst>
+            <pc:docMk/>
+            <pc:sldMk cId="2258706049" sldId="297"/>
+            <ac:graphicFrameMk id="4" creationId="{379FEBA5-74B0-4D3C-BD13-D0E03BF4888B}"/>
+          </ac:graphicFrameMkLst>
+        </pc:graphicFrameChg>
+        <pc:graphicFrameChg chg="add del mod">
+          <ac:chgData name="HUY VÕ VĂN QUỐC" userId="50f882b7-b645-45c2-af11-042dc02e2e34" providerId="ADAL" clId="{6EE49EC0-8BAF-4A04-BF4F-0C154EE8672F}" dt="2021-09-12T10:29:58.754" v="6392" actId="26606"/>
+          <ac:graphicFrameMkLst>
+            <pc:docMk/>
+            <pc:sldMk cId="2258706049" sldId="297"/>
+            <ac:graphicFrameMk id="5" creationId="{C19CC10D-D07A-40AB-9C9D-A374A42F27BC}"/>
+          </ac:graphicFrameMkLst>
+        </pc:graphicFrameChg>
+        <pc:graphicFrameChg chg="add del">
+          <ac:chgData name="HUY VÕ VĂN QUỐC" userId="50f882b7-b645-45c2-af11-042dc02e2e34" providerId="ADAL" clId="{6EE49EC0-8BAF-4A04-BF4F-0C154EE8672F}" dt="2021-09-12T10:30:48.275" v="6405" actId="26606"/>
+          <ac:graphicFrameMkLst>
+            <pc:docMk/>
+            <pc:sldMk cId="2258706049" sldId="297"/>
+            <ac:graphicFrameMk id="6" creationId="{4A1B0784-C532-4B26-8498-926A5D5D44FA}"/>
+          </ac:graphicFrameMkLst>
+        </pc:graphicFrameChg>
+        <pc:graphicFrameChg chg="add del">
+          <ac:chgData name="HUY VÕ VĂN QUỐC" userId="50f882b7-b645-45c2-af11-042dc02e2e34" providerId="ADAL" clId="{6EE49EC0-8BAF-4A04-BF4F-0C154EE8672F}" dt="2021-09-12T10:30:48.890" v="6407" actId="26606"/>
+          <ac:graphicFrameMkLst>
+            <pc:docMk/>
+            <pc:sldMk cId="2258706049" sldId="297"/>
+            <ac:graphicFrameMk id="8" creationId="{ED10E550-63F8-416B-A9C2-3FE87D0F2915}"/>
+          </ac:graphicFrameMkLst>
+        </pc:graphicFrameChg>
+        <pc:graphicFrameChg chg="add del mod">
+          <ac:chgData name="HUY VÕ VĂN QUỐC" userId="50f882b7-b645-45c2-af11-042dc02e2e34" providerId="ADAL" clId="{6EE49EC0-8BAF-4A04-BF4F-0C154EE8672F}" dt="2021-09-12T10:31:07.743" v="6413" actId="26606"/>
+          <ac:graphicFrameMkLst>
+            <pc:docMk/>
+            <pc:sldMk cId="2258706049" sldId="297"/>
+            <ac:graphicFrameMk id="10" creationId="{4A1B0784-C532-4B26-8498-926A5D5D44FA}"/>
+          </ac:graphicFrameMkLst>
+        </pc:graphicFrameChg>
+        <pc:graphicFrameChg chg="add del mod">
+          <ac:chgData name="HUY VÕ VĂN QUỐC" userId="50f882b7-b645-45c2-af11-042dc02e2e34" providerId="ADAL" clId="{6EE49EC0-8BAF-4A04-BF4F-0C154EE8672F}" dt="2021-09-12T10:29:59.420" v="6394" actId="26606"/>
+          <ac:graphicFrameMkLst>
+            <pc:docMk/>
+            <pc:sldMk cId="2258706049" sldId="297"/>
+            <ac:graphicFrameMk id="12" creationId="{7AB0FA4B-D2A0-4DB2-9DA3-918C8D57A089}"/>
+          </ac:graphicFrameMkLst>
+        </pc:graphicFrameChg>
+        <pc:graphicFrameChg chg="add del">
+          <ac:chgData name="HUY VÕ VĂN QUỐC" userId="50f882b7-b645-45c2-af11-042dc02e2e34" providerId="ADAL" clId="{6EE49EC0-8BAF-4A04-BF4F-0C154EE8672F}" dt="2021-09-12T10:30:01.259" v="6396" actId="26606"/>
+          <ac:graphicFrameMkLst>
+            <pc:docMk/>
+            <pc:sldMk cId="2258706049" sldId="297"/>
+            <ac:graphicFrameMk id="14" creationId="{D259C5CB-C3AC-4BE2-8467-489C40EDFD3D}"/>
+          </ac:graphicFrameMkLst>
+        </pc:graphicFrameChg>
+        <pc:graphicFrameChg chg="add del">
+          <ac:chgData name="HUY VÕ VĂN QUỐC" userId="50f882b7-b645-45c2-af11-042dc02e2e34" providerId="ADAL" clId="{6EE49EC0-8BAF-4A04-BF4F-0C154EE8672F}" dt="2021-09-12T10:30:02.437" v="6398" actId="26606"/>
+          <ac:graphicFrameMkLst>
+            <pc:docMk/>
+            <pc:sldMk cId="2258706049" sldId="297"/>
+            <ac:graphicFrameMk id="16" creationId="{ACD6FA15-020E-4E17-BCA4-AC028FAB8407}"/>
+          </ac:graphicFrameMkLst>
+        </pc:graphicFrameChg>
+        <pc:graphicFrameChg chg="add del">
+          <ac:chgData name="HUY VÕ VĂN QUỐC" userId="50f882b7-b645-45c2-af11-042dc02e2e34" providerId="ADAL" clId="{6EE49EC0-8BAF-4A04-BF4F-0C154EE8672F}" dt="2021-09-12T10:30:14.230" v="6400" actId="26606"/>
+          <ac:graphicFrameMkLst>
+            <pc:docMk/>
+            <pc:sldMk cId="2258706049" sldId="297"/>
+            <ac:graphicFrameMk id="18" creationId="{D259C5CB-C3AC-4BE2-8467-489C40EDFD3D}"/>
+          </ac:graphicFrameMkLst>
+        </pc:graphicFrameChg>
+      </pc:sldChg>
+      <pc:sldChg chg="addSp delSp new mod modClrScheme chgLayout">
+        <pc:chgData name="HUY VÕ VĂN QUỐC" userId="50f882b7-b645-45c2-af11-042dc02e2e34" providerId="ADAL" clId="{6EE49EC0-8BAF-4A04-BF4F-0C154EE8672F}" dt="2021-09-12T10:31:48.559" v="6419" actId="22"/>
+        <pc:sldMkLst>
+          <pc:docMk/>
+          <pc:sldMk cId="1311251287" sldId="298"/>
+        </pc:sldMkLst>
+        <pc:spChg chg="del">
+          <ac:chgData name="HUY VÕ VĂN QUỐC" userId="50f882b7-b645-45c2-af11-042dc02e2e34" providerId="ADAL" clId="{6EE49EC0-8BAF-4A04-BF4F-0C154EE8672F}" dt="2021-09-12T10:31:29.391" v="6418" actId="700"/>
+          <ac:spMkLst>
+            <pc:docMk/>
+            <pc:sldMk cId="1311251287" sldId="298"/>
+            <ac:spMk id="2" creationId="{F8BCE3D1-10CF-4C24-894D-D280879D01EA}"/>
+          </ac:spMkLst>
+        </pc:spChg>
+        <pc:spChg chg="del">
+          <ac:chgData name="HUY VÕ VĂN QUỐC" userId="50f882b7-b645-45c2-af11-042dc02e2e34" providerId="ADAL" clId="{6EE49EC0-8BAF-4A04-BF4F-0C154EE8672F}" dt="2021-09-12T10:31:29.391" v="6418" actId="700"/>
+          <ac:spMkLst>
+            <pc:docMk/>
+            <pc:sldMk cId="1311251287" sldId="298"/>
+            <ac:spMk id="3" creationId="{08179656-F037-4E39-BA95-D97D7643289C}"/>
+          </ac:spMkLst>
+        </pc:spChg>
+        <pc:picChg chg="add">
+          <ac:chgData name="HUY VÕ VĂN QUỐC" userId="50f882b7-b645-45c2-af11-042dc02e2e34" providerId="ADAL" clId="{6EE49EC0-8BAF-4A04-BF4F-0C154EE8672F}" dt="2021-09-12T10:31:48.559" v="6419" actId="22"/>
+          <ac:picMkLst>
+            <pc:docMk/>
+            <pc:sldMk cId="1311251287" sldId="298"/>
+            <ac:picMk id="5" creationId="{45516D85-A131-48C6-BEFA-E4D596B390FB}"/>
+          </ac:picMkLst>
+        </pc:picChg>
+      </pc:sldChg>
+      <pc:sldChg chg="addSp delSp modSp new mod">
+        <pc:chgData name="HUY VÕ VĂN QUỐC" userId="50f882b7-b645-45c2-af11-042dc02e2e34" providerId="ADAL" clId="{6EE49EC0-8BAF-4A04-BF4F-0C154EE8672F}" dt="2021-09-12T10:33:04.812" v="6438" actId="14100"/>
+        <pc:sldMkLst>
+          <pc:docMk/>
+          <pc:sldMk cId="202230451" sldId="299"/>
+        </pc:sldMkLst>
+        <pc:picChg chg="add mod">
+          <ac:chgData name="HUY VÕ VĂN QUỐC" userId="50f882b7-b645-45c2-af11-042dc02e2e34" providerId="ADAL" clId="{6EE49EC0-8BAF-4A04-BF4F-0C154EE8672F}" dt="2021-09-12T10:33:04.812" v="6438" actId="14100"/>
+          <ac:picMkLst>
+            <pc:docMk/>
+            <pc:sldMk cId="202230451" sldId="299"/>
+            <ac:picMk id="3" creationId="{9605C09C-462B-4B2E-B7BA-7ACBDB20BAAE}"/>
+          </ac:picMkLst>
+        </pc:picChg>
+        <pc:picChg chg="add del mod">
+          <ac:chgData name="HUY VÕ VĂN QUỐC" userId="50f882b7-b645-45c2-af11-042dc02e2e34" providerId="ADAL" clId="{6EE49EC0-8BAF-4A04-BF4F-0C154EE8672F}" dt="2021-09-12T10:32:41.096" v="6427"/>
+          <ac:picMkLst>
+            <pc:docMk/>
+            <pc:sldMk cId="202230451" sldId="299"/>
+            <ac:picMk id="1026" creationId="{CF710F24-71D2-4280-82AC-D0B18DC40FAC}"/>
+          </ac:picMkLst>
+        </pc:picChg>
+        <pc:picChg chg="add mod">
+          <ac:chgData name="HUY VÕ VĂN QUỐC" userId="50f882b7-b645-45c2-af11-042dc02e2e34" providerId="ADAL" clId="{6EE49EC0-8BAF-4A04-BF4F-0C154EE8672F}" dt="2021-09-12T10:33:00.601" v="6437" actId="1076"/>
+          <ac:picMkLst>
+            <pc:docMk/>
+            <pc:sldMk cId="202230451" sldId="299"/>
+            <ac:picMk id="1028" creationId="{3AEB5418-FD00-407A-AA93-0530D33186DA}"/>
+          </ac:picMkLst>
+        </pc:picChg>
+      </pc:sldChg>
     </pc:docChg>
   </pc:docChgLst>
 </pc:chgInfo>
+</file>
+
+<file path=ppt/diagrams/colors1.xml><?xml version="1.0" encoding="utf-8"?>
+<dgm:colorsDef xmlns:dgm="http://schemas.openxmlformats.org/drawingml/2006/diagram" xmlns:a="http://schemas.openxmlformats.org/drawingml/2006/main" uniqueId="urn:microsoft.com/office/officeart/2005/8/colors/accent3_2">
+  <dgm:title val=""/>
+  <dgm:desc val=""/>
+  <dgm:catLst>
+    <dgm:cat type="accent3" pri="11200"/>
+  </dgm:catLst>
+  <dgm:styleLbl name="node0">
+    <dgm:fillClrLst meth="repeat">
+      <a:schemeClr val="accent3"/>
+    </dgm:fillClrLst>
+    <dgm:linClrLst meth="repeat">
+      <a:schemeClr val="lt1"/>
+    </dgm:linClrLst>
+    <dgm:effectClrLst/>
+    <dgm:txLinClrLst/>
+    <dgm:txFillClrLst/>
+    <dgm:txEffectClrLst/>
+  </dgm:styleLbl>
+  <dgm:styleLbl name="node1">
+    <dgm:fillClrLst meth="repeat">
+      <a:schemeClr val="accent3"/>
+    </dgm:fillClrLst>
+    <dgm:linClrLst meth="repeat">
+      <a:schemeClr val="lt1"/>
+    </dgm:linClrLst>
+    <dgm:effectClrLst/>
+    <dgm:txLinClrLst/>
+    <dgm:txFillClrLst/>
+    <dgm:txEffectClrLst/>
+  </dgm:styleLbl>
+  <dgm:styleLbl name="alignNode1">
+    <dgm:fillClrLst meth="repeat">
+      <a:schemeClr val="accent3"/>
+    </dgm:fillClrLst>
+    <dgm:linClrLst meth="repeat">
+      <a:schemeClr val="accent3"/>
+    </dgm:linClrLst>
+    <dgm:effectClrLst/>
+    <dgm:txLinClrLst/>
+    <dgm:txFillClrLst/>
+    <dgm:txEffectClrLst/>
+  </dgm:styleLbl>
+  <dgm:styleLbl name="lnNode1">
+    <dgm:fillClrLst meth="repeat">
+      <a:schemeClr val="accent3"/>
+    </dgm:fillClrLst>
+    <dgm:linClrLst meth="repeat">
+      <a:schemeClr val="lt1"/>
+    </dgm:linClrLst>
+    <dgm:effectClrLst/>
+    <dgm:txLinClrLst/>
+    <dgm:txFillClrLst/>
+    <dgm:txEffectClrLst/>
+  </dgm:styleLbl>
+  <dgm:styleLbl name="vennNode1">
+    <dgm:fillClrLst meth="repeat">
+      <a:schemeClr val="accent3">
+        <a:alpha val="50000"/>
+      </a:schemeClr>
+    </dgm:fillClrLst>
+    <dgm:linClrLst meth="repeat">
+      <a:schemeClr val="lt1"/>
+    </dgm:linClrLst>
+    <dgm:effectClrLst/>
+    <dgm:txLinClrLst/>
+    <dgm:txFillClrLst/>
+    <dgm:txEffectClrLst/>
+  </dgm:styleLbl>
+  <dgm:styleLbl name="node2">
+    <dgm:fillClrLst meth="repeat">
+      <a:schemeClr val="accent3"/>
+    </dgm:fillClrLst>
+    <dgm:linClrLst meth="repeat">
+      <a:schemeClr val="lt1"/>
+    </dgm:linClrLst>
+    <dgm:effectClrLst/>
+    <dgm:txLinClrLst/>
+    <dgm:txFillClrLst/>
+    <dgm:txEffectClrLst/>
+  </dgm:styleLbl>
+  <dgm:styleLbl name="node3">
+    <dgm:fillClrLst meth="repeat">
+      <a:schemeClr val="accent3"/>
+    </dgm:fillClrLst>
+    <dgm:linClrLst meth="repeat">
+      <a:schemeClr val="lt1"/>
+    </dgm:linClrLst>
+    <dgm:effectClrLst/>
+    <dgm:txLinClrLst/>
+    <dgm:txFillClrLst/>
+    <dgm:txEffectClrLst/>
+  </dgm:styleLbl>
+  <dgm:styleLbl name="node4">
+    <dgm:fillClrLst meth="repeat">
+      <a:schemeClr val="accent3"/>
+    </dgm:fillClrLst>
+    <dgm:linClrLst meth="repeat">
+      <a:schemeClr val="lt1"/>
+    </dgm:linClrLst>
+    <dgm:effectClrLst/>
+    <dgm:txLinClrLst/>
+    <dgm:txFillClrLst/>
+    <dgm:txEffectClrLst/>
+  </dgm:styleLbl>
+  <dgm:styleLbl name="fgImgPlace1">
+    <dgm:fillClrLst meth="repeat">
+      <a:schemeClr val="accent3">
+        <a:tint val="50000"/>
+      </a:schemeClr>
+    </dgm:fillClrLst>
+    <dgm:linClrLst meth="repeat">
+      <a:schemeClr val="lt1"/>
+    </dgm:linClrLst>
+    <dgm:effectClrLst/>
+    <dgm:txLinClrLst/>
+    <dgm:txFillClrLst meth="repeat">
+      <a:schemeClr val="lt1"/>
+    </dgm:txFillClrLst>
+    <dgm:txEffectClrLst/>
+  </dgm:styleLbl>
+  <dgm:styleLbl name="alignImgPlace1">
+    <dgm:fillClrLst meth="repeat">
+      <a:schemeClr val="accent3">
+        <a:tint val="50000"/>
+      </a:schemeClr>
+    </dgm:fillClrLst>
+    <dgm:linClrLst meth="repeat">
+      <a:schemeClr val="lt1"/>
+    </dgm:linClrLst>
+    <dgm:effectClrLst/>
+    <dgm:txLinClrLst/>
+    <dgm:txFillClrLst meth="repeat">
+      <a:schemeClr val="lt1"/>
+    </dgm:txFillClrLst>
+    <dgm:txEffectClrLst/>
+  </dgm:styleLbl>
+  <dgm:styleLbl name="bgImgPlace1">
+    <dgm:fillClrLst meth="repeat">
+      <a:schemeClr val="accent3">
+        <a:tint val="50000"/>
+      </a:schemeClr>
+    </dgm:fillClrLst>
+    <dgm:linClrLst meth="repeat">
+      <a:schemeClr val="lt1"/>
+    </dgm:linClrLst>
+    <dgm:effectClrLst/>
+    <dgm:txLinClrLst/>
+    <dgm:txFillClrLst meth="repeat">
+      <a:schemeClr val="lt1"/>
+    </dgm:txFillClrLst>
+    <dgm:txEffectClrLst/>
+  </dgm:styleLbl>
+  <dgm:styleLbl name="sibTrans2D1">
+    <dgm:fillClrLst meth="repeat">
+      <a:schemeClr val="accent3">
+        <a:tint val="60000"/>
+      </a:schemeClr>
+    </dgm:fillClrLst>
+    <dgm:linClrLst meth="repeat">
+      <a:schemeClr val="accent3">
+        <a:tint val="60000"/>
+      </a:schemeClr>
+    </dgm:linClrLst>
+    <dgm:effectClrLst/>
+    <dgm:txLinClrLst/>
+    <dgm:txFillClrLst/>
+    <dgm:txEffectClrLst/>
+  </dgm:styleLbl>
+  <dgm:styleLbl name="fgSibTrans2D1">
+    <dgm:fillClrLst meth="repeat">
+      <a:schemeClr val="accent3">
+        <a:tint val="60000"/>
+      </a:schemeClr>
+    </dgm:fillClrLst>
+    <dgm:linClrLst meth="repeat">
+      <a:schemeClr val="accent3">
+        <a:tint val="60000"/>
+      </a:schemeClr>
+    </dgm:linClrLst>
+    <dgm:effectClrLst/>
+    <dgm:txLinClrLst/>
+    <dgm:txFillClrLst/>
+    <dgm:txEffectClrLst/>
+  </dgm:styleLbl>
+  <dgm:styleLbl name="bgSibTrans2D1">
+    <dgm:fillClrLst meth="repeat">
+      <a:schemeClr val="accent3">
+        <a:tint val="60000"/>
+      </a:schemeClr>
+    </dgm:fillClrLst>
+    <dgm:linClrLst meth="repeat">
+      <a:schemeClr val="accent3">
+        <a:tint val="60000"/>
+      </a:schemeClr>
+    </dgm:linClrLst>
+    <dgm:effectClrLst/>
+    <dgm:txLinClrLst/>
+    <dgm:txFillClrLst/>
+    <dgm:txEffectClrLst/>
+  </dgm:styleLbl>
+  <dgm:styleLbl name="sibTrans1D1">
+    <dgm:fillClrLst meth="repeat">
+      <a:schemeClr val="accent3"/>
+    </dgm:fillClrLst>
+    <dgm:linClrLst meth="repeat">
+      <a:schemeClr val="accent3"/>
+    </dgm:linClrLst>
+    <dgm:effectClrLst/>
+    <dgm:txLinClrLst/>
+    <dgm:txFillClrLst meth="repeat">
+      <a:schemeClr val="tx1"/>
+    </dgm:txFillClrLst>
+    <dgm:txEffectClrLst/>
+  </dgm:styleLbl>
+  <dgm:styleLbl name="callout">
+    <dgm:fillClrLst meth="repeat">
+      <a:schemeClr val="accent3"/>
+    </dgm:fillClrLst>
+    <dgm:linClrLst meth="repeat">
+      <a:schemeClr val="accent3">
+        <a:tint val="50000"/>
+      </a:schemeClr>
+    </dgm:linClrLst>
+    <dgm:effectClrLst/>
+    <dgm:txLinClrLst/>
+    <dgm:txFillClrLst meth="repeat">
+      <a:schemeClr val="tx1"/>
+    </dgm:txFillClrLst>
+    <dgm:txEffectClrLst/>
+  </dgm:styleLbl>
+  <dgm:styleLbl name="asst0">
+    <dgm:fillClrLst meth="repeat">
+      <a:schemeClr val="accent3"/>
+    </dgm:fillClrLst>
+    <dgm:linClrLst meth="repeat">
+      <a:schemeClr val="lt1"/>
+    </dgm:linClrLst>
+    <dgm:effectClrLst/>
+    <dgm:txLinClrLst/>
+    <dgm:txFillClrLst/>
+    <dgm:txEffectClrLst/>
+  </dgm:styleLbl>
+  <dgm:styleLbl name="asst1">
+    <dgm:fillClrLst meth="repeat">
+      <a:schemeClr val="accent3"/>
+    </dgm:fillClrLst>
+    <dgm:linClrLst meth="repeat">
+      <a:schemeClr val="lt1"/>
+    </dgm:linClrLst>
+    <dgm:effectClrLst/>
+    <dgm:txLinClrLst/>
+    <dgm:txFillClrLst/>
+    <dgm:txEffectClrLst/>
+  </dgm:styleLbl>
+  <dgm:styleLbl name="asst2">
+    <dgm:fillClrLst meth="repeat">
+      <a:schemeClr val="accent3"/>
+    </dgm:fillClrLst>
+    <dgm:linClrLst meth="repeat">
+      <a:schemeClr val="lt1"/>
+    </dgm:linClrLst>
+    <dgm:effectClrLst/>
+    <dgm:txLinClrLst/>
+    <dgm:txFillClrLst/>
+    <dgm:txEffectClrLst/>
+  </dgm:styleLbl>
+  <dgm:styleLbl name="asst3">
+    <dgm:fillClrLst meth="repeat">
+      <a:schemeClr val="accent3"/>
+    </dgm:fillClrLst>
+    <dgm:linClrLst meth="repeat">
+      <a:schemeClr val="lt1"/>
+    </dgm:linClrLst>
+    <dgm:effectClrLst/>
+    <dgm:txLinClrLst/>
+    <dgm:txFillClrLst/>
+    <dgm:txEffectClrLst/>
+  </dgm:styleLbl>
+  <dgm:styleLbl name="asst4">
+    <dgm:fillClrLst meth="repeat">
+      <a:schemeClr val="accent3"/>
+    </dgm:fillClrLst>
+    <dgm:linClrLst meth="repeat">
+      <a:schemeClr val="lt1"/>
+    </dgm:linClrLst>
+    <dgm:effectClrLst/>
+    <dgm:txLinClrLst/>
+    <dgm:txFillClrLst/>
+    <dgm:txEffectClrLst/>
+  </dgm:styleLbl>
+  <dgm:styleLbl name="parChTrans2D1">
+    <dgm:fillClrLst meth="repeat">
+      <a:schemeClr val="accent3">
+        <a:tint val="60000"/>
+      </a:schemeClr>
+    </dgm:fillClrLst>
+    <dgm:linClrLst meth="repeat">
+      <a:schemeClr val="accent3">
+        <a:tint val="60000"/>
+      </a:schemeClr>
+    </dgm:linClrLst>
+    <dgm:effectClrLst/>
+    <dgm:txLinClrLst/>
+    <dgm:txFillClrLst meth="repeat">
+      <a:schemeClr val="lt1"/>
+    </dgm:txFillClrLst>
+    <dgm:txEffectClrLst/>
+  </dgm:styleLbl>
+  <dgm:styleLbl name="parChTrans2D2">
+    <dgm:fillClrLst meth="repeat">
+      <a:schemeClr val="accent3"/>
+    </dgm:fillClrLst>
+    <dgm:linClrLst meth="repeat">
+      <a:schemeClr val="accent3"/>
+    </dgm:linClrLst>
+    <dgm:effectClrLst/>
+    <dgm:txLinClrLst/>
+    <dgm:txFillClrLst meth="repeat">
+      <a:schemeClr val="lt1"/>
+    </dgm:txFillClrLst>
+    <dgm:txEffectClrLst/>
+  </dgm:styleLbl>
+  <dgm:styleLbl name="parChTrans2D3">
+    <dgm:fillClrLst meth="repeat">
+      <a:schemeClr val="accent3"/>
+    </dgm:fillClrLst>
+    <dgm:linClrLst meth="repeat">
+      <a:schemeClr val="accent3"/>
+    </dgm:linClrLst>
+    <dgm:effectClrLst/>
+    <dgm:txLinClrLst/>
+    <dgm:txFillClrLst meth="repeat">
+      <a:schemeClr val="lt1"/>
+    </dgm:txFillClrLst>
+    <dgm:txEffectClrLst/>
+  </dgm:styleLbl>
+  <dgm:styleLbl name="parChTrans2D4">
+    <dgm:fillClrLst meth="repeat">
+      <a:schemeClr val="accent3"/>
+    </dgm:fillClrLst>
+    <dgm:linClrLst meth="repeat">
+      <a:schemeClr val="accent3"/>
+    </dgm:linClrLst>
+    <dgm:effectClrLst/>
+    <dgm:txLinClrLst/>
+    <dgm:txFillClrLst meth="repeat">
+      <a:schemeClr val="lt1"/>
+    </dgm:txFillClrLst>
+    <dgm:txEffectClrLst/>
+  </dgm:styleLbl>
+  <dgm:styleLbl name="parChTrans1D1">
+    <dgm:fillClrLst meth="repeat">
+      <a:schemeClr val="accent3"/>
+    </dgm:fillClrLst>
+    <dgm:linClrLst meth="repeat">
+      <a:schemeClr val="accent3">
+        <a:shade val="60000"/>
+      </a:schemeClr>
+    </dgm:linClrLst>
+    <dgm:effectClrLst/>
+    <dgm:txLinClrLst/>
+    <dgm:txFillClrLst meth="repeat">
+      <a:schemeClr val="tx1"/>
+    </dgm:txFillClrLst>
+    <dgm:txEffectClrLst/>
+  </dgm:styleLbl>
+  <dgm:styleLbl name="parChTrans1D2">
+    <dgm:fillClrLst meth="repeat">
+      <a:schemeClr val="accent3"/>
+    </dgm:fillClrLst>
+    <dgm:linClrLst meth="repeat">
+      <a:schemeClr val="accent3">
+        <a:shade val="60000"/>
+      </a:schemeClr>
+    </dgm:linClrLst>
+    <dgm:effectClrLst/>
+    <dgm:txLinClrLst/>
+    <dgm:txFillClrLst meth="repeat">
+      <a:schemeClr val="tx1"/>
+    </dgm:txFillClrLst>
+    <dgm:txEffectClrLst/>
+  </dgm:styleLbl>
+  <dgm:styleLbl name="parChTrans1D3">
+    <dgm:fillClrLst meth="repeat">
+      <a:schemeClr val="accent3"/>
+    </dgm:fillClrLst>
+    <dgm:linClrLst meth="repeat">
+      <a:schemeClr val="accent3">
+        <a:shade val="80000"/>
+      </a:schemeClr>
+    </dgm:linClrLst>
+    <dgm:effectClrLst/>
+    <dgm:txLinClrLst/>
+    <dgm:txFillClrLst meth="repeat">
+      <a:schemeClr val="tx1"/>
+    </dgm:txFillClrLst>
+    <dgm:txEffectClrLst/>
+  </dgm:styleLbl>
+  <dgm:styleLbl name="parChTrans1D4">
+    <dgm:fillClrLst meth="repeat">
+      <a:schemeClr val="accent3"/>
+    </dgm:fillClrLst>
+    <dgm:linClrLst meth="repeat">
+      <a:schemeClr val="accent3">
+        <a:shade val="80000"/>
+      </a:schemeClr>
+    </dgm:linClrLst>
+    <dgm:effectClrLst/>
+    <dgm:txLinClrLst/>
+    <dgm:txFillClrLst meth="repeat">
+      <a:schemeClr val="tx1"/>
+    </dgm:txFillClrLst>
+    <dgm:txEffectClrLst/>
+  </dgm:styleLbl>
+  <dgm:styleLbl name="fgAcc1">
+    <dgm:fillClrLst meth="repeat">
+      <a:schemeClr val="lt1">
+        <a:alpha val="90000"/>
+      </a:schemeClr>
+    </dgm:fillClrLst>
+    <dgm:linClrLst meth="repeat">
+      <a:schemeClr val="accent3"/>
+    </dgm:linClrLst>
+    <dgm:effectClrLst/>
+    <dgm:txLinClrLst/>
+    <dgm:txFillClrLst meth="repeat">
+      <a:schemeClr val="dk1"/>
+    </dgm:txFillClrLst>
+    <dgm:txEffectClrLst/>
+  </dgm:styleLbl>
+  <dgm:styleLbl name="conFgAcc1">
+    <dgm:fillClrLst meth="repeat">
+      <a:schemeClr val="lt1">
+        <a:alpha val="90000"/>
+      </a:schemeClr>
+    </dgm:fillClrLst>
+    <dgm:linClrLst meth="repeat">
+      <a:schemeClr val="accent3"/>
+    </dgm:linClrLst>
+    <dgm:effectClrLst/>
+    <dgm:txLinClrLst/>
+    <dgm:txFillClrLst meth="repeat">
+      <a:schemeClr val="dk1"/>
+    </dgm:txFillClrLst>
+    <dgm:txEffectClrLst/>
+  </dgm:styleLbl>
+  <dgm:styleLbl name="alignAcc1">
+    <dgm:fillClrLst meth="repeat">
+      <a:schemeClr val="lt1">
+        <a:alpha val="90000"/>
+      </a:schemeClr>
+    </dgm:fillClrLst>
+    <dgm:linClrLst meth="repeat">
+      <a:schemeClr val="accent3"/>
+    </dgm:linClrLst>
+    <dgm:effectClrLst/>
+    <dgm:txLinClrLst/>
+    <dgm:txFillClrLst meth="repeat">
+      <a:schemeClr val="dk1"/>
+    </dgm:txFillClrLst>
+    <dgm:txEffectClrLst/>
+  </dgm:styleLbl>
+  <dgm:styleLbl name="trAlignAcc1">
+    <dgm:fillClrLst meth="repeat">
+      <a:schemeClr val="lt1">
+        <a:alpha val="40000"/>
+      </a:schemeClr>
+    </dgm:fillClrLst>
+    <dgm:linClrLst meth="repeat">
+      <a:schemeClr val="accent3"/>
+    </dgm:linClrLst>
+    <dgm:effectClrLst/>
+    <dgm:txLinClrLst/>
+    <dgm:txFillClrLst meth="repeat">
+      <a:schemeClr val="dk1"/>
+    </dgm:txFillClrLst>
+    <dgm:txEffectClrLst/>
+  </dgm:styleLbl>
+  <dgm:styleLbl name="bgAcc1">
+    <dgm:fillClrLst meth="repeat">
+      <a:schemeClr val="lt1">
+        <a:alpha val="90000"/>
+      </a:schemeClr>
+    </dgm:fillClrLst>
+    <dgm:linClrLst meth="repeat">
+      <a:schemeClr val="accent3"/>
+    </dgm:linClrLst>
+    <dgm:effectClrLst/>
+    <dgm:txLinClrLst/>
+    <dgm:txFillClrLst meth="repeat">
+      <a:schemeClr val="dk1"/>
+    </dgm:txFillClrLst>
+    <dgm:txEffectClrLst/>
+  </dgm:styleLbl>
+  <dgm:styleLbl name="solidFgAcc1">
+    <dgm:fillClrLst meth="repeat">
+      <a:schemeClr val="lt1"/>
+    </dgm:fillClrLst>
+    <dgm:linClrLst meth="repeat">
+      <a:schemeClr val="accent3"/>
+    </dgm:linClrLst>
+    <dgm:effectClrLst/>
+    <dgm:txLinClrLst/>
+    <dgm:txFillClrLst meth="repeat">
+      <a:schemeClr val="dk1"/>
+    </dgm:txFillClrLst>
+    <dgm:txEffectClrLst/>
+  </dgm:styleLbl>
+  <dgm:styleLbl name="solidAlignAcc1">
+    <dgm:fillClrLst meth="repeat">
+      <a:schemeClr val="lt1"/>
+    </dgm:fillClrLst>
+    <dgm:linClrLst meth="repeat">
+      <a:schemeClr val="accent3"/>
+    </dgm:linClrLst>
+    <dgm:effectClrLst/>
+    <dgm:txLinClrLst/>
+    <dgm:txFillClrLst meth="repeat">
+      <a:schemeClr val="dk1"/>
+    </dgm:txFillClrLst>
+    <dgm:txEffectClrLst/>
+  </dgm:styleLbl>
+  <dgm:styleLbl name="solidBgAcc1">
+    <dgm:fillClrLst meth="repeat">
+      <a:schemeClr val="lt1"/>
+    </dgm:fillClrLst>
+    <dgm:linClrLst meth="repeat">
+      <a:schemeClr val="accent3"/>
+    </dgm:linClrLst>
+    <dgm:effectClrLst/>
+    <dgm:txLinClrLst/>
+    <dgm:txFillClrLst meth="repeat">
+      <a:schemeClr val="dk1"/>
+    </dgm:txFillClrLst>
+    <dgm:txEffectClrLst/>
+  </dgm:styleLbl>
+  <dgm:styleLbl name="fgAccFollowNode1">
+    <dgm:fillClrLst meth="repeat">
+      <a:schemeClr val="accent3">
+        <a:alpha val="90000"/>
+        <a:tint val="40000"/>
+      </a:schemeClr>
+    </dgm:fillClrLst>
+    <dgm:linClrLst meth="repeat">
+      <a:schemeClr val="accent3">
+        <a:alpha val="90000"/>
+        <a:tint val="40000"/>
+      </a:schemeClr>
+    </dgm:linClrLst>
+    <dgm:effectClrLst/>
+    <dgm:txLinClrLst/>
+    <dgm:txFillClrLst meth="repeat">
+      <a:schemeClr val="dk1"/>
+    </dgm:txFillClrLst>
+    <dgm:txEffectClrLst/>
+  </dgm:styleLbl>
+  <dgm:styleLbl name="alignAccFollowNode1">
+    <dgm:fillClrLst meth="repeat">
+      <a:schemeClr val="accent3">
+        <a:alpha val="90000"/>
+        <a:tint val="40000"/>
+      </a:schemeClr>
+    </dgm:fillClrLst>
+    <dgm:linClrLst meth="repeat">
+      <a:schemeClr val="accent3">
+        <a:alpha val="90000"/>
+        <a:tint val="40000"/>
+      </a:schemeClr>
+    </dgm:linClrLst>
+    <dgm:effectClrLst/>
+    <dgm:txLinClrLst/>
+    <dgm:txFillClrLst meth="repeat">
+      <a:schemeClr val="dk1"/>
+    </dgm:txFillClrLst>
+    <dgm:txEffectClrLst/>
+  </dgm:styleLbl>
+  <dgm:styleLbl name="bgAccFollowNode1">
+    <dgm:fillClrLst meth="repeat">
+      <a:schemeClr val="accent3">
+        <a:alpha val="90000"/>
+        <a:tint val="40000"/>
+      </a:schemeClr>
+    </dgm:fillClrLst>
+    <dgm:linClrLst meth="repeat">
+      <a:schemeClr val="accent3">
+        <a:alpha val="90000"/>
+        <a:tint val="40000"/>
+      </a:schemeClr>
+    </dgm:linClrLst>
+    <dgm:effectClrLst/>
+    <dgm:txLinClrLst/>
+    <dgm:txFillClrLst meth="repeat">
+      <a:schemeClr val="dk1"/>
+    </dgm:txFillClrLst>
+    <dgm:txEffectClrLst/>
+  </dgm:styleLbl>
+  <dgm:styleLbl name="fgAcc0">
+    <dgm:fillClrLst meth="repeat">
+      <a:schemeClr val="lt1">
+        <a:alpha val="90000"/>
+      </a:schemeClr>
+    </dgm:fillClrLst>
+    <dgm:linClrLst meth="repeat">
+      <a:schemeClr val="accent3"/>
+    </dgm:linClrLst>
+    <dgm:effectClrLst/>
+    <dgm:txLinClrLst/>
+    <dgm:txFillClrLst meth="repeat">
+      <a:schemeClr val="dk1"/>
+    </dgm:txFillClrLst>
+    <dgm:txEffectClrLst/>
+  </dgm:styleLbl>
+  <dgm:styleLbl name="fgAcc2">
+    <dgm:fillClrLst meth="repeat">
+      <a:schemeClr val="lt1">
+        <a:alpha val="90000"/>
+      </a:schemeClr>
+    </dgm:fillClrLst>
+    <dgm:linClrLst meth="repeat">
+      <a:schemeClr val="accent3"/>
+    </dgm:linClrLst>
+    <dgm:effectClrLst/>
+    <dgm:txLinClrLst/>
+    <dgm:txFillClrLst meth="repeat">
+      <a:schemeClr val="dk1"/>
+    </dgm:txFillClrLst>
+    <dgm:txEffectClrLst/>
+  </dgm:styleLbl>
+  <dgm:styleLbl name="fgAcc3">
+    <dgm:fillClrLst meth="repeat">
+      <a:schemeClr val="lt1">
+        <a:alpha val="90000"/>
+      </a:schemeClr>
+    </dgm:fillClrLst>
+    <dgm:linClrLst meth="repeat">
+      <a:schemeClr val="accent3"/>
+    </dgm:linClrLst>
+    <dgm:effectClrLst/>
+    <dgm:txLinClrLst/>
+    <dgm:txFillClrLst meth="repeat">
+      <a:schemeClr val="dk1"/>
+    </dgm:txFillClrLst>
+    <dgm:txEffectClrLst/>
+  </dgm:styleLbl>
+  <dgm:styleLbl name="fgAcc4">
+    <dgm:fillClrLst meth="repeat">
+      <a:schemeClr val="lt1">
+        <a:alpha val="90000"/>
+      </a:schemeClr>
+    </dgm:fillClrLst>
+    <dgm:linClrLst meth="repeat">
+      <a:schemeClr val="accent3"/>
+    </dgm:linClrLst>
+    <dgm:effectClrLst/>
+    <dgm:txLinClrLst/>
+    <dgm:txFillClrLst meth="repeat">
+      <a:schemeClr val="dk1"/>
+    </dgm:txFillClrLst>
+    <dgm:txEffectClrLst/>
+  </dgm:styleLbl>
+  <dgm:styleLbl name="bgShp">
+    <dgm:fillClrLst meth="repeat">
+      <a:schemeClr val="accent3">
+        <a:tint val="40000"/>
+      </a:schemeClr>
+    </dgm:fillClrLst>
+    <dgm:linClrLst meth="repeat">
+      <a:schemeClr val="accent3"/>
+    </dgm:linClrLst>
+    <dgm:effectClrLst/>
+    <dgm:txLinClrLst/>
+    <dgm:txFillClrLst meth="repeat">
+      <a:schemeClr val="dk1"/>
+    </dgm:txFillClrLst>
+    <dgm:txEffectClrLst/>
+  </dgm:styleLbl>
+  <dgm:styleLbl name="dkBgShp">
+    <dgm:fillClrLst meth="repeat">
+      <a:schemeClr val="accent3">
+        <a:shade val="80000"/>
+      </a:schemeClr>
+    </dgm:fillClrLst>
+    <dgm:linClrLst meth="repeat">
+      <a:schemeClr val="accent3"/>
+    </dgm:linClrLst>
+    <dgm:effectClrLst/>
+    <dgm:txLinClrLst/>
+    <dgm:txFillClrLst meth="repeat">
+      <a:schemeClr val="lt1"/>
+    </dgm:txFillClrLst>
+    <dgm:txEffectClrLst/>
+  </dgm:styleLbl>
+  <dgm:styleLbl name="trBgShp">
+    <dgm:fillClrLst meth="repeat">
+      <a:schemeClr val="accent3">
+        <a:tint val="50000"/>
+        <a:alpha val="40000"/>
+      </a:schemeClr>
+    </dgm:fillClrLst>
+    <dgm:linClrLst meth="repeat">
+      <a:schemeClr val="accent3"/>
+    </dgm:linClrLst>
+    <dgm:effectClrLst/>
+    <dgm:txLinClrLst/>
+    <dgm:txFillClrLst meth="repeat">
+      <a:schemeClr val="lt1"/>
+    </dgm:txFillClrLst>
+    <dgm:txEffectClrLst/>
+  </dgm:styleLbl>
+  <dgm:styleLbl name="fgShp">
+    <dgm:fillClrLst meth="repeat">
+      <a:schemeClr val="accent3">
+        <a:tint val="60000"/>
+      </a:schemeClr>
+    </dgm:fillClrLst>
+    <dgm:linClrLst meth="repeat">
+      <a:schemeClr val="lt1"/>
+    </dgm:linClrLst>
+    <dgm:effectClrLst/>
+    <dgm:txLinClrLst/>
+    <dgm:txFillClrLst meth="repeat">
+      <a:schemeClr val="dk1"/>
+    </dgm:txFillClrLst>
+    <dgm:txEffectClrLst/>
+  </dgm:styleLbl>
+  <dgm:styleLbl name="revTx">
+    <dgm:fillClrLst meth="repeat">
+      <a:schemeClr val="lt1">
+        <a:alpha val="0"/>
+      </a:schemeClr>
+    </dgm:fillClrLst>
+    <dgm:linClrLst meth="repeat">
+      <a:schemeClr val="dk1">
+        <a:alpha val="0"/>
+      </a:schemeClr>
+    </dgm:linClrLst>
+    <dgm:effectClrLst/>
+    <dgm:txLinClrLst/>
+    <dgm:txFillClrLst meth="repeat">
+      <a:schemeClr val="tx1"/>
+    </dgm:txFillClrLst>
+    <dgm:txEffectClrLst/>
+  </dgm:styleLbl>
+</dgm:colorsDef>
+</file>
+
+<file path=ppt/diagrams/data1.xml><?xml version="1.0" encoding="utf-8"?>
+<dgm:dataModel xmlns:dgm="http://schemas.openxmlformats.org/drawingml/2006/diagram" xmlns:a="http://schemas.openxmlformats.org/drawingml/2006/main">
+  <dgm:ptLst>
+    <dgm:pt modelId="{4F83A513-DC61-4C40-97CD-5E7B26DC3589}" type="doc">
+      <dgm:prSet loTypeId="urn:microsoft.com/office/officeart/2005/8/layout/vProcess5" loCatId="process" qsTypeId="urn:microsoft.com/office/officeart/2005/8/quickstyle/simple2" qsCatId="simple" csTypeId="urn:microsoft.com/office/officeart/2005/8/colors/accent3_2" csCatId="accent3"/>
+      <dgm:spPr/>
+      <dgm:t>
+        <a:bodyPr/>
+        <a:lstStyle/>
+        <a:p>
+          <a:endParaRPr lang="en-US"/>
+        </a:p>
+      </dgm:t>
+    </dgm:pt>
+    <dgm:pt modelId="{05CEA8E9-DADC-49A5-BDEE-85A9D43751A5}">
+      <dgm:prSet custT="1"/>
+      <dgm:spPr/>
+      <dgm:t>
+        <a:bodyPr/>
+        <a:lstStyle/>
+        <a:p>
+          <a:r>
+            <a:rPr lang="en-US" sz="2400" dirty="0">
+              <a:effectLst/>
+              <a:latin typeface="Times New Roman" panose="02020603050405020304" pitchFamily="18" charset="0"/>
+              <a:cs typeface="Times New Roman" panose="02020603050405020304" pitchFamily="18" charset="0"/>
+            </a:rPr>
+            <a:t>Sau </a:t>
+          </a:r>
+          <a:r>
+            <a:rPr lang="en-US" sz="2400" dirty="0" err="1">
+              <a:effectLst/>
+              <a:latin typeface="Times New Roman" panose="02020603050405020304" pitchFamily="18" charset="0"/>
+              <a:cs typeface="Times New Roman" panose="02020603050405020304" pitchFamily="18" charset="0"/>
+            </a:rPr>
+            <a:t>khi</a:t>
+          </a:r>
+          <a:r>
+            <a:rPr lang="en-US" sz="2400" dirty="0">
+              <a:effectLst/>
+              <a:latin typeface="Times New Roman" panose="02020603050405020304" pitchFamily="18" charset="0"/>
+              <a:cs typeface="Times New Roman" panose="02020603050405020304" pitchFamily="18" charset="0"/>
+            </a:rPr>
+            <a:t> </a:t>
+          </a:r>
+          <a:r>
+            <a:rPr lang="en-US" sz="2400" dirty="0" err="1">
+              <a:effectLst/>
+              <a:latin typeface="Times New Roman" panose="02020603050405020304" pitchFamily="18" charset="0"/>
+              <a:cs typeface="Times New Roman" panose="02020603050405020304" pitchFamily="18" charset="0"/>
+            </a:rPr>
+            <a:t>chạy</a:t>
+          </a:r>
+          <a:r>
+            <a:rPr lang="en-US" sz="2400" dirty="0">
+              <a:effectLst/>
+              <a:latin typeface="Times New Roman" panose="02020603050405020304" pitchFamily="18" charset="0"/>
+              <a:cs typeface="Times New Roman" panose="02020603050405020304" pitchFamily="18" charset="0"/>
+            </a:rPr>
+            <a:t> </a:t>
+          </a:r>
+          <a:r>
+            <a:rPr lang="en-US" sz="2400" dirty="0" err="1">
+              <a:effectLst/>
+              <a:latin typeface="Times New Roman" panose="02020603050405020304" pitchFamily="18" charset="0"/>
+              <a:cs typeface="Times New Roman" panose="02020603050405020304" pitchFamily="18" charset="0"/>
+            </a:rPr>
+            <a:t>thử</a:t>
+          </a:r>
+          <a:r>
+            <a:rPr lang="en-US" sz="2400" dirty="0">
+              <a:effectLst/>
+              <a:latin typeface="Times New Roman" panose="02020603050405020304" pitchFamily="18" charset="0"/>
+              <a:cs typeface="Times New Roman" panose="02020603050405020304" pitchFamily="18" charset="0"/>
+            </a:rPr>
+            <a:t> ở </a:t>
+          </a:r>
+          <a:r>
+            <a:rPr lang="en-US" sz="2400" dirty="0" err="1">
+              <a:effectLst/>
+              <a:latin typeface="Times New Roman" panose="02020603050405020304" pitchFamily="18" charset="0"/>
+              <a:cs typeface="Times New Roman" panose="02020603050405020304" pitchFamily="18" charset="0"/>
+            </a:rPr>
+            <a:t>trên</a:t>
+          </a:r>
+          <a:r>
+            <a:rPr lang="en-US" sz="2400" dirty="0">
+              <a:effectLst/>
+              <a:latin typeface="Times New Roman" panose="02020603050405020304" pitchFamily="18" charset="0"/>
+              <a:cs typeface="Times New Roman" panose="02020603050405020304" pitchFamily="18" charset="0"/>
+            </a:rPr>
+            <a:t>, </a:t>
+          </a:r>
+          <a:r>
+            <a:rPr lang="en-US" sz="2400" dirty="0" err="1">
+              <a:effectLst/>
+              <a:latin typeface="Times New Roman" panose="02020603050405020304" pitchFamily="18" charset="0"/>
+              <a:cs typeface="Times New Roman" panose="02020603050405020304" pitchFamily="18" charset="0"/>
+            </a:rPr>
+            <a:t>bây</a:t>
+          </a:r>
+          <a:r>
+            <a:rPr lang="en-US" sz="2400" dirty="0">
+              <a:effectLst/>
+              <a:latin typeface="Times New Roman" panose="02020603050405020304" pitchFamily="18" charset="0"/>
+              <a:cs typeface="Times New Roman" panose="02020603050405020304" pitchFamily="18" charset="0"/>
+            </a:rPr>
+            <a:t> </a:t>
+          </a:r>
+          <a:r>
+            <a:rPr lang="en-US" sz="2400" dirty="0" err="1">
+              <a:effectLst/>
+              <a:latin typeface="Times New Roman" panose="02020603050405020304" pitchFamily="18" charset="0"/>
+              <a:cs typeface="Times New Roman" panose="02020603050405020304" pitchFamily="18" charset="0"/>
+            </a:rPr>
+            <a:t>giờ</a:t>
+          </a:r>
+          <a:r>
+            <a:rPr lang="en-US" sz="2400" dirty="0">
+              <a:effectLst/>
+              <a:latin typeface="Times New Roman" panose="02020603050405020304" pitchFamily="18" charset="0"/>
+              <a:cs typeface="Times New Roman" panose="02020603050405020304" pitchFamily="18" charset="0"/>
+            </a:rPr>
+            <a:t> </a:t>
+          </a:r>
+          <a:r>
+            <a:rPr lang="en-US" sz="2400" dirty="0" err="1">
+              <a:effectLst/>
+              <a:latin typeface="Times New Roman" panose="02020603050405020304" pitchFamily="18" charset="0"/>
+              <a:cs typeface="Times New Roman" panose="02020603050405020304" pitchFamily="18" charset="0"/>
+            </a:rPr>
+            <a:t>mình</a:t>
+          </a:r>
+          <a:r>
+            <a:rPr lang="en-US" sz="2400" dirty="0">
+              <a:effectLst/>
+              <a:latin typeface="Times New Roman" panose="02020603050405020304" pitchFamily="18" charset="0"/>
+              <a:cs typeface="Times New Roman" panose="02020603050405020304" pitchFamily="18" charset="0"/>
+            </a:rPr>
+            <a:t> build 1 pipeline </a:t>
+          </a:r>
+          <a:r>
+            <a:rPr lang="en-US" sz="2400" dirty="0" err="1">
+              <a:effectLst/>
+              <a:latin typeface="Times New Roman" panose="02020603050405020304" pitchFamily="18" charset="0"/>
+              <a:cs typeface="Times New Roman" panose="02020603050405020304" pitchFamily="18" charset="0"/>
+            </a:rPr>
+            <a:t>để</a:t>
+          </a:r>
+          <a:r>
+            <a:rPr lang="en-US" sz="2400" dirty="0">
+              <a:effectLst/>
+              <a:latin typeface="Times New Roman" panose="02020603050405020304" pitchFamily="18" charset="0"/>
+              <a:cs typeface="Times New Roman" panose="02020603050405020304" pitchFamily="18" charset="0"/>
+            </a:rPr>
+            <a:t> </a:t>
+          </a:r>
+          <a:r>
+            <a:rPr lang="en-US" sz="2400" dirty="0" err="1">
+              <a:effectLst/>
+              <a:latin typeface="Times New Roman" panose="02020603050405020304" pitchFamily="18" charset="0"/>
+              <a:cs typeface="Times New Roman" panose="02020603050405020304" pitchFamily="18" charset="0"/>
+            </a:rPr>
+            <a:t>tiện</a:t>
+          </a:r>
+          <a:r>
+            <a:rPr lang="en-US" sz="2400" dirty="0">
+              <a:effectLst/>
+              <a:latin typeface="Times New Roman" panose="02020603050405020304" pitchFamily="18" charset="0"/>
+              <a:cs typeface="Times New Roman" panose="02020603050405020304" pitchFamily="18" charset="0"/>
+            </a:rPr>
+            <a:t> </a:t>
+          </a:r>
+          <a:r>
+            <a:rPr lang="en-US" sz="2400" dirty="0" err="1">
+              <a:effectLst/>
+              <a:latin typeface="Times New Roman" panose="02020603050405020304" pitchFamily="18" charset="0"/>
+              <a:cs typeface="Times New Roman" panose="02020603050405020304" pitchFamily="18" charset="0"/>
+            </a:rPr>
+            <a:t>cho</a:t>
+          </a:r>
+          <a:r>
+            <a:rPr lang="en-US" sz="2400" dirty="0">
+              <a:effectLst/>
+              <a:latin typeface="Times New Roman" panose="02020603050405020304" pitchFamily="18" charset="0"/>
+              <a:cs typeface="Times New Roman" panose="02020603050405020304" pitchFamily="18" charset="0"/>
+            </a:rPr>
+            <a:t> </a:t>
+          </a:r>
+          <a:r>
+            <a:rPr lang="en-US" sz="2400" dirty="0" err="1">
+              <a:effectLst/>
+              <a:latin typeface="Times New Roman" panose="02020603050405020304" pitchFamily="18" charset="0"/>
+              <a:cs typeface="Times New Roman" panose="02020603050405020304" pitchFamily="18" charset="0"/>
+            </a:rPr>
+            <a:t>việc</a:t>
+          </a:r>
+          <a:r>
+            <a:rPr lang="en-US" sz="2400" dirty="0">
+              <a:effectLst/>
+              <a:latin typeface="Times New Roman" panose="02020603050405020304" pitchFamily="18" charset="0"/>
+              <a:cs typeface="Times New Roman" panose="02020603050405020304" pitchFamily="18" charset="0"/>
+            </a:rPr>
+            <a:t> </a:t>
+          </a:r>
+          <a:r>
+            <a:rPr lang="en-US" sz="2400" dirty="0" err="1">
+              <a:effectLst/>
+              <a:latin typeface="Times New Roman" panose="02020603050405020304" pitchFamily="18" charset="0"/>
+              <a:cs typeface="Times New Roman" panose="02020603050405020304" pitchFamily="18" charset="0"/>
+            </a:rPr>
+            <a:t>gọi</a:t>
+          </a:r>
+          <a:r>
+            <a:rPr lang="en-US" sz="2400" dirty="0">
+              <a:effectLst/>
+              <a:latin typeface="Times New Roman" panose="02020603050405020304" pitchFamily="18" charset="0"/>
+              <a:cs typeface="Times New Roman" panose="02020603050405020304" pitchFamily="18" charset="0"/>
+            </a:rPr>
+            <a:t> </a:t>
+          </a:r>
+          <a:r>
+            <a:rPr lang="en-US" sz="2400" dirty="0" err="1">
+              <a:effectLst/>
+              <a:latin typeface="Times New Roman" panose="02020603050405020304" pitchFamily="18" charset="0"/>
+              <a:cs typeface="Times New Roman" panose="02020603050405020304" pitchFamily="18" charset="0"/>
+            </a:rPr>
+            <a:t>sử</a:t>
+          </a:r>
+          <a:r>
+            <a:rPr lang="en-US" sz="2400" dirty="0">
+              <a:effectLst/>
+              <a:latin typeface="Times New Roman" panose="02020603050405020304" pitchFamily="18" charset="0"/>
+              <a:cs typeface="Times New Roman" panose="02020603050405020304" pitchFamily="18" charset="0"/>
+            </a:rPr>
+            <a:t> </a:t>
+          </a:r>
+          <a:r>
+            <a:rPr lang="en-US" sz="2400" dirty="0" err="1">
+              <a:effectLst/>
+              <a:latin typeface="Times New Roman" panose="02020603050405020304" pitchFamily="18" charset="0"/>
+              <a:cs typeface="Times New Roman" panose="02020603050405020304" pitchFamily="18" charset="0"/>
+            </a:rPr>
+            <a:t>dụng</a:t>
+          </a:r>
+          <a:r>
+            <a:rPr lang="en-US" sz="2400" dirty="0">
+              <a:effectLst/>
+              <a:latin typeface="Times New Roman" panose="02020603050405020304" pitchFamily="18" charset="0"/>
+              <a:cs typeface="Times New Roman" panose="02020603050405020304" pitchFamily="18" charset="0"/>
+            </a:rPr>
+            <a:t>.</a:t>
+          </a:r>
+        </a:p>
+      </dgm:t>
+    </dgm:pt>
+    <dgm:pt modelId="{0CC86E4F-8FDA-492B-BB5F-D6F090A703FF}" type="parTrans" cxnId="{0127BC11-4184-41FD-91C0-92F2DEA95E88}">
+      <dgm:prSet/>
+      <dgm:spPr/>
+      <dgm:t>
+        <a:bodyPr/>
+        <a:lstStyle/>
+        <a:p>
+          <a:endParaRPr lang="en-US"/>
+        </a:p>
+      </dgm:t>
+    </dgm:pt>
+    <dgm:pt modelId="{2BEF3F91-5C9A-4904-A457-AF78D2EA1555}" type="sibTrans" cxnId="{0127BC11-4184-41FD-91C0-92F2DEA95E88}">
+      <dgm:prSet custT="1"/>
+      <dgm:spPr/>
+      <dgm:t>
+        <a:bodyPr/>
+        <a:lstStyle/>
+        <a:p>
+          <a:endParaRPr lang="en-US" sz="3200"/>
+        </a:p>
+      </dgm:t>
+    </dgm:pt>
+    <dgm:pt modelId="{F8501E13-AE93-420F-B089-7C8878E82EE5}">
+      <dgm:prSet custT="1"/>
+      <dgm:spPr/>
+      <dgm:t>
+        <a:bodyPr/>
+        <a:lstStyle/>
+        <a:p>
+          <a:r>
+            <a:rPr lang="en-US" sz="2400" dirty="0" err="1">
+              <a:latin typeface="Times New Roman" panose="02020603050405020304" pitchFamily="18" charset="0"/>
+              <a:cs typeface="Times New Roman" panose="02020603050405020304" pitchFamily="18" charset="0"/>
+            </a:rPr>
+            <a:t>Đồng</a:t>
+          </a:r>
+          <a:r>
+            <a:rPr lang="en-US" sz="2400" dirty="0">
+              <a:latin typeface="Times New Roman" panose="02020603050405020304" pitchFamily="18" charset="0"/>
+              <a:cs typeface="Times New Roman" panose="02020603050405020304" pitchFamily="18" charset="0"/>
+            </a:rPr>
+            <a:t> </a:t>
+          </a:r>
+          <a:r>
+            <a:rPr lang="en-US" sz="2400" dirty="0" err="1">
+              <a:latin typeface="Times New Roman" panose="02020603050405020304" pitchFamily="18" charset="0"/>
+              <a:cs typeface="Times New Roman" panose="02020603050405020304" pitchFamily="18" charset="0"/>
+            </a:rPr>
+            <a:t>thời</a:t>
+          </a:r>
+          <a:r>
+            <a:rPr lang="en-US" sz="2400" dirty="0">
+              <a:latin typeface="Times New Roman" panose="02020603050405020304" pitchFamily="18" charset="0"/>
+              <a:cs typeface="Times New Roman" panose="02020603050405020304" pitchFamily="18" charset="0"/>
+            </a:rPr>
+            <a:t> </a:t>
+          </a:r>
+          <a:r>
+            <a:rPr lang="en-US" sz="2400" dirty="0" err="1">
+              <a:latin typeface="Times New Roman" panose="02020603050405020304" pitchFamily="18" charset="0"/>
+              <a:cs typeface="Times New Roman" panose="02020603050405020304" pitchFamily="18" charset="0"/>
+            </a:rPr>
+            <a:t>mình</a:t>
+          </a:r>
+          <a:r>
+            <a:rPr lang="en-US" sz="2400" dirty="0">
+              <a:latin typeface="Times New Roman" panose="02020603050405020304" pitchFamily="18" charset="0"/>
+              <a:cs typeface="Times New Roman" panose="02020603050405020304" pitchFamily="18" charset="0"/>
+            </a:rPr>
+            <a:t> </a:t>
+          </a:r>
+          <a:r>
+            <a:rPr lang="en-US" sz="2400" dirty="0" err="1">
+              <a:latin typeface="Times New Roman" panose="02020603050405020304" pitchFamily="18" charset="0"/>
+              <a:cs typeface="Times New Roman" panose="02020603050405020304" pitchFamily="18" charset="0"/>
+            </a:rPr>
+            <a:t>sẽ</a:t>
+          </a:r>
+          <a:r>
+            <a:rPr lang="en-US" sz="2400" dirty="0">
+              <a:latin typeface="Times New Roman" panose="02020603050405020304" pitchFamily="18" charset="0"/>
+              <a:cs typeface="Times New Roman" panose="02020603050405020304" pitchFamily="18" charset="0"/>
+            </a:rPr>
+            <a:t> </a:t>
+          </a:r>
+          <a:r>
+            <a:rPr lang="en-US" sz="2400" dirty="0" err="1">
+              <a:latin typeface="Times New Roman" panose="02020603050405020304" pitchFamily="18" charset="0"/>
+              <a:cs typeface="Times New Roman" panose="02020603050405020304" pitchFamily="18" charset="0"/>
+            </a:rPr>
+            <a:t>dùng</a:t>
+          </a:r>
+          <a:r>
+            <a:rPr lang="en-US" sz="2400" dirty="0">
+              <a:latin typeface="Times New Roman" panose="02020603050405020304" pitchFamily="18" charset="0"/>
+              <a:cs typeface="Times New Roman" panose="02020603050405020304" pitchFamily="18" charset="0"/>
+            </a:rPr>
+            <a:t> Hyperparameter tuning (</a:t>
+          </a:r>
+          <a:r>
+            <a:rPr lang="en-US" sz="2400" dirty="0" err="1">
+              <a:latin typeface="Times New Roman" panose="02020603050405020304" pitchFamily="18" charset="0"/>
+              <a:cs typeface="Times New Roman" panose="02020603050405020304" pitchFamily="18" charset="0"/>
+            </a:rPr>
+            <a:t>Điều</a:t>
+          </a:r>
+          <a:r>
+            <a:rPr lang="en-US" sz="2400" dirty="0">
+              <a:latin typeface="Times New Roman" panose="02020603050405020304" pitchFamily="18" charset="0"/>
+              <a:cs typeface="Times New Roman" panose="02020603050405020304" pitchFamily="18" charset="0"/>
+            </a:rPr>
+            <a:t> </a:t>
+          </a:r>
+          <a:r>
+            <a:rPr lang="en-US" sz="2400" dirty="0" err="1">
+              <a:latin typeface="Times New Roman" panose="02020603050405020304" pitchFamily="18" charset="0"/>
+              <a:cs typeface="Times New Roman" panose="02020603050405020304" pitchFamily="18" charset="0"/>
+            </a:rPr>
+            <a:t>chỉnh</a:t>
+          </a:r>
+          <a:r>
+            <a:rPr lang="en-US" sz="2400" dirty="0">
+              <a:latin typeface="Times New Roman" panose="02020603050405020304" pitchFamily="18" charset="0"/>
+              <a:cs typeface="Times New Roman" panose="02020603050405020304" pitchFamily="18" charset="0"/>
+            </a:rPr>
+            <a:t> </a:t>
+          </a:r>
+          <a:r>
+            <a:rPr lang="en-US" sz="2400" dirty="0" err="1">
+              <a:latin typeface="Times New Roman" panose="02020603050405020304" pitchFamily="18" charset="0"/>
+              <a:cs typeface="Times New Roman" panose="02020603050405020304" pitchFamily="18" charset="0"/>
+            </a:rPr>
+            <a:t>tham</a:t>
+          </a:r>
+          <a:r>
+            <a:rPr lang="en-US" sz="2400" dirty="0">
+              <a:latin typeface="Times New Roman" panose="02020603050405020304" pitchFamily="18" charset="0"/>
+              <a:cs typeface="Times New Roman" panose="02020603050405020304" pitchFamily="18" charset="0"/>
+            </a:rPr>
+            <a:t> </a:t>
+          </a:r>
+          <a:r>
+            <a:rPr lang="en-US" sz="2400" dirty="0" err="1">
+              <a:latin typeface="Times New Roman" panose="02020603050405020304" pitchFamily="18" charset="0"/>
+              <a:cs typeface="Times New Roman" panose="02020603050405020304" pitchFamily="18" charset="0"/>
+            </a:rPr>
+            <a:t>số</a:t>
+          </a:r>
+          <a:r>
+            <a:rPr lang="en-US" sz="2400" dirty="0">
+              <a:latin typeface="Times New Roman" panose="02020603050405020304" pitchFamily="18" charset="0"/>
+              <a:cs typeface="Times New Roman" panose="02020603050405020304" pitchFamily="18" charset="0"/>
+            </a:rPr>
+            <a:t> </a:t>
+          </a:r>
+          <a:r>
+            <a:rPr lang="en-US" sz="2400" dirty="0" err="1">
+              <a:latin typeface="Times New Roman" panose="02020603050405020304" pitchFamily="18" charset="0"/>
+              <a:cs typeface="Times New Roman" panose="02020603050405020304" pitchFamily="18" charset="0"/>
+            </a:rPr>
+            <a:t>học</a:t>
+          </a:r>
+          <a:r>
+            <a:rPr lang="en-US" sz="2400" dirty="0">
+              <a:latin typeface="Times New Roman" panose="02020603050405020304" pitchFamily="18" charset="0"/>
+              <a:cs typeface="Times New Roman" panose="02020603050405020304" pitchFamily="18" charset="0"/>
+            </a:rPr>
+            <a:t>) </a:t>
+          </a:r>
+          <a:r>
+            <a:rPr lang="en-US" sz="2400" dirty="0" err="1">
+              <a:latin typeface="Times New Roman" panose="02020603050405020304" pitchFamily="18" charset="0"/>
+              <a:cs typeface="Times New Roman" panose="02020603050405020304" pitchFamily="18" charset="0"/>
+            </a:rPr>
+            <a:t>để</a:t>
+          </a:r>
+          <a:r>
+            <a:rPr lang="en-US" sz="2400" dirty="0">
+              <a:latin typeface="Times New Roman" panose="02020603050405020304" pitchFamily="18" charset="0"/>
+              <a:cs typeface="Times New Roman" panose="02020603050405020304" pitchFamily="18" charset="0"/>
+            </a:rPr>
+            <a:t> </a:t>
+          </a:r>
+          <a:r>
+            <a:rPr lang="en-US" sz="2400" dirty="0" err="1">
+              <a:latin typeface="Times New Roman" panose="02020603050405020304" pitchFamily="18" charset="0"/>
+              <a:cs typeface="Times New Roman" panose="02020603050405020304" pitchFamily="18" charset="0"/>
+            </a:rPr>
+            <a:t>đạt</a:t>
+          </a:r>
+          <a:r>
+            <a:rPr lang="en-US" sz="2400" dirty="0">
+              <a:latin typeface="Times New Roman" panose="02020603050405020304" pitchFamily="18" charset="0"/>
+              <a:cs typeface="Times New Roman" panose="02020603050405020304" pitchFamily="18" charset="0"/>
+            </a:rPr>
+            <a:t> </a:t>
+          </a:r>
+          <a:r>
+            <a:rPr lang="en-US" sz="2400" dirty="0" err="1">
+              <a:latin typeface="Times New Roman" panose="02020603050405020304" pitchFamily="18" charset="0"/>
+              <a:cs typeface="Times New Roman" panose="02020603050405020304" pitchFamily="18" charset="0"/>
+            </a:rPr>
+            <a:t>độ</a:t>
+          </a:r>
+          <a:r>
+            <a:rPr lang="en-US" sz="2400" dirty="0">
+              <a:latin typeface="Times New Roman" panose="02020603050405020304" pitchFamily="18" charset="0"/>
+              <a:cs typeface="Times New Roman" panose="02020603050405020304" pitchFamily="18" charset="0"/>
+            </a:rPr>
+            <a:t> </a:t>
+          </a:r>
+          <a:r>
+            <a:rPr lang="en-US" sz="2400" dirty="0" err="1">
+              <a:latin typeface="Times New Roman" panose="02020603050405020304" pitchFamily="18" charset="0"/>
+              <a:cs typeface="Times New Roman" panose="02020603050405020304" pitchFamily="18" charset="0"/>
+            </a:rPr>
+            <a:t>chính</a:t>
+          </a:r>
+          <a:r>
+            <a:rPr lang="en-US" sz="2400" dirty="0">
+              <a:latin typeface="Times New Roman" panose="02020603050405020304" pitchFamily="18" charset="0"/>
+              <a:cs typeface="Times New Roman" panose="02020603050405020304" pitchFamily="18" charset="0"/>
+            </a:rPr>
+            <a:t> </a:t>
+          </a:r>
+          <a:r>
+            <a:rPr lang="en-US" sz="2400" dirty="0" err="1">
+              <a:latin typeface="Times New Roman" panose="02020603050405020304" pitchFamily="18" charset="0"/>
+              <a:cs typeface="Times New Roman" panose="02020603050405020304" pitchFamily="18" charset="0"/>
+            </a:rPr>
+            <a:t>xác</a:t>
+          </a:r>
+          <a:r>
+            <a:rPr lang="en-US" sz="2400" dirty="0">
+              <a:latin typeface="Times New Roman" panose="02020603050405020304" pitchFamily="18" charset="0"/>
+              <a:cs typeface="Times New Roman" panose="02020603050405020304" pitchFamily="18" charset="0"/>
+            </a:rPr>
+            <a:t> </a:t>
+          </a:r>
+          <a:r>
+            <a:rPr lang="en-US" sz="2400" dirty="0" err="1">
+              <a:latin typeface="Times New Roman" panose="02020603050405020304" pitchFamily="18" charset="0"/>
+              <a:cs typeface="Times New Roman" panose="02020603050405020304" pitchFamily="18" charset="0"/>
+            </a:rPr>
+            <a:t>của</a:t>
+          </a:r>
+          <a:r>
+            <a:rPr lang="en-US" sz="2400" dirty="0">
+              <a:latin typeface="Times New Roman" panose="02020603050405020304" pitchFamily="18" charset="0"/>
+              <a:cs typeface="Times New Roman" panose="02020603050405020304" pitchFamily="18" charset="0"/>
+            </a:rPr>
+            <a:t> </a:t>
+          </a:r>
+          <a:r>
+            <a:rPr lang="en-US" sz="2400" dirty="0" err="1">
+              <a:latin typeface="Times New Roman" panose="02020603050405020304" pitchFamily="18" charset="0"/>
+              <a:cs typeface="Times New Roman" panose="02020603050405020304" pitchFamily="18" charset="0"/>
+            </a:rPr>
+            <a:t>dự</a:t>
+          </a:r>
+          <a:r>
+            <a:rPr lang="en-US" sz="2400" dirty="0">
+              <a:latin typeface="Times New Roman" panose="02020603050405020304" pitchFamily="18" charset="0"/>
+              <a:cs typeface="Times New Roman" panose="02020603050405020304" pitchFamily="18" charset="0"/>
+            </a:rPr>
+            <a:t> </a:t>
+          </a:r>
+          <a:r>
+            <a:rPr lang="en-US" sz="2400" dirty="0" err="1">
+              <a:latin typeface="Times New Roman" panose="02020603050405020304" pitchFamily="18" charset="0"/>
+              <a:cs typeface="Times New Roman" panose="02020603050405020304" pitchFamily="18" charset="0"/>
+            </a:rPr>
+            <a:t>đoán</a:t>
+          </a:r>
+          <a:r>
+            <a:rPr lang="en-US" sz="2400" dirty="0">
+              <a:latin typeface="Times New Roman" panose="02020603050405020304" pitchFamily="18" charset="0"/>
+              <a:cs typeface="Times New Roman" panose="02020603050405020304" pitchFamily="18" charset="0"/>
+            </a:rPr>
+            <a:t>.</a:t>
+          </a:r>
+        </a:p>
+      </dgm:t>
+    </dgm:pt>
+    <dgm:pt modelId="{F4AF9EE3-A5AC-4AD6-AB30-43AF9661C83B}" type="parTrans" cxnId="{B79F7DD5-6A76-4AFF-AE50-9B1E6B282B1D}">
+      <dgm:prSet/>
+      <dgm:spPr/>
+      <dgm:t>
+        <a:bodyPr/>
+        <a:lstStyle/>
+        <a:p>
+          <a:endParaRPr lang="en-US"/>
+        </a:p>
+      </dgm:t>
+    </dgm:pt>
+    <dgm:pt modelId="{A62027F8-841C-4985-A4AB-968A7EC4EF30}" type="sibTrans" cxnId="{B79F7DD5-6A76-4AFF-AE50-9B1E6B282B1D}">
+      <dgm:prSet custT="1"/>
+      <dgm:spPr/>
+      <dgm:t>
+        <a:bodyPr/>
+        <a:lstStyle/>
+        <a:p>
+          <a:endParaRPr lang="en-US" sz="3200"/>
+        </a:p>
+      </dgm:t>
+    </dgm:pt>
+    <dgm:pt modelId="{F32E542C-A449-4242-83ED-202FBB4E9E36}">
+      <dgm:prSet custT="1"/>
+      <dgm:spPr/>
+      <dgm:t>
+        <a:bodyPr/>
+        <a:lstStyle/>
+        <a:p>
+          <a:r>
+            <a:rPr lang="en-US" sz="2400" dirty="0" err="1">
+              <a:latin typeface="Times New Roman" panose="02020603050405020304" pitchFamily="18" charset="0"/>
+              <a:cs typeface="Times New Roman" panose="02020603050405020304" pitchFamily="18" charset="0"/>
+            </a:rPr>
+            <a:t>Kết</a:t>
+          </a:r>
+          <a:r>
+            <a:rPr lang="en-US" sz="2400" dirty="0">
+              <a:latin typeface="Times New Roman" panose="02020603050405020304" pitchFamily="18" charset="0"/>
+              <a:cs typeface="Times New Roman" panose="02020603050405020304" pitchFamily="18" charset="0"/>
+            </a:rPr>
+            <a:t> </a:t>
+          </a:r>
+          <a:r>
+            <a:rPr lang="en-US" sz="2400" dirty="0" err="1">
+              <a:latin typeface="Times New Roman" panose="02020603050405020304" pitchFamily="18" charset="0"/>
+              <a:cs typeface="Times New Roman" panose="02020603050405020304" pitchFamily="18" charset="0"/>
+            </a:rPr>
+            <a:t>quả</a:t>
+          </a:r>
+          <a:r>
+            <a:rPr lang="en-US" sz="2400" dirty="0">
+              <a:latin typeface="Times New Roman" panose="02020603050405020304" pitchFamily="18" charset="0"/>
+              <a:cs typeface="Times New Roman" panose="02020603050405020304" pitchFamily="18" charset="0"/>
+            </a:rPr>
+            <a:t> </a:t>
+          </a:r>
+          <a:r>
+            <a:rPr lang="en-US" sz="2400" dirty="0" err="1">
+              <a:latin typeface="Times New Roman" panose="02020603050405020304" pitchFamily="18" charset="0"/>
+              <a:cs typeface="Times New Roman" panose="02020603050405020304" pitchFamily="18" charset="0"/>
+            </a:rPr>
+            <a:t>lưu</a:t>
+          </a:r>
+          <a:r>
+            <a:rPr lang="en-US" sz="2400" dirty="0">
+              <a:latin typeface="Times New Roman" panose="02020603050405020304" pitchFamily="18" charset="0"/>
+              <a:cs typeface="Times New Roman" panose="02020603050405020304" pitchFamily="18" charset="0"/>
+            </a:rPr>
+            <a:t> </a:t>
+          </a:r>
+          <a:r>
+            <a:rPr lang="en-US" sz="2400" dirty="0" err="1">
+              <a:latin typeface="Times New Roman" panose="02020603050405020304" pitchFamily="18" charset="0"/>
+              <a:cs typeface="Times New Roman" panose="02020603050405020304" pitchFamily="18" charset="0"/>
+            </a:rPr>
+            <a:t>lại</a:t>
+          </a:r>
+          <a:r>
+            <a:rPr lang="en-US" sz="2400" dirty="0">
+              <a:latin typeface="Times New Roman" panose="02020603050405020304" pitchFamily="18" charset="0"/>
+              <a:cs typeface="Times New Roman" panose="02020603050405020304" pitchFamily="18" charset="0"/>
+            </a:rPr>
+            <a:t> </a:t>
+          </a:r>
+          <a:r>
+            <a:rPr lang="en-US" sz="2400" dirty="0" err="1">
+              <a:latin typeface="Times New Roman" panose="02020603050405020304" pitchFamily="18" charset="0"/>
+              <a:cs typeface="Times New Roman" panose="02020603050405020304" pitchFamily="18" charset="0"/>
+            </a:rPr>
+            <a:t>vào</a:t>
+          </a:r>
+          <a:r>
+            <a:rPr lang="en-US" sz="2400" dirty="0">
+              <a:latin typeface="Times New Roman" panose="02020603050405020304" pitchFamily="18" charset="0"/>
+              <a:cs typeface="Times New Roman" panose="02020603050405020304" pitchFamily="18" charset="0"/>
+            </a:rPr>
+            <a:t> file </a:t>
+          </a:r>
+          <a:r>
+            <a:rPr lang="en-US" sz="2400" b="1" dirty="0" err="1">
+              <a:latin typeface="Times New Roman" panose="02020603050405020304" pitchFamily="18" charset="0"/>
+              <a:cs typeface="Times New Roman" panose="02020603050405020304" pitchFamily="18" charset="0"/>
+            </a:rPr>
+            <a:t>best_params.pkl</a:t>
+          </a:r>
+          <a:r>
+            <a:rPr lang="en-US" sz="2400" dirty="0">
+              <a:latin typeface="Times New Roman" panose="02020603050405020304" pitchFamily="18" charset="0"/>
+              <a:cs typeface="Times New Roman" panose="02020603050405020304" pitchFamily="18" charset="0"/>
+            </a:rPr>
+            <a:t> </a:t>
+          </a:r>
+        </a:p>
+      </dgm:t>
+    </dgm:pt>
+    <dgm:pt modelId="{0AEDA036-CE62-4160-9C00-6A8781687A85}" type="parTrans" cxnId="{8141D09B-92CE-4F2E-9254-33A45A032101}">
+      <dgm:prSet/>
+      <dgm:spPr/>
+      <dgm:t>
+        <a:bodyPr/>
+        <a:lstStyle/>
+        <a:p>
+          <a:endParaRPr lang="en-US"/>
+        </a:p>
+      </dgm:t>
+    </dgm:pt>
+    <dgm:pt modelId="{26FF9D4C-E007-4816-BACE-6DBFF9BBB1D0}" type="sibTrans" cxnId="{8141D09B-92CE-4F2E-9254-33A45A032101}">
+      <dgm:prSet/>
+      <dgm:spPr/>
+      <dgm:t>
+        <a:bodyPr/>
+        <a:lstStyle/>
+        <a:p>
+          <a:endParaRPr lang="en-US"/>
+        </a:p>
+      </dgm:t>
+    </dgm:pt>
+    <dgm:pt modelId="{2AAE5244-FDDE-4BA2-9321-C4DC7A6CB705}" type="pres">
+      <dgm:prSet presAssocID="{4F83A513-DC61-4C40-97CD-5E7B26DC3589}" presName="outerComposite" presStyleCnt="0">
+        <dgm:presLayoutVars>
+          <dgm:chMax val="5"/>
+          <dgm:dir/>
+          <dgm:resizeHandles val="exact"/>
+        </dgm:presLayoutVars>
+      </dgm:prSet>
+      <dgm:spPr/>
+    </dgm:pt>
+    <dgm:pt modelId="{02D1F306-CDAB-4FFE-86D2-7D4674FA99D5}" type="pres">
+      <dgm:prSet presAssocID="{4F83A513-DC61-4C40-97CD-5E7B26DC3589}" presName="dummyMaxCanvas" presStyleCnt="0">
+        <dgm:presLayoutVars/>
+      </dgm:prSet>
+      <dgm:spPr/>
+    </dgm:pt>
+    <dgm:pt modelId="{C4A6B4D0-55C9-4359-8016-08DE4AA79103}" type="pres">
+      <dgm:prSet presAssocID="{4F83A513-DC61-4C40-97CD-5E7B26DC3589}" presName="ThreeNodes_1" presStyleLbl="node1" presStyleIdx="0" presStyleCnt="3">
+        <dgm:presLayoutVars>
+          <dgm:bulletEnabled val="1"/>
+        </dgm:presLayoutVars>
+      </dgm:prSet>
+      <dgm:spPr/>
+    </dgm:pt>
+    <dgm:pt modelId="{A86797BF-50FE-444C-B717-06FB058F6A1E}" type="pres">
+      <dgm:prSet presAssocID="{4F83A513-DC61-4C40-97CD-5E7B26DC3589}" presName="ThreeNodes_2" presStyleLbl="node1" presStyleIdx="1" presStyleCnt="3">
+        <dgm:presLayoutVars>
+          <dgm:bulletEnabled val="1"/>
+        </dgm:presLayoutVars>
+      </dgm:prSet>
+      <dgm:spPr/>
+    </dgm:pt>
+    <dgm:pt modelId="{677E8708-4897-4575-972A-F040FC0E4652}" type="pres">
+      <dgm:prSet presAssocID="{4F83A513-DC61-4C40-97CD-5E7B26DC3589}" presName="ThreeNodes_3" presStyleLbl="node1" presStyleIdx="2" presStyleCnt="3">
+        <dgm:presLayoutVars>
+          <dgm:bulletEnabled val="1"/>
+        </dgm:presLayoutVars>
+      </dgm:prSet>
+      <dgm:spPr/>
+    </dgm:pt>
+    <dgm:pt modelId="{4DE4CEF2-810C-4C7E-8055-9EACB249197D}" type="pres">
+      <dgm:prSet presAssocID="{4F83A513-DC61-4C40-97CD-5E7B26DC3589}" presName="ThreeConn_1-2" presStyleLbl="fgAccFollowNode1" presStyleIdx="0" presStyleCnt="2">
+        <dgm:presLayoutVars>
+          <dgm:bulletEnabled val="1"/>
+        </dgm:presLayoutVars>
+      </dgm:prSet>
+      <dgm:spPr/>
+    </dgm:pt>
+    <dgm:pt modelId="{3A04B858-F735-4021-A8C7-48B0364BCD15}" type="pres">
+      <dgm:prSet presAssocID="{4F83A513-DC61-4C40-97CD-5E7B26DC3589}" presName="ThreeConn_2-3" presStyleLbl="fgAccFollowNode1" presStyleIdx="1" presStyleCnt="2">
+        <dgm:presLayoutVars>
+          <dgm:bulletEnabled val="1"/>
+        </dgm:presLayoutVars>
+      </dgm:prSet>
+      <dgm:spPr/>
+    </dgm:pt>
+    <dgm:pt modelId="{C8EDC3F1-49BF-4F2B-9340-11FFE86ADF13}" type="pres">
+      <dgm:prSet presAssocID="{4F83A513-DC61-4C40-97CD-5E7B26DC3589}" presName="ThreeNodes_1_text" presStyleLbl="node1" presStyleIdx="2" presStyleCnt="3">
+        <dgm:presLayoutVars>
+          <dgm:bulletEnabled val="1"/>
+        </dgm:presLayoutVars>
+      </dgm:prSet>
+      <dgm:spPr/>
+    </dgm:pt>
+    <dgm:pt modelId="{11C757F0-7B5E-406D-BF56-6763ECD0E1C8}" type="pres">
+      <dgm:prSet presAssocID="{4F83A513-DC61-4C40-97CD-5E7B26DC3589}" presName="ThreeNodes_2_text" presStyleLbl="node1" presStyleIdx="2" presStyleCnt="3">
+        <dgm:presLayoutVars>
+          <dgm:bulletEnabled val="1"/>
+        </dgm:presLayoutVars>
+      </dgm:prSet>
+      <dgm:spPr/>
+    </dgm:pt>
+    <dgm:pt modelId="{B7ED498C-A397-410A-8764-1033038DD820}" type="pres">
+      <dgm:prSet presAssocID="{4F83A513-DC61-4C40-97CD-5E7B26DC3589}" presName="ThreeNodes_3_text" presStyleLbl="node1" presStyleIdx="2" presStyleCnt="3">
+        <dgm:presLayoutVars>
+          <dgm:bulletEnabled val="1"/>
+        </dgm:presLayoutVars>
+      </dgm:prSet>
+      <dgm:spPr/>
+    </dgm:pt>
+  </dgm:ptLst>
+  <dgm:cxnLst>
+    <dgm:cxn modelId="{0127BC11-4184-41FD-91C0-92F2DEA95E88}" srcId="{4F83A513-DC61-4C40-97CD-5E7B26DC3589}" destId="{05CEA8E9-DADC-49A5-BDEE-85A9D43751A5}" srcOrd="0" destOrd="0" parTransId="{0CC86E4F-8FDA-492B-BB5F-D6F090A703FF}" sibTransId="{2BEF3F91-5C9A-4904-A457-AF78D2EA1555}"/>
+    <dgm:cxn modelId="{441C0567-D7A5-40EE-8155-1419A5241763}" type="presOf" srcId="{F32E542C-A449-4242-83ED-202FBB4E9E36}" destId="{677E8708-4897-4575-972A-F040FC0E4652}" srcOrd="0" destOrd="0" presId="urn:microsoft.com/office/officeart/2005/8/layout/vProcess5"/>
+    <dgm:cxn modelId="{CC46EE4E-4F4C-428B-A326-27117A479FA7}" type="presOf" srcId="{2BEF3F91-5C9A-4904-A457-AF78D2EA1555}" destId="{4DE4CEF2-810C-4C7E-8055-9EACB249197D}" srcOrd="0" destOrd="0" presId="urn:microsoft.com/office/officeart/2005/8/layout/vProcess5"/>
+    <dgm:cxn modelId="{227D306F-8E99-41B2-B047-86AB0583184A}" type="presOf" srcId="{F8501E13-AE93-420F-B089-7C8878E82EE5}" destId="{A86797BF-50FE-444C-B717-06FB058F6A1E}" srcOrd="0" destOrd="0" presId="urn:microsoft.com/office/officeart/2005/8/layout/vProcess5"/>
+    <dgm:cxn modelId="{2EF30D97-F5C5-4317-A639-EAAADA0175D1}" type="presOf" srcId="{F8501E13-AE93-420F-B089-7C8878E82EE5}" destId="{11C757F0-7B5E-406D-BF56-6763ECD0E1C8}" srcOrd="1" destOrd="0" presId="urn:microsoft.com/office/officeart/2005/8/layout/vProcess5"/>
+    <dgm:cxn modelId="{05548198-BE66-4C8C-B5C5-138530F4B3E3}" type="presOf" srcId="{A62027F8-841C-4985-A4AB-968A7EC4EF30}" destId="{3A04B858-F735-4021-A8C7-48B0364BCD15}" srcOrd="0" destOrd="0" presId="urn:microsoft.com/office/officeart/2005/8/layout/vProcess5"/>
+    <dgm:cxn modelId="{8141D09B-92CE-4F2E-9254-33A45A032101}" srcId="{4F83A513-DC61-4C40-97CD-5E7B26DC3589}" destId="{F32E542C-A449-4242-83ED-202FBB4E9E36}" srcOrd="2" destOrd="0" parTransId="{0AEDA036-CE62-4160-9C00-6A8781687A85}" sibTransId="{26FF9D4C-E007-4816-BACE-6DBFF9BBB1D0}"/>
+    <dgm:cxn modelId="{2DD90FAA-EE9A-46D5-8AB1-8C7A212DC633}" type="presOf" srcId="{4F83A513-DC61-4C40-97CD-5E7B26DC3589}" destId="{2AAE5244-FDDE-4BA2-9321-C4DC7A6CB705}" srcOrd="0" destOrd="0" presId="urn:microsoft.com/office/officeart/2005/8/layout/vProcess5"/>
+    <dgm:cxn modelId="{CAC46AAD-1C86-446C-9982-C861C485C346}" type="presOf" srcId="{05CEA8E9-DADC-49A5-BDEE-85A9D43751A5}" destId="{C8EDC3F1-49BF-4F2B-9340-11FFE86ADF13}" srcOrd="1" destOrd="0" presId="urn:microsoft.com/office/officeart/2005/8/layout/vProcess5"/>
+    <dgm:cxn modelId="{B79F7DD5-6A76-4AFF-AE50-9B1E6B282B1D}" srcId="{4F83A513-DC61-4C40-97CD-5E7B26DC3589}" destId="{F8501E13-AE93-420F-B089-7C8878E82EE5}" srcOrd="1" destOrd="0" parTransId="{F4AF9EE3-A5AC-4AD6-AB30-43AF9661C83B}" sibTransId="{A62027F8-841C-4985-A4AB-968A7EC4EF30}"/>
+    <dgm:cxn modelId="{329940D9-8C63-48B8-B342-25F8011C92D2}" type="presOf" srcId="{F32E542C-A449-4242-83ED-202FBB4E9E36}" destId="{B7ED498C-A397-410A-8764-1033038DD820}" srcOrd="1" destOrd="0" presId="urn:microsoft.com/office/officeart/2005/8/layout/vProcess5"/>
+    <dgm:cxn modelId="{E6A3E0F9-0D8C-429F-B2E2-B678BC721014}" type="presOf" srcId="{05CEA8E9-DADC-49A5-BDEE-85A9D43751A5}" destId="{C4A6B4D0-55C9-4359-8016-08DE4AA79103}" srcOrd="0" destOrd="0" presId="urn:microsoft.com/office/officeart/2005/8/layout/vProcess5"/>
+    <dgm:cxn modelId="{A4E4A58B-64AD-47B2-AF68-3E9FD896CDB5}" type="presParOf" srcId="{2AAE5244-FDDE-4BA2-9321-C4DC7A6CB705}" destId="{02D1F306-CDAB-4FFE-86D2-7D4674FA99D5}" srcOrd="0" destOrd="0" presId="urn:microsoft.com/office/officeart/2005/8/layout/vProcess5"/>
+    <dgm:cxn modelId="{49E41E8C-237D-4F65-B38D-7FEFCC5875FF}" type="presParOf" srcId="{2AAE5244-FDDE-4BA2-9321-C4DC7A6CB705}" destId="{C4A6B4D0-55C9-4359-8016-08DE4AA79103}" srcOrd="1" destOrd="0" presId="urn:microsoft.com/office/officeart/2005/8/layout/vProcess5"/>
+    <dgm:cxn modelId="{C64438E8-8E7D-4FBC-AEA9-E56126F1100D}" type="presParOf" srcId="{2AAE5244-FDDE-4BA2-9321-C4DC7A6CB705}" destId="{A86797BF-50FE-444C-B717-06FB058F6A1E}" srcOrd="2" destOrd="0" presId="urn:microsoft.com/office/officeart/2005/8/layout/vProcess5"/>
+    <dgm:cxn modelId="{3364BCCA-430A-4511-9A2C-ACD2834C2E37}" type="presParOf" srcId="{2AAE5244-FDDE-4BA2-9321-C4DC7A6CB705}" destId="{677E8708-4897-4575-972A-F040FC0E4652}" srcOrd="3" destOrd="0" presId="urn:microsoft.com/office/officeart/2005/8/layout/vProcess5"/>
+    <dgm:cxn modelId="{E8514FB7-3BA2-4FF3-BD5B-9288FCC7B063}" type="presParOf" srcId="{2AAE5244-FDDE-4BA2-9321-C4DC7A6CB705}" destId="{4DE4CEF2-810C-4C7E-8055-9EACB249197D}" srcOrd="4" destOrd="0" presId="urn:microsoft.com/office/officeart/2005/8/layout/vProcess5"/>
+    <dgm:cxn modelId="{9138F895-FE69-4D19-A2A6-56A730483CED}" type="presParOf" srcId="{2AAE5244-FDDE-4BA2-9321-C4DC7A6CB705}" destId="{3A04B858-F735-4021-A8C7-48B0364BCD15}" srcOrd="5" destOrd="0" presId="urn:microsoft.com/office/officeart/2005/8/layout/vProcess5"/>
+    <dgm:cxn modelId="{C291FE14-5EBD-48F3-818D-9778C5A9B827}" type="presParOf" srcId="{2AAE5244-FDDE-4BA2-9321-C4DC7A6CB705}" destId="{C8EDC3F1-49BF-4F2B-9340-11FFE86ADF13}" srcOrd="6" destOrd="0" presId="urn:microsoft.com/office/officeart/2005/8/layout/vProcess5"/>
+    <dgm:cxn modelId="{06756C3E-646E-4EDA-A936-3C00FC288A99}" type="presParOf" srcId="{2AAE5244-FDDE-4BA2-9321-C4DC7A6CB705}" destId="{11C757F0-7B5E-406D-BF56-6763ECD0E1C8}" srcOrd="7" destOrd="0" presId="urn:microsoft.com/office/officeart/2005/8/layout/vProcess5"/>
+    <dgm:cxn modelId="{1C4547F3-AFB8-4454-8216-9DD2D933BCB4}" type="presParOf" srcId="{2AAE5244-FDDE-4BA2-9321-C4DC7A6CB705}" destId="{B7ED498C-A397-410A-8764-1033038DD820}" srcOrd="8" destOrd="0" presId="urn:microsoft.com/office/officeart/2005/8/layout/vProcess5"/>
+  </dgm:cxnLst>
+  <dgm:bg/>
+  <dgm:whole/>
+  <dgm:extLst>
+    <a:ext uri="http://schemas.microsoft.com/office/drawing/2008/diagram">
+      <dsp:dataModelExt xmlns:dsp="http://schemas.microsoft.com/office/drawing/2008/diagram" relId="rId6" minVer="http://schemas.openxmlformats.org/drawingml/2006/diagram"/>
+    </a:ext>
+  </dgm:extLst>
+</dgm:dataModel>
+</file>
+
+<file path=ppt/diagrams/drawing1.xml><?xml version="1.0" encoding="utf-8"?>
+<dsp:drawing xmlns:dgm="http://schemas.openxmlformats.org/drawingml/2006/diagram" xmlns:dsp="http://schemas.microsoft.com/office/drawing/2008/diagram" xmlns:a="http://schemas.openxmlformats.org/drawingml/2006/main">
+  <dsp:spTree>
+    <dsp:nvGrpSpPr>
+      <dsp:cNvPr id="0" name=""/>
+      <dsp:cNvGrpSpPr/>
+    </dsp:nvGrpSpPr>
+    <dsp:grpSpPr/>
+    <dsp:sp modelId="{C4A6B4D0-55C9-4359-8016-08DE4AA79103}">
+      <dsp:nvSpPr>
+        <dsp:cNvPr id="0" name=""/>
+        <dsp:cNvSpPr/>
+      </dsp:nvSpPr>
+      <dsp:spPr>
+        <a:xfrm>
+          <a:off x="0" y="0"/>
+          <a:ext cx="8484870" cy="1371600"/>
+        </a:xfrm>
+        <a:prstGeom prst="roundRect">
+          <a:avLst>
+            <a:gd name="adj" fmla="val 10000"/>
+          </a:avLst>
+        </a:prstGeom>
+        <a:solidFill>
+          <a:schemeClr val="accent3">
+            <a:hueOff val="0"/>
+            <a:satOff val="0"/>
+            <a:lumOff val="0"/>
+            <a:alphaOff val="0"/>
+          </a:schemeClr>
+        </a:solidFill>
+        <a:ln w="48500" cap="flat" cmpd="thickThin" algn="ctr">
+          <a:solidFill>
+            <a:schemeClr val="lt1">
+              <a:hueOff val="0"/>
+              <a:satOff val="0"/>
+              <a:lumOff val="0"/>
+              <a:alphaOff val="0"/>
+            </a:schemeClr>
+          </a:solidFill>
+          <a:prstDash val="solid"/>
+        </a:ln>
+        <a:effectLst>
+          <a:outerShdw blurRad="45000" dist="25000" dir="5400000" rotWithShape="0">
+            <a:srgbClr val="000000">
+              <a:alpha val="38000"/>
+            </a:srgbClr>
+          </a:outerShdw>
+        </a:effectLst>
+      </dsp:spPr>
+      <dsp:style>
+        <a:lnRef idx="3">
+          <a:scrgbClr r="0" g="0" b="0"/>
+        </a:lnRef>
+        <a:fillRef idx="1">
+          <a:scrgbClr r="0" g="0" b="0"/>
+        </a:fillRef>
+        <a:effectRef idx="1">
+          <a:scrgbClr r="0" g="0" b="0"/>
+        </a:effectRef>
+        <a:fontRef idx="minor">
+          <a:schemeClr val="lt1"/>
+        </a:fontRef>
+      </dsp:style>
+      <dsp:txBody>
+        <a:bodyPr spcFirstLastPara="0" vert="horz" wrap="square" lIns="91440" tIns="91440" rIns="91440" bIns="91440" numCol="1" spcCol="1270" anchor="ctr" anchorCtr="0">
+          <a:noAutofit/>
+        </a:bodyPr>
+        <a:lstStyle/>
+        <a:p>
+          <a:pPr marL="0" lvl="0" indent="0" algn="l" defTabSz="1066800">
+            <a:lnSpc>
+              <a:spcPct val="90000"/>
+            </a:lnSpc>
+            <a:spcBef>
+              <a:spcPct val="0"/>
+            </a:spcBef>
+            <a:spcAft>
+              <a:spcPct val="35000"/>
+            </a:spcAft>
+            <a:buNone/>
+          </a:pPr>
+          <a:r>
+            <a:rPr lang="en-US" sz="2400" kern="1200" dirty="0">
+              <a:effectLst/>
+              <a:latin typeface="Times New Roman" panose="02020603050405020304" pitchFamily="18" charset="0"/>
+              <a:cs typeface="Times New Roman" panose="02020603050405020304" pitchFamily="18" charset="0"/>
+            </a:rPr>
+            <a:t>Sau </a:t>
+          </a:r>
+          <a:r>
+            <a:rPr lang="en-US" sz="2400" kern="1200" dirty="0" err="1">
+              <a:effectLst/>
+              <a:latin typeface="Times New Roman" panose="02020603050405020304" pitchFamily="18" charset="0"/>
+              <a:cs typeface="Times New Roman" panose="02020603050405020304" pitchFamily="18" charset="0"/>
+            </a:rPr>
+            <a:t>khi</a:t>
+          </a:r>
+          <a:r>
+            <a:rPr lang="en-US" sz="2400" kern="1200" dirty="0">
+              <a:effectLst/>
+              <a:latin typeface="Times New Roman" panose="02020603050405020304" pitchFamily="18" charset="0"/>
+              <a:cs typeface="Times New Roman" panose="02020603050405020304" pitchFamily="18" charset="0"/>
+            </a:rPr>
+            <a:t> </a:t>
+          </a:r>
+          <a:r>
+            <a:rPr lang="en-US" sz="2400" kern="1200" dirty="0" err="1">
+              <a:effectLst/>
+              <a:latin typeface="Times New Roman" panose="02020603050405020304" pitchFamily="18" charset="0"/>
+              <a:cs typeface="Times New Roman" panose="02020603050405020304" pitchFamily="18" charset="0"/>
+            </a:rPr>
+            <a:t>chạy</a:t>
+          </a:r>
+          <a:r>
+            <a:rPr lang="en-US" sz="2400" kern="1200" dirty="0">
+              <a:effectLst/>
+              <a:latin typeface="Times New Roman" panose="02020603050405020304" pitchFamily="18" charset="0"/>
+              <a:cs typeface="Times New Roman" panose="02020603050405020304" pitchFamily="18" charset="0"/>
+            </a:rPr>
+            <a:t> </a:t>
+          </a:r>
+          <a:r>
+            <a:rPr lang="en-US" sz="2400" kern="1200" dirty="0" err="1">
+              <a:effectLst/>
+              <a:latin typeface="Times New Roman" panose="02020603050405020304" pitchFamily="18" charset="0"/>
+              <a:cs typeface="Times New Roman" panose="02020603050405020304" pitchFamily="18" charset="0"/>
+            </a:rPr>
+            <a:t>thử</a:t>
+          </a:r>
+          <a:r>
+            <a:rPr lang="en-US" sz="2400" kern="1200" dirty="0">
+              <a:effectLst/>
+              <a:latin typeface="Times New Roman" panose="02020603050405020304" pitchFamily="18" charset="0"/>
+              <a:cs typeface="Times New Roman" panose="02020603050405020304" pitchFamily="18" charset="0"/>
+            </a:rPr>
+            <a:t> ở </a:t>
+          </a:r>
+          <a:r>
+            <a:rPr lang="en-US" sz="2400" kern="1200" dirty="0" err="1">
+              <a:effectLst/>
+              <a:latin typeface="Times New Roman" panose="02020603050405020304" pitchFamily="18" charset="0"/>
+              <a:cs typeface="Times New Roman" panose="02020603050405020304" pitchFamily="18" charset="0"/>
+            </a:rPr>
+            <a:t>trên</a:t>
+          </a:r>
+          <a:r>
+            <a:rPr lang="en-US" sz="2400" kern="1200" dirty="0">
+              <a:effectLst/>
+              <a:latin typeface="Times New Roman" panose="02020603050405020304" pitchFamily="18" charset="0"/>
+              <a:cs typeface="Times New Roman" panose="02020603050405020304" pitchFamily="18" charset="0"/>
+            </a:rPr>
+            <a:t>, </a:t>
+          </a:r>
+          <a:r>
+            <a:rPr lang="en-US" sz="2400" kern="1200" dirty="0" err="1">
+              <a:effectLst/>
+              <a:latin typeface="Times New Roman" panose="02020603050405020304" pitchFamily="18" charset="0"/>
+              <a:cs typeface="Times New Roman" panose="02020603050405020304" pitchFamily="18" charset="0"/>
+            </a:rPr>
+            <a:t>bây</a:t>
+          </a:r>
+          <a:r>
+            <a:rPr lang="en-US" sz="2400" kern="1200" dirty="0">
+              <a:effectLst/>
+              <a:latin typeface="Times New Roman" panose="02020603050405020304" pitchFamily="18" charset="0"/>
+              <a:cs typeface="Times New Roman" panose="02020603050405020304" pitchFamily="18" charset="0"/>
+            </a:rPr>
+            <a:t> </a:t>
+          </a:r>
+          <a:r>
+            <a:rPr lang="en-US" sz="2400" kern="1200" dirty="0" err="1">
+              <a:effectLst/>
+              <a:latin typeface="Times New Roman" panose="02020603050405020304" pitchFamily="18" charset="0"/>
+              <a:cs typeface="Times New Roman" panose="02020603050405020304" pitchFamily="18" charset="0"/>
+            </a:rPr>
+            <a:t>giờ</a:t>
+          </a:r>
+          <a:r>
+            <a:rPr lang="en-US" sz="2400" kern="1200" dirty="0">
+              <a:effectLst/>
+              <a:latin typeface="Times New Roman" panose="02020603050405020304" pitchFamily="18" charset="0"/>
+              <a:cs typeface="Times New Roman" panose="02020603050405020304" pitchFamily="18" charset="0"/>
+            </a:rPr>
+            <a:t> </a:t>
+          </a:r>
+          <a:r>
+            <a:rPr lang="en-US" sz="2400" kern="1200" dirty="0" err="1">
+              <a:effectLst/>
+              <a:latin typeface="Times New Roman" panose="02020603050405020304" pitchFamily="18" charset="0"/>
+              <a:cs typeface="Times New Roman" panose="02020603050405020304" pitchFamily="18" charset="0"/>
+            </a:rPr>
+            <a:t>mình</a:t>
+          </a:r>
+          <a:r>
+            <a:rPr lang="en-US" sz="2400" kern="1200" dirty="0">
+              <a:effectLst/>
+              <a:latin typeface="Times New Roman" panose="02020603050405020304" pitchFamily="18" charset="0"/>
+              <a:cs typeface="Times New Roman" panose="02020603050405020304" pitchFamily="18" charset="0"/>
+            </a:rPr>
+            <a:t> build 1 pipeline </a:t>
+          </a:r>
+          <a:r>
+            <a:rPr lang="en-US" sz="2400" kern="1200" dirty="0" err="1">
+              <a:effectLst/>
+              <a:latin typeface="Times New Roman" panose="02020603050405020304" pitchFamily="18" charset="0"/>
+              <a:cs typeface="Times New Roman" panose="02020603050405020304" pitchFamily="18" charset="0"/>
+            </a:rPr>
+            <a:t>để</a:t>
+          </a:r>
+          <a:r>
+            <a:rPr lang="en-US" sz="2400" kern="1200" dirty="0">
+              <a:effectLst/>
+              <a:latin typeface="Times New Roman" panose="02020603050405020304" pitchFamily="18" charset="0"/>
+              <a:cs typeface="Times New Roman" panose="02020603050405020304" pitchFamily="18" charset="0"/>
+            </a:rPr>
+            <a:t> </a:t>
+          </a:r>
+          <a:r>
+            <a:rPr lang="en-US" sz="2400" kern="1200" dirty="0" err="1">
+              <a:effectLst/>
+              <a:latin typeface="Times New Roman" panose="02020603050405020304" pitchFamily="18" charset="0"/>
+              <a:cs typeface="Times New Roman" panose="02020603050405020304" pitchFamily="18" charset="0"/>
+            </a:rPr>
+            <a:t>tiện</a:t>
+          </a:r>
+          <a:r>
+            <a:rPr lang="en-US" sz="2400" kern="1200" dirty="0">
+              <a:effectLst/>
+              <a:latin typeface="Times New Roman" panose="02020603050405020304" pitchFamily="18" charset="0"/>
+              <a:cs typeface="Times New Roman" panose="02020603050405020304" pitchFamily="18" charset="0"/>
+            </a:rPr>
+            <a:t> </a:t>
+          </a:r>
+          <a:r>
+            <a:rPr lang="en-US" sz="2400" kern="1200" dirty="0" err="1">
+              <a:effectLst/>
+              <a:latin typeface="Times New Roman" panose="02020603050405020304" pitchFamily="18" charset="0"/>
+              <a:cs typeface="Times New Roman" panose="02020603050405020304" pitchFamily="18" charset="0"/>
+            </a:rPr>
+            <a:t>cho</a:t>
+          </a:r>
+          <a:r>
+            <a:rPr lang="en-US" sz="2400" kern="1200" dirty="0">
+              <a:effectLst/>
+              <a:latin typeface="Times New Roman" panose="02020603050405020304" pitchFamily="18" charset="0"/>
+              <a:cs typeface="Times New Roman" panose="02020603050405020304" pitchFamily="18" charset="0"/>
+            </a:rPr>
+            <a:t> </a:t>
+          </a:r>
+          <a:r>
+            <a:rPr lang="en-US" sz="2400" kern="1200" dirty="0" err="1">
+              <a:effectLst/>
+              <a:latin typeface="Times New Roman" panose="02020603050405020304" pitchFamily="18" charset="0"/>
+              <a:cs typeface="Times New Roman" panose="02020603050405020304" pitchFamily="18" charset="0"/>
+            </a:rPr>
+            <a:t>việc</a:t>
+          </a:r>
+          <a:r>
+            <a:rPr lang="en-US" sz="2400" kern="1200" dirty="0">
+              <a:effectLst/>
+              <a:latin typeface="Times New Roman" panose="02020603050405020304" pitchFamily="18" charset="0"/>
+              <a:cs typeface="Times New Roman" panose="02020603050405020304" pitchFamily="18" charset="0"/>
+            </a:rPr>
+            <a:t> </a:t>
+          </a:r>
+          <a:r>
+            <a:rPr lang="en-US" sz="2400" kern="1200" dirty="0" err="1">
+              <a:effectLst/>
+              <a:latin typeface="Times New Roman" panose="02020603050405020304" pitchFamily="18" charset="0"/>
+              <a:cs typeface="Times New Roman" panose="02020603050405020304" pitchFamily="18" charset="0"/>
+            </a:rPr>
+            <a:t>gọi</a:t>
+          </a:r>
+          <a:r>
+            <a:rPr lang="en-US" sz="2400" kern="1200" dirty="0">
+              <a:effectLst/>
+              <a:latin typeface="Times New Roman" panose="02020603050405020304" pitchFamily="18" charset="0"/>
+              <a:cs typeface="Times New Roman" panose="02020603050405020304" pitchFamily="18" charset="0"/>
+            </a:rPr>
+            <a:t> </a:t>
+          </a:r>
+          <a:r>
+            <a:rPr lang="en-US" sz="2400" kern="1200" dirty="0" err="1">
+              <a:effectLst/>
+              <a:latin typeface="Times New Roman" panose="02020603050405020304" pitchFamily="18" charset="0"/>
+              <a:cs typeface="Times New Roman" panose="02020603050405020304" pitchFamily="18" charset="0"/>
+            </a:rPr>
+            <a:t>sử</a:t>
+          </a:r>
+          <a:r>
+            <a:rPr lang="en-US" sz="2400" kern="1200" dirty="0">
+              <a:effectLst/>
+              <a:latin typeface="Times New Roman" panose="02020603050405020304" pitchFamily="18" charset="0"/>
+              <a:cs typeface="Times New Roman" panose="02020603050405020304" pitchFamily="18" charset="0"/>
+            </a:rPr>
+            <a:t> </a:t>
+          </a:r>
+          <a:r>
+            <a:rPr lang="en-US" sz="2400" kern="1200" dirty="0" err="1">
+              <a:effectLst/>
+              <a:latin typeface="Times New Roman" panose="02020603050405020304" pitchFamily="18" charset="0"/>
+              <a:cs typeface="Times New Roman" panose="02020603050405020304" pitchFamily="18" charset="0"/>
+            </a:rPr>
+            <a:t>dụng</a:t>
+          </a:r>
+          <a:r>
+            <a:rPr lang="en-US" sz="2400" kern="1200" dirty="0">
+              <a:effectLst/>
+              <a:latin typeface="Times New Roman" panose="02020603050405020304" pitchFamily="18" charset="0"/>
+              <a:cs typeface="Times New Roman" panose="02020603050405020304" pitchFamily="18" charset="0"/>
+            </a:rPr>
+            <a:t>.</a:t>
+          </a:r>
+        </a:p>
+      </dsp:txBody>
+      <dsp:txXfrm>
+        <a:off x="40173" y="40173"/>
+        <a:ext cx="7004806" cy="1291254"/>
+      </dsp:txXfrm>
+    </dsp:sp>
+    <dsp:sp modelId="{A86797BF-50FE-444C-B717-06FB058F6A1E}">
+      <dsp:nvSpPr>
+        <dsp:cNvPr id="0" name=""/>
+        <dsp:cNvSpPr/>
+      </dsp:nvSpPr>
+      <dsp:spPr>
+        <a:xfrm>
+          <a:off x="748664" y="1600199"/>
+          <a:ext cx="8484870" cy="1371600"/>
+        </a:xfrm>
+        <a:prstGeom prst="roundRect">
+          <a:avLst>
+            <a:gd name="adj" fmla="val 10000"/>
+          </a:avLst>
+        </a:prstGeom>
+        <a:solidFill>
+          <a:schemeClr val="accent3">
+            <a:hueOff val="0"/>
+            <a:satOff val="0"/>
+            <a:lumOff val="0"/>
+            <a:alphaOff val="0"/>
+          </a:schemeClr>
+        </a:solidFill>
+        <a:ln w="48500" cap="flat" cmpd="thickThin" algn="ctr">
+          <a:solidFill>
+            <a:schemeClr val="lt1">
+              <a:hueOff val="0"/>
+              <a:satOff val="0"/>
+              <a:lumOff val="0"/>
+              <a:alphaOff val="0"/>
+            </a:schemeClr>
+          </a:solidFill>
+          <a:prstDash val="solid"/>
+        </a:ln>
+        <a:effectLst>
+          <a:outerShdw blurRad="45000" dist="25000" dir="5400000" rotWithShape="0">
+            <a:srgbClr val="000000">
+              <a:alpha val="38000"/>
+            </a:srgbClr>
+          </a:outerShdw>
+        </a:effectLst>
+      </dsp:spPr>
+      <dsp:style>
+        <a:lnRef idx="3">
+          <a:scrgbClr r="0" g="0" b="0"/>
+        </a:lnRef>
+        <a:fillRef idx="1">
+          <a:scrgbClr r="0" g="0" b="0"/>
+        </a:fillRef>
+        <a:effectRef idx="1">
+          <a:scrgbClr r="0" g="0" b="0"/>
+        </a:effectRef>
+        <a:fontRef idx="minor">
+          <a:schemeClr val="lt1"/>
+        </a:fontRef>
+      </dsp:style>
+      <dsp:txBody>
+        <a:bodyPr spcFirstLastPara="0" vert="horz" wrap="square" lIns="91440" tIns="91440" rIns="91440" bIns="91440" numCol="1" spcCol="1270" anchor="ctr" anchorCtr="0">
+          <a:noAutofit/>
+        </a:bodyPr>
+        <a:lstStyle/>
+        <a:p>
+          <a:pPr marL="0" lvl="0" indent="0" algn="l" defTabSz="1066800">
+            <a:lnSpc>
+              <a:spcPct val="90000"/>
+            </a:lnSpc>
+            <a:spcBef>
+              <a:spcPct val="0"/>
+            </a:spcBef>
+            <a:spcAft>
+              <a:spcPct val="35000"/>
+            </a:spcAft>
+            <a:buNone/>
+          </a:pPr>
+          <a:r>
+            <a:rPr lang="en-US" sz="2400" kern="1200" dirty="0" err="1">
+              <a:latin typeface="Times New Roman" panose="02020603050405020304" pitchFamily="18" charset="0"/>
+              <a:cs typeface="Times New Roman" panose="02020603050405020304" pitchFamily="18" charset="0"/>
+            </a:rPr>
+            <a:t>Đồng</a:t>
+          </a:r>
+          <a:r>
+            <a:rPr lang="en-US" sz="2400" kern="1200" dirty="0">
+              <a:latin typeface="Times New Roman" panose="02020603050405020304" pitchFamily="18" charset="0"/>
+              <a:cs typeface="Times New Roman" panose="02020603050405020304" pitchFamily="18" charset="0"/>
+            </a:rPr>
+            <a:t> </a:t>
+          </a:r>
+          <a:r>
+            <a:rPr lang="en-US" sz="2400" kern="1200" dirty="0" err="1">
+              <a:latin typeface="Times New Roman" panose="02020603050405020304" pitchFamily="18" charset="0"/>
+              <a:cs typeface="Times New Roman" panose="02020603050405020304" pitchFamily="18" charset="0"/>
+            </a:rPr>
+            <a:t>thời</a:t>
+          </a:r>
+          <a:r>
+            <a:rPr lang="en-US" sz="2400" kern="1200" dirty="0">
+              <a:latin typeface="Times New Roman" panose="02020603050405020304" pitchFamily="18" charset="0"/>
+              <a:cs typeface="Times New Roman" panose="02020603050405020304" pitchFamily="18" charset="0"/>
+            </a:rPr>
+            <a:t> </a:t>
+          </a:r>
+          <a:r>
+            <a:rPr lang="en-US" sz="2400" kern="1200" dirty="0" err="1">
+              <a:latin typeface="Times New Roman" panose="02020603050405020304" pitchFamily="18" charset="0"/>
+              <a:cs typeface="Times New Roman" panose="02020603050405020304" pitchFamily="18" charset="0"/>
+            </a:rPr>
+            <a:t>mình</a:t>
+          </a:r>
+          <a:r>
+            <a:rPr lang="en-US" sz="2400" kern="1200" dirty="0">
+              <a:latin typeface="Times New Roman" panose="02020603050405020304" pitchFamily="18" charset="0"/>
+              <a:cs typeface="Times New Roman" panose="02020603050405020304" pitchFamily="18" charset="0"/>
+            </a:rPr>
+            <a:t> </a:t>
+          </a:r>
+          <a:r>
+            <a:rPr lang="en-US" sz="2400" kern="1200" dirty="0" err="1">
+              <a:latin typeface="Times New Roman" panose="02020603050405020304" pitchFamily="18" charset="0"/>
+              <a:cs typeface="Times New Roman" panose="02020603050405020304" pitchFamily="18" charset="0"/>
+            </a:rPr>
+            <a:t>sẽ</a:t>
+          </a:r>
+          <a:r>
+            <a:rPr lang="en-US" sz="2400" kern="1200" dirty="0">
+              <a:latin typeface="Times New Roman" panose="02020603050405020304" pitchFamily="18" charset="0"/>
+              <a:cs typeface="Times New Roman" panose="02020603050405020304" pitchFamily="18" charset="0"/>
+            </a:rPr>
+            <a:t> </a:t>
+          </a:r>
+          <a:r>
+            <a:rPr lang="en-US" sz="2400" kern="1200" dirty="0" err="1">
+              <a:latin typeface="Times New Roman" panose="02020603050405020304" pitchFamily="18" charset="0"/>
+              <a:cs typeface="Times New Roman" panose="02020603050405020304" pitchFamily="18" charset="0"/>
+            </a:rPr>
+            <a:t>dùng</a:t>
+          </a:r>
+          <a:r>
+            <a:rPr lang="en-US" sz="2400" kern="1200" dirty="0">
+              <a:latin typeface="Times New Roman" panose="02020603050405020304" pitchFamily="18" charset="0"/>
+              <a:cs typeface="Times New Roman" panose="02020603050405020304" pitchFamily="18" charset="0"/>
+            </a:rPr>
+            <a:t> Hyperparameter tuning (</a:t>
+          </a:r>
+          <a:r>
+            <a:rPr lang="en-US" sz="2400" kern="1200" dirty="0" err="1">
+              <a:latin typeface="Times New Roman" panose="02020603050405020304" pitchFamily="18" charset="0"/>
+              <a:cs typeface="Times New Roman" panose="02020603050405020304" pitchFamily="18" charset="0"/>
+            </a:rPr>
+            <a:t>Điều</a:t>
+          </a:r>
+          <a:r>
+            <a:rPr lang="en-US" sz="2400" kern="1200" dirty="0">
+              <a:latin typeface="Times New Roman" panose="02020603050405020304" pitchFamily="18" charset="0"/>
+              <a:cs typeface="Times New Roman" panose="02020603050405020304" pitchFamily="18" charset="0"/>
+            </a:rPr>
+            <a:t> </a:t>
+          </a:r>
+          <a:r>
+            <a:rPr lang="en-US" sz="2400" kern="1200" dirty="0" err="1">
+              <a:latin typeface="Times New Roman" panose="02020603050405020304" pitchFamily="18" charset="0"/>
+              <a:cs typeface="Times New Roman" panose="02020603050405020304" pitchFamily="18" charset="0"/>
+            </a:rPr>
+            <a:t>chỉnh</a:t>
+          </a:r>
+          <a:r>
+            <a:rPr lang="en-US" sz="2400" kern="1200" dirty="0">
+              <a:latin typeface="Times New Roman" panose="02020603050405020304" pitchFamily="18" charset="0"/>
+              <a:cs typeface="Times New Roman" panose="02020603050405020304" pitchFamily="18" charset="0"/>
+            </a:rPr>
+            <a:t> </a:t>
+          </a:r>
+          <a:r>
+            <a:rPr lang="en-US" sz="2400" kern="1200" dirty="0" err="1">
+              <a:latin typeface="Times New Roman" panose="02020603050405020304" pitchFamily="18" charset="0"/>
+              <a:cs typeface="Times New Roman" panose="02020603050405020304" pitchFamily="18" charset="0"/>
+            </a:rPr>
+            <a:t>tham</a:t>
+          </a:r>
+          <a:r>
+            <a:rPr lang="en-US" sz="2400" kern="1200" dirty="0">
+              <a:latin typeface="Times New Roman" panose="02020603050405020304" pitchFamily="18" charset="0"/>
+              <a:cs typeface="Times New Roman" panose="02020603050405020304" pitchFamily="18" charset="0"/>
+            </a:rPr>
+            <a:t> </a:t>
+          </a:r>
+          <a:r>
+            <a:rPr lang="en-US" sz="2400" kern="1200" dirty="0" err="1">
+              <a:latin typeface="Times New Roman" panose="02020603050405020304" pitchFamily="18" charset="0"/>
+              <a:cs typeface="Times New Roman" panose="02020603050405020304" pitchFamily="18" charset="0"/>
+            </a:rPr>
+            <a:t>số</a:t>
+          </a:r>
+          <a:r>
+            <a:rPr lang="en-US" sz="2400" kern="1200" dirty="0">
+              <a:latin typeface="Times New Roman" panose="02020603050405020304" pitchFamily="18" charset="0"/>
+              <a:cs typeface="Times New Roman" panose="02020603050405020304" pitchFamily="18" charset="0"/>
+            </a:rPr>
+            <a:t> </a:t>
+          </a:r>
+          <a:r>
+            <a:rPr lang="en-US" sz="2400" kern="1200" dirty="0" err="1">
+              <a:latin typeface="Times New Roman" panose="02020603050405020304" pitchFamily="18" charset="0"/>
+              <a:cs typeface="Times New Roman" panose="02020603050405020304" pitchFamily="18" charset="0"/>
+            </a:rPr>
+            <a:t>học</a:t>
+          </a:r>
+          <a:r>
+            <a:rPr lang="en-US" sz="2400" kern="1200" dirty="0">
+              <a:latin typeface="Times New Roman" panose="02020603050405020304" pitchFamily="18" charset="0"/>
+              <a:cs typeface="Times New Roman" panose="02020603050405020304" pitchFamily="18" charset="0"/>
+            </a:rPr>
+            <a:t>) </a:t>
+          </a:r>
+          <a:r>
+            <a:rPr lang="en-US" sz="2400" kern="1200" dirty="0" err="1">
+              <a:latin typeface="Times New Roman" panose="02020603050405020304" pitchFamily="18" charset="0"/>
+              <a:cs typeface="Times New Roman" panose="02020603050405020304" pitchFamily="18" charset="0"/>
+            </a:rPr>
+            <a:t>để</a:t>
+          </a:r>
+          <a:r>
+            <a:rPr lang="en-US" sz="2400" kern="1200" dirty="0">
+              <a:latin typeface="Times New Roman" panose="02020603050405020304" pitchFamily="18" charset="0"/>
+              <a:cs typeface="Times New Roman" panose="02020603050405020304" pitchFamily="18" charset="0"/>
+            </a:rPr>
+            <a:t> </a:t>
+          </a:r>
+          <a:r>
+            <a:rPr lang="en-US" sz="2400" kern="1200" dirty="0" err="1">
+              <a:latin typeface="Times New Roman" panose="02020603050405020304" pitchFamily="18" charset="0"/>
+              <a:cs typeface="Times New Roman" panose="02020603050405020304" pitchFamily="18" charset="0"/>
+            </a:rPr>
+            <a:t>đạt</a:t>
+          </a:r>
+          <a:r>
+            <a:rPr lang="en-US" sz="2400" kern="1200" dirty="0">
+              <a:latin typeface="Times New Roman" panose="02020603050405020304" pitchFamily="18" charset="0"/>
+              <a:cs typeface="Times New Roman" panose="02020603050405020304" pitchFamily="18" charset="0"/>
+            </a:rPr>
+            <a:t> </a:t>
+          </a:r>
+          <a:r>
+            <a:rPr lang="en-US" sz="2400" kern="1200" dirty="0" err="1">
+              <a:latin typeface="Times New Roman" panose="02020603050405020304" pitchFamily="18" charset="0"/>
+              <a:cs typeface="Times New Roman" panose="02020603050405020304" pitchFamily="18" charset="0"/>
+            </a:rPr>
+            <a:t>độ</a:t>
+          </a:r>
+          <a:r>
+            <a:rPr lang="en-US" sz="2400" kern="1200" dirty="0">
+              <a:latin typeface="Times New Roman" panose="02020603050405020304" pitchFamily="18" charset="0"/>
+              <a:cs typeface="Times New Roman" panose="02020603050405020304" pitchFamily="18" charset="0"/>
+            </a:rPr>
+            <a:t> </a:t>
+          </a:r>
+          <a:r>
+            <a:rPr lang="en-US" sz="2400" kern="1200" dirty="0" err="1">
+              <a:latin typeface="Times New Roman" panose="02020603050405020304" pitchFamily="18" charset="0"/>
+              <a:cs typeface="Times New Roman" panose="02020603050405020304" pitchFamily="18" charset="0"/>
+            </a:rPr>
+            <a:t>chính</a:t>
+          </a:r>
+          <a:r>
+            <a:rPr lang="en-US" sz="2400" kern="1200" dirty="0">
+              <a:latin typeface="Times New Roman" panose="02020603050405020304" pitchFamily="18" charset="0"/>
+              <a:cs typeface="Times New Roman" panose="02020603050405020304" pitchFamily="18" charset="0"/>
+            </a:rPr>
+            <a:t> </a:t>
+          </a:r>
+          <a:r>
+            <a:rPr lang="en-US" sz="2400" kern="1200" dirty="0" err="1">
+              <a:latin typeface="Times New Roman" panose="02020603050405020304" pitchFamily="18" charset="0"/>
+              <a:cs typeface="Times New Roman" panose="02020603050405020304" pitchFamily="18" charset="0"/>
+            </a:rPr>
+            <a:t>xác</a:t>
+          </a:r>
+          <a:r>
+            <a:rPr lang="en-US" sz="2400" kern="1200" dirty="0">
+              <a:latin typeface="Times New Roman" panose="02020603050405020304" pitchFamily="18" charset="0"/>
+              <a:cs typeface="Times New Roman" panose="02020603050405020304" pitchFamily="18" charset="0"/>
+            </a:rPr>
+            <a:t> </a:t>
+          </a:r>
+          <a:r>
+            <a:rPr lang="en-US" sz="2400" kern="1200" dirty="0" err="1">
+              <a:latin typeface="Times New Roman" panose="02020603050405020304" pitchFamily="18" charset="0"/>
+              <a:cs typeface="Times New Roman" panose="02020603050405020304" pitchFamily="18" charset="0"/>
+            </a:rPr>
+            <a:t>của</a:t>
+          </a:r>
+          <a:r>
+            <a:rPr lang="en-US" sz="2400" kern="1200" dirty="0">
+              <a:latin typeface="Times New Roman" panose="02020603050405020304" pitchFamily="18" charset="0"/>
+              <a:cs typeface="Times New Roman" panose="02020603050405020304" pitchFamily="18" charset="0"/>
+            </a:rPr>
+            <a:t> </a:t>
+          </a:r>
+          <a:r>
+            <a:rPr lang="en-US" sz="2400" kern="1200" dirty="0" err="1">
+              <a:latin typeface="Times New Roman" panose="02020603050405020304" pitchFamily="18" charset="0"/>
+              <a:cs typeface="Times New Roman" panose="02020603050405020304" pitchFamily="18" charset="0"/>
+            </a:rPr>
+            <a:t>dự</a:t>
+          </a:r>
+          <a:r>
+            <a:rPr lang="en-US" sz="2400" kern="1200" dirty="0">
+              <a:latin typeface="Times New Roman" panose="02020603050405020304" pitchFamily="18" charset="0"/>
+              <a:cs typeface="Times New Roman" panose="02020603050405020304" pitchFamily="18" charset="0"/>
+            </a:rPr>
+            <a:t> </a:t>
+          </a:r>
+          <a:r>
+            <a:rPr lang="en-US" sz="2400" kern="1200" dirty="0" err="1">
+              <a:latin typeface="Times New Roman" panose="02020603050405020304" pitchFamily="18" charset="0"/>
+              <a:cs typeface="Times New Roman" panose="02020603050405020304" pitchFamily="18" charset="0"/>
+            </a:rPr>
+            <a:t>đoán</a:t>
+          </a:r>
+          <a:r>
+            <a:rPr lang="en-US" sz="2400" kern="1200" dirty="0">
+              <a:latin typeface="Times New Roman" panose="02020603050405020304" pitchFamily="18" charset="0"/>
+              <a:cs typeface="Times New Roman" panose="02020603050405020304" pitchFamily="18" charset="0"/>
+            </a:rPr>
+            <a:t>.</a:t>
+          </a:r>
+        </a:p>
+      </dsp:txBody>
+      <dsp:txXfrm>
+        <a:off x="788837" y="1640372"/>
+        <a:ext cx="6764319" cy="1291254"/>
+      </dsp:txXfrm>
+    </dsp:sp>
+    <dsp:sp modelId="{677E8708-4897-4575-972A-F040FC0E4652}">
+      <dsp:nvSpPr>
+        <dsp:cNvPr id="0" name=""/>
+        <dsp:cNvSpPr/>
+      </dsp:nvSpPr>
+      <dsp:spPr>
+        <a:xfrm>
+          <a:off x="1497329" y="3200399"/>
+          <a:ext cx="8484870" cy="1371600"/>
+        </a:xfrm>
+        <a:prstGeom prst="roundRect">
+          <a:avLst>
+            <a:gd name="adj" fmla="val 10000"/>
+          </a:avLst>
+        </a:prstGeom>
+        <a:solidFill>
+          <a:schemeClr val="accent3">
+            <a:hueOff val="0"/>
+            <a:satOff val="0"/>
+            <a:lumOff val="0"/>
+            <a:alphaOff val="0"/>
+          </a:schemeClr>
+        </a:solidFill>
+        <a:ln w="48500" cap="flat" cmpd="thickThin" algn="ctr">
+          <a:solidFill>
+            <a:schemeClr val="lt1">
+              <a:hueOff val="0"/>
+              <a:satOff val="0"/>
+              <a:lumOff val="0"/>
+              <a:alphaOff val="0"/>
+            </a:schemeClr>
+          </a:solidFill>
+          <a:prstDash val="solid"/>
+        </a:ln>
+        <a:effectLst>
+          <a:outerShdw blurRad="45000" dist="25000" dir="5400000" rotWithShape="0">
+            <a:srgbClr val="000000">
+              <a:alpha val="38000"/>
+            </a:srgbClr>
+          </a:outerShdw>
+        </a:effectLst>
+      </dsp:spPr>
+      <dsp:style>
+        <a:lnRef idx="3">
+          <a:scrgbClr r="0" g="0" b="0"/>
+        </a:lnRef>
+        <a:fillRef idx="1">
+          <a:scrgbClr r="0" g="0" b="0"/>
+        </a:fillRef>
+        <a:effectRef idx="1">
+          <a:scrgbClr r="0" g="0" b="0"/>
+        </a:effectRef>
+        <a:fontRef idx="minor">
+          <a:schemeClr val="lt1"/>
+        </a:fontRef>
+      </dsp:style>
+      <dsp:txBody>
+        <a:bodyPr spcFirstLastPara="0" vert="horz" wrap="square" lIns="91440" tIns="91440" rIns="91440" bIns="91440" numCol="1" spcCol="1270" anchor="ctr" anchorCtr="0">
+          <a:noAutofit/>
+        </a:bodyPr>
+        <a:lstStyle/>
+        <a:p>
+          <a:pPr marL="0" lvl="0" indent="0" algn="l" defTabSz="1066800">
+            <a:lnSpc>
+              <a:spcPct val="90000"/>
+            </a:lnSpc>
+            <a:spcBef>
+              <a:spcPct val="0"/>
+            </a:spcBef>
+            <a:spcAft>
+              <a:spcPct val="35000"/>
+            </a:spcAft>
+            <a:buNone/>
+          </a:pPr>
+          <a:r>
+            <a:rPr lang="en-US" sz="2400" kern="1200" dirty="0" err="1">
+              <a:latin typeface="Times New Roman" panose="02020603050405020304" pitchFamily="18" charset="0"/>
+              <a:cs typeface="Times New Roman" panose="02020603050405020304" pitchFamily="18" charset="0"/>
+            </a:rPr>
+            <a:t>Kết</a:t>
+          </a:r>
+          <a:r>
+            <a:rPr lang="en-US" sz="2400" kern="1200" dirty="0">
+              <a:latin typeface="Times New Roman" panose="02020603050405020304" pitchFamily="18" charset="0"/>
+              <a:cs typeface="Times New Roman" panose="02020603050405020304" pitchFamily="18" charset="0"/>
+            </a:rPr>
+            <a:t> </a:t>
+          </a:r>
+          <a:r>
+            <a:rPr lang="en-US" sz="2400" kern="1200" dirty="0" err="1">
+              <a:latin typeface="Times New Roman" panose="02020603050405020304" pitchFamily="18" charset="0"/>
+              <a:cs typeface="Times New Roman" panose="02020603050405020304" pitchFamily="18" charset="0"/>
+            </a:rPr>
+            <a:t>quả</a:t>
+          </a:r>
+          <a:r>
+            <a:rPr lang="en-US" sz="2400" kern="1200" dirty="0">
+              <a:latin typeface="Times New Roman" panose="02020603050405020304" pitchFamily="18" charset="0"/>
+              <a:cs typeface="Times New Roman" panose="02020603050405020304" pitchFamily="18" charset="0"/>
+            </a:rPr>
+            <a:t> </a:t>
+          </a:r>
+          <a:r>
+            <a:rPr lang="en-US" sz="2400" kern="1200" dirty="0" err="1">
+              <a:latin typeface="Times New Roman" panose="02020603050405020304" pitchFamily="18" charset="0"/>
+              <a:cs typeface="Times New Roman" panose="02020603050405020304" pitchFamily="18" charset="0"/>
+            </a:rPr>
+            <a:t>lưu</a:t>
+          </a:r>
+          <a:r>
+            <a:rPr lang="en-US" sz="2400" kern="1200" dirty="0">
+              <a:latin typeface="Times New Roman" panose="02020603050405020304" pitchFamily="18" charset="0"/>
+              <a:cs typeface="Times New Roman" panose="02020603050405020304" pitchFamily="18" charset="0"/>
+            </a:rPr>
+            <a:t> </a:t>
+          </a:r>
+          <a:r>
+            <a:rPr lang="en-US" sz="2400" kern="1200" dirty="0" err="1">
+              <a:latin typeface="Times New Roman" panose="02020603050405020304" pitchFamily="18" charset="0"/>
+              <a:cs typeface="Times New Roman" panose="02020603050405020304" pitchFamily="18" charset="0"/>
+            </a:rPr>
+            <a:t>lại</a:t>
+          </a:r>
+          <a:r>
+            <a:rPr lang="en-US" sz="2400" kern="1200" dirty="0">
+              <a:latin typeface="Times New Roman" panose="02020603050405020304" pitchFamily="18" charset="0"/>
+              <a:cs typeface="Times New Roman" panose="02020603050405020304" pitchFamily="18" charset="0"/>
+            </a:rPr>
+            <a:t> </a:t>
+          </a:r>
+          <a:r>
+            <a:rPr lang="en-US" sz="2400" kern="1200" dirty="0" err="1">
+              <a:latin typeface="Times New Roman" panose="02020603050405020304" pitchFamily="18" charset="0"/>
+              <a:cs typeface="Times New Roman" panose="02020603050405020304" pitchFamily="18" charset="0"/>
+            </a:rPr>
+            <a:t>vào</a:t>
+          </a:r>
+          <a:r>
+            <a:rPr lang="en-US" sz="2400" kern="1200" dirty="0">
+              <a:latin typeface="Times New Roman" panose="02020603050405020304" pitchFamily="18" charset="0"/>
+              <a:cs typeface="Times New Roman" panose="02020603050405020304" pitchFamily="18" charset="0"/>
+            </a:rPr>
+            <a:t> file </a:t>
+          </a:r>
+          <a:r>
+            <a:rPr lang="en-US" sz="2400" b="1" kern="1200" dirty="0" err="1">
+              <a:latin typeface="Times New Roman" panose="02020603050405020304" pitchFamily="18" charset="0"/>
+              <a:cs typeface="Times New Roman" panose="02020603050405020304" pitchFamily="18" charset="0"/>
+            </a:rPr>
+            <a:t>best_params.pkl</a:t>
+          </a:r>
+          <a:r>
+            <a:rPr lang="en-US" sz="2400" kern="1200" dirty="0">
+              <a:latin typeface="Times New Roman" panose="02020603050405020304" pitchFamily="18" charset="0"/>
+              <a:cs typeface="Times New Roman" panose="02020603050405020304" pitchFamily="18" charset="0"/>
+            </a:rPr>
+            <a:t> </a:t>
+          </a:r>
+        </a:p>
+      </dsp:txBody>
+      <dsp:txXfrm>
+        <a:off x="1537502" y="3240572"/>
+        <a:ext cx="6764319" cy="1291254"/>
+      </dsp:txXfrm>
+    </dsp:sp>
+    <dsp:sp modelId="{4DE4CEF2-810C-4C7E-8055-9EACB249197D}">
+      <dsp:nvSpPr>
+        <dsp:cNvPr id="0" name=""/>
+        <dsp:cNvSpPr/>
+      </dsp:nvSpPr>
+      <dsp:spPr>
+        <a:xfrm>
+          <a:off x="7593330" y="1040130"/>
+          <a:ext cx="891540" cy="891540"/>
+        </a:xfrm>
+        <a:prstGeom prst="downArrow">
+          <a:avLst>
+            <a:gd name="adj1" fmla="val 55000"/>
+            <a:gd name="adj2" fmla="val 45000"/>
+          </a:avLst>
+        </a:prstGeom>
+        <a:solidFill>
+          <a:schemeClr val="accent3">
+            <a:alpha val="90000"/>
+            <a:tint val="40000"/>
+            <a:hueOff val="0"/>
+            <a:satOff val="0"/>
+            <a:lumOff val="0"/>
+            <a:alphaOff val="0"/>
+          </a:schemeClr>
+        </a:solidFill>
+        <a:ln w="48000" cap="flat" cmpd="thickThin" algn="ctr">
+          <a:solidFill>
+            <a:schemeClr val="accent3">
+              <a:alpha val="90000"/>
+              <a:tint val="40000"/>
+              <a:hueOff val="0"/>
+              <a:satOff val="0"/>
+              <a:lumOff val="0"/>
+              <a:alphaOff val="0"/>
+            </a:schemeClr>
+          </a:solidFill>
+          <a:prstDash val="solid"/>
+        </a:ln>
+        <a:effectLst/>
+      </dsp:spPr>
+      <dsp:style>
+        <a:lnRef idx="2">
+          <a:scrgbClr r="0" g="0" b="0"/>
+        </a:lnRef>
+        <a:fillRef idx="1">
+          <a:scrgbClr r="0" g="0" b="0"/>
+        </a:fillRef>
+        <a:effectRef idx="0">
+          <a:scrgbClr r="0" g="0" b="0"/>
+        </a:effectRef>
+        <a:fontRef idx="minor"/>
+      </dsp:style>
+      <dsp:txBody>
+        <a:bodyPr spcFirstLastPara="0" vert="horz" wrap="square" lIns="40640" tIns="40640" rIns="40640" bIns="40640" numCol="1" spcCol="1270" anchor="ctr" anchorCtr="0">
+          <a:noAutofit/>
+        </a:bodyPr>
+        <a:lstStyle/>
+        <a:p>
+          <a:pPr marL="0" lvl="0" indent="0" algn="ctr" defTabSz="1422400">
+            <a:lnSpc>
+              <a:spcPct val="90000"/>
+            </a:lnSpc>
+            <a:spcBef>
+              <a:spcPct val="0"/>
+            </a:spcBef>
+            <a:spcAft>
+              <a:spcPct val="35000"/>
+            </a:spcAft>
+            <a:buNone/>
+          </a:pPr>
+          <a:endParaRPr lang="en-US" sz="3200" kern="1200"/>
+        </a:p>
+      </dsp:txBody>
+      <dsp:txXfrm>
+        <a:off x="7793926" y="1040130"/>
+        <a:ext cx="490348" cy="670884"/>
+      </dsp:txXfrm>
+    </dsp:sp>
+    <dsp:sp modelId="{3A04B858-F735-4021-A8C7-48B0364BCD15}">
+      <dsp:nvSpPr>
+        <dsp:cNvPr id="0" name=""/>
+        <dsp:cNvSpPr/>
+      </dsp:nvSpPr>
+      <dsp:spPr>
+        <a:xfrm>
+          <a:off x="8341995" y="2631186"/>
+          <a:ext cx="891540" cy="891540"/>
+        </a:xfrm>
+        <a:prstGeom prst="downArrow">
+          <a:avLst>
+            <a:gd name="adj1" fmla="val 55000"/>
+            <a:gd name="adj2" fmla="val 45000"/>
+          </a:avLst>
+        </a:prstGeom>
+        <a:solidFill>
+          <a:schemeClr val="accent3">
+            <a:alpha val="90000"/>
+            <a:tint val="40000"/>
+            <a:hueOff val="0"/>
+            <a:satOff val="0"/>
+            <a:lumOff val="0"/>
+            <a:alphaOff val="0"/>
+          </a:schemeClr>
+        </a:solidFill>
+        <a:ln w="48000" cap="flat" cmpd="thickThin" algn="ctr">
+          <a:solidFill>
+            <a:schemeClr val="accent3">
+              <a:alpha val="90000"/>
+              <a:tint val="40000"/>
+              <a:hueOff val="0"/>
+              <a:satOff val="0"/>
+              <a:lumOff val="0"/>
+              <a:alphaOff val="0"/>
+            </a:schemeClr>
+          </a:solidFill>
+          <a:prstDash val="solid"/>
+        </a:ln>
+        <a:effectLst/>
+      </dsp:spPr>
+      <dsp:style>
+        <a:lnRef idx="2">
+          <a:scrgbClr r="0" g="0" b="0"/>
+        </a:lnRef>
+        <a:fillRef idx="1">
+          <a:scrgbClr r="0" g="0" b="0"/>
+        </a:fillRef>
+        <a:effectRef idx="0">
+          <a:scrgbClr r="0" g="0" b="0"/>
+        </a:effectRef>
+        <a:fontRef idx="minor"/>
+      </dsp:style>
+      <dsp:txBody>
+        <a:bodyPr spcFirstLastPara="0" vert="horz" wrap="square" lIns="40640" tIns="40640" rIns="40640" bIns="40640" numCol="1" spcCol="1270" anchor="ctr" anchorCtr="0">
+          <a:noAutofit/>
+        </a:bodyPr>
+        <a:lstStyle/>
+        <a:p>
+          <a:pPr marL="0" lvl="0" indent="0" algn="ctr" defTabSz="1422400">
+            <a:lnSpc>
+              <a:spcPct val="90000"/>
+            </a:lnSpc>
+            <a:spcBef>
+              <a:spcPct val="0"/>
+            </a:spcBef>
+            <a:spcAft>
+              <a:spcPct val="35000"/>
+            </a:spcAft>
+            <a:buNone/>
+          </a:pPr>
+          <a:endParaRPr lang="en-US" sz="3200" kern="1200"/>
+        </a:p>
+      </dsp:txBody>
+      <dsp:txXfrm>
+        <a:off x="8542591" y="2631186"/>
+        <a:ext cx="490348" cy="670884"/>
+      </dsp:txXfrm>
+    </dsp:sp>
+  </dsp:spTree>
+</dsp:drawing>
+</file>
+
+<file path=ppt/diagrams/layout1.xml><?xml version="1.0" encoding="utf-8"?>
+<dgm:layoutDef xmlns:dgm="http://schemas.openxmlformats.org/drawingml/2006/diagram" xmlns:a="http://schemas.openxmlformats.org/drawingml/2006/main" uniqueId="urn:microsoft.com/office/officeart/2005/8/layout/vProcess5">
+  <dgm:title val=""/>
+  <dgm:desc val=""/>
+  <dgm:catLst>
+    <dgm:cat type="process" pri="14000"/>
+  </dgm:catLst>
+  <dgm:sampData>
+    <dgm:dataModel>
+      <dgm:ptLst>
+        <dgm:pt modelId="0" type="doc"/>
+        <dgm:pt modelId="1">
+          <dgm:prSet phldr="1"/>
+        </dgm:pt>
+        <dgm:pt modelId="2">
+          <dgm:prSet phldr="1"/>
+        </dgm:pt>
+        <dgm:pt modelId="3">
+          <dgm:prSet phldr="1"/>
+        </dgm:pt>
+      </dgm:ptLst>
+      <dgm:cxnLst>
+        <dgm:cxn modelId="5" srcId="0" destId="1" srcOrd="0" destOrd="0"/>
+        <dgm:cxn modelId="6" srcId="0" destId="2" srcOrd="1" destOrd="0"/>
+        <dgm:cxn modelId="7" srcId="0" destId="3" srcOrd="2" destOrd="0"/>
+      </dgm:cxnLst>
+      <dgm:bg/>
+      <dgm:whole/>
+    </dgm:dataModel>
+  </dgm:sampData>
+  <dgm:styleData>
+    <dgm:dataModel>
+      <dgm:ptLst>
+        <dgm:pt modelId="0" type="doc"/>
+        <dgm:pt modelId="1"/>
+        <dgm:pt modelId="2"/>
+      </dgm:ptLst>
+      <dgm:cxnLst>
+        <dgm:cxn modelId="3" srcId="0" destId="1" srcOrd="0" destOrd="0"/>
+        <dgm:cxn modelId="4" srcId="0" destId="2" srcOrd="1" destOrd="0"/>
+      </dgm:cxnLst>
+      <dgm:bg/>
+      <dgm:whole/>
+    </dgm:dataModel>
+  </dgm:styleData>
+  <dgm:clrData>
+    <dgm:dataModel>
+      <dgm:ptLst>
+        <dgm:pt modelId="0" type="doc"/>
+        <dgm:pt modelId="1"/>
+        <dgm:pt modelId="2"/>
+        <dgm:pt modelId="3"/>
+        <dgm:pt modelId="4"/>
+      </dgm:ptLst>
+      <dgm:cxnLst>
+        <dgm:cxn modelId="6" srcId="0" destId="1" srcOrd="0" destOrd="0"/>
+        <dgm:cxn modelId="7" srcId="0" destId="2" srcOrd="1" destOrd="0"/>
+        <dgm:cxn modelId="8" srcId="0" destId="3" srcOrd="2" destOrd="0"/>
+        <dgm:cxn modelId="9" srcId="0" destId="4" srcOrd="3" destOrd="0"/>
+      </dgm:cxnLst>
+      <dgm:bg/>
+      <dgm:whole/>
+    </dgm:dataModel>
+  </dgm:clrData>
+  <dgm:layoutNode name="outerComposite">
+    <dgm:varLst>
+      <dgm:chMax val="5"/>
+      <dgm:dir/>
+      <dgm:resizeHandles val="exact"/>
+    </dgm:varLst>
+    <dgm:alg type="composite"/>
+    <dgm:shape xmlns:r="http://schemas.openxmlformats.org/officeDocument/2006/relationships" r:blip="">
+      <dgm:adjLst/>
+    </dgm:shape>
+    <dgm:presOf/>
+    <dgm:choose name="Name0">
+      <dgm:if name="Name1" func="var" arg="dir" op="equ" val="norm">
+        <dgm:constrLst>
+          <dgm:constr type="primFontSz" for="ch" ptType="node" op="equ" val="65"/>
+          <dgm:constr type="w" for="ch" forName="dummyMaxCanvas" refType="w"/>
+          <dgm:constr type="h" for="ch" forName="dummyMaxCanvas" refType="h"/>
+          <dgm:constr type="w" for="ch" forName="OneNode_1" refType="w"/>
+          <dgm:constr type="h" for="ch" forName="OneNode_1" refType="h" fact="0.5"/>
+          <dgm:constr type="ctrY" for="ch" forName="OneNode_1" refType="h" fact="0.5"/>
+          <dgm:constr type="w" for="ch" forName="TwoNodes_1" refType="w" fact="0.85"/>
+          <dgm:constr type="h" for="ch" forName="TwoNodes_1" refType="h" fact="0.45"/>
+          <dgm:constr type="t" for="ch" forName="TwoNodes_1"/>
+          <dgm:constr type="l" for="ch" forName="TwoNodes_1"/>
+          <dgm:constr type="w" for="ch" forName="TwoNodes_2" refType="w" fact="0.85"/>
+          <dgm:constr type="h" for="ch" forName="TwoNodes_2" refType="h" fact="0.45"/>
+          <dgm:constr type="b" for="ch" forName="TwoNodes_2" refType="h"/>
+          <dgm:constr type="r" for="ch" forName="TwoNodes_2" refType="w"/>
+          <dgm:constr type="w" for="ch" forName="TwoConn_1-2" refType="h" refFor="ch" refForName="TwoNodes_1" fact="0.65"/>
+          <dgm:constr type="h" for="ch" forName="TwoConn_1-2" refType="h" refFor="ch" refForName="TwoNodes_1" fact="0.65"/>
+          <dgm:constr type="ctrY" for="ch" forName="TwoConn_1-2" refType="h" fact="0.5"/>
+          <dgm:constr type="r" for="ch" forName="TwoConn_1-2" refType="r" refFor="ch" refForName="TwoNodes_1"/>
+          <dgm:constr type="r" for="ch" forName="TwoNodes_1_text" refType="l" refFor="ch" refForName="TwoConn_1-2"/>
+          <dgm:constr type="rOff" for="ch" forName="TwoNodes_1_text" refType="w" refFor="ch" refForName="TwoConn_1-2" fact="-0.5"/>
+          <dgm:constr type="t" for="ch" forName="TwoNodes_1_text" refType="t" refFor="ch" refForName="TwoNodes_1"/>
+          <dgm:constr type="b" for="ch" forName="TwoNodes_1_text" refType="b" refFor="ch" refForName="TwoNodes_1"/>
+          <dgm:constr type="l" for="ch" forName="TwoNodes_1_text" refType="l" refFor="ch" refForName="TwoNodes_1"/>
+          <dgm:constr type="r" for="ch" forName="TwoNodes_2_text" refType="l" refFor="ch" refForName="TwoConn_1-2"/>
+          <dgm:constr type="t" for="ch" forName="TwoNodes_2_text" refType="t" refFor="ch" refForName="TwoNodes_2"/>
+          <dgm:constr type="b" for="ch" forName="TwoNodes_2_text" refType="b" refFor="ch" refForName="TwoNodes_2"/>
+          <dgm:constr type="l" for="ch" forName="TwoNodes_2_text" refType="l" refFor="ch" refForName="TwoNodes_2"/>
+          <dgm:constr type="w" for="ch" forName="ThreeNodes_1" refType="w" fact="0.85"/>
+          <dgm:constr type="h" for="ch" forName="ThreeNodes_1" refType="h" fact="0.3"/>
+          <dgm:constr type="t" for="ch" forName="ThreeNodes_1"/>
+          <dgm:constr type="l" for="ch" forName="ThreeNodes_1"/>
+          <dgm:constr type="w" for="ch" forName="ThreeNodes_2" refType="w" fact="0.85"/>
+          <dgm:constr type="h" for="ch" forName="ThreeNodes_2" refType="h" fact="0.3"/>
+          <dgm:constr type="ctrY" for="ch" forName="ThreeNodes_2" refType="h" fact="0.5"/>
+          <dgm:constr type="ctrX" for="ch" forName="ThreeNodes_2" refType="w" fact="0.5"/>
+          <dgm:constr type="w" for="ch" forName="ThreeNodes_3" refType="w" fact="0.85"/>
+          <dgm:constr type="h" for="ch" forName="ThreeNodes_3" refType="h" fact="0.3"/>
+          <dgm:constr type="b" for="ch" forName="ThreeNodes_3" refType="h"/>
+          <dgm:constr type="r" for="ch" forName="ThreeNodes_3" refType="w"/>
+          <dgm:constr type="w" for="ch" forName="ThreeConn_1-2" refType="h" refFor="ch" refForName="ThreeNodes_1" fact="0.65"/>
+          <dgm:constr type="h" for="ch" forName="ThreeConn_1-2" refType="h" refFor="ch" refForName="ThreeNodes_1" fact="0.65"/>
+          <dgm:constr type="ctrY" for="ch" forName="ThreeConn_1-2" refType="h" fact="0.325"/>
+          <dgm:constr type="r" for="ch" forName="ThreeConn_1-2" refType="r" refFor="ch" refForName="ThreeNodes_1"/>
+          <dgm:constr type="w" for="ch" forName="ThreeConn_2-3" refType="h" refFor="ch" refForName="ThreeNodes_2" fact="0.65"/>
+          <dgm:constr type="h" for="ch" forName="ThreeConn_2-3" refType="h" refFor="ch" refForName="ThreeNodes_2" fact="0.65"/>
+          <dgm:constr type="ctrY" for="ch" forName="ThreeConn_2-3" refType="h" fact="0.673"/>
+          <dgm:constr type="r" for="ch" forName="ThreeConn_2-3" refType="r" refFor="ch" refForName="ThreeNodes_2"/>
+          <dgm:constr type="r" for="ch" forName="ThreeNodes_1_text" refType="l" refFor="ch" refForName="ThreeConn_1-2"/>
+          <dgm:constr type="rOff" for="ch" forName="ThreeNodes_1_text" refType="w" refFor="ch" refForName="ThreeConn_1-2" fact="-0.57"/>
+          <dgm:constr type="t" for="ch" forName="ThreeNodes_1_text" refType="t" refFor="ch" refForName="ThreeNodes_1"/>
+          <dgm:constr type="b" for="ch" forName="ThreeNodes_1_text" refType="b" refFor="ch" refForName="ThreeNodes_1"/>
+          <dgm:constr type="l" for="ch" forName="ThreeNodes_1_text" refType="l" refFor="ch" refForName="ThreeNodes_1"/>
+          <dgm:constr type="r" for="ch" forName="ThreeNodes_2_text" refType="l" refFor="ch" refForName="ThreeConn_1-2"/>
+          <dgm:constr type="t" for="ch" forName="ThreeNodes_2_text" refType="t" refFor="ch" refForName="ThreeNodes_2"/>
+          <dgm:constr type="b" for="ch" forName="ThreeNodes_2_text" refType="b" refFor="ch" refForName="ThreeNodes_2"/>
+          <dgm:constr type="l" for="ch" forName="ThreeNodes_2_text" refType="l" refFor="ch" refForName="ThreeNodes_2"/>
+          <dgm:constr type="r" for="ch" forName="ThreeNodes_3_text" refType="l" refFor="ch" refForName="ThreeConn_2-3"/>
+          <dgm:constr type="t" for="ch" forName="ThreeNodes_3_text" refType="t" refFor="ch" refForName="ThreeNodes_3"/>
+          <dgm:constr type="b" for="ch" forName="ThreeNodes_3_text" refType="b" refFor="ch" refForName="ThreeNodes_3"/>
+          <dgm:constr type="l" for="ch" forName="ThreeNodes_3_text" refType="l" refFor="ch" refForName="ThreeNodes_3"/>
+          <dgm:constr type="w" for="ch" forName="FourNodes_1" refType="w" fact="0.8"/>
+          <dgm:constr type="h" for="ch" forName="FourNodes_1" refType="h" fact="0.22"/>
+          <dgm:constr type="t" for="ch" forName="FourNodes_1"/>
+          <dgm:constr type="l" for="ch" forName="FourNodes_1"/>
+          <dgm:constr type="w" for="ch" forName="FourNodes_2" refType="w" fact="0.8"/>
+          <dgm:constr type="h" for="ch" forName="FourNodes_2" refType="h" fact="0.22"/>
+          <dgm:constr type="ctrY" for="ch" forName="FourNodes_2" refType="h" fact="0.37"/>
+          <dgm:constr type="ctrX" for="ch" forName="FourNodes_2" refType="w" fact="0.467"/>
+          <dgm:constr type="w" for="ch" forName="FourNodes_3" refType="w" fact="0.8"/>
+          <dgm:constr type="h" for="ch" forName="FourNodes_3" refType="h" fact="0.22"/>
+          <dgm:constr type="ctrY" for="ch" forName="FourNodes_3" refType="h" fact="0.63"/>
+          <dgm:constr type="ctrX" for="ch" forName="FourNodes_3" refType="w" fact="0.533"/>
+          <dgm:constr type="w" for="ch" forName="FourNodes_4" refType="w" fact="0.8"/>
+          <dgm:constr type="h" for="ch" forName="FourNodes_4" refType="h" fact="0.22"/>
+          <dgm:constr type="b" for="ch" forName="FourNodes_4" refType="h"/>
+          <dgm:constr type="r" for="ch" forName="FourNodes_4" refType="w"/>
+          <dgm:constr type="w" for="ch" forName="FourConn_1-2" refType="h" refFor="ch" refForName="FourNodes_1" fact="0.65"/>
+          <dgm:constr type="h" for="ch" forName="FourConn_1-2" refType="h" refFor="ch" refForName="FourNodes_1" fact="0.65"/>
+          <dgm:constr type="ctrY" for="ch" forName="FourConn_1-2" refType="h" fact="0.24"/>
+          <dgm:constr type="r" for="ch" forName="FourConn_1-2" refType="r" refFor="ch" refForName="FourNodes_1"/>
+          <dgm:constr type="w" for="ch" forName="FourConn_2-3" refType="h" refFor="ch" refForName="FourNodes_2" fact="0.65"/>
+          <dgm:constr type="h" for="ch" forName="FourConn_2-3" refType="h" refFor="ch" refForName="FourNodes_2" fact="0.65"/>
+          <dgm:constr type="ctrY" for="ch" forName="FourConn_2-3" refType="h" fact="0.5"/>
+          <dgm:constr type="r" for="ch" forName="FourConn_2-3" refType="r" refFor="ch" refForName="FourNodes_2"/>
+          <dgm:constr type="w" for="ch" forName="FourConn_3-4" refType="h" refFor="ch" refForName="FourNodes_3" fact="0.65"/>
+          <dgm:constr type="h" for="ch" forName="FourConn_3-4" refType="h" refFor="ch" refForName="FourNodes_3" fact="0.65"/>
+          <dgm:constr type="ctrY" for="ch" forName="FourConn_3-4" refType="h" fact="0.76"/>
+          <dgm:constr type="r" for="ch" forName="FourConn_3-4" refType="r" refFor="ch" refForName="FourNodes_3"/>
+          <dgm:constr type="r" for="ch" forName="FourNodes_1_text" refType="l" refFor="ch" refForName="FourConn_1-2"/>
+          <dgm:constr type="rOff" for="ch" forName="FourNodes_1_text" refType="w" refFor="ch" refForName="FourConn_1-2" fact="-0.7"/>
+          <dgm:constr type="t" for="ch" forName="FourNodes_1_text" refType="t" refFor="ch" refForName="FourNodes_1"/>
+          <dgm:constr type="b" for="ch" forName="FourNodes_1_text" refType="b" refFor="ch" refForName="FourNodes_1"/>
+          <dgm:constr type="l" for="ch" forName="FourNodes_1_text" refType="l" refFor="ch" refForName="FourNodes_1"/>
+          <dgm:constr type="r" for="ch" forName="FourNodes_2_text" refType="l" refFor="ch" refForName="FourConn_1-2"/>
+          <dgm:constr type="t" for="ch" forName="FourNodes_2_text" refType="t" refFor="ch" refForName="FourNodes_2"/>
+          <dgm:constr type="b" for="ch" forName="FourNodes_2_text" refType="b" refFor="ch" refForName="FourNodes_2"/>
+          <dgm:constr type="l" for="ch" forName="FourNodes_2_text" refType="l" refFor="ch" refForName="FourNodes_2"/>
+          <dgm:constr type="r" for="ch" forName="FourNodes_3_text" refType="l" refFor="ch" refForName="FourConn_2-3"/>
+          <dgm:constr type="t" for="ch" forName="FourNodes_3_text" refType="t" refFor="ch" refForName="FourNodes_3"/>
+          <dgm:constr type="b" for="ch" forName="FourNodes_3_text" refType="b" refFor="ch" refForName="FourNodes_3"/>
+          <dgm:constr type="l" for="ch" forName="FourNodes_3_text" refType="l" refFor="ch" refForName="FourNodes_3"/>
+          <dgm:constr type="r" for="ch" forName="FourNodes_4_text" refType="l" refFor="ch" refForName="FourConn_3-4"/>
+          <dgm:constr type="t" for="ch" forName="FourNodes_4_text" refType="t" refFor="ch" refForName="FourNodes_4"/>
+          <dgm:constr type="b" for="ch" forName="FourNodes_4_text" refType="b" refFor="ch" refForName="FourNodes_4"/>
+          <dgm:constr type="l" for="ch" forName="FourNodes_4_text" refType="l" refFor="ch" refForName="FourNodes_4"/>
+          <dgm:constr type="w" for="ch" forName="FiveNodes_1" refType="w" fact="0.77"/>
+          <dgm:constr type="h" for="ch" forName="FiveNodes_1" refType="h" fact="0.18"/>
+          <dgm:constr type="t" for="ch" forName="FiveNodes_1"/>
+          <dgm:constr type="l" for="ch" forName="FiveNodes_1"/>
+          <dgm:constr type="w" for="ch" forName="FiveNodes_2" refType="w" fact="0.77"/>
+          <dgm:constr type="h" for="ch" forName="FiveNodes_2" refType="h" fact="0.18"/>
+          <dgm:constr type="ctrY" for="ch" forName="FiveNodes_2" refType="h" fact="0.295"/>
+          <dgm:constr type="ctrX" for="ch" forName="FiveNodes_2" refType="w" fact="0.4425"/>
+          <dgm:constr type="w" for="ch" forName="FiveNodes_3" refType="w" fact="0.77"/>
+          <dgm:constr type="h" for="ch" forName="FiveNodes_3" refType="h" fact="0.18"/>
+          <dgm:constr type="ctrY" for="ch" forName="FiveNodes_3" refType="h" fact="0.5"/>
+          <dgm:constr type="ctrX" for="ch" forName="FiveNodes_3" refType="w" fact="0.5"/>
+          <dgm:constr type="w" for="ch" forName="FiveNodes_4" refType="w" fact="0.77"/>
+          <dgm:constr type="h" for="ch" forName="FiveNodes_4" refType="h" fact="0.18"/>
+          <dgm:constr type="ctrY" for="ch" forName="FiveNodes_4" refType="h" fact="0.705"/>
+          <dgm:constr type="ctrX" for="ch" forName="FiveNodes_4" refType="w" fact="0.5575"/>
+          <dgm:constr type="w" for="ch" forName="FiveNodes_5" refType="w" fact="0.77"/>
+          <dgm:constr type="h" for="ch" forName="FiveNodes_5" refType="h" fact="0.18"/>
+          <dgm:constr type="b" for="ch" forName="FiveNodes_5" refType="h"/>
+          <dgm:constr type="r" for="ch" forName="FiveNodes_5" refType="w"/>
+          <dgm:constr type="w" for="ch" forName="FiveConn_1-2" refType="h" refFor="ch" refForName="FiveNodes_1" fact="0.65"/>
+          <dgm:constr type="h" for="ch" forName="FiveConn_1-2" refType="h" refFor="ch" refForName="FiveNodes_1" fact="0.65"/>
+          <dgm:constr type="ctrY" for="ch" forName="FiveConn_1-2" refType="h" fact="0.19"/>
+          <dgm:constr type="r" for="ch" forName="FiveConn_1-2" refType="r" refFor="ch" refForName="FiveNodes_1"/>
+          <dgm:constr type="w" for="ch" forName="FiveConn_2-3" refType="h" refFor="ch" refForName="FiveNodes_2" fact="0.65"/>
+          <dgm:constr type="h" for="ch" forName="FiveConn_2-3" refType="h" refFor="ch" refForName="FiveNodes_2" fact="0.65"/>
+          <dgm:constr type="ctrY" for="ch" forName="FiveConn_2-3" refType="h" fact="0.395"/>
+          <dgm:constr type="r" for="ch" forName="FiveConn_2-3" refType="r" refFor="ch" refForName="FiveNodes_2"/>
+          <dgm:constr type="w" for="ch" forName="FiveConn_3-4" refType="h" refFor="ch" refForName="FiveNodes_3" fact="0.65"/>
+          <dgm:constr type="h" for="ch" forName="FiveConn_3-4" refType="h" refFor="ch" refForName="FiveNodes_3" fact="0.65"/>
+          <dgm:constr type="ctrY" for="ch" forName="FiveConn_3-4" refType="h" fact="0.597"/>
+          <dgm:constr type="r" for="ch" forName="FiveConn_3-4" refType="r" refFor="ch" refForName="FiveNodes_3"/>
+          <dgm:constr type="w" for="ch" forName="FiveConn_4-5" refType="h" refFor="ch" refForName="FiveNodes_4" fact="0.65"/>
+          <dgm:constr type="h" for="ch" forName="FiveConn_4-5" refType="h" refFor="ch" refForName="FiveNodes_4" fact="0.65"/>
+          <dgm:constr type="ctrY" for="ch" forName="FiveConn_4-5" refType="h" fact="0.804"/>
+          <dgm:constr type="r" for="ch" forName="FiveConn_4-5" refType="r" refFor="ch" refForName="FiveNodes_4"/>
+          <dgm:constr type="r" for="ch" forName="FiveNodes_1_text" refType="l" refFor="ch" refForName="FiveConn_1-2"/>
+          <dgm:constr type="rOff" for="ch" forName="FiveNodes_1_text" refType="w" refFor="ch" refForName="FiveConn_1-2" fact="-0.75"/>
+          <dgm:constr type="t" for="ch" forName="FiveNodes_1_text" refType="t" refFor="ch" refForName="FiveNodes_1"/>
+          <dgm:constr type="b" for="ch" forName="FiveNodes_1_text" refType="b" refFor="ch" refForName="FiveNodes_1"/>
+          <dgm:constr type="l" for="ch" forName="FiveNodes_1_text" refType="l" refFor="ch" refForName="FiveNodes_1"/>
+          <dgm:constr type="r" for="ch" forName="FiveNodes_2_text" refType="l" refFor="ch" refForName="FiveConn_1-2"/>
+          <dgm:constr type="t" for="ch" forName="FiveNodes_2_text" refType="t" refFor="ch" refForName="FiveNodes_2"/>
+          <dgm:constr type="b" for="ch" forName="FiveNodes_2_text" refType="b" refFor="ch" refForName="FiveNodes_2"/>
+          <dgm:constr type="l" for="ch" forName="FiveNodes_2_text" refType="l" refFor="ch" refForName="FiveNodes_2"/>
+          <dgm:constr type="r" for="ch" forName="FiveNodes_3_text" refType="l" refFor="ch" refForName="FiveConn_2-3"/>
+          <dgm:constr type="t" for="ch" forName="FiveNodes_3_text" refType="t" refFor="ch" refForName="FiveNodes_3"/>
+          <dgm:constr type="b" for="ch" forName="FiveNodes_3_text" refType="b" refFor="ch" refForName="FiveNodes_3"/>
+          <dgm:constr type="l" for="ch" forName="FiveNodes_3_text" refType="l" refFor="ch" refForName="FiveNodes_3"/>
+          <dgm:constr type="r" for="ch" forName="FiveNodes_4_text" refType="l" refFor="ch" refForName="FiveConn_3-4"/>
+          <dgm:constr type="t" for="ch" forName="FiveNodes_4_text" refType="t" refFor="ch" refForName="FiveNodes_4"/>
+          <dgm:constr type="b" for="ch" forName="FiveNodes_4_text" refType="b" refFor="ch" refForName="FiveNodes_4"/>
+          <dgm:constr type="l" for="ch" forName="FiveNodes_4_text" refType="l" refFor="ch" refForName="FiveNodes_4"/>
+          <dgm:constr type="r" for="ch" forName="FiveNodes_5_text" refType="l" refFor="ch" refForName="FiveConn_4-5"/>
+          <dgm:constr type="t" for="ch" forName="FiveNodes_5_text" refType="t" refFor="ch" refForName="FiveNodes_5"/>
+          <dgm:constr type="b" for="ch" forName="FiveNodes_5_text" refType="b" refFor="ch" refForName="FiveNodes_5"/>
+          <dgm:constr type="l" for="ch" forName="FiveNodes_5_text" refType="l" refFor="ch" refForName="FiveNodes_5"/>
+        </dgm:constrLst>
+      </dgm:if>
+      <dgm:else name="Name2">
+        <dgm:constrLst>
+          <dgm:constr type="primFontSz" for="ch" ptType="node" op="equ" val="65"/>
+          <dgm:constr type="w" for="ch" forName="dummyMaxCanvas" refType="w"/>
+          <dgm:constr type="h" for="ch" forName="dummyMaxCanvas" refType="h"/>
+          <dgm:constr type="w" for="ch" forName="OneNode_1" refType="w"/>
+          <dgm:constr type="h" for="ch" forName="OneNode_1" refType="h" fact="0.5"/>
+          <dgm:constr type="ctrY" for="ch" forName="OneNode_1" refType="h" fact="0.5"/>
+          <dgm:constr type="w" for="ch" forName="TwoNodes_1" refType="w" fact="0.85"/>
+          <dgm:constr type="h" for="ch" forName="TwoNodes_1" refType="h" fact="0.45"/>
+          <dgm:constr type="t" for="ch" forName="TwoNodes_1"/>
+          <dgm:constr type="r" for="ch" forName="TwoNodes_1" refType="w"/>
+          <dgm:constr type="w" for="ch" forName="TwoNodes_2" refType="w" fact="0.85"/>
+          <dgm:constr type="h" for="ch" forName="TwoNodes_2" refType="h" fact="0.45"/>
+          <dgm:constr type="b" for="ch" forName="TwoNodes_2" refType="h"/>
+          <dgm:constr type="l" for="ch" forName="TwoNodes_2"/>
+          <dgm:constr type="w" for="ch" forName="TwoConn_1-2" refType="h" refFor="ch" refForName="TwoNodes_1" fact="0.65"/>
+          <dgm:constr type="h" for="ch" forName="TwoConn_1-2" refType="h" refFor="ch" refForName="TwoNodes_1" fact="0.65"/>
+          <dgm:constr type="ctrY" for="ch" forName="TwoConn_1-2" refType="h" fact="0.5"/>
+          <dgm:constr type="l" for="ch" forName="TwoConn_1-2" refType="l" refFor="ch" refForName="TwoNodes_1"/>
+          <dgm:constr type="l" for="ch" forName="TwoNodes_1_text" refType="r" refFor="ch" refForName="TwoConn_1-2"/>
+          <dgm:constr type="lOff" for="ch" forName="TwoNodes_1_text" refType="w" refFor="ch" refForName="TwoConn_1-2" fact="0.5"/>
+          <dgm:constr type="t" for="ch" forName="TwoNodes_1_text" refType="t" refFor="ch" refForName="TwoNodes_1"/>
+          <dgm:constr type="b" for="ch" forName="TwoNodes_1_text" refType="b" refFor="ch" refForName="TwoNodes_1"/>
+          <dgm:constr type="r" for="ch" forName="TwoNodes_1_text" refType="r" refFor="ch" refForName="TwoNodes_1"/>
+          <dgm:constr type="l" for="ch" forName="TwoNodes_2_text" refType="r" refFor="ch" refForName="TwoConn_1-2"/>
+          <dgm:constr type="t" for="ch" forName="TwoNodes_2_text" refType="t" refFor="ch" refForName="TwoNodes_2"/>
+          <dgm:constr type="b" for="ch" forName="TwoNodes_2_text" refType="b" refFor="ch" refForName="TwoNodes_2"/>
+          <dgm:constr type="r" for="ch" forName="TwoNodes_2_text" refType="r" refFor="ch" refForName="TwoNodes_2"/>
+          <dgm:constr type="w" for="ch" forName="ThreeNodes_1" refType="w" fact="0.85"/>
+          <dgm:constr type="h" for="ch" forName="ThreeNodes_1" refType="h" fact="0.3"/>
+          <dgm:constr type="t" for="ch" forName="ThreeNodes_1"/>
+          <dgm:constr type="r" for="ch" forName="ThreeNodes_1" refType="w"/>
+          <dgm:constr type="w" for="ch" forName="ThreeNodes_2" refType="w" fact="0.85"/>
+          <dgm:constr type="h" for="ch" forName="ThreeNodes_2" refType="h" fact="0.3"/>
+          <dgm:constr type="ctrY" for="ch" forName="ThreeNodes_2" refType="h" fact="0.5"/>
+          <dgm:constr type="ctrX" for="ch" forName="ThreeNodes_2" refType="w" fact="0.5"/>
+          <dgm:constr type="w" for="ch" forName="ThreeNodes_3" refType="w" fact="0.85"/>
+          <dgm:constr type="h" for="ch" forName="ThreeNodes_3" refType="h" fact="0.3"/>
+          <dgm:constr type="b" for="ch" forName="ThreeNodes_3" refType="h"/>
+          <dgm:constr type="l" for="ch" forName="ThreeNodes_3"/>
+          <dgm:constr type="w" for="ch" forName="ThreeConn_1-2" refType="h" refFor="ch" refForName="ThreeNodes_1" fact="0.65"/>
+          <dgm:constr type="h" for="ch" forName="ThreeConn_1-2" refType="h" refFor="ch" refForName="ThreeNodes_1" fact="0.65"/>
+          <dgm:constr type="ctrY" for="ch" forName="ThreeConn_1-2" refType="h" fact="0.325"/>
+          <dgm:constr type="l" for="ch" forName="ThreeConn_1-2" refType="l" refFor="ch" refForName="ThreeNodes_1"/>
+          <dgm:constr type="w" for="ch" forName="ThreeConn_2-3" refType="h" refFor="ch" refForName="ThreeNodes_2" fact="0.65"/>
+          <dgm:constr type="h" for="ch" forName="ThreeConn_2-3" refType="h" refFor="ch" refForName="ThreeNodes_2" fact="0.65"/>
+          <dgm:constr type="ctrY" for="ch" forName="ThreeConn_2-3" refType="h" fact="0.673"/>
+          <dgm:constr type="l" for="ch" forName="ThreeConn_2-3" refType="l" refFor="ch" refForName="ThreeNodes_2"/>
+          <dgm:constr type="l" for="ch" forName="ThreeNodes_1_text" refType="r" refFor="ch" refForName="ThreeConn_1-2"/>
+          <dgm:constr type="lOff" for="ch" forName="ThreeNodes_1_text" refType="w" refFor="ch" refForName="ThreeConn_1-2" fact="0.55"/>
+          <dgm:constr type="t" for="ch" forName="ThreeNodes_1_text" refType="t" refFor="ch" refForName="ThreeNodes_1"/>
+          <dgm:constr type="b" for="ch" forName="ThreeNodes_1_text" refType="b" refFor="ch" refForName="ThreeNodes_1"/>
+          <dgm:constr type="r" for="ch" forName="ThreeNodes_1_text" refType="r" refFor="ch" refForName="ThreeNodes_1"/>
+          <dgm:constr type="l" for="ch" forName="ThreeNodes_2_text" refType="r" refFor="ch" refForName="ThreeConn_1-2"/>
+          <dgm:constr type="t" for="ch" forName="ThreeNodes_2_text" refType="t" refFor="ch" refForName="ThreeNodes_2"/>
+          <dgm:constr type="b" for="ch" forName="ThreeNodes_2_text" refType="b" refFor="ch" refForName="ThreeNodes_2"/>
+          <dgm:constr type="r" for="ch" forName="ThreeNodes_2_text" refType="r" refFor="ch" refForName="ThreeNodes_2"/>
+          <dgm:constr type="l" for="ch" forName="ThreeNodes_3_text" refType="r" refFor="ch" refForName="ThreeConn_2-3"/>
+          <dgm:constr type="t" for="ch" forName="ThreeNodes_3_text" refType="t" refFor="ch" refForName="ThreeNodes_3"/>
+          <dgm:constr type="b" for="ch" forName="ThreeNodes_3_text" refType="b" refFor="ch" refForName="ThreeNodes_3"/>
+          <dgm:constr type="r" for="ch" forName="ThreeNodes_3_text" refType="r" refFor="ch" refForName="ThreeNodes_3"/>
+          <dgm:constr type="w" for="ch" forName="FourNodes_1" refType="w" fact="0.8"/>
+          <dgm:constr type="h" for="ch" forName="FourNodes_1" refType="h" fact="0.22"/>
+          <dgm:constr type="t" for="ch" forName="FourNodes_1"/>
+          <dgm:constr type="r" for="ch" forName="FourNodes_1" refType="w"/>
+          <dgm:constr type="w" for="ch" forName="FourNodes_2" refType="w" fact="0.8"/>
+          <dgm:constr type="h" for="ch" forName="FourNodes_2" refType="h" fact="0.22"/>
+          <dgm:constr type="ctrY" for="ch" forName="FourNodes_2" refType="h" fact="0.37"/>
+          <dgm:constr type="ctrX" for="ch" forName="FourNodes_2" refType="w" fact="0.533"/>
+          <dgm:constr type="w" for="ch" forName="FourNodes_3" refType="w" fact="0.8"/>
+          <dgm:constr type="h" for="ch" forName="FourNodes_3" refType="h" fact="0.22"/>
+          <dgm:constr type="ctrY" for="ch" forName="FourNodes_3" refType="h" fact="0.63"/>
+          <dgm:constr type="ctrX" for="ch" forName="FourNodes_3" refType="w" fact="0.467"/>
+          <dgm:constr type="w" for="ch" forName="FourNodes_4" refType="w" fact="0.8"/>
+          <dgm:constr type="h" for="ch" forName="FourNodes_4" refType="h" fact="0.22"/>
+          <dgm:constr type="b" for="ch" forName="FourNodes_4" refType="h"/>
+          <dgm:constr type="l" for="ch" forName="FourNodes_4"/>
+          <dgm:constr type="w" for="ch" forName="FourConn_1-2" refType="h" refFor="ch" refForName="FourNodes_1" fact="0.65"/>
+          <dgm:constr type="h" for="ch" forName="FourConn_1-2" refType="h" refFor="ch" refForName="FourNodes_1" fact="0.65"/>
+          <dgm:constr type="ctrY" for="ch" forName="FourConn_1-2" refType="h" fact="0.24"/>
+          <dgm:constr type="l" for="ch" forName="FourConn_1-2" refType="l" refFor="ch" refForName="FourNodes_1"/>
+          <dgm:constr type="w" for="ch" forName="FourConn_2-3" refType="h" refFor="ch" refForName="FourNodes_2" fact="0.65"/>
+          <dgm:constr type="h" for="ch" forName="FourConn_2-3" refType="h" refFor="ch" refForName="FourNodes_2" fact="0.65"/>
+          <dgm:constr type="ctrY" for="ch" forName="FourConn_2-3" refType="h" fact="0.5"/>
+          <dgm:constr type="l" for="ch" forName="FourConn_2-3" refType="l" refFor="ch" refForName="FourNodes_2"/>
+          <dgm:constr type="w" for="ch" forName="FourConn_3-4" refType="h" refFor="ch" refForName="FourNodes_3" fact="0.65"/>
+          <dgm:constr type="h" for="ch" forName="FourConn_3-4" refType="h" refFor="ch" refForName="FourNodes_3" fact="0.65"/>
+          <dgm:constr type="ctrY" for="ch" forName="FourConn_3-4" refType="h" fact="0.76"/>
+          <dgm:constr type="l" for="ch" forName="FourConn_3-4" refType="l" refFor="ch" refForName="FourNodes_3"/>
+          <dgm:constr type="l" for="ch" forName="FourNodes_1_text" refType="r" refFor="ch" refForName="FourConn_1-2"/>
+          <dgm:constr type="lOff" for="ch" forName="FourNodes_1_text" refType="w" refFor="ch" refForName="FourConn_1-2" fact="0.69"/>
+          <dgm:constr type="t" for="ch" forName="FourNodes_1_text" refType="t" refFor="ch" refForName="FourNodes_1"/>
+          <dgm:constr type="b" for="ch" forName="FourNodes_1_text" refType="b" refFor="ch" refForName="FourNodes_1"/>
+          <dgm:constr type="r" for="ch" forName="FourNodes_1_text" refType="r" refFor="ch" refForName="FourNodes_1"/>
+          <dgm:constr type="l" for="ch" forName="FourNodes_2_text" refType="r" refFor="ch" refForName="FourConn_1-2"/>
+          <dgm:constr type="t" for="ch" forName="FourNodes_2_text" refType="t" refFor="ch" refForName="FourNodes_2"/>
+          <dgm:constr type="b" for="ch" forName="FourNodes_2_text" refType="b" refFor="ch" refForName="FourNodes_2"/>
+          <dgm:constr type="r" for="ch" forName="FourNodes_2_text" refType="r" refFor="ch" refForName="FourNodes_2"/>
+          <dgm:constr type="l" for="ch" forName="FourNodes_3_text" refType="r" refFor="ch" refForName="FourConn_2-3"/>
+          <dgm:constr type="t" for="ch" forName="FourNodes_3_text" refType="t" refFor="ch" refForName="FourNodes_3"/>
+          <dgm:constr type="b" for="ch" forName="FourNodes_3_text" refType="b" refFor="ch" refForName="FourNodes_3"/>
+          <dgm:constr type="r" for="ch" forName="FourNodes_3_text" refType="r" refFor="ch" refForName="FourNodes_3"/>
+          <dgm:constr type="l" for="ch" forName="FourNodes_4_text" refType="r" refFor="ch" refForName="FourConn_3-4"/>
+          <dgm:constr type="t" for="ch" forName="FourNodes_4_text" refType="t" refFor="ch" refForName="FourNodes_4"/>
+          <dgm:constr type="b" for="ch" forName="FourNodes_4_text" refType="b" refFor="ch" refForName="FourNodes_4"/>
+          <dgm:constr type="r" for="ch" forName="FourNodes_4_text" refType="r" refFor="ch" refForName="FourNodes_4"/>
+          <dgm:constr type="w" for="ch" forName="FiveNodes_1" refType="w" fact="0.77"/>
+          <dgm:constr type="h" for="ch" forName="FiveNodes_1" refType="h" fact="0.18"/>
+          <dgm:constr type="t" for="ch" forName="FiveNodes_1"/>
+          <dgm:constr type="r" for="ch" forName="FiveNodes_1" refType="w"/>
+          <dgm:constr type="w" for="ch" forName="FiveNodes_2" refType="w" fact="0.77"/>
+          <dgm:constr type="h" for="ch" forName="FiveNodes_2" refType="h" fact="0.18"/>
+          <dgm:constr type="ctrY" for="ch" forName="FiveNodes_2" refType="h" fact="0.295"/>
+          <dgm:constr type="ctrX" for="ch" forName="FiveNodes_2" refType="w" fact="0.5575"/>
+          <dgm:constr type="w" for="ch" forName="FiveNodes_3" refType="w" fact="0.77"/>
+          <dgm:constr type="h" for="ch" forName="FiveNodes_3" refType="h" fact="0.18"/>
+          <dgm:constr type="ctrY" for="ch" forName="FiveNodes_3" refType="h" fact="0.5"/>
+          <dgm:constr type="ctrX" for="ch" forName="FiveNodes_3" refType="w" fact="0.5"/>
+          <dgm:constr type="w" for="ch" forName="FiveNodes_4" refType="w" fact="0.77"/>
+          <dgm:constr type="h" for="ch" forName="FiveNodes_4" refType="h" fact="0.18"/>
+          <dgm:constr type="ctrY" for="ch" forName="FiveNodes_4" refType="h" fact="0.705"/>
+          <dgm:constr type="ctrX" for="ch" forName="FiveNodes_4" refType="w" fact="0.4425"/>
+          <dgm:constr type="w" for="ch" forName="FiveNodes_5" refType="w" fact="0.77"/>
+          <dgm:constr type="h" for="ch" forName="FiveNodes_5" refType="h" fact="0.18"/>
+          <dgm:constr type="b" for="ch" forName="FiveNodes_5" refType="h"/>
+          <dgm:constr type="l" for="ch" forName="FiveNodes_5"/>
+          <dgm:constr type="w" for="ch" forName="FiveConn_1-2" refType="h" refFor="ch" refForName="FiveNodes_1" fact="0.65"/>
+          <dgm:constr type="h" for="ch" forName="FiveConn_1-2" refType="h" refFor="ch" refForName="FiveNodes_1" fact="0.65"/>
+          <dgm:constr type="ctrY" for="ch" forName="FiveConn_1-2" refType="h" fact="0.19"/>
+          <dgm:constr type="l" for="ch" forName="FiveConn_1-2" refType="l" refFor="ch" refForName="FiveNodes_1"/>
+          <dgm:constr type="w" for="ch" forName="FiveConn_2-3" refType="h" refFor="ch" refForName="FiveNodes_2" fact="0.65"/>
+          <dgm:constr type="h" for="ch" forName="FiveConn_2-3" refType="h" refFor="ch" refForName="FiveNodes_2" fact="0.65"/>
+          <dgm:constr type="ctrY" for="ch" forName="FiveConn_2-3" refType="h" fact="0.395"/>
+          <dgm:constr type="l" for="ch" forName="FiveConn_2-3" refType="l" refFor="ch" refForName="FiveNodes_2"/>
+          <dgm:constr type="w" for="ch" forName="FiveConn_3-4" refType="h" refFor="ch" refForName="FiveNodes_3" fact="0.65"/>
+          <dgm:constr type="h" for="ch" forName="FiveConn_3-4" refType="h" refFor="ch" refForName="FiveNodes_3" fact="0.65"/>
+          <dgm:constr type="ctrY" for="ch" forName="FiveConn_3-4" refType="h" fact="0.597"/>
+          <dgm:constr type="l" for="ch" forName="FiveConn_3-4" refType="l" refFor="ch" refForName="FiveNodes_3"/>
+          <dgm:constr type="w" for="ch" forName="FiveConn_4-5" refType="h" refFor="ch" refForName="FiveNodes_4" fact="0.65"/>
+          <dgm:constr type="h" for="ch" forName="FiveConn_4-5" refType="h" refFor="ch" refForName="FiveNodes_4" fact="0.65"/>
+          <dgm:constr type="ctrY" for="ch" forName="FiveConn_4-5" refType="h" fact="0.804"/>
+          <dgm:constr type="l" for="ch" forName="FiveConn_4-5" refType="l" refFor="ch" refForName="FiveNodes_4"/>
+          <dgm:constr type="l" for="ch" forName="FiveNodes_1_text" refType="r" refFor="ch" refForName="FiveConn_1-2"/>
+          <dgm:constr type="lOff" for="ch" forName="FiveNodes_1_text" refType="w" refFor="ch" refForName="FiveConn_1-2" fact="0.73"/>
+          <dgm:constr type="t" for="ch" forName="FiveNodes_1_text" refType="t" refFor="ch" refForName="FiveNodes_1"/>
+          <dgm:constr type="b" for="ch" forName="FiveNodes_1_text" refType="b" refFor="ch" refForName="FiveNodes_1"/>
+          <dgm:constr type="r" for="ch" forName="FiveNodes_1_text" refType="r" refFor="ch" refForName="FiveNodes_1"/>
+          <dgm:constr type="l" for="ch" forName="FiveNodes_2_text" refType="r" refFor="ch" refForName="FiveConn_1-2"/>
+          <dgm:constr type="t" for="ch" forName="FiveNodes_2_text" refType="t" refFor="ch" refForName="FiveNodes_2"/>
+          <dgm:constr type="b" for="ch" forName="FiveNodes_2_text" refType="b" refFor="ch" refForName="FiveNodes_2"/>
+          <dgm:constr type="r" for="ch" forName="FiveNodes_2_text" refType="r" refFor="ch" refForName="FiveNodes_2"/>
+          <dgm:constr type="l" for="ch" forName="FiveNodes_3_text" refType="r" refFor="ch" refForName="FiveConn_2-3"/>
+          <dgm:constr type="t" for="ch" forName="FiveNodes_3_text" refType="t" refFor="ch" refForName="FiveNodes_3"/>
+          <dgm:constr type="b" for="ch" forName="FiveNodes_3_text" refType="b" refFor="ch" refForName="FiveNodes_3"/>
+          <dgm:constr type="r" for="ch" forName="FiveNodes_3_text" refType="r" refFor="ch" refForName="FiveNodes_3"/>
+          <dgm:constr type="l" for="ch" forName="FiveNodes_4_text" refType="r" refFor="ch" refForName="FiveConn_3-4"/>
+          <dgm:constr type="t" for="ch" forName="FiveNodes_4_text" refType="t" refFor="ch" refForName="FiveNodes_4"/>
+          <dgm:constr type="b" for="ch" forName="FiveNodes_4_text" refType="b" refFor="ch" refForName="FiveNodes_4"/>
+          <dgm:constr type="r" for="ch" forName="FiveNodes_4_text" refType="r" refFor="ch" refForName="FiveNodes_4"/>
+          <dgm:constr type="l" for="ch" forName="FiveNodes_5_text" refType="r" refFor="ch" refForName="FiveConn_4-5"/>
+          <dgm:constr type="t" for="ch" forName="FiveNodes_5_text" refType="t" refFor="ch" refForName="FiveNodes_5"/>
+          <dgm:constr type="b" for="ch" forName="FiveNodes_5_text" refType="b" refFor="ch" refForName="FiveNodes_5"/>
+          <dgm:constr type="r" for="ch" forName="FiveNodes_5_text" refType="r" refFor="ch" refForName="FiveNodes_5"/>
+        </dgm:constrLst>
+      </dgm:else>
+    </dgm:choose>
+    <dgm:ruleLst/>
+    <dgm:layoutNode name="dummyMaxCanvas">
+      <dgm:varLst/>
+      <dgm:alg type="sp"/>
+      <dgm:shape xmlns:r="http://schemas.openxmlformats.org/officeDocument/2006/relationships" r:blip="">
+        <dgm:adjLst/>
+      </dgm:shape>
+      <dgm:presOf/>
+      <dgm:constrLst/>
+      <dgm:ruleLst/>
+    </dgm:layoutNode>
+    <dgm:choose name="Name3">
+      <dgm:if name="Name4" axis="ch" ptType="node" func="cnt" op="equ" val="1">
+        <dgm:layoutNode name="OneNode_1">
+          <dgm:varLst>
+            <dgm:bulletEnabled val="1"/>
+          </dgm:varLst>
+          <dgm:alg type="tx"/>
+          <dgm:shape xmlns:r="http://schemas.openxmlformats.org/officeDocument/2006/relationships" type="roundRect" r:blip="">
+            <dgm:adjLst>
+              <dgm:adj idx="1" val="0.1"/>
+            </dgm:adjLst>
+          </dgm:shape>
+          <dgm:presOf axis="ch desOrSelf" ptType="node node" st="1 1" cnt="1 0"/>
+          <dgm:constrLst>
+            <dgm:constr type="lMarg" refType="primFontSz" fact="0.3"/>
+            <dgm:constr type="rMarg" refType="primFontSz" fact="0.3"/>
+            <dgm:constr type="tMarg" refType="primFontSz" fact="0.3"/>
+            <dgm:constr type="bMarg" refType="primFontSz" fact="0.3"/>
+          </dgm:constrLst>
+          <dgm:ruleLst>
+            <dgm:rule type="primFontSz" val="5" fact="NaN" max="NaN"/>
+          </dgm:ruleLst>
+        </dgm:layoutNode>
+      </dgm:if>
+      <dgm:else name="Name5">
+        <dgm:choose name="Name6">
+          <dgm:if name="Name7" axis="ch" ptType="node" func="cnt" op="equ" val="2">
+            <dgm:layoutNode name="TwoNodes_1">
+              <dgm:varLst>
+                <dgm:bulletEnabled val="1"/>
+              </dgm:varLst>
+              <dgm:alg type="sp"/>
+              <dgm:shape xmlns:r="http://schemas.openxmlformats.org/officeDocument/2006/relationships" type="roundRect" r:blip="">
+                <dgm:adjLst>
+                  <dgm:adj idx="1" val="0.1"/>
+                </dgm:adjLst>
+              </dgm:shape>
+              <dgm:presOf axis="ch desOrSelf" ptType="node node" st="1 1" cnt="1 0"/>
+              <dgm:constrLst/>
+              <dgm:ruleLst/>
+            </dgm:layoutNode>
+            <dgm:layoutNode name="TwoNodes_2">
+              <dgm:varLst>
+                <dgm:bulletEnabled val="1"/>
+              </dgm:varLst>
+              <dgm:alg type="sp"/>
+              <dgm:shape xmlns:r="http://schemas.openxmlformats.org/officeDocument/2006/relationships" type="roundRect" r:blip="">
+                <dgm:adjLst>
+                  <dgm:adj idx="1" val="0.1"/>
+                </dgm:adjLst>
+              </dgm:shape>
+              <dgm:presOf axis="ch desOrSelf" ptType="node node" st="2 1" cnt="1 0"/>
+              <dgm:constrLst/>
+              <dgm:ruleLst/>
+            </dgm:layoutNode>
+            <dgm:layoutNode name="TwoConn_1-2" styleLbl="fgAccFollowNode1">
+              <dgm:varLst>
+                <dgm:bulletEnabled val="1"/>
+              </dgm:varLst>
+              <dgm:alg type="tx"/>
+              <dgm:shape xmlns:r="http://schemas.openxmlformats.org/officeDocument/2006/relationships" type="downArrow" r:blip="">
+                <dgm:adjLst>
+                  <dgm:adj idx="1" val="0.55"/>
+                  <dgm:adj idx="2" val="0.45"/>
+                </dgm:adjLst>
+              </dgm:shape>
+              <dgm:presOf axis="ch" ptType="sibTrans" cnt="1"/>
+              <dgm:constrLst>
+                <dgm:constr type="lMarg" refType="primFontSz" fact="0.1"/>
+                <dgm:constr type="rMarg" refType="primFontSz" fact="0.1"/>
+                <dgm:constr type="tMarg" refType="primFontSz" fact="0.1"/>
+                <dgm:constr type="bMarg" refType="primFontSz" fact="0.1"/>
+              </dgm:constrLst>
+              <dgm:ruleLst>
+                <dgm:rule type="primFontSz" val="5" fact="NaN" max="NaN"/>
+              </dgm:ruleLst>
+            </dgm:layoutNode>
+            <dgm:layoutNode name="TwoNodes_1_text">
+              <dgm:varLst>
+                <dgm:bulletEnabled val="1"/>
+              </dgm:varLst>
+              <dgm:alg type="tx">
+                <dgm:param type="parTxLTRAlign" val="l"/>
+                <dgm:param type="txAnchorVertCh" val="mid"/>
+              </dgm:alg>
+              <dgm:shape xmlns:r="http://schemas.openxmlformats.org/officeDocument/2006/relationships" type="roundRect" r:blip="" hideGeom="1">
+                <dgm:adjLst>
+                  <dgm:adj idx="1" val="0.1"/>
+                </dgm:adjLst>
+              </dgm:shape>
+              <dgm:presOf axis="ch desOrSelf" ptType="node node" st="1 1" cnt="1 0"/>
+              <dgm:constrLst>
+                <dgm:constr type="lMarg" refType="primFontSz" fact="0.3"/>
+                <dgm:constr type="rMarg" refType="primFontSz" fact="0.3"/>
+                <dgm:constr type="tMarg" refType="primFontSz" fact="0.3"/>
+                <dgm:constr type="bMarg" refType="primFontSz" fact="0.3"/>
+              </dgm:constrLst>
+              <dgm:ruleLst>
+                <dgm:rule type="primFontSz" val="5" fact="NaN" max="NaN"/>
+              </dgm:ruleLst>
+            </dgm:layoutNode>
+            <dgm:layoutNode name="TwoNodes_2_text">
+              <dgm:varLst>
+                <dgm:bulletEnabled val="1"/>
+              </dgm:varLst>
+              <dgm:alg type="tx">
+                <dgm:param type="parTxLTRAlign" val="l"/>
+                <dgm:param type="txAnchorVertCh" val="mid"/>
+              </dgm:alg>
+              <dgm:shape xmlns:r="http://schemas.openxmlformats.org/officeDocument/2006/relationships" type="roundRect" r:blip="" hideGeom="1">
+                <dgm:adjLst>
+                  <dgm:adj idx="1" val="0.1"/>
+                </dgm:adjLst>
+              </dgm:shape>
+              <dgm:presOf axis="ch desOrSelf" ptType="node node" st="2 1" cnt="1 0"/>
+              <dgm:constrLst>
+                <dgm:constr type="lMarg" refType="primFontSz" fact="0.3"/>
+                <dgm:constr type="rMarg" refType="primFontSz" fact="0.3"/>
+                <dgm:constr type="tMarg" refType="primFontSz" fact="0.3"/>
+                <dgm:constr type="bMarg" refType="primFontSz" fact="0.3"/>
+              </dgm:constrLst>
+              <dgm:ruleLst>
+                <dgm:rule type="primFontSz" val="5" fact="NaN" max="NaN"/>
+              </dgm:ruleLst>
+            </dgm:layoutNode>
+          </dgm:if>
+          <dgm:else name="Name8">
+            <dgm:choose name="Name9">
+              <dgm:if name="Name10" axis="ch" ptType="node" func="cnt" op="equ" val="3">
+                <dgm:layoutNode name="ThreeNodes_1">
+                  <dgm:varLst>
+                    <dgm:bulletEnabled val="1"/>
+                  </dgm:varLst>
+                  <dgm:alg type="sp"/>
+                  <dgm:shape xmlns:r="http://schemas.openxmlformats.org/officeDocument/2006/relationships" type="roundRect" r:blip="">
+                    <dgm:adjLst>
+                      <dgm:adj idx="1" val="0.1"/>
+                    </dgm:adjLst>
+                  </dgm:shape>
+                  <dgm:presOf axis="ch desOrSelf" ptType="node node" st="1 1" cnt="1 0"/>
+                  <dgm:constrLst/>
+                  <dgm:ruleLst/>
+                </dgm:layoutNode>
+                <dgm:layoutNode name="ThreeNodes_2">
+                  <dgm:varLst>
+                    <dgm:bulletEnabled val="1"/>
+                  </dgm:varLst>
+                  <dgm:alg type="sp"/>
+                  <dgm:shape xmlns:r="http://schemas.openxmlformats.org/officeDocument/2006/relationships" type="roundRect" r:blip="">
+                    <dgm:adjLst>
+                      <dgm:adj idx="1" val="0.1"/>
+                    </dgm:adjLst>
+                  </dgm:shape>
+                  <dgm:presOf axis="ch desOrSelf" ptType="node node" st="2 1" cnt="1 0"/>
+                  <dgm:constrLst/>
+                  <dgm:ruleLst/>
+                </dgm:layoutNode>
+                <dgm:layoutNode name="ThreeNodes_3">
+                  <dgm:varLst>
+                    <dgm:bulletEnabled val="1"/>
+                  </dgm:varLst>
+                  <dgm:alg type="sp"/>
+                  <dgm:shape xmlns:r="http://schemas.openxmlformats.org/officeDocument/2006/relationships" type="roundRect" r:blip="">
+                    <dgm:adjLst>
+                      <dgm:adj idx="1" val="0.1"/>
+                    </dgm:adjLst>
+                  </dgm:shape>
+                  <dgm:presOf axis="ch desOrSelf" ptType="node node" st="3 1" cnt="1 0"/>
+                  <dgm:constrLst/>
+                  <dgm:ruleLst/>
+                </dgm:layoutNode>
+                <dgm:layoutNode name="ThreeConn_1-2" styleLbl="fgAccFollowNode1">
+                  <dgm:varLst>
+                    <dgm:bulletEnabled val="1"/>
+                  </dgm:varLst>
+                  <dgm:alg type="tx"/>
+                  <dgm:shape xmlns:r="http://schemas.openxmlformats.org/officeDocument/2006/relationships" type="downArrow" r:blip="">
+                    <dgm:adjLst>
+                      <dgm:adj idx="1" val="0.55"/>
+                      <dgm:adj idx="2" val="0.45"/>
+                    </dgm:adjLst>
+                  </dgm:shape>
+                  <dgm:presOf axis="ch" ptType="sibTrans" cnt="1"/>
+                  <dgm:constrLst>
+                    <dgm:constr type="lMarg" refType="primFontSz" fact="0.1"/>
+                    <dgm:constr type="rMarg" refType="primFontSz" fact="0.1"/>
+                    <dgm:constr type="tMarg" refType="primFontSz" fact="0.1"/>
+                    <dgm:constr type="bMarg" refType="primFontSz" fact="0.1"/>
+                  </dgm:constrLst>
+                  <dgm:ruleLst>
+                    <dgm:rule type="primFontSz" val="5" fact="NaN" max="NaN"/>
+                  </dgm:ruleLst>
+                </dgm:layoutNode>
+                <dgm:layoutNode name="ThreeConn_2-3" styleLbl="fgAccFollowNode1">
+                  <dgm:varLst>
+                    <dgm:bulletEnabled val="1"/>
+                  </dgm:varLst>
+                  <dgm:alg type="tx"/>
+                  <dgm:shape xmlns:r="http://schemas.openxmlformats.org/officeDocument/2006/relationships" type="downArrow" r:blip="">
+                    <dgm:adjLst>
+                      <dgm:adj idx="1" val="0.55"/>
+                      <dgm:adj idx="2" val="0.45"/>
+                    </dgm:adjLst>
+                  </dgm:shape>
+                  <dgm:presOf axis="ch" ptType="sibTrans" st="2" cnt="1"/>
+                  <dgm:constrLst>
+                    <dgm:constr type="lMarg" refType="primFontSz" fact="0.1"/>
+                    <dgm:constr type="rMarg" refType="primFontSz" fact="0.1"/>
+                    <dgm:constr type="tMarg" refType="primFontSz" fact="0.1"/>
+                    <dgm:constr type="bMarg" refType="primFontSz" fact="0.1"/>
+                  </dgm:constrLst>
+                  <dgm:ruleLst>
+                    <dgm:rule type="primFontSz" val="5" fact="NaN" max="NaN"/>
+                  </dgm:ruleLst>
+                </dgm:layoutNode>
+                <dgm:layoutNode name="ThreeNodes_1_text">
+                  <dgm:varLst>
+                    <dgm:bulletEnabled val="1"/>
+                  </dgm:varLst>
+                  <dgm:alg type="tx">
+                    <dgm:param type="parTxLTRAlign" val="l"/>
+                    <dgm:param type="txAnchorVertCh" val="mid"/>
+                  </dgm:alg>
+                  <dgm:shape xmlns:r="http://schemas.openxmlformats.org/officeDocument/2006/relationships" type="roundRect" r:blip="" hideGeom="1">
+                    <dgm:adjLst>
+                      <dgm:adj idx="1" val="0.1"/>
+                    </dgm:adjLst>
+                  </dgm:shape>
+                  <dgm:presOf axis="ch desOrSelf" ptType="node node" st="1 1" cnt="1 0"/>
+                  <dgm:constrLst>
+                    <dgm:constr type="lMarg" refType="primFontSz" fact="0.3"/>
+                    <dgm:constr type="rMarg" refType="primFontSz" fact="0.3"/>
+                    <dgm:constr type="tMarg" refType="primFontSz" fact="0.3"/>
+                    <dgm:constr type="bMarg" refType="primFontSz" fact="0.3"/>
+                  </dgm:constrLst>
+                  <dgm:ruleLst>
+                    <dgm:rule type="primFontSz" val="5" fact="NaN" max="NaN"/>
+                  </dgm:ruleLst>
+                </dgm:layoutNode>
+                <dgm:layoutNode name="ThreeNodes_2_text">
+                  <dgm:varLst>
+                    <dgm:bulletEnabled val="1"/>
+                  </dgm:varLst>
+                  <dgm:alg type="tx">
+                    <dgm:param type="parTxLTRAlign" val="l"/>
+                    <dgm:param type="txAnchorVertCh" val="mid"/>
+                  </dgm:alg>
+                  <dgm:shape xmlns:r="http://schemas.openxmlformats.org/officeDocument/2006/relationships" type="roundRect" r:blip="" hideGeom="1">
+                    <dgm:adjLst>
+                      <dgm:adj idx="1" val="0.1"/>
+                    </dgm:adjLst>
+                  </dgm:shape>
+                  <dgm:presOf axis="ch desOrSelf" ptType="node node" st="2 1" cnt="1 0"/>
+                  <dgm:constrLst>
+                    <dgm:constr type="lMarg" refType="primFontSz" fact="0.3"/>
+                    <dgm:constr type="rMarg" refType="primFontSz" fact="0.3"/>
+                    <dgm:constr type="tMarg" refType="primFontSz" fact="0.3"/>
+                    <dgm:constr type="bMarg" refType="primFontSz" fact="0.3"/>
+                  </dgm:constrLst>
+                  <dgm:ruleLst>
+                    <dgm:rule type="primFontSz" val="5" fact="NaN" max="NaN"/>
+                  </dgm:ruleLst>
+                </dgm:layoutNode>
+                <dgm:layoutNode name="ThreeNodes_3_text">
+                  <dgm:varLst>
+                    <dgm:bulletEnabled val="1"/>
+                  </dgm:varLst>
+                  <dgm:alg type="tx">
+                    <dgm:param type="parTxLTRAlign" val="l"/>
+                    <dgm:param type="txAnchorVertCh" val="mid"/>
+                  </dgm:alg>
+                  <dgm:shape xmlns:r="http://schemas.openxmlformats.org/officeDocument/2006/relationships" type="roundRect" r:blip="" hideGeom="1">
+                    <dgm:adjLst>
+                      <dgm:adj idx="1" val="0.1"/>
+                    </dgm:adjLst>
+                  </dgm:shape>
+                  <dgm:presOf axis="ch desOrSelf" ptType="node node" st="3 1" cnt="1 0"/>
+                  <dgm:constrLst>
+                    <dgm:constr type="lMarg" refType="primFontSz" fact="0.3"/>
+                    <dgm:constr type="rMarg" refType="primFontSz" fact="0.3"/>
+                    <dgm:constr type="tMarg" refType="primFontSz" fact="0.3"/>
+                    <dgm:constr type="bMarg" refType="primFontSz" fact="0.3"/>
+                  </dgm:constrLst>
+                  <dgm:ruleLst>
+                    <dgm:rule type="primFontSz" val="5" fact="NaN" max="NaN"/>
+                  </dgm:ruleLst>
+                </dgm:layoutNode>
+              </dgm:if>
+              <dgm:else name="Name11">
+                <dgm:choose name="Name12">
+                  <dgm:if name="Name13" axis="ch" ptType="node" func="cnt" op="equ" val="4">
+                    <dgm:layoutNode name="FourNodes_1">
+                      <dgm:varLst>
+                        <dgm:bulletEnabled val="1"/>
+                      </dgm:varLst>
+                      <dgm:alg type="sp"/>
+                      <dgm:shape xmlns:r="http://schemas.openxmlformats.org/officeDocument/2006/relationships" type="roundRect" r:blip="">
+                        <dgm:adjLst>
+                          <dgm:adj idx="1" val="0.1"/>
+                        </dgm:adjLst>
+                      </dgm:shape>
+                      <dgm:presOf axis="ch desOrSelf" ptType="node node" st="1 1" cnt="1 0"/>
+                      <dgm:constrLst/>
+                      <dgm:ruleLst/>
+                    </dgm:layoutNode>
+                    <dgm:layoutNode name="FourNodes_2">
+                      <dgm:varLst>
+                        <dgm:bulletEnabled val="1"/>
+                      </dgm:varLst>
+                      <dgm:alg type="sp"/>
+                      <dgm:shape xmlns:r="http://schemas.openxmlformats.org/officeDocument/2006/relationships" type="roundRect" r:blip="">
+                        <dgm:adjLst>
+                          <dgm:adj idx="1" val="0.1"/>
+                        </dgm:adjLst>
+                      </dgm:shape>
+                      <dgm:presOf axis="ch desOrSelf" ptType="node node" st="2 1" cnt="1 0"/>
+                      <dgm:constrLst/>
+                      <dgm:ruleLst/>
+                    </dgm:layoutNode>
+                    <dgm:layoutNode name="FourNodes_3">
+                      <dgm:varLst>
+                        <dgm:bulletEnabled val="1"/>
+                      </dgm:varLst>
+                      <dgm:alg type="sp"/>
+                      <dgm:shape xmlns:r="http://schemas.openxmlformats.org/officeDocument/2006/relationships" type="roundRect" r:blip="">
+                        <dgm:adjLst>
+                          <dgm:adj idx="1" val="0.1"/>
+                        </dgm:adjLst>
+                      </dgm:shape>
+                      <dgm:presOf axis="ch desOrSelf" ptType="node node" st="3 1" cnt="1 0"/>
+                      <dgm:constrLst/>
+                      <dgm:ruleLst/>
+                    </dgm:layoutNode>
+                    <dgm:layoutNode name="FourNodes_4">
+                      <dgm:varLst>
+                        <dgm:bulletEnabled val="1"/>
+                      </dgm:varLst>
+                      <dgm:alg type="sp"/>
+                      <dgm:shape xmlns:r="http://schemas.openxmlformats.org/officeDocument/2006/relationships" type="roundRect" r:blip="">
+                        <dgm:adjLst>
+                          <dgm:adj idx="1" val="0.1"/>
+                        </dgm:adjLst>
+                      </dgm:shape>
+                      <dgm:presOf axis="ch desOrSelf" ptType="node node" st="4 1" cnt="1 0"/>
+                      <dgm:constrLst/>
+                      <dgm:ruleLst/>
+                    </dgm:layoutNode>
+                    <dgm:layoutNode name="FourConn_1-2" styleLbl="fgAccFollowNode1">
+                      <dgm:varLst>
+                        <dgm:bulletEnabled val="1"/>
+                      </dgm:varLst>
+                      <dgm:alg type="tx"/>
+                      <dgm:shape xmlns:r="http://schemas.openxmlformats.org/officeDocument/2006/relationships" type="downArrow" r:blip="">
+                        <dgm:adjLst>
+                          <dgm:adj idx="1" val="0.55"/>
+                          <dgm:adj idx="2" val="0.45"/>
+                        </dgm:adjLst>
+                      </dgm:shape>
+                      <dgm:presOf axis="ch" ptType="sibTrans" cnt="1"/>
+                      <dgm:constrLst>
+                        <dgm:constr type="lMarg" refType="primFontSz" fact="0.1"/>
+                        <dgm:constr type="rMarg" refType="primFontSz" fact="0.1"/>
+                        <dgm:constr type="tMarg" refType="primFontSz" fact="0.1"/>
+                        <dgm:constr type="bMarg" refType="primFontSz" fact="0.1"/>
+                      </dgm:constrLst>
+                      <dgm:ruleLst>
+                        <dgm:rule type="primFontSz" val="5" fact="NaN" max="NaN"/>
+                      </dgm:ruleLst>
+                    </dgm:layoutNode>
+                    <dgm:layoutNode name="FourConn_2-3" styleLbl="fgAccFollowNode1">
+                      <dgm:varLst>
+                        <dgm:bulletEnabled val="1"/>
+                      </dgm:varLst>
+                      <dgm:alg type="tx"/>
+                      <dgm:shape xmlns:r="http://schemas.openxmlformats.org/officeDocument/2006/relationships" type="downArrow" r:blip="">
+                        <dgm:adjLst>
+                          <dgm:adj idx="1" val="0.55"/>
+                          <dgm:adj idx="2" val="0.45"/>
+                        </dgm:adjLst>
+                      </dgm:shape>
+                      <dgm:presOf axis="ch" ptType="sibTrans" st="2" cnt="1"/>
+                      <dgm:constrLst>
+                        <dgm:constr type="lMarg" refType="primFontSz" fact="0.1"/>
+                        <dgm:constr type="rMarg" refType="primFontSz" fact="0.1"/>
+                        <dgm:constr type="tMarg" refType="primFontSz" fact="0.1"/>
+                        <dgm:constr type="bMarg" refType="primFontSz" fact="0.1"/>
+                      </dgm:constrLst>
+                      <dgm:ruleLst>
+                        <dgm:rule type="primFontSz" val="5" fact="NaN" max="NaN"/>
+                      </dgm:ruleLst>
+                    </dgm:layoutNode>
+                    <dgm:layoutNode name="FourConn_3-4" styleLbl="fgAccFollowNode1">
+                      <dgm:varLst>
+                        <dgm:bulletEnabled val="1"/>
+                      </dgm:varLst>
+                      <dgm:alg type="tx"/>
+                      <dgm:shape xmlns:r="http://schemas.openxmlformats.org/officeDocument/2006/relationships" type="downArrow" r:blip="">
+                        <dgm:adjLst>
+                          <dgm:adj idx="1" val="0.55"/>
+                          <dgm:adj idx="2" val="0.45"/>
+                        </dgm:adjLst>
+                      </dgm:shape>
+                      <dgm:presOf axis="ch" ptType="sibTrans" st="3" cnt="1"/>
+                      <dgm:constrLst>
+                        <dgm:constr type="lMarg" refType="primFontSz" fact="0.1"/>
+                        <dgm:constr type="rMarg" refType="primFontSz" fact="0.1"/>
+                        <dgm:constr type="tMarg" refType="primFontSz" fact="0.1"/>
+                        <dgm:constr type="bMarg" refType="primFontSz" fact="0.1"/>
+                      </dgm:constrLst>
+                      <dgm:ruleLst>
+                        <dgm:rule type="primFontSz" val="5" fact="NaN" max="NaN"/>
+                      </dgm:ruleLst>
+                    </dgm:layoutNode>
+                    <dgm:layoutNode name="FourNodes_1_text">
+                      <dgm:varLst>
+                        <dgm:bulletEnabled val="1"/>
+                      </dgm:varLst>
+                      <dgm:alg type="tx">
+                        <dgm:param type="parTxLTRAlign" val="l"/>
+                        <dgm:param type="txAnchorVertCh" val="mid"/>
+                      </dgm:alg>
+                      <dgm:shape xmlns:r="http://schemas.openxmlformats.org/officeDocument/2006/relationships" type="roundRect" r:blip="" hideGeom="1">
+                        <dgm:adjLst>
+                          <dgm:adj idx="1" val="0.1"/>
+                        </dgm:adjLst>
+                      </dgm:shape>
+                      <dgm:presOf axis="ch desOrSelf" ptType="node node" st="1 1" cnt="1 0"/>
+                      <dgm:constrLst>
+                        <dgm:constr type="lMarg" refType="primFontSz" fact="0.3"/>
+                        <dgm:constr type="rMarg" refType="primFontSz" fact="0.3"/>
+                        <dgm:constr type="tMarg" refType="primFontSz" fact="0.3"/>
+                        <dgm:constr type="bMarg" refType="primFontSz" fact="0.3"/>
+                      </dgm:constrLst>
+                      <dgm:ruleLst>
+                        <dgm:rule type="primFontSz" val="5" fact="NaN" max="NaN"/>
+                      </dgm:ruleLst>
+                    </dgm:layoutNode>
+                    <dgm:layoutNode name="FourNodes_2_text">
+                      <dgm:varLst>
+                        <dgm:bulletEnabled val="1"/>
+                      </dgm:varLst>
+                      <dgm:alg type="tx">
+                        <dgm:param type="parTxLTRAlign" val="l"/>
+                        <dgm:param type="txAnchorVertCh" val="mid"/>
+                      </dgm:alg>
+                      <dgm:shape xmlns:r="http://schemas.openxmlformats.org/officeDocument/2006/relationships" type="roundRect" r:blip="" hideGeom="1">
+                        <dgm:adjLst>
+                          <dgm:adj idx="1" val="0.1"/>
+                        </dgm:adjLst>
+                      </dgm:shape>
+                      <dgm:presOf axis="ch desOrSelf" ptType="node node" st="2 1" cnt="1 0"/>
+                      <dgm:constrLst>
+                        <dgm:constr type="lMarg" refType="primFontSz" fact="0.3"/>
+                        <dgm:constr type="rMarg" refType="primFontSz" fact="0.3"/>
+                        <dgm:constr type="tMarg" refType="primFontSz" fact="0.3"/>
+                        <dgm:constr type="bMarg" refType="primFontSz" fact="0.3"/>
+                      </dgm:constrLst>
+                      <dgm:ruleLst>
+                        <dgm:rule type="primFontSz" val="5" fact="NaN" max="NaN"/>
+                      </dgm:ruleLst>
+                    </dgm:layoutNode>
+                    <dgm:layoutNode name="FourNodes_3_text">
+                      <dgm:varLst>
+                        <dgm:bulletEnabled val="1"/>
+                      </dgm:varLst>
+                      <dgm:alg type="tx">
+                        <dgm:param type="parTxLTRAlign" val="l"/>
+                        <dgm:param type="txAnchorVertCh" val="mid"/>
+                      </dgm:alg>
+                      <dgm:shape xmlns:r="http://schemas.openxmlformats.org/officeDocument/2006/relationships" type="roundRect" r:blip="" hideGeom="1">
+                        <dgm:adjLst>
+                          <dgm:adj idx="1" val="0.1"/>
+                        </dgm:adjLst>
+                      </dgm:shape>
+                      <dgm:presOf axis="ch desOrSelf" ptType="node node" st="3 1" cnt="1 0"/>
+                      <dgm:constrLst>
+                        <dgm:constr type="lMarg" refType="primFontSz" fact="0.3"/>
+                        <dgm:constr type="rMarg" refType="primFontSz" fact="0.3"/>
+                        <dgm:constr type="tMarg" refType="primFontSz" fact="0.3"/>
+                        <dgm:constr type="bMarg" refType="primFontSz" fact="0.3"/>
+                      </dgm:constrLst>
+                      <dgm:ruleLst>
+                        <dgm:rule type="primFontSz" val="5" fact="NaN" max="NaN"/>
+                      </dgm:ruleLst>
+                    </dgm:layoutNode>
+                    <dgm:layoutNode name="FourNodes_4_text">
+                      <dgm:varLst>
+                        <dgm:bulletEnabled val="1"/>
+                      </dgm:varLst>
+                      <dgm:alg type="tx">
+                        <dgm:param type="parTxLTRAlign" val="l"/>
+                        <dgm:param type="txAnchorVertCh" val="mid"/>
+                      </dgm:alg>
+                      <dgm:shape xmlns:r="http://schemas.openxmlformats.org/officeDocument/2006/relationships" type="roundRect" r:blip="" hideGeom="1">
+                        <dgm:adjLst>
+                          <dgm:adj idx="1" val="0.1"/>
+                        </dgm:adjLst>
+                      </dgm:shape>
+                      <dgm:presOf axis="ch desOrSelf" ptType="node node" st="4 1" cnt="1 0"/>
+                      <dgm:constrLst>
+                        <dgm:constr type="lMarg" refType="primFontSz" fact="0.3"/>
+                        <dgm:constr type="rMarg" refType="primFontSz" fact="0.3"/>
+                        <dgm:constr type="tMarg" refType="primFontSz" fact="0.3"/>
+                        <dgm:constr type="bMarg" refType="primFontSz" fact="0.3"/>
+                      </dgm:constrLst>
+                      <dgm:ruleLst>
+                        <dgm:rule type="primFontSz" val="5" fact="NaN" max="NaN"/>
+                      </dgm:ruleLst>
+                    </dgm:layoutNode>
+                  </dgm:if>
+                  <dgm:else name="Name14">
+                    <dgm:choose name="Name15">
+                      <dgm:if name="Name16" axis="ch" ptType="node" func="cnt" op="gte" val="5">
+                        <dgm:layoutNode name="FiveNodes_1">
+                          <dgm:varLst>
+                            <dgm:bulletEnabled val="1"/>
+                          </dgm:varLst>
+                          <dgm:alg type="sp"/>
+                          <dgm:shape xmlns:r="http://schemas.openxmlformats.org/officeDocument/2006/relationships" type="roundRect" r:blip="">
+                            <dgm:adjLst>
+                              <dgm:adj idx="1" val="0.1"/>
+                            </dgm:adjLst>
+                          </dgm:shape>
+                          <dgm:presOf axis="ch desOrSelf" ptType="node node" st="1 1" cnt="1 0"/>
+                          <dgm:constrLst/>
+                          <dgm:ruleLst/>
+                        </dgm:layoutNode>
+                        <dgm:layoutNode name="FiveNodes_2">
+                          <dgm:varLst>
+                            <dgm:bulletEnabled val="1"/>
+                          </dgm:varLst>
+                          <dgm:alg type="sp"/>
+                          <dgm:shape xmlns:r="http://schemas.openxmlformats.org/officeDocument/2006/relationships" type="roundRect" r:blip="">
+                            <dgm:adjLst>
+                              <dgm:adj idx="1" val="0.1"/>
+                            </dgm:adjLst>
+                          </dgm:shape>
+                          <dgm:presOf axis="ch desOrSelf" ptType="node node" st="2 1" cnt="1 0"/>
+                          <dgm:constrLst/>
+                          <dgm:ruleLst/>
+                        </dgm:layoutNode>
+                        <dgm:layoutNode name="FiveNodes_3">
+                          <dgm:varLst>
+                            <dgm:bulletEnabled val="1"/>
+                          </dgm:varLst>
+                          <dgm:alg type="sp"/>
+                          <dgm:shape xmlns:r="http://schemas.openxmlformats.org/officeDocument/2006/relationships" type="roundRect" r:blip="">
+                            <dgm:adjLst>
+                              <dgm:adj idx="1" val="0.1"/>
+                            </dgm:adjLst>
+                          </dgm:shape>
+                          <dgm:presOf axis="ch desOrSelf" ptType="node node" st="3 1" cnt="1 0"/>
+                          <dgm:constrLst/>
+                          <dgm:ruleLst/>
+                        </dgm:layoutNode>
+                        <dgm:layoutNode name="FiveNodes_4">
+                          <dgm:varLst>
+                            <dgm:bulletEnabled val="1"/>
+                          </dgm:varLst>
+                          <dgm:alg type="sp"/>
+                          <dgm:shape xmlns:r="http://schemas.openxmlformats.org/officeDocument/2006/relationships" type="roundRect" r:blip="">
+                            <dgm:adjLst>
+                              <dgm:adj idx="1" val="0.1"/>
+                            </dgm:adjLst>
+                          </dgm:shape>
+                          <dgm:presOf axis="ch desOrSelf" ptType="node node" st="4 1" cnt="1 0"/>
+                          <dgm:constrLst/>
+                          <dgm:ruleLst/>
+                        </dgm:layoutNode>
+                        <dgm:layoutNode name="FiveNodes_5">
+                          <dgm:varLst>
+                            <dgm:bulletEnabled val="1"/>
+                          </dgm:varLst>
+                          <dgm:alg type="sp"/>
+                          <dgm:shape xmlns:r="http://schemas.openxmlformats.org/officeDocument/2006/relationships" type="roundRect" r:blip="">
+                            <dgm:adjLst>
+                              <dgm:adj idx="1" val="0.1"/>
+                            </dgm:adjLst>
+                          </dgm:shape>
+                          <dgm:presOf axis="ch desOrSelf" ptType="node node" st="5 1" cnt="1 0"/>
+                          <dgm:constrLst/>
+                          <dgm:ruleLst/>
+                        </dgm:layoutNode>
+                        <dgm:layoutNode name="FiveConn_1-2" styleLbl="fgAccFollowNode1">
+                          <dgm:varLst>
+                            <dgm:bulletEnabled val="1"/>
+                          </dgm:varLst>
+                          <dgm:alg type="tx"/>
+                          <dgm:shape xmlns:r="http://schemas.openxmlformats.org/officeDocument/2006/relationships" type="downArrow" r:blip="">
+                            <dgm:adjLst>
+                              <dgm:adj idx="1" val="0.55"/>
+                              <dgm:adj idx="2" val="0.45"/>
+                            </dgm:adjLst>
+                          </dgm:shape>
+                          <dgm:presOf axis="ch" ptType="sibTrans" cnt="1"/>
+                          <dgm:constrLst>
+                            <dgm:constr type="lMarg" refType="primFontSz" fact="0.1"/>
+                            <dgm:constr type="rMarg" refType="primFontSz" fact="0.1"/>
+                            <dgm:constr type="tMarg" refType="primFontSz" fact="0.1"/>
+                            <dgm:constr type="bMarg" refType="primFontSz" fact="0.1"/>
+                          </dgm:constrLst>
+                          <dgm:ruleLst>
+                            <dgm:rule type="primFontSz" val="5" fact="NaN" max="NaN"/>
+                          </dgm:ruleLst>
+                        </dgm:layoutNode>
+                        <dgm:layoutNode name="FiveConn_2-3" styleLbl="fgAccFollowNode1">
+                          <dgm:varLst>
+                            <dgm:bulletEnabled val="1"/>
+                          </dgm:varLst>
+                          <dgm:alg type="tx"/>
+                          <dgm:shape xmlns:r="http://schemas.openxmlformats.org/officeDocument/2006/relationships" type="downArrow" r:blip="">
+                            <dgm:adjLst>
+                              <dgm:adj idx="1" val="0.55"/>
+                              <dgm:adj idx="2" val="0.45"/>
+                            </dgm:adjLst>
+                          </dgm:shape>
+                          <dgm:presOf axis="ch" ptType="sibTrans" st="2" cnt="1"/>
+                          <dgm:constrLst>
+                            <dgm:constr type="lMarg" refType="primFontSz" fact="0.1"/>
+                            <dgm:constr type="rMarg" refType="primFontSz" fact="0.1"/>
+                            <dgm:constr type="tMarg" refType="primFontSz" fact="0.1"/>
+                            <dgm:constr type="bMarg" refType="primFontSz" fact="0.1"/>
+                          </dgm:constrLst>
+                          <dgm:ruleLst>
+                            <dgm:rule type="primFontSz" val="5" fact="NaN" max="NaN"/>
+                          </dgm:ruleLst>
+                        </dgm:layoutNode>
+                        <dgm:layoutNode name="FiveConn_3-4" styleLbl="fgAccFollowNode1">
+                          <dgm:varLst>
+                            <dgm:bulletEnabled val="1"/>
+                          </dgm:varLst>
+                          <dgm:alg type="tx"/>
+                          <dgm:shape xmlns:r="http://schemas.openxmlformats.org/officeDocument/2006/relationships" type="downArrow" r:blip="">
+                            <dgm:adjLst>
+                              <dgm:adj idx="1" val="0.55"/>
+                              <dgm:adj idx="2" val="0.45"/>
+                            </dgm:adjLst>
+                          </dgm:shape>
+                          <dgm:presOf axis="ch" ptType="sibTrans" st="3" cnt="1"/>
+                          <dgm:constrLst>
+                            <dgm:constr type="lMarg" refType="primFontSz" fact="0.1"/>
+                            <dgm:constr type="rMarg" refType="primFontSz" fact="0.1"/>
+                            <dgm:constr type="tMarg" refType="primFontSz" fact="0.1"/>
+                            <dgm:constr type="bMarg" refType="primFontSz" fact="0.1"/>
+                          </dgm:constrLst>
+                          <dgm:ruleLst>
+                            <dgm:rule type="primFontSz" val="5" fact="NaN" max="NaN"/>
+                          </dgm:ruleLst>
+                        </dgm:layoutNode>
+                        <dgm:layoutNode name="FiveConn_4-5" styleLbl="fgAccFollowNode1">
+                          <dgm:varLst>
+                            <dgm:bulletEnabled val="1"/>
+                          </dgm:varLst>
+                          <dgm:alg type="tx"/>
+                          <dgm:shape xmlns:r="http://schemas.openxmlformats.org/officeDocument/2006/relationships" type="downArrow" r:blip="">
+                            <dgm:adjLst>
+                              <dgm:adj idx="1" val="0.55"/>
+                              <dgm:adj idx="2" val="0.45"/>
+                            </dgm:adjLst>
+                          </dgm:shape>
+                          <dgm:presOf axis="ch" ptType="sibTrans" st="4" cnt="1"/>
+                          <dgm:constrLst>
+                            <dgm:constr type="lMarg" refType="primFontSz" fact="0.1"/>
+                            <dgm:constr type="rMarg" refType="primFontSz" fact="0.1"/>
+                            <dgm:constr type="tMarg" refType="primFontSz" fact="0.1"/>
+                            <dgm:constr type="bMarg" refType="primFontSz" fact="0.1"/>
+                          </dgm:constrLst>
+                          <dgm:ruleLst>
+                            <dgm:rule type="primFontSz" val="5" fact="NaN" max="NaN"/>
+                          </dgm:ruleLst>
+                        </dgm:layoutNode>
+                        <dgm:layoutNode name="FiveNodes_1_text">
+                          <dgm:varLst>
+                            <dgm:bulletEnabled val="1"/>
+                          </dgm:varLst>
+                          <dgm:alg type="tx">
+                            <dgm:param type="parTxLTRAlign" val="l"/>
+                            <dgm:param type="txAnchorVertCh" val="mid"/>
+                          </dgm:alg>
+                          <dgm:shape xmlns:r="http://schemas.openxmlformats.org/officeDocument/2006/relationships" type="roundRect" r:blip="" hideGeom="1">
+                            <dgm:adjLst>
+                              <dgm:adj idx="1" val="0.1"/>
+                            </dgm:adjLst>
+                          </dgm:shape>
+                          <dgm:presOf axis="ch desOrSelf" ptType="node node" st="1 1" cnt="1 0"/>
+                          <dgm:constrLst>
+                            <dgm:constr type="lMarg" refType="primFontSz" fact="0.3"/>
+                            <dgm:constr type="rMarg" refType="primFontSz" fact="0.3"/>
+                            <dgm:constr type="tMarg" refType="primFontSz" fact="0.3"/>
+                            <dgm:constr type="bMarg" refType="primFontSz" fact="0.3"/>
+                          </dgm:constrLst>
+                          <dgm:ruleLst>
+                            <dgm:rule type="primFontSz" val="5" fact="NaN" max="NaN"/>
+                          </dgm:ruleLst>
+                        </dgm:layoutNode>
+                        <dgm:layoutNode name="FiveNodes_2_text">
+                          <dgm:varLst>
+                            <dgm:bulletEnabled val="1"/>
+                          </dgm:varLst>
+                          <dgm:alg type="tx">
+                            <dgm:param type="parTxLTRAlign" val="l"/>
+                            <dgm:param type="txAnchorVertCh" val="mid"/>
+                          </dgm:alg>
+                          <dgm:shape xmlns:r="http://schemas.openxmlformats.org/officeDocument/2006/relationships" type="roundRect" r:blip="" hideGeom="1">
+                            <dgm:adjLst>
+                              <dgm:adj idx="1" val="0.1"/>
+                            </dgm:adjLst>
+                          </dgm:shape>
+                          <dgm:presOf axis="ch desOrSelf" ptType="node node" st="2 1" cnt="1 0"/>
+                          <dgm:constrLst>
+                            <dgm:constr type="lMarg" refType="primFontSz" fact="0.3"/>
+                            <dgm:constr type="rMarg" refType="primFontSz" fact="0.3"/>
+                            <dgm:constr type="tMarg" refType="primFontSz" fact="0.3"/>
+                            <dgm:constr type="bMarg" refType="primFontSz" fact="0.3"/>
+                          </dgm:constrLst>
+                          <dgm:ruleLst>
+                            <dgm:rule type="primFontSz" val="5" fact="NaN" max="NaN"/>
+                          </dgm:ruleLst>
+                        </dgm:layoutNode>
+                        <dgm:layoutNode name="FiveNodes_3_text">
+                          <dgm:varLst>
+                            <dgm:bulletEnabled val="1"/>
+                          </dgm:varLst>
+                          <dgm:alg type="tx">
+                            <dgm:param type="parTxLTRAlign" val="l"/>
+                            <dgm:param type="txAnchorVertCh" val="mid"/>
+                          </dgm:alg>
+                          <dgm:shape xmlns:r="http://schemas.openxmlformats.org/officeDocument/2006/relationships" type="roundRect" r:blip="" hideGeom="1">
+                            <dgm:adjLst>
+                              <dgm:adj idx="1" val="0.1"/>
+                            </dgm:adjLst>
+                          </dgm:shape>
+                          <dgm:presOf axis="ch desOrSelf" ptType="node node" st="3 1" cnt="1 0"/>
+                          <dgm:constrLst>
+                            <dgm:constr type="lMarg" refType="primFontSz" fact="0.3"/>
+                            <dgm:constr type="rMarg" refType="primFontSz" fact="0.3"/>
+                            <dgm:constr type="tMarg" refType="primFontSz" fact="0.3"/>
+                            <dgm:constr type="bMarg" refType="primFontSz" fact="0.3"/>
+                          </dgm:constrLst>
+                          <dgm:ruleLst>
+                            <dgm:rule type="primFontSz" val="5" fact="NaN" max="NaN"/>
+                          </dgm:ruleLst>
+                        </dgm:layoutNode>
+                        <dgm:layoutNode name="FiveNodes_4_text">
+                          <dgm:varLst>
+                            <dgm:bulletEnabled val="1"/>
+                          </dgm:varLst>
+                          <dgm:alg type="tx">
+                            <dgm:param type="parTxLTRAlign" val="l"/>
+                            <dgm:param type="txAnchorVertCh" val="mid"/>
+                          </dgm:alg>
+                          <dgm:shape xmlns:r="http://schemas.openxmlformats.org/officeDocument/2006/relationships" type="roundRect" r:blip="" hideGeom="1">
+                            <dgm:adjLst>
+                              <dgm:adj idx="1" val="0.1"/>
+                            </dgm:adjLst>
+                          </dgm:shape>
+                          <dgm:presOf axis="ch desOrSelf" ptType="node node" st="4 1" cnt="1 0"/>
+                          <dgm:constrLst>
+                            <dgm:constr type="lMarg" refType="primFontSz" fact="0.3"/>
+                            <dgm:constr type="rMarg" refType="primFontSz" fact="0.3"/>
+                            <dgm:constr type="tMarg" refType="primFontSz" fact="0.3"/>
+                            <dgm:constr type="bMarg" refType="primFontSz" fact="0.3"/>
+                          </dgm:constrLst>
+                          <dgm:ruleLst>
+                            <dgm:rule type="primFontSz" val="5" fact="NaN" max="NaN"/>
+                          </dgm:ruleLst>
+                        </dgm:layoutNode>
+                        <dgm:layoutNode name="FiveNodes_5_text">
+                          <dgm:varLst>
+                            <dgm:bulletEnabled val="1"/>
+                          </dgm:varLst>
+                          <dgm:alg type="tx">
+                            <dgm:param type="parTxLTRAlign" val="l"/>
+                            <dgm:param type="txAnchorVertCh" val="mid"/>
+                          </dgm:alg>
+                          <dgm:shape xmlns:r="http://schemas.openxmlformats.org/officeDocument/2006/relationships" type="roundRect" r:blip="" hideGeom="1">
+                            <dgm:adjLst>
+                              <dgm:adj idx="1" val="0.1"/>
+                            </dgm:adjLst>
+                          </dgm:shape>
+                          <dgm:presOf axis="ch desOrSelf" ptType="node node" st="5 1" cnt="1 0"/>
+                          <dgm:constrLst>
+                            <dgm:constr type="lMarg" refType="primFontSz" fact="0.3"/>
+                            <dgm:constr type="rMarg" refType="primFontSz" fact="0.3"/>
+                            <dgm:constr type="tMarg" refType="primFontSz" fact="0.3"/>
+                            <dgm:constr type="bMarg" refType="primFontSz" fact="0.3"/>
+                          </dgm:constrLst>
+                          <dgm:ruleLst>
+                            <dgm:rule type="primFontSz" val="5" fact="NaN" max="NaN"/>
+                          </dgm:ruleLst>
+                        </dgm:layoutNode>
+                      </dgm:if>
+                      <dgm:else name="Name17"/>
+                    </dgm:choose>
+                  </dgm:else>
+                </dgm:choose>
+              </dgm:else>
+            </dgm:choose>
+          </dgm:else>
+        </dgm:choose>
+      </dgm:else>
+    </dgm:choose>
+  </dgm:layoutNode>
+</dgm:layoutDef>
+</file>
+
+<file path=ppt/diagrams/quickStyle1.xml><?xml version="1.0" encoding="utf-8"?>
+<dgm:styleDef xmlns:dgm="http://schemas.openxmlformats.org/drawingml/2006/diagram" xmlns:a="http://schemas.openxmlformats.org/drawingml/2006/main" uniqueId="urn:microsoft.com/office/officeart/2005/8/quickstyle/simple2">
+  <dgm:title val=""/>
+  <dgm:desc val=""/>
+  <dgm:catLst>
+    <dgm:cat type="simple" pri="10200"/>
+  </dgm:catLst>
+  <dgm:scene3d>
+    <a:camera prst="orthographicFront"/>
+    <a:lightRig rig="threePt" dir="t"/>
+  </dgm:scene3d>
+  <dgm:styleLbl name="node0">
+    <dgm:scene3d>
+      <a:camera prst="orthographicFront"/>
+      <a:lightRig rig="threePt" dir="t"/>
+    </dgm:scene3d>
+    <dgm:sp3d/>
+    <dgm:txPr/>
+    <dgm:style>
+      <a:lnRef idx="3">
+        <a:scrgbClr r="0" g="0" b="0"/>
+      </a:lnRef>
+      <a:fillRef idx="1">
+        <a:scrgbClr r="0" g="0" b="0"/>
+      </a:fillRef>
+      <a:effectRef idx="1">
+        <a:scrgbClr r="0" g="0" b="0"/>
+      </a:effectRef>
+      <a:fontRef idx="minor">
+        <a:schemeClr val="lt1"/>
+      </a:fontRef>
+    </dgm:style>
+  </dgm:styleLbl>
+  <dgm:styleLbl name="lnNode1">
+    <dgm:scene3d>
+      <a:camera prst="orthographicFront"/>
+      <a:lightRig rig="threePt" dir="t"/>
+    </dgm:scene3d>
+    <dgm:sp3d/>
+    <dgm:txPr/>
+    <dgm:style>
+      <a:lnRef idx="3">
+        <a:scrgbClr r="0" g="0" b="0"/>
+      </a:lnRef>
+      <a:fillRef idx="1">
+        <a:scrgbClr r="0" g="0" b="0"/>
+      </a:fillRef>
+      <a:effectRef idx="1">
+        <a:scrgbClr r="0" g="0" b="0"/>
+      </a:effectRef>
+      <a:fontRef idx="minor">
+        <a:schemeClr val="lt1"/>
+      </a:fontRef>
+    </dgm:style>
+  </dgm:styleLbl>
+  <dgm:styleLbl name="vennNode1">
+    <dgm:scene3d>
+      <a:camera prst="orthographicFront"/>
+      <a:lightRig rig="threePt" dir="t"/>
+    </dgm:scene3d>
+    <dgm:sp3d/>
+    <dgm:txPr/>
+    <dgm:style>
+      <a:lnRef idx="3">
+        <a:scrgbClr r="0" g="0" b="0"/>
+      </a:lnRef>
+      <a:fillRef idx="1">
+        <a:scrgbClr r="0" g="0" b="0"/>
+      </a:fillRef>
+      <a:effectRef idx="0">
+        <a:scrgbClr r="0" g="0" b="0"/>
+      </a:effectRef>
+      <a:fontRef idx="minor">
+        <a:schemeClr val="tx1"/>
+      </a:fontRef>
+    </dgm:style>
+  </dgm:styleLbl>
+  <dgm:styleLbl name="alignNode1">
+    <dgm:scene3d>
+      <a:camera prst="orthographicFront"/>
+      <a:lightRig rig="threePt" dir="t"/>
+    </dgm:scene3d>
+    <dgm:sp3d/>
+    <dgm:txPr/>
+    <dgm:style>
+      <a:lnRef idx="2">
+        <a:scrgbClr r="0" g="0" b="0"/>
+      </a:lnRef>
+      <a:fillRef idx="1">
+        <a:scrgbClr r="0" g="0" b="0"/>
+      </a:fillRef>
+      <a:effectRef idx="1">
+        <a:scrgbClr r="0" g="0" b="0"/>
+      </a:effectRef>
+      <a:fontRef idx="minor">
+        <a:schemeClr val="lt1"/>
+      </a:fontRef>
+    </dgm:style>
+  </dgm:styleLbl>
+  <dgm:styleLbl name="node1">
+    <dgm:scene3d>
+      <a:camera prst="orthographicFront"/>
+      <a:lightRig rig="threePt" dir="t"/>
+    </dgm:scene3d>
+    <dgm:sp3d/>
+    <dgm:txPr/>
+    <dgm:style>
+      <a:lnRef idx="3">
+        <a:scrgbClr r="0" g="0" b="0"/>
+      </a:lnRef>
+      <a:fillRef idx="1">
+        <a:scrgbClr r="0" g="0" b="0"/>
+      </a:fillRef>
+      <a:effectRef idx="1">
+        <a:scrgbClr r="0" g="0" b="0"/>
+      </a:effectRef>
+      <a:fontRef idx="minor">
+        <a:schemeClr val="lt1"/>
+      </a:fontRef>
+    </dgm:style>
+  </dgm:styleLbl>
+  <dgm:styleLbl name="node2">
+    <dgm:scene3d>
+      <a:camera prst="orthographicFront"/>
+      <a:lightRig rig="threePt" dir="t"/>
+    </dgm:scene3d>
+    <dgm:sp3d/>
+    <dgm:txPr/>
+    <dgm:style>
+      <a:lnRef idx="3">
+        <a:scrgbClr r="0" g="0" b="0"/>
+      </a:lnRef>
+      <a:fillRef idx="1">
+        <a:scrgbClr r="0" g="0" b="0"/>
+      </a:fillRef>
+      <a:effectRef idx="1">
+        <a:scrgbClr r="0" g="0" b="0"/>
+      </a:effectRef>
+      <a:fontRef idx="minor">
+        <a:schemeClr val="lt1"/>
+      </a:fontRef>
+    </dgm:style>
+  </dgm:styleLbl>
+  <dgm:styleLbl name="node3">
+    <dgm:scene3d>
+      <a:camera prst="orthographicFront"/>
+      <a:lightRig rig="threePt" dir="t"/>
+    </dgm:scene3d>
+    <dgm:sp3d/>
+    <dgm:txPr/>
+    <dgm:style>
+      <a:lnRef idx="3">
+        <a:scrgbClr r="0" g="0" b="0"/>
+      </a:lnRef>
+      <a:fillRef idx="1">
+        <a:scrgbClr r="0" g="0" b="0"/>
+      </a:fillRef>
+      <a:effectRef idx="1">
+        <a:scrgbClr r="0" g="0" b="0"/>
+      </a:effectRef>
+      <a:fontRef idx="minor">
+        <a:schemeClr val="lt1"/>
+      </a:fontRef>
+    </dgm:style>
+  </dgm:styleLbl>
+  <dgm:styleLbl name="node4">
+    <dgm:scene3d>
+      <a:camera prst="orthographicFront"/>
+      <a:lightRig rig="threePt" dir="t"/>
+    </dgm:scene3d>
+    <dgm:sp3d/>
+    <dgm:txPr/>
+    <dgm:style>
+      <a:lnRef idx="3">
+        <a:scrgbClr r="0" g="0" b="0"/>
+      </a:lnRef>
+      <a:fillRef idx="1">
+        <a:scrgbClr r="0" g="0" b="0"/>
+      </a:fillRef>
+      <a:effectRef idx="1">
+        <a:scrgbClr r="0" g="0" b="0"/>
+      </a:effectRef>
+      <a:fontRef idx="minor">
+        <a:schemeClr val="lt1"/>
+      </a:fontRef>
+    </dgm:style>
+  </dgm:styleLbl>
+  <dgm:styleLbl name="fgImgPlace1">
+    <dgm:scene3d>
+      <a:camera prst="orthographicFront"/>
+      <a:lightRig rig="threePt" dir="t"/>
+    </dgm:scene3d>
+    <dgm:sp3d/>
+    <dgm:txPr/>
+    <dgm:style>
+      <a:lnRef idx="3">
+        <a:scrgbClr r="0" g="0" b="0"/>
+      </a:lnRef>
+      <a:fillRef idx="1">
+        <a:scrgbClr r="0" g="0" b="0"/>
+      </a:fillRef>
+      <a:effectRef idx="1">
+        <a:scrgbClr r="0" g="0" b="0"/>
+      </a:effectRef>
+      <a:fontRef idx="minor"/>
+    </dgm:style>
+  </dgm:styleLbl>
+  <dgm:styleLbl name="alignImgPlace1">
+    <dgm:scene3d>
+      <a:camera prst="orthographicFront"/>
+      <a:lightRig rig="threePt" dir="t"/>
+    </dgm:scene3d>
+    <dgm:sp3d/>
+    <dgm:txPr/>
+    <dgm:style>
+      <a:lnRef idx="3">
+        <a:scrgbClr r="0" g="0" b="0"/>
+      </a:lnRef>
+      <a:fillRef idx="1">
+        <a:scrgbClr r="0" g="0" b="0"/>
+      </a:fillRef>
+      <a:effectRef idx="1">
+        <a:scrgbClr r="0" g="0" b="0"/>
+      </a:effectRef>
+      <a:fontRef idx="minor"/>
+    </dgm:style>
+  </dgm:styleLbl>
+  <dgm:styleLbl name="bgImgPlace1">
+    <dgm:scene3d>
+      <a:camera prst="orthographicFront"/>
+      <a:lightRig rig="threePt" dir="t"/>
+    </dgm:scene3d>
+    <dgm:sp3d/>
+    <dgm:txPr/>
+    <dgm:style>
+      <a:lnRef idx="3">
+        <a:scrgbClr r="0" g="0" b="0"/>
+      </a:lnRef>
+      <a:fillRef idx="1">
+        <a:scrgbClr r="0" g="0" b="0"/>
+      </a:fillRef>
+      <a:effectRef idx="1">
+        <a:scrgbClr r="0" g="0" b="0"/>
+      </a:effectRef>
+      <a:fontRef idx="minor"/>
+    </dgm:style>
+  </dgm:styleLbl>
+  <dgm:styleLbl name="sibTrans2D1">
+    <dgm:scene3d>
+      <a:camera prst="orthographicFront"/>
+      <a:lightRig rig="threePt" dir="t"/>
+    </dgm:scene3d>
+    <dgm:sp3d/>
+    <dgm:txPr/>
+    <dgm:style>
+      <a:lnRef idx="0">
+        <a:scrgbClr r="0" g="0" b="0"/>
+      </a:lnRef>
+      <a:fillRef idx="1">
+        <a:scrgbClr r="0" g="0" b="0"/>
+      </a:fillRef>
+      <a:effectRef idx="1">
+        <a:scrgbClr r="0" g="0" b="0"/>
+      </a:effectRef>
+      <a:fontRef idx="minor">
+        <a:schemeClr val="lt1"/>
+      </a:fontRef>
+    </dgm:style>
+  </dgm:styleLbl>
+  <dgm:styleLbl name="fgSibTrans2D1">
+    <dgm:scene3d>
+      <a:camera prst="orthographicFront"/>
+      <a:lightRig rig="threePt" dir="t"/>
+    </dgm:scene3d>
+    <dgm:sp3d/>
+    <dgm:txPr/>
+    <dgm:style>
+      <a:lnRef idx="0">
+        <a:scrgbClr r="0" g="0" b="0"/>
+      </a:lnRef>
+      <a:fillRef idx="1">
+        <a:scrgbClr r="0" g="0" b="0"/>
+      </a:fillRef>
+      <a:effectRef idx="1">
+        <a:scrgbClr r="0" g="0" b="0"/>
+      </a:effectRef>
+      <a:fontRef idx="minor">
+        <a:schemeClr val="lt1"/>
+      </a:fontRef>
+    </dgm:style>
+  </dgm:styleLbl>
+  <dgm:styleLbl name="bgSibTrans2D1">
+    <dgm:scene3d>
+      <a:camera prst="orthographicFront"/>
+      <a:lightRig rig="threePt" dir="t"/>
+    </dgm:scene3d>
+    <dgm:sp3d/>
+    <dgm:txPr/>
+    <dgm:style>
+      <a:lnRef idx="0">
+        <a:scrgbClr r="0" g="0" b="0"/>
+      </a:lnRef>
+      <a:fillRef idx="1">
+        <a:scrgbClr r="0" g="0" b="0"/>
+      </a:fillRef>
+      <a:effectRef idx="1">
+        <a:scrgbClr r="0" g="0" b="0"/>
+      </a:effectRef>
+      <a:fontRef idx="minor">
+        <a:schemeClr val="lt1"/>
+      </a:fontRef>
+    </dgm:style>
+  </dgm:styleLbl>
+  <dgm:styleLbl name="sibTrans1D1">
+    <dgm:scene3d>
+      <a:camera prst="orthographicFront"/>
+      <a:lightRig rig="threePt" dir="t"/>
+    </dgm:scene3d>
+    <dgm:sp3d/>
+    <dgm:txPr/>
+    <dgm:style>
+      <a:lnRef idx="1">
+        <a:scrgbClr r="0" g="0" b="0"/>
+      </a:lnRef>
+      <a:fillRef idx="0">
+        <a:scrgbClr r="0" g="0" b="0"/>
+      </a:fillRef>
+      <a:effectRef idx="0">
+        <a:scrgbClr r="0" g="0" b="0"/>
+      </a:effectRef>
+      <a:fontRef idx="minor"/>
+    </dgm:style>
+  </dgm:styleLbl>
+  <dgm:styleLbl name="callout">
+    <dgm:scene3d>
+      <a:camera prst="orthographicFront"/>
+      <a:lightRig rig="threePt" dir="t"/>
+    </dgm:scene3d>
+    <dgm:sp3d/>
+    <dgm:txPr/>
+    <dgm:style>
+      <a:lnRef idx="2">
+        <a:scrgbClr r="0" g="0" b="0"/>
+      </a:lnRef>
+      <a:fillRef idx="1">
+        <a:scrgbClr r="0" g="0" b="0"/>
+      </a:fillRef>
+      <a:effectRef idx="1">
+        <a:scrgbClr r="0" g="0" b="0"/>
+      </a:effectRef>
+      <a:fontRef idx="minor"/>
+    </dgm:style>
+  </dgm:styleLbl>
+  <dgm:styleLbl name="asst0">
+    <dgm:scene3d>
+      <a:camera prst="orthographicFront"/>
+      <a:lightRig rig="threePt" dir="t"/>
+    </dgm:scene3d>
+    <dgm:sp3d/>
+    <dgm:txPr/>
+    <dgm:style>
+      <a:lnRef idx="3">
+        <a:scrgbClr r="0" g="0" b="0"/>
+      </a:lnRef>
+      <a:fillRef idx="1">
+        <a:scrgbClr r="0" g="0" b="0"/>
+      </a:fillRef>
+      <a:effectRef idx="1">
+        <a:scrgbClr r="0" g="0" b="0"/>
+      </a:effectRef>
+      <a:fontRef idx="minor">
+        <a:schemeClr val="lt1"/>
+      </a:fontRef>
+    </dgm:style>
+  </dgm:styleLbl>
+  <dgm:styleLbl name="asst1">
+    <dgm:scene3d>
+      <a:camera prst="orthographicFront"/>
+      <a:lightRig rig="threePt" dir="t"/>
+    </dgm:scene3d>
+    <dgm:sp3d/>
+    <dgm:txPr/>
+    <dgm:style>
+      <a:lnRef idx="3">
+        <a:scrgbClr r="0" g="0" b="0"/>
+      </a:lnRef>
+      <a:fillRef idx="1">
+        <a:scrgbClr r="0" g="0" b="0"/>
+      </a:fillRef>
+      <a:effectRef idx="1">
+        <a:scrgbClr r="0" g="0" b="0"/>
+      </a:effectRef>
+      <a:fontRef idx="minor">
+        <a:schemeClr val="lt1"/>
+      </a:fontRef>
+    </dgm:style>
+  </dgm:styleLbl>
+  <dgm:styleLbl name="asst2">
+    <dgm:scene3d>
+      <a:camera prst="orthographicFront"/>
+      <a:lightRig rig="threePt" dir="t"/>
+    </dgm:scene3d>
+    <dgm:sp3d/>
+    <dgm:txPr/>
+    <dgm:style>
+      <a:lnRef idx="3">
+        <a:scrgbClr r="0" g="0" b="0"/>
+      </a:lnRef>
+      <a:fillRef idx="1">
+        <a:scrgbClr r="0" g="0" b="0"/>
+      </a:fillRef>
+      <a:effectRef idx="1">
+        <a:scrgbClr r="0" g="0" b="0"/>
+      </a:effectRef>
+      <a:fontRef idx="minor">
+        <a:schemeClr val="lt1"/>
+      </a:fontRef>
+    </dgm:style>
+  </dgm:styleLbl>
+  <dgm:styleLbl name="asst3">
+    <dgm:scene3d>
+      <a:camera prst="orthographicFront"/>
+      <a:lightRig rig="threePt" dir="t"/>
+    </dgm:scene3d>
+    <dgm:sp3d/>
+    <dgm:txPr/>
+    <dgm:style>
+      <a:lnRef idx="3">
+        <a:scrgbClr r="0" g="0" b="0"/>
+      </a:lnRef>
+      <a:fillRef idx="1">
+        <a:scrgbClr r="0" g="0" b="0"/>
+      </a:fillRef>
+      <a:effectRef idx="1">
+        <a:scrgbClr r="0" g="0" b="0"/>
+      </a:effectRef>
+      <a:fontRef idx="minor">
+        <a:schemeClr val="lt1"/>
+      </a:fontRef>
+    </dgm:style>
+  </dgm:styleLbl>
+  <dgm:styleLbl name="asst4">
+    <dgm:scene3d>
+      <a:camera prst="orthographicFront"/>
+      <a:lightRig rig="threePt" dir="t"/>
+    </dgm:scene3d>
+    <dgm:sp3d/>
+    <dgm:txPr/>
+    <dgm:style>
+      <a:lnRef idx="3">
+        <a:scrgbClr r="0" g="0" b="0"/>
+      </a:lnRef>
+      <a:fillRef idx="1">
+        <a:scrgbClr r="0" g="0" b="0"/>
+      </a:fillRef>
+      <a:effectRef idx="1">
+        <a:scrgbClr r="0" g="0" b="0"/>
+      </a:effectRef>
+      <a:fontRef idx="minor">
+        <a:schemeClr val="lt1"/>
+      </a:fontRef>
+    </dgm:style>
+  </dgm:styleLbl>
+  <dgm:styleLbl name="parChTrans2D1">
+    <dgm:scene3d>
+      <a:camera prst="orthographicFront"/>
+      <a:lightRig rig="threePt" dir="t"/>
+    </dgm:scene3d>
+    <dgm:sp3d/>
+    <dgm:txPr/>
+    <dgm:style>
+      <a:lnRef idx="3">
+        <a:scrgbClr r="0" g="0" b="0"/>
+      </a:lnRef>
+      <a:fillRef idx="1">
+        <a:scrgbClr r="0" g="0" b="0"/>
+      </a:fillRef>
+      <a:effectRef idx="1">
+        <a:scrgbClr r="0" g="0" b="0"/>
+      </a:effectRef>
+      <a:fontRef idx="minor">
+        <a:schemeClr val="lt1"/>
+      </a:fontRef>
+    </dgm:style>
+  </dgm:styleLbl>
+  <dgm:styleLbl name="parChTrans2D2">
+    <dgm:scene3d>
+      <a:camera prst="orthographicFront"/>
+      <a:lightRig rig="threePt" dir="t"/>
+    </dgm:scene3d>
+    <dgm:sp3d/>
+    <dgm:txPr/>
+    <dgm:style>
+      <a:lnRef idx="3">
+        <a:scrgbClr r="0" g="0" b="0"/>
+      </a:lnRef>
+      <a:fillRef idx="1">
+        <a:scrgbClr r="0" g="0" b="0"/>
+      </a:fillRef>
+      <a:effectRef idx="1">
+        <a:scrgbClr r="0" g="0" b="0"/>
+      </a:effectRef>
+      <a:fontRef idx="minor">
+        <a:schemeClr val="lt1"/>
+      </a:fontRef>
+    </dgm:style>
+  </dgm:styleLbl>
+  <dgm:styleLbl name="parChTrans2D3">
+    <dgm:scene3d>
+      <a:camera prst="orthographicFront"/>
+      <a:lightRig rig="threePt" dir="t"/>
+    </dgm:scene3d>
+    <dgm:sp3d/>
+    <dgm:txPr/>
+    <dgm:style>
+      <a:lnRef idx="3">
+        <a:scrgbClr r="0" g="0" b="0"/>
+      </a:lnRef>
+      <a:fillRef idx="1">
+        <a:scrgbClr r="0" g="0" b="0"/>
+      </a:fillRef>
+      <a:effectRef idx="1">
+        <a:scrgbClr r="0" g="0" b="0"/>
+      </a:effectRef>
+      <a:fontRef idx="minor">
+        <a:schemeClr val="lt1"/>
+      </a:fontRef>
+    </dgm:style>
+  </dgm:styleLbl>
+  <dgm:styleLbl name="parChTrans2D4">
+    <dgm:scene3d>
+      <a:camera prst="orthographicFront"/>
+      <a:lightRig rig="threePt" dir="t"/>
+    </dgm:scene3d>
+    <dgm:sp3d/>
+    <dgm:txPr/>
+    <dgm:style>
+      <a:lnRef idx="3">
+        <a:scrgbClr r="0" g="0" b="0"/>
+      </a:lnRef>
+      <a:fillRef idx="1">
+        <a:scrgbClr r="0" g="0" b="0"/>
+      </a:fillRef>
+      <a:effectRef idx="1">
+        <a:scrgbClr r="0" g="0" b="0"/>
+      </a:effectRef>
+      <a:fontRef idx="minor">
+        <a:schemeClr val="lt1"/>
+      </a:fontRef>
+    </dgm:style>
+  </dgm:styleLbl>
+  <dgm:styleLbl name="parChTrans1D1">
+    <dgm:scene3d>
+      <a:camera prst="orthographicFront"/>
+      <a:lightRig rig="threePt" dir="t"/>
+    </dgm:scene3d>
+    <dgm:sp3d/>
+    <dgm:txPr/>
+    <dgm:style>
+      <a:lnRef idx="2">
+        <a:scrgbClr r="0" g="0" b="0"/>
+      </a:lnRef>
+      <a:fillRef idx="0">
+        <a:scrgbClr r="0" g="0" b="0"/>
+      </a:fillRef>
+      <a:effectRef idx="0">
+        <a:scrgbClr r="0" g="0" b="0"/>
+      </a:effectRef>
+      <a:fontRef idx="minor"/>
+    </dgm:style>
+  </dgm:styleLbl>
+  <dgm:styleLbl name="parChTrans1D2">
+    <dgm:scene3d>
+      <a:camera prst="orthographicFront"/>
+      <a:lightRig rig="threePt" dir="t"/>
+    </dgm:scene3d>
+    <dgm:sp3d/>
+    <dgm:txPr/>
+    <dgm:style>
+      <a:lnRef idx="2">
+        <a:scrgbClr r="0" g="0" b="0"/>
+      </a:lnRef>
+      <a:fillRef idx="0">
+        <a:scrgbClr r="0" g="0" b="0"/>
+      </a:fillRef>
+      <a:effectRef idx="0">
+        <a:scrgbClr r="0" g="0" b="0"/>
+      </a:effectRef>
+      <a:fontRef idx="minor"/>
+    </dgm:style>
+  </dgm:styleLbl>
+  <dgm:styleLbl name="parChTrans1D3">
+    <dgm:scene3d>
+      <a:camera prst="orthographicFront"/>
+      <a:lightRig rig="threePt" dir="t"/>
+    </dgm:scene3d>
+    <dgm:sp3d/>
+    <dgm:txPr/>
+    <dgm:style>
+      <a:lnRef idx="2">
+        <a:scrgbClr r="0" g="0" b="0"/>
+      </a:lnRef>
+      <a:fillRef idx="0">
+        <a:scrgbClr r="0" g="0" b="0"/>
+      </a:fillRef>
+      <a:effectRef idx="0">
+        <a:scrgbClr r="0" g="0" b="0"/>
+      </a:effectRef>
+      <a:fontRef idx="minor"/>
+    </dgm:style>
+  </dgm:styleLbl>
+  <dgm:styleLbl name="parChTrans1D4">
+    <dgm:scene3d>
+      <a:camera prst="orthographicFront"/>
+      <a:lightRig rig="threePt" dir="t"/>
+    </dgm:scene3d>
+    <dgm:sp3d/>
+    <dgm:txPr/>
+    <dgm:style>
+      <a:lnRef idx="2">
+        <a:scrgbClr r="0" g="0" b="0"/>
+      </a:lnRef>
+      <a:fillRef idx="0">
+        <a:scrgbClr r="0" g="0" b="0"/>
+      </a:fillRef>
+      <a:effectRef idx="0">
+        <a:scrgbClr r="0" g="0" b="0"/>
+      </a:effectRef>
+      <a:fontRef idx="minor"/>
+    </dgm:style>
+  </dgm:styleLbl>
+  <dgm:styleLbl name="fgAcc1">
+    <dgm:scene3d>
+      <a:camera prst="orthographicFront"/>
+      <a:lightRig rig="threePt" dir="t"/>
+    </dgm:scene3d>
+    <dgm:sp3d/>
+    <dgm:txPr/>
+    <dgm:style>
+      <a:lnRef idx="2">
+        <a:scrgbClr r="0" g="0" b="0"/>
+      </a:lnRef>
+      <a:fillRef idx="1">
+        <a:scrgbClr r="0" g="0" b="0"/>
+      </a:fillRef>
+      <a:effectRef idx="0">
+        <a:scrgbClr r="0" g="0" b="0"/>
+      </a:effectRef>
+      <a:fontRef idx="minor"/>
+    </dgm:style>
+  </dgm:styleLbl>
+  <dgm:styleLbl name="conFgAcc1">
+    <dgm:scene3d>
+      <a:camera prst="orthographicFront"/>
+      <a:lightRig rig="threePt" dir="t"/>
+    </dgm:scene3d>
+    <dgm:sp3d/>
+    <dgm:txPr/>
+    <dgm:style>
+      <a:lnRef idx="2">
+        <a:scrgbClr r="0" g="0" b="0"/>
+      </a:lnRef>
+      <a:fillRef idx="1">
+        <a:scrgbClr r="0" g="0" b="0"/>
+      </a:fillRef>
+      <a:effectRef idx="0">
+        <a:scrgbClr r="0" g="0" b="0"/>
+      </a:effectRef>
+      <a:fontRef idx="minor"/>
+    </dgm:style>
+  </dgm:styleLbl>
+  <dgm:styleLbl name="alignAcc1">
+    <dgm:scene3d>
+      <a:camera prst="orthographicFront"/>
+      <a:lightRig rig="threePt" dir="t"/>
+    </dgm:scene3d>
+    <dgm:sp3d/>
+    <dgm:txPr/>
+    <dgm:style>
+      <a:lnRef idx="2">
+        <a:scrgbClr r="0" g="0" b="0"/>
+      </a:lnRef>
+      <a:fillRef idx="1">
+        <a:scrgbClr r="0" g="0" b="0"/>
+      </a:fillRef>
+      <a:effectRef idx="0">
+        <a:scrgbClr r="0" g="0" b="0"/>
+      </a:effectRef>
+      <a:fontRef idx="minor"/>
+    </dgm:style>
+  </dgm:styleLbl>
+  <dgm:styleLbl name="trAlignAcc1">
+    <dgm:scene3d>
+      <a:camera prst="orthographicFront"/>
+      <a:lightRig rig="threePt" dir="t"/>
+    </dgm:scene3d>
+    <dgm:sp3d/>
+    <dgm:txPr/>
+    <dgm:style>
+      <a:lnRef idx="1">
+        <a:scrgbClr r="0" g="0" b="0"/>
+      </a:lnRef>
+      <a:fillRef idx="1">
+        <a:scrgbClr r="0" g="0" b="0"/>
+      </a:fillRef>
+      <a:effectRef idx="0">
+        <a:scrgbClr r="0" g="0" b="0"/>
+      </a:effectRef>
+      <a:fontRef idx="minor"/>
+    </dgm:style>
+  </dgm:styleLbl>
+  <dgm:styleLbl name="bgAcc1">
+    <dgm:scene3d>
+      <a:camera prst="orthographicFront"/>
+      <a:lightRig rig="threePt" dir="t"/>
+    </dgm:scene3d>
+    <dgm:sp3d/>
+    <dgm:txPr/>
+    <dgm:style>
+      <a:lnRef idx="2">
+        <a:scrgbClr r="0" g="0" b="0"/>
+      </a:lnRef>
+      <a:fillRef idx="1">
+        <a:scrgbClr r="0" g="0" b="0"/>
+      </a:fillRef>
+      <a:effectRef idx="0">
+        <a:scrgbClr r="0" g="0" b="0"/>
+      </a:effectRef>
+      <a:fontRef idx="minor"/>
+    </dgm:style>
+  </dgm:styleLbl>
+  <dgm:styleLbl name="solidFgAcc1">
+    <dgm:scene3d>
+      <a:camera prst="orthographicFront"/>
+      <a:lightRig rig="threePt" dir="t"/>
+    </dgm:scene3d>
+    <dgm:sp3d/>
+    <dgm:txPr/>
+    <dgm:style>
+      <a:lnRef idx="2">
+        <a:scrgbClr r="0" g="0" b="0"/>
+      </a:lnRef>
+      <a:fillRef idx="1">
+        <a:scrgbClr r="0" g="0" b="0"/>
+      </a:fillRef>
+      <a:effectRef idx="0">
+        <a:scrgbClr r="0" g="0" b="0"/>
+      </a:effectRef>
+      <a:fontRef idx="minor"/>
+    </dgm:style>
+  </dgm:styleLbl>
+  <dgm:styleLbl name="solidAlignAcc1">
+    <dgm:scene3d>
+      <a:camera prst="orthographicFront"/>
+      <a:lightRig rig="threePt" dir="t"/>
+    </dgm:scene3d>
+    <dgm:sp3d/>
+    <dgm:txPr/>
+    <dgm:style>
+      <a:lnRef idx="2">
+        <a:scrgbClr r="0" g="0" b="0"/>
+      </a:lnRef>
+      <a:fillRef idx="1">
+        <a:scrgbClr r="0" g="0" b="0"/>
+      </a:fillRef>
+      <a:effectRef idx="0">
+        <a:scrgbClr r="0" g="0" b="0"/>
+      </a:effectRef>
+      <a:fontRef idx="minor"/>
+    </dgm:style>
+  </dgm:styleLbl>
+  <dgm:styleLbl name="solidBgAcc1">
+    <dgm:scene3d>
+      <a:camera prst="orthographicFront"/>
+      <a:lightRig rig="threePt" dir="t"/>
+    </dgm:scene3d>
+    <dgm:sp3d/>
+    <dgm:txPr/>
+    <dgm:style>
+      <a:lnRef idx="2">
+        <a:scrgbClr r="0" g="0" b="0"/>
+      </a:lnRef>
+      <a:fillRef idx="1">
+        <a:scrgbClr r="0" g="0" b="0"/>
+      </a:fillRef>
+      <a:effectRef idx="0">
+        <a:scrgbClr r="0" g="0" b="0"/>
+      </a:effectRef>
+      <a:fontRef idx="minor"/>
+    </dgm:style>
+  </dgm:styleLbl>
+  <dgm:styleLbl name="fgAccFollowNode1">
+    <dgm:scene3d>
+      <a:camera prst="orthographicFront"/>
+      <a:lightRig rig="threePt" dir="t"/>
+    </dgm:scene3d>
+    <dgm:sp3d/>
+    <dgm:txPr/>
+    <dgm:style>
+      <a:lnRef idx="2">
+        <a:scrgbClr r="0" g="0" b="0"/>
+      </a:lnRef>
+      <a:fillRef idx="1">
+        <a:scrgbClr r="0" g="0" b="0"/>
+      </a:fillRef>
+      <a:effectRef idx="0">
+        <a:scrgbClr r="0" g="0" b="0"/>
+      </a:effectRef>
+      <a:fontRef idx="minor"/>
+    </dgm:style>
+  </dgm:styleLbl>
+  <dgm:styleLbl name="alignAccFollowNode1">
+    <dgm:scene3d>
+      <a:camera prst="orthographicFront"/>
+      <a:lightRig rig="threePt" dir="t"/>
+    </dgm:scene3d>
+    <dgm:sp3d/>
+    <dgm:txPr/>
+    <dgm:style>
+      <a:lnRef idx="2">
+        <a:scrgbClr r="0" g="0" b="0"/>
+      </a:lnRef>
+      <a:fillRef idx="1">
+        <a:scrgbClr r="0" g="0" b="0"/>
+      </a:fillRef>
+      <a:effectRef idx="0">
+        <a:scrgbClr r="0" g="0" b="0"/>
+      </a:effectRef>
+      <a:fontRef idx="minor"/>
+    </dgm:style>
+  </dgm:styleLbl>
+  <dgm:styleLbl name="bgAccFollowNode1">
+    <dgm:scene3d>
+      <a:camera prst="orthographicFront"/>
+      <a:lightRig rig="threePt" dir="t"/>
+    </dgm:scene3d>
+    <dgm:sp3d/>
+    <dgm:txPr/>
+    <dgm:style>
+      <a:lnRef idx="2">
+        <a:scrgbClr r="0" g="0" b="0"/>
+      </a:lnRef>
+      <a:fillRef idx="1">
+        <a:scrgbClr r="0" g="0" b="0"/>
+      </a:fillRef>
+      <a:effectRef idx="0">
+        <a:scrgbClr r="0" g="0" b="0"/>
+      </a:effectRef>
+      <a:fontRef idx="minor"/>
+    </dgm:style>
+  </dgm:styleLbl>
+  <dgm:styleLbl name="fgAcc0">
+    <dgm:scene3d>
+      <a:camera prst="orthographicFront"/>
+      <a:lightRig rig="threePt" dir="t"/>
+    </dgm:scene3d>
+    <dgm:sp3d/>
+    <dgm:txPr/>
+    <dgm:style>
+      <a:lnRef idx="2">
+        <a:scrgbClr r="0" g="0" b="0"/>
+      </a:lnRef>
+      <a:fillRef idx="1">
+        <a:scrgbClr r="0" g="0" b="0"/>
+      </a:fillRef>
+      <a:effectRef idx="0">
+        <a:scrgbClr r="0" g="0" b="0"/>
+      </a:effectRef>
+      <a:fontRef idx="minor"/>
+    </dgm:style>
+  </dgm:styleLbl>
+  <dgm:styleLbl name="fgAcc2">
+    <dgm:scene3d>
+      <a:camera prst="orthographicFront"/>
+      <a:lightRig rig="threePt" dir="t"/>
+    </dgm:scene3d>
+    <dgm:sp3d/>
+    <dgm:txPr/>
+    <dgm:style>
+      <a:lnRef idx="2">
+        <a:scrgbClr r="0" g="0" b="0"/>
+      </a:lnRef>
+      <a:fillRef idx="1">
+        <a:scrgbClr r="0" g="0" b="0"/>
+      </a:fillRef>
+      <a:effectRef idx="0">
+        <a:scrgbClr r="0" g="0" b="0"/>
+      </a:effectRef>
+      <a:fontRef idx="minor"/>
+    </dgm:style>
+  </dgm:styleLbl>
+  <dgm:styleLbl name="fgAcc3">
+    <dgm:scene3d>
+      <a:camera prst="orthographicFront"/>
+      <a:lightRig rig="threePt" dir="t"/>
+    </dgm:scene3d>
+    <dgm:sp3d/>
+    <dgm:txPr/>
+    <dgm:style>
+      <a:lnRef idx="2">
+        <a:scrgbClr r="0" g="0" b="0"/>
+      </a:lnRef>
+      <a:fillRef idx="1">
+        <a:scrgbClr r="0" g="0" b="0"/>
+      </a:fillRef>
+      <a:effectRef idx="0">
+        <a:scrgbClr r="0" g="0" b="0"/>
+      </a:effectRef>
+      <a:fontRef idx="minor"/>
+    </dgm:style>
+  </dgm:styleLbl>
+  <dgm:styleLbl name="fgAcc4">
+    <dgm:scene3d>
+      <a:camera prst="orthographicFront"/>
+      <a:lightRig rig="threePt" dir="t"/>
+    </dgm:scene3d>
+    <dgm:sp3d/>
+    <dgm:txPr/>
+    <dgm:style>
+      <a:lnRef idx="2">
+        <a:scrgbClr r="0" g="0" b="0"/>
+      </a:lnRef>
+      <a:fillRef idx="1">
+        <a:scrgbClr r="0" g="0" b="0"/>
+      </a:fillRef>
+      <a:effectRef idx="0">
+        <a:scrgbClr r="0" g="0" b="0"/>
+      </a:effectRef>
+      <a:fontRef idx="minor"/>
+    </dgm:style>
+  </dgm:styleLbl>
+  <dgm:styleLbl name="bgShp">
+    <dgm:scene3d>
+      <a:camera prst="orthographicFront"/>
+      <a:lightRig rig="threePt" dir="t"/>
+    </dgm:scene3d>
+    <dgm:sp3d/>
+    <dgm:txPr/>
+    <dgm:style>
+      <a:lnRef idx="0">
+        <a:scrgbClr r="0" g="0" b="0"/>
+      </a:lnRef>
+      <a:fillRef idx="1">
+        <a:scrgbClr r="0" g="0" b="0"/>
+      </a:fillRef>
+      <a:effectRef idx="0">
+        <a:scrgbClr r="0" g="0" b="0"/>
+      </a:effectRef>
+      <a:fontRef idx="minor"/>
+    </dgm:style>
+  </dgm:styleLbl>
+  <dgm:styleLbl name="dkBgShp">
+    <dgm:scene3d>
+      <a:camera prst="orthographicFront"/>
+      <a:lightRig rig="threePt" dir="t"/>
+    </dgm:scene3d>
+    <dgm:sp3d/>
+    <dgm:txPr/>
+    <dgm:style>
+      <a:lnRef idx="0">
+        <a:scrgbClr r="0" g="0" b="0"/>
+      </a:lnRef>
+      <a:fillRef idx="1">
+        <a:scrgbClr r="0" g="0" b="0"/>
+      </a:fillRef>
+      <a:effectRef idx="0">
+        <a:scrgbClr r="0" g="0" b="0"/>
+      </a:effectRef>
+      <a:fontRef idx="minor"/>
+    </dgm:style>
+  </dgm:styleLbl>
+  <dgm:styleLbl name="trBgShp">
+    <dgm:scene3d>
+      <a:camera prst="orthographicFront"/>
+      <a:lightRig rig="threePt" dir="t"/>
+    </dgm:scene3d>
+    <dgm:sp3d/>
+    <dgm:txPr/>
+    <dgm:style>
+      <a:lnRef idx="0">
+        <a:scrgbClr r="0" g="0" b="0"/>
+      </a:lnRef>
+      <a:fillRef idx="1">
+        <a:scrgbClr r="0" g="0" b="0"/>
+      </a:fillRef>
+      <a:effectRef idx="0">
+        <a:scrgbClr r="0" g="0" b="0"/>
+      </a:effectRef>
+      <a:fontRef idx="minor"/>
+    </dgm:style>
+  </dgm:styleLbl>
+  <dgm:styleLbl name="fgShp">
+    <dgm:scene3d>
+      <a:camera prst="orthographicFront"/>
+      <a:lightRig rig="threePt" dir="t"/>
+    </dgm:scene3d>
+    <dgm:sp3d/>
+    <dgm:txPr/>
+    <dgm:style>
+      <a:lnRef idx="3">
+        <a:scrgbClr r="0" g="0" b="0"/>
+      </a:lnRef>
+      <a:fillRef idx="1">
+        <a:scrgbClr r="0" g="0" b="0"/>
+      </a:fillRef>
+      <a:effectRef idx="1">
+        <a:scrgbClr r="0" g="0" b="0"/>
+      </a:effectRef>
+      <a:fontRef idx="minor"/>
+    </dgm:style>
+  </dgm:styleLbl>
+  <dgm:styleLbl name="revTx">
+    <dgm:scene3d>
+      <a:camera prst="orthographicFront"/>
+      <a:lightRig rig="threePt" dir="t"/>
+    </dgm:scene3d>
+    <dgm:sp3d/>
+    <dgm:txPr/>
+    <dgm:style>
+      <a:lnRef idx="0">
+        <a:scrgbClr r="0" g="0" b="0"/>
+      </a:lnRef>
+      <a:fillRef idx="0">
+        <a:scrgbClr r="0" g="0" b="0"/>
+      </a:fillRef>
+      <a:effectRef idx="0">
+        <a:scrgbClr r="0" g="0" b="0"/>
+      </a:effectRef>
+      <a:fontRef idx="minor"/>
+    </dgm:style>
+  </dgm:styleLbl>
+</dgm:styleDef>
 </file>
 
 <file path=ppt/handoutMasters/handoutMaster1.xml><?xml version="1.0" encoding="utf-8"?>
@@ -1520,7 +6635,7 @@
           <a:p>
             <a:fld id="{23CEAAF3-9831-450B-8D59-2C09DB96C8FC}" type="datetimeFigureOut">
               <a:rPr lang="en-US"/>
-              <a:t>9/10/2021</a:t>
+              <a:t>9/12/2021</a:t>
             </a:fld>
             <a:endParaRPr/>
           </a:p>
@@ -1685,7 +6800,7 @@
           <a:p>
             <a:fld id="{2D50CD79-FC16-4410-AB61-17F26E6D3BC8}" type="datetimeFigureOut">
               <a:rPr lang="en-US"/>
-              <a:t>9/10/2021</a:t>
+              <a:t>9/12/2021</a:t>
             </a:fld>
             <a:endParaRPr/>
           </a:p>
@@ -2327,7 +7442,7 @@
             <a:fld id="{402B9795-92DC-40DC-A1CA-9A4B349D7824}" type="datetimeFigureOut">
               <a:rPr lang="en-US" smtClean="0"/>
               <a:pPr/>
-              <a:t>9/10/2021</a:t>
+              <a:t>9/12/2021</a:t>
             </a:fld>
             <a:endParaRPr lang="en-US" dirty="0"/>
           </a:p>
@@ -2621,7 +7736,7 @@
           <a:p>
             <a:fld id="{402B9795-92DC-40DC-A1CA-9A4B349D7824}" type="datetimeFigureOut">
               <a:rPr lang="en-US"/>
-              <a:t>9/10/2021</a:t>
+              <a:t>9/12/2021</a:t>
             </a:fld>
             <a:endParaRPr/>
           </a:p>
@@ -2803,7 +7918,7 @@
           <a:p>
             <a:fld id="{402B9795-92DC-40DC-A1CA-9A4B349D7824}" type="datetimeFigureOut">
               <a:rPr lang="en-US"/>
-              <a:t>9/10/2021</a:t>
+              <a:t>9/12/2021</a:t>
             </a:fld>
             <a:endParaRPr/>
           </a:p>
@@ -2995,7 +8110,7 @@
           <a:p>
             <a:fld id="{402B9795-92DC-40DC-A1CA-9A4B349D7824}" type="datetimeFigureOut">
               <a:rPr lang="en-US"/>
-              <a:t>9/10/2021</a:t>
+              <a:t>9/12/2021</a:t>
             </a:fld>
             <a:endParaRPr/>
           </a:p>
@@ -3264,7 +8379,7 @@
           <a:p>
             <a:fld id="{402B9795-92DC-40DC-A1CA-9A4B349D7824}" type="datetimeFigureOut">
               <a:rPr lang="en-US"/>
-              <a:t>9/10/2021</a:t>
+              <a:t>9/12/2021</a:t>
             </a:fld>
             <a:endParaRPr/>
           </a:p>
@@ -4293,7 +9408,7 @@
           <a:p>
             <a:fld id="{402B9795-92DC-40DC-A1CA-9A4B349D7824}" type="datetimeFigureOut">
               <a:rPr lang="en-US"/>
-              <a:t>9/10/2021</a:t>
+              <a:t>9/12/2021</a:t>
             </a:fld>
             <a:endParaRPr/>
           </a:p>
@@ -4566,7 +9681,7 @@
           <a:p>
             <a:fld id="{402B9795-92DC-40DC-A1CA-9A4B349D7824}" type="datetimeFigureOut">
               <a:rPr lang="en-US"/>
-              <a:t>9/10/2021</a:t>
+              <a:t>9/12/2021</a:t>
             </a:fld>
             <a:endParaRPr/>
           </a:p>
@@ -4946,7 +10061,7 @@
           <a:p>
             <a:fld id="{402B9795-92DC-40DC-A1CA-9A4B349D7824}" type="datetimeFigureOut">
               <a:rPr lang="en-US"/>
-              <a:t>9/10/2021</a:t>
+              <a:t>9/12/2021</a:t>
             </a:fld>
             <a:endParaRPr/>
           </a:p>
@@ -5076,7 +10191,7 @@
           <a:p>
             <a:fld id="{402B9795-92DC-40DC-A1CA-9A4B349D7824}" type="datetimeFigureOut">
               <a:rPr lang="en-US"/>
-              <a:t>9/10/2021</a:t>
+              <a:t>9/12/2021</a:t>
             </a:fld>
             <a:endParaRPr/>
           </a:p>
@@ -5183,7 +10298,7 @@
           <a:p>
             <a:fld id="{402B9795-92DC-40DC-A1CA-9A4B349D7824}" type="datetimeFigureOut">
               <a:rPr lang="en-US"/>
-              <a:t>9/10/2021</a:t>
+              <a:t>9/12/2021</a:t>
             </a:fld>
             <a:endParaRPr/>
           </a:p>
@@ -5474,7 +10589,7 @@
           <a:p>
             <a:fld id="{402B9795-92DC-40DC-A1CA-9A4B349D7824}" type="datetimeFigureOut">
               <a:rPr lang="en-US"/>
-              <a:t>9/10/2021</a:t>
+              <a:t>9/12/2021</a:t>
             </a:fld>
             <a:endParaRPr/>
           </a:p>
@@ -5700,7 +10815,7 @@
             <a:fld id="{402B9795-92DC-40DC-A1CA-9A4B349D7824}" type="datetimeFigureOut">
               <a:rPr lang="en-US" smtClean="0"/>
               <a:pPr/>
-              <a:t>9/10/2021</a:t>
+              <a:t>9/12/2021</a:t>
             </a:fld>
             <a:endParaRPr lang="en-US"/>
           </a:p>
@@ -7453,34 +12568,58 @@
           <a:lstStyle/>
           <a:p>
             <a:r>
-              <a:rPr lang="en-US" dirty="0" err="1"/>
+              <a:rPr lang="en-US" dirty="0" err="1">
+                <a:latin typeface="Times New Roman" panose="02020603050405020304" pitchFamily="18" charset="0"/>
+                <a:cs typeface="Times New Roman" panose="02020603050405020304" pitchFamily="18" charset="0"/>
+              </a:rPr>
               <a:t>Khám</a:t>
             </a:r>
             <a:r>
-              <a:rPr lang="en-US" dirty="0"/>
-              <a:t> </a:t>
-            </a:r>
-            <a:r>
-              <a:rPr lang="en-US" dirty="0" err="1"/>
+              <a:rPr lang="en-US" dirty="0">
+                <a:latin typeface="Times New Roman" panose="02020603050405020304" pitchFamily="18" charset="0"/>
+                <a:cs typeface="Times New Roman" panose="02020603050405020304" pitchFamily="18" charset="0"/>
+              </a:rPr>
+              <a:t> </a:t>
+            </a:r>
+            <a:r>
+              <a:rPr lang="en-US" dirty="0" err="1">
+                <a:latin typeface="Times New Roman" panose="02020603050405020304" pitchFamily="18" charset="0"/>
+                <a:cs typeface="Times New Roman" panose="02020603050405020304" pitchFamily="18" charset="0"/>
+              </a:rPr>
               <a:t>phá</a:t>
             </a:r>
             <a:r>
-              <a:rPr lang="en-US" dirty="0"/>
-              <a:t> </a:t>
-            </a:r>
-            <a:r>
-              <a:rPr lang="en-US" dirty="0" err="1"/>
+              <a:rPr lang="en-US" dirty="0">
+                <a:latin typeface="Times New Roman" panose="02020603050405020304" pitchFamily="18" charset="0"/>
+                <a:cs typeface="Times New Roman" panose="02020603050405020304" pitchFamily="18" charset="0"/>
+              </a:rPr>
+              <a:t> </a:t>
+            </a:r>
+            <a:r>
+              <a:rPr lang="en-US" dirty="0" err="1">
+                <a:latin typeface="Times New Roman" panose="02020603050405020304" pitchFamily="18" charset="0"/>
+                <a:cs typeface="Times New Roman" panose="02020603050405020304" pitchFamily="18" charset="0"/>
+              </a:rPr>
               <a:t>dữ</a:t>
             </a:r>
             <a:r>
-              <a:rPr lang="en-US" dirty="0"/>
-              <a:t> </a:t>
-            </a:r>
-            <a:r>
-              <a:rPr lang="en-US" dirty="0" err="1"/>
+              <a:rPr lang="en-US" dirty="0">
+                <a:latin typeface="Times New Roman" panose="02020603050405020304" pitchFamily="18" charset="0"/>
+                <a:cs typeface="Times New Roman" panose="02020603050405020304" pitchFamily="18" charset="0"/>
+              </a:rPr>
+              <a:t> </a:t>
+            </a:r>
+            <a:r>
+              <a:rPr lang="en-US" dirty="0" err="1">
+                <a:latin typeface="Times New Roman" panose="02020603050405020304" pitchFamily="18" charset="0"/>
+                <a:cs typeface="Times New Roman" panose="02020603050405020304" pitchFamily="18" charset="0"/>
+              </a:rPr>
               <a:t>liệu</a:t>
             </a:r>
-            <a:endParaRPr lang="en-US" dirty="0"/>
+            <a:endParaRPr lang="en-US" dirty="0">
+              <a:latin typeface="Times New Roman" panose="02020603050405020304" pitchFamily="18" charset="0"/>
+              <a:cs typeface="Times New Roman" panose="02020603050405020304" pitchFamily="18" charset="0"/>
+            </a:endParaRPr>
           </a:p>
         </p:txBody>
       </p:sp>
@@ -7585,34 +12724,58 @@
           <a:lstStyle/>
           <a:p>
             <a:r>
-              <a:rPr lang="en-US" dirty="0" err="1"/>
+              <a:rPr lang="en-US" dirty="0" err="1">
+                <a:latin typeface="Times New Roman" panose="02020603050405020304" pitchFamily="18" charset="0"/>
+                <a:cs typeface="Times New Roman" panose="02020603050405020304" pitchFamily="18" charset="0"/>
+              </a:rPr>
               <a:t>Khám</a:t>
             </a:r>
             <a:r>
-              <a:rPr lang="en-US" dirty="0"/>
-              <a:t> </a:t>
-            </a:r>
-            <a:r>
-              <a:rPr lang="en-US" dirty="0" err="1"/>
+              <a:rPr lang="en-US" dirty="0">
+                <a:latin typeface="Times New Roman" panose="02020603050405020304" pitchFamily="18" charset="0"/>
+                <a:cs typeface="Times New Roman" panose="02020603050405020304" pitchFamily="18" charset="0"/>
+              </a:rPr>
+              <a:t> </a:t>
+            </a:r>
+            <a:r>
+              <a:rPr lang="en-US" dirty="0" err="1">
+                <a:latin typeface="Times New Roman" panose="02020603050405020304" pitchFamily="18" charset="0"/>
+                <a:cs typeface="Times New Roman" panose="02020603050405020304" pitchFamily="18" charset="0"/>
+              </a:rPr>
               <a:t>phá</a:t>
             </a:r>
             <a:r>
-              <a:rPr lang="en-US" dirty="0"/>
-              <a:t> </a:t>
-            </a:r>
-            <a:r>
-              <a:rPr lang="en-US" dirty="0" err="1"/>
+              <a:rPr lang="en-US" dirty="0">
+                <a:latin typeface="Times New Roman" panose="02020603050405020304" pitchFamily="18" charset="0"/>
+                <a:cs typeface="Times New Roman" panose="02020603050405020304" pitchFamily="18" charset="0"/>
+              </a:rPr>
+              <a:t> </a:t>
+            </a:r>
+            <a:r>
+              <a:rPr lang="en-US" dirty="0" err="1">
+                <a:latin typeface="Times New Roman" panose="02020603050405020304" pitchFamily="18" charset="0"/>
+                <a:cs typeface="Times New Roman" panose="02020603050405020304" pitchFamily="18" charset="0"/>
+              </a:rPr>
               <a:t>dữ</a:t>
             </a:r>
             <a:r>
-              <a:rPr lang="en-US" dirty="0"/>
-              <a:t> </a:t>
-            </a:r>
-            <a:r>
-              <a:rPr lang="en-US" dirty="0" err="1"/>
+              <a:rPr lang="en-US" dirty="0">
+                <a:latin typeface="Times New Roman" panose="02020603050405020304" pitchFamily="18" charset="0"/>
+                <a:cs typeface="Times New Roman" panose="02020603050405020304" pitchFamily="18" charset="0"/>
+              </a:rPr>
+              <a:t> </a:t>
+            </a:r>
+            <a:r>
+              <a:rPr lang="en-US" dirty="0" err="1">
+                <a:latin typeface="Times New Roman" panose="02020603050405020304" pitchFamily="18" charset="0"/>
+                <a:cs typeface="Times New Roman" panose="02020603050405020304" pitchFamily="18" charset="0"/>
+              </a:rPr>
               <a:t>liệu</a:t>
             </a:r>
-            <a:endParaRPr lang="en-US" dirty="0"/>
+            <a:endParaRPr lang="en-US" dirty="0">
+              <a:latin typeface="Times New Roman" panose="02020603050405020304" pitchFamily="18" charset="0"/>
+              <a:cs typeface="Times New Roman" panose="02020603050405020304" pitchFamily="18" charset="0"/>
+            </a:endParaRPr>
           </a:p>
         </p:txBody>
       </p:sp>
@@ -7716,34 +12879,58 @@
           <a:lstStyle/>
           <a:p>
             <a:r>
-              <a:rPr lang="en-US" dirty="0" err="1"/>
+              <a:rPr lang="en-US" dirty="0" err="1">
+                <a:latin typeface="Times New Roman" panose="02020603050405020304" pitchFamily="18" charset="0"/>
+                <a:cs typeface="Times New Roman" panose="02020603050405020304" pitchFamily="18" charset="0"/>
+              </a:rPr>
               <a:t>Khám</a:t>
             </a:r>
             <a:r>
-              <a:rPr lang="en-US" dirty="0"/>
-              <a:t> </a:t>
-            </a:r>
-            <a:r>
-              <a:rPr lang="en-US" dirty="0" err="1"/>
+              <a:rPr lang="en-US" dirty="0">
+                <a:latin typeface="Times New Roman" panose="02020603050405020304" pitchFamily="18" charset="0"/>
+                <a:cs typeface="Times New Roman" panose="02020603050405020304" pitchFamily="18" charset="0"/>
+              </a:rPr>
+              <a:t> </a:t>
+            </a:r>
+            <a:r>
+              <a:rPr lang="en-US" dirty="0" err="1">
+                <a:latin typeface="Times New Roman" panose="02020603050405020304" pitchFamily="18" charset="0"/>
+                <a:cs typeface="Times New Roman" panose="02020603050405020304" pitchFamily="18" charset="0"/>
+              </a:rPr>
               <a:t>phá</a:t>
             </a:r>
             <a:r>
-              <a:rPr lang="en-US" dirty="0"/>
-              <a:t> </a:t>
-            </a:r>
-            <a:r>
-              <a:rPr lang="en-US" dirty="0" err="1"/>
+              <a:rPr lang="en-US" dirty="0">
+                <a:latin typeface="Times New Roman" panose="02020603050405020304" pitchFamily="18" charset="0"/>
+                <a:cs typeface="Times New Roman" panose="02020603050405020304" pitchFamily="18" charset="0"/>
+              </a:rPr>
+              <a:t> </a:t>
+            </a:r>
+            <a:r>
+              <a:rPr lang="en-US" dirty="0" err="1">
+                <a:latin typeface="Times New Roman" panose="02020603050405020304" pitchFamily="18" charset="0"/>
+                <a:cs typeface="Times New Roman" panose="02020603050405020304" pitchFamily="18" charset="0"/>
+              </a:rPr>
               <a:t>dữ</a:t>
             </a:r>
             <a:r>
-              <a:rPr lang="en-US" dirty="0"/>
-              <a:t> </a:t>
-            </a:r>
-            <a:r>
-              <a:rPr lang="en-US" dirty="0" err="1"/>
+              <a:rPr lang="en-US" dirty="0">
+                <a:latin typeface="Times New Roman" panose="02020603050405020304" pitchFamily="18" charset="0"/>
+                <a:cs typeface="Times New Roman" panose="02020603050405020304" pitchFamily="18" charset="0"/>
+              </a:rPr>
+              <a:t> </a:t>
+            </a:r>
+            <a:r>
+              <a:rPr lang="en-US" dirty="0" err="1">
+                <a:latin typeface="Times New Roman" panose="02020603050405020304" pitchFamily="18" charset="0"/>
+                <a:cs typeface="Times New Roman" panose="02020603050405020304" pitchFamily="18" charset="0"/>
+              </a:rPr>
               <a:t>liệu</a:t>
             </a:r>
-            <a:endParaRPr lang="en-US" dirty="0"/>
+            <a:endParaRPr lang="en-US" dirty="0">
+              <a:latin typeface="Times New Roman" panose="02020603050405020304" pitchFamily="18" charset="0"/>
+              <a:cs typeface="Times New Roman" panose="02020603050405020304" pitchFamily="18" charset="0"/>
+            </a:endParaRPr>
           </a:p>
         </p:txBody>
       </p:sp>
@@ -7847,34 +13034,58 @@
           <a:lstStyle/>
           <a:p>
             <a:r>
-              <a:rPr lang="en-US" err="1"/>
+              <a:rPr lang="en-US" dirty="0" err="1">
+                <a:latin typeface="Times New Roman" panose="02020603050405020304" pitchFamily="18" charset="0"/>
+                <a:cs typeface="Times New Roman" panose="02020603050405020304" pitchFamily="18" charset="0"/>
+              </a:rPr>
               <a:t>Khai</a:t>
             </a:r>
             <a:r>
-              <a:rPr lang="en-US"/>
-              <a:t> </a:t>
-            </a:r>
-            <a:r>
-              <a:rPr lang="en-US" err="1"/>
+              <a:rPr lang="en-US" dirty="0">
+                <a:latin typeface="Times New Roman" panose="02020603050405020304" pitchFamily="18" charset="0"/>
+                <a:cs typeface="Times New Roman" panose="02020603050405020304" pitchFamily="18" charset="0"/>
+              </a:rPr>
+              <a:t> </a:t>
+            </a:r>
+            <a:r>
+              <a:rPr lang="en-US" dirty="0" err="1">
+                <a:latin typeface="Times New Roman" panose="02020603050405020304" pitchFamily="18" charset="0"/>
+                <a:cs typeface="Times New Roman" panose="02020603050405020304" pitchFamily="18" charset="0"/>
+              </a:rPr>
               <a:t>phá</a:t>
             </a:r>
             <a:r>
-              <a:rPr lang="en-US"/>
-              <a:t> </a:t>
-            </a:r>
-            <a:r>
-              <a:rPr lang="en-US" err="1"/>
+              <a:rPr lang="en-US" dirty="0">
+                <a:latin typeface="Times New Roman" panose="02020603050405020304" pitchFamily="18" charset="0"/>
+                <a:cs typeface="Times New Roman" panose="02020603050405020304" pitchFamily="18" charset="0"/>
+              </a:rPr>
+              <a:t> </a:t>
+            </a:r>
+            <a:r>
+              <a:rPr lang="en-US" dirty="0" err="1">
+                <a:latin typeface="Times New Roman" panose="02020603050405020304" pitchFamily="18" charset="0"/>
+                <a:cs typeface="Times New Roman" panose="02020603050405020304" pitchFamily="18" charset="0"/>
+              </a:rPr>
               <a:t>dữ</a:t>
             </a:r>
             <a:r>
-              <a:rPr lang="en-US"/>
-              <a:t> </a:t>
-            </a:r>
-            <a:r>
-              <a:rPr lang="en-US" err="1"/>
+              <a:rPr lang="en-US" dirty="0">
+                <a:latin typeface="Times New Roman" panose="02020603050405020304" pitchFamily="18" charset="0"/>
+                <a:cs typeface="Times New Roman" panose="02020603050405020304" pitchFamily="18" charset="0"/>
+              </a:rPr>
+              <a:t> </a:t>
+            </a:r>
+            <a:r>
+              <a:rPr lang="en-US" dirty="0" err="1">
+                <a:latin typeface="Times New Roman" panose="02020603050405020304" pitchFamily="18" charset="0"/>
+                <a:cs typeface="Times New Roman" panose="02020603050405020304" pitchFamily="18" charset="0"/>
+              </a:rPr>
               <a:t>liệu</a:t>
             </a:r>
-            <a:endParaRPr lang="en-US"/>
+            <a:endParaRPr lang="en-US" dirty="0">
+              <a:latin typeface="Times New Roman" panose="02020603050405020304" pitchFamily="18" charset="0"/>
+              <a:cs typeface="Times New Roman" panose="02020603050405020304" pitchFamily="18" charset="0"/>
+            </a:endParaRPr>
           </a:p>
         </p:txBody>
       </p:sp>
@@ -8143,34 +13354,58 @@
           <a:lstStyle/>
           <a:p>
             <a:r>
-              <a:rPr lang="en-US" err="1"/>
+              <a:rPr lang="en-US" dirty="0" err="1">
+                <a:latin typeface="Times New Roman" panose="02020603050405020304" pitchFamily="18" charset="0"/>
+                <a:cs typeface="Times New Roman" panose="02020603050405020304" pitchFamily="18" charset="0"/>
+              </a:rPr>
               <a:t>Khai</a:t>
             </a:r>
             <a:r>
-              <a:rPr lang="en-US"/>
-              <a:t> </a:t>
-            </a:r>
-            <a:r>
-              <a:rPr lang="en-US" err="1"/>
+              <a:rPr lang="en-US" dirty="0">
+                <a:latin typeface="Times New Roman" panose="02020603050405020304" pitchFamily="18" charset="0"/>
+                <a:cs typeface="Times New Roman" panose="02020603050405020304" pitchFamily="18" charset="0"/>
+              </a:rPr>
+              <a:t> </a:t>
+            </a:r>
+            <a:r>
+              <a:rPr lang="en-US" dirty="0" err="1">
+                <a:latin typeface="Times New Roman" panose="02020603050405020304" pitchFamily="18" charset="0"/>
+                <a:cs typeface="Times New Roman" panose="02020603050405020304" pitchFamily="18" charset="0"/>
+              </a:rPr>
               <a:t>phá</a:t>
             </a:r>
             <a:r>
-              <a:rPr lang="en-US"/>
-              <a:t> </a:t>
-            </a:r>
-            <a:r>
-              <a:rPr lang="en-US" err="1"/>
+              <a:rPr lang="en-US" dirty="0">
+                <a:latin typeface="Times New Roman" panose="02020603050405020304" pitchFamily="18" charset="0"/>
+                <a:cs typeface="Times New Roman" panose="02020603050405020304" pitchFamily="18" charset="0"/>
+              </a:rPr>
+              <a:t> </a:t>
+            </a:r>
+            <a:r>
+              <a:rPr lang="en-US" dirty="0" err="1">
+                <a:latin typeface="Times New Roman" panose="02020603050405020304" pitchFamily="18" charset="0"/>
+                <a:cs typeface="Times New Roman" panose="02020603050405020304" pitchFamily="18" charset="0"/>
+              </a:rPr>
               <a:t>dữ</a:t>
             </a:r>
             <a:r>
-              <a:rPr lang="en-US"/>
-              <a:t> </a:t>
-            </a:r>
-            <a:r>
-              <a:rPr lang="en-US" err="1"/>
+              <a:rPr lang="en-US" dirty="0">
+                <a:latin typeface="Times New Roman" panose="02020603050405020304" pitchFamily="18" charset="0"/>
+                <a:cs typeface="Times New Roman" panose="02020603050405020304" pitchFamily="18" charset="0"/>
+              </a:rPr>
+              <a:t> </a:t>
+            </a:r>
+            <a:r>
+              <a:rPr lang="en-US" dirty="0" err="1">
+                <a:latin typeface="Times New Roman" panose="02020603050405020304" pitchFamily="18" charset="0"/>
+                <a:cs typeface="Times New Roman" panose="02020603050405020304" pitchFamily="18" charset="0"/>
+              </a:rPr>
               <a:t>liệu</a:t>
             </a:r>
-            <a:endParaRPr lang="en-US"/>
+            <a:endParaRPr lang="en-US" dirty="0">
+              <a:latin typeface="Times New Roman" panose="02020603050405020304" pitchFamily="18" charset="0"/>
+              <a:cs typeface="Times New Roman" panose="02020603050405020304" pitchFamily="18" charset="0"/>
+            </a:endParaRPr>
           </a:p>
         </p:txBody>
       </p:sp>
@@ -8475,34 +13710,58 @@
           <a:lstStyle/>
           <a:p>
             <a:r>
-              <a:rPr lang="en-US" dirty="0" err="1"/>
+              <a:rPr lang="en-US" dirty="0" err="1">
+                <a:latin typeface="Times New Roman" panose="02020603050405020304" pitchFamily="18" charset="0"/>
+                <a:cs typeface="Times New Roman" panose="02020603050405020304" pitchFamily="18" charset="0"/>
+              </a:rPr>
               <a:t>Khai</a:t>
             </a:r>
             <a:r>
-              <a:rPr lang="en-US" dirty="0"/>
-              <a:t> </a:t>
-            </a:r>
-            <a:r>
-              <a:rPr lang="en-US" dirty="0" err="1"/>
+              <a:rPr lang="en-US" dirty="0">
+                <a:latin typeface="Times New Roman" panose="02020603050405020304" pitchFamily="18" charset="0"/>
+                <a:cs typeface="Times New Roman" panose="02020603050405020304" pitchFamily="18" charset="0"/>
+              </a:rPr>
+              <a:t> </a:t>
+            </a:r>
+            <a:r>
+              <a:rPr lang="en-US" dirty="0" err="1">
+                <a:latin typeface="Times New Roman" panose="02020603050405020304" pitchFamily="18" charset="0"/>
+                <a:cs typeface="Times New Roman" panose="02020603050405020304" pitchFamily="18" charset="0"/>
+              </a:rPr>
               <a:t>phá</a:t>
             </a:r>
             <a:r>
-              <a:rPr lang="en-US" dirty="0"/>
-              <a:t> </a:t>
-            </a:r>
-            <a:r>
-              <a:rPr lang="en-US" dirty="0" err="1"/>
+              <a:rPr lang="en-US" dirty="0">
+                <a:latin typeface="Times New Roman" panose="02020603050405020304" pitchFamily="18" charset="0"/>
+                <a:cs typeface="Times New Roman" panose="02020603050405020304" pitchFamily="18" charset="0"/>
+              </a:rPr>
+              <a:t> </a:t>
+            </a:r>
+            <a:r>
+              <a:rPr lang="en-US" dirty="0" err="1">
+                <a:latin typeface="Times New Roman" panose="02020603050405020304" pitchFamily="18" charset="0"/>
+                <a:cs typeface="Times New Roman" panose="02020603050405020304" pitchFamily="18" charset="0"/>
+              </a:rPr>
               <a:t>dữ</a:t>
             </a:r>
             <a:r>
-              <a:rPr lang="en-US" dirty="0"/>
-              <a:t> </a:t>
-            </a:r>
-            <a:r>
-              <a:rPr lang="en-US" dirty="0" err="1"/>
+              <a:rPr lang="en-US" dirty="0">
+                <a:latin typeface="Times New Roman" panose="02020603050405020304" pitchFamily="18" charset="0"/>
+                <a:cs typeface="Times New Roman" panose="02020603050405020304" pitchFamily="18" charset="0"/>
+              </a:rPr>
+              <a:t> </a:t>
+            </a:r>
+            <a:r>
+              <a:rPr lang="en-US" dirty="0" err="1">
+                <a:latin typeface="Times New Roman" panose="02020603050405020304" pitchFamily="18" charset="0"/>
+                <a:cs typeface="Times New Roman" panose="02020603050405020304" pitchFamily="18" charset="0"/>
+              </a:rPr>
               <a:t>liệu</a:t>
             </a:r>
-            <a:endParaRPr lang="en-US" dirty="0"/>
+            <a:endParaRPr lang="en-US" dirty="0">
+              <a:latin typeface="Times New Roman" panose="02020603050405020304" pitchFamily="18" charset="0"/>
+              <a:cs typeface="Times New Roman" panose="02020603050405020304" pitchFamily="18" charset="0"/>
+            </a:endParaRPr>
           </a:p>
         </p:txBody>
       </p:sp>
@@ -10021,34 +15280,58 @@
           <a:lstStyle/>
           <a:p>
             <a:r>
-              <a:rPr lang="en-US" dirty="0" err="1"/>
+              <a:rPr lang="en-US" dirty="0" err="1">
+                <a:latin typeface="Times New Roman" panose="02020603050405020304" pitchFamily="18" charset="0"/>
+                <a:cs typeface="Times New Roman" panose="02020603050405020304" pitchFamily="18" charset="0"/>
+              </a:rPr>
               <a:t>Xây</a:t>
             </a:r>
             <a:r>
-              <a:rPr lang="en-US" dirty="0"/>
-              <a:t> </a:t>
-            </a:r>
-            <a:r>
-              <a:rPr lang="en-US" dirty="0" err="1"/>
+              <a:rPr lang="en-US" dirty="0">
+                <a:latin typeface="Times New Roman" panose="02020603050405020304" pitchFamily="18" charset="0"/>
+                <a:cs typeface="Times New Roman" panose="02020603050405020304" pitchFamily="18" charset="0"/>
+              </a:rPr>
+              <a:t> </a:t>
+            </a:r>
+            <a:r>
+              <a:rPr lang="en-US" dirty="0" err="1">
+                <a:latin typeface="Times New Roman" panose="02020603050405020304" pitchFamily="18" charset="0"/>
+                <a:cs typeface="Times New Roman" panose="02020603050405020304" pitchFamily="18" charset="0"/>
+              </a:rPr>
               <a:t>dựng</a:t>
             </a:r>
             <a:r>
-              <a:rPr lang="en-US" dirty="0"/>
-              <a:t> </a:t>
-            </a:r>
-            <a:r>
-              <a:rPr lang="en-US" dirty="0" err="1"/>
+              <a:rPr lang="en-US" dirty="0">
+                <a:latin typeface="Times New Roman" panose="02020603050405020304" pitchFamily="18" charset="0"/>
+                <a:cs typeface="Times New Roman" panose="02020603050405020304" pitchFamily="18" charset="0"/>
+              </a:rPr>
+              <a:t> </a:t>
+            </a:r>
+            <a:r>
+              <a:rPr lang="en-US" dirty="0" err="1">
+                <a:latin typeface="Times New Roman" panose="02020603050405020304" pitchFamily="18" charset="0"/>
+                <a:cs typeface="Times New Roman" panose="02020603050405020304" pitchFamily="18" charset="0"/>
+              </a:rPr>
               <a:t>mô</a:t>
             </a:r>
             <a:r>
-              <a:rPr lang="en-US" dirty="0"/>
-              <a:t> </a:t>
-            </a:r>
-            <a:r>
-              <a:rPr lang="en-US" dirty="0" err="1"/>
+              <a:rPr lang="en-US" dirty="0">
+                <a:latin typeface="Times New Roman" panose="02020603050405020304" pitchFamily="18" charset="0"/>
+                <a:cs typeface="Times New Roman" panose="02020603050405020304" pitchFamily="18" charset="0"/>
+              </a:rPr>
+              <a:t> </a:t>
+            </a:r>
+            <a:r>
+              <a:rPr lang="en-US" dirty="0" err="1">
+                <a:latin typeface="Times New Roman" panose="02020603050405020304" pitchFamily="18" charset="0"/>
+                <a:cs typeface="Times New Roman" panose="02020603050405020304" pitchFamily="18" charset="0"/>
+              </a:rPr>
               <a:t>hình</a:t>
             </a:r>
-            <a:endParaRPr lang="en-US" dirty="0"/>
+            <a:endParaRPr lang="en-US" dirty="0">
+              <a:latin typeface="Times New Roman" panose="02020603050405020304" pitchFamily="18" charset="0"/>
+              <a:cs typeface="Times New Roman" panose="02020603050405020304" pitchFamily="18" charset="0"/>
+            </a:endParaRPr>
           </a:p>
         </p:txBody>
       </p:sp>
@@ -10074,165 +15357,282 @@
           <a:lstStyle/>
           <a:p>
             <a:r>
-              <a:rPr lang="en-US" dirty="0"/>
+              <a:rPr lang="en-US" dirty="0">
+                <a:latin typeface="Times New Roman" panose="02020603050405020304" pitchFamily="18" charset="0"/>
+                <a:cs typeface="Times New Roman" panose="02020603050405020304" pitchFamily="18" charset="0"/>
+              </a:rPr>
               <a:t>Default model: </a:t>
             </a:r>
             <a:r>
-              <a:rPr lang="en-US" dirty="0" err="1"/>
+              <a:rPr lang="en-US" dirty="0" err="1">
+                <a:latin typeface="Times New Roman" panose="02020603050405020304" pitchFamily="18" charset="0"/>
+                <a:cs typeface="Times New Roman" panose="02020603050405020304" pitchFamily="18" charset="0"/>
+              </a:rPr>
               <a:t>LightGBM</a:t>
             </a:r>
-            <a:endParaRPr lang="en-US" dirty="0"/>
+            <a:endParaRPr lang="en-US" dirty="0">
+              <a:latin typeface="Times New Roman" panose="02020603050405020304" pitchFamily="18" charset="0"/>
+              <a:cs typeface="Times New Roman" panose="02020603050405020304" pitchFamily="18" charset="0"/>
+            </a:endParaRPr>
           </a:p>
           <a:p>
             <a:pPr lvl="1"/>
             <a:r>
-              <a:rPr lang="en-US" dirty="0" err="1"/>
+              <a:rPr lang="en-US" dirty="0" err="1">
+                <a:latin typeface="Times New Roman" panose="02020603050405020304" pitchFamily="18" charset="0"/>
+                <a:cs typeface="Times New Roman" panose="02020603050405020304" pitchFamily="18" charset="0"/>
+              </a:rPr>
               <a:t>Xây</a:t>
             </a:r>
             <a:r>
-              <a:rPr lang="en-US" dirty="0"/>
-              <a:t> </a:t>
-            </a:r>
-            <a:r>
-              <a:rPr lang="en-US" dirty="0" err="1"/>
+              <a:rPr lang="en-US" dirty="0">
+                <a:latin typeface="Times New Roman" panose="02020603050405020304" pitchFamily="18" charset="0"/>
+                <a:cs typeface="Times New Roman" panose="02020603050405020304" pitchFamily="18" charset="0"/>
+              </a:rPr>
+              <a:t> </a:t>
+            </a:r>
+            <a:r>
+              <a:rPr lang="en-US" dirty="0" err="1">
+                <a:latin typeface="Times New Roman" panose="02020603050405020304" pitchFamily="18" charset="0"/>
+                <a:cs typeface="Times New Roman" panose="02020603050405020304" pitchFamily="18" charset="0"/>
+              </a:rPr>
               <a:t>dựng</a:t>
             </a:r>
             <a:r>
-              <a:rPr lang="en-US" dirty="0"/>
-              <a:t> </a:t>
-            </a:r>
-            <a:r>
-              <a:rPr lang="en-US" dirty="0" err="1"/>
+              <a:rPr lang="en-US" dirty="0">
+                <a:latin typeface="Times New Roman" panose="02020603050405020304" pitchFamily="18" charset="0"/>
+                <a:cs typeface="Times New Roman" panose="02020603050405020304" pitchFamily="18" charset="0"/>
+              </a:rPr>
+              <a:t> </a:t>
+            </a:r>
+            <a:r>
+              <a:rPr lang="en-US" dirty="0" err="1">
+                <a:latin typeface="Times New Roman" panose="02020603050405020304" pitchFamily="18" charset="0"/>
+                <a:cs typeface="Times New Roman" panose="02020603050405020304" pitchFamily="18" charset="0"/>
+              </a:rPr>
               <a:t>luôn</a:t>
             </a:r>
             <a:r>
-              <a:rPr lang="en-US" dirty="0"/>
-              <a:t> </a:t>
-            </a:r>
-            <a:r>
-              <a:rPr lang="en-US" dirty="0" err="1"/>
+              <a:rPr lang="en-US" dirty="0">
+                <a:latin typeface="Times New Roman" panose="02020603050405020304" pitchFamily="18" charset="0"/>
+                <a:cs typeface="Times New Roman" panose="02020603050405020304" pitchFamily="18" charset="0"/>
+              </a:rPr>
+              <a:t> </a:t>
+            </a:r>
+            <a:r>
+              <a:rPr lang="en-US" dirty="0" err="1">
+                <a:latin typeface="Times New Roman" panose="02020603050405020304" pitchFamily="18" charset="0"/>
+                <a:cs typeface="Times New Roman" panose="02020603050405020304" pitchFamily="18" charset="0"/>
+              </a:rPr>
               <a:t>mô</a:t>
             </a:r>
             <a:r>
-              <a:rPr lang="en-US" dirty="0"/>
-              <a:t> </a:t>
-            </a:r>
-            <a:r>
-              <a:rPr lang="en-US" dirty="0" err="1"/>
+              <a:rPr lang="en-US" dirty="0">
+                <a:latin typeface="Times New Roman" panose="02020603050405020304" pitchFamily="18" charset="0"/>
+                <a:cs typeface="Times New Roman" panose="02020603050405020304" pitchFamily="18" charset="0"/>
+              </a:rPr>
+              <a:t> </a:t>
+            </a:r>
+            <a:r>
+              <a:rPr lang="en-US" dirty="0" err="1">
+                <a:latin typeface="Times New Roman" panose="02020603050405020304" pitchFamily="18" charset="0"/>
+                <a:cs typeface="Times New Roman" panose="02020603050405020304" pitchFamily="18" charset="0"/>
+              </a:rPr>
               <a:t>hình</a:t>
             </a:r>
             <a:r>
-              <a:rPr lang="en-US" dirty="0"/>
-              <a:t> </a:t>
-            </a:r>
-            <a:r>
-              <a:rPr lang="en-US" dirty="0" err="1"/>
+              <a:rPr lang="en-US" dirty="0">
+                <a:latin typeface="Times New Roman" panose="02020603050405020304" pitchFamily="18" charset="0"/>
+                <a:cs typeface="Times New Roman" panose="02020603050405020304" pitchFamily="18" charset="0"/>
+              </a:rPr>
+              <a:t> </a:t>
+            </a:r>
+            <a:r>
+              <a:rPr lang="en-US" dirty="0" err="1">
+                <a:latin typeface="Times New Roman" panose="02020603050405020304" pitchFamily="18" charset="0"/>
+                <a:cs typeface="Times New Roman" panose="02020603050405020304" pitchFamily="18" charset="0"/>
+              </a:rPr>
               <a:t>với</a:t>
             </a:r>
             <a:r>
-              <a:rPr lang="en-US" dirty="0"/>
-              <a:t> </a:t>
-            </a:r>
-            <a:r>
-              <a:rPr lang="en-US" dirty="0" err="1"/>
+              <a:rPr lang="en-US" dirty="0">
+                <a:latin typeface="Times New Roman" panose="02020603050405020304" pitchFamily="18" charset="0"/>
+                <a:cs typeface="Times New Roman" panose="02020603050405020304" pitchFamily="18" charset="0"/>
+              </a:rPr>
+              <a:t> </a:t>
+            </a:r>
+            <a:r>
+              <a:rPr lang="en-US" dirty="0" err="1">
+                <a:latin typeface="Times New Roman" panose="02020603050405020304" pitchFamily="18" charset="0"/>
+                <a:cs typeface="Times New Roman" panose="02020603050405020304" pitchFamily="18" charset="0"/>
+              </a:rPr>
               <a:t>bộ</a:t>
             </a:r>
             <a:r>
-              <a:rPr lang="en-US" dirty="0"/>
-              <a:t> </a:t>
-            </a:r>
-            <a:r>
-              <a:rPr lang="en-US" dirty="0" err="1"/>
+              <a:rPr lang="en-US" dirty="0">
+                <a:latin typeface="Times New Roman" panose="02020603050405020304" pitchFamily="18" charset="0"/>
+                <a:cs typeface="Times New Roman" panose="02020603050405020304" pitchFamily="18" charset="0"/>
+              </a:rPr>
+              <a:t> </a:t>
+            </a:r>
+            <a:r>
+              <a:rPr lang="en-US" dirty="0" err="1">
+                <a:latin typeface="Times New Roman" panose="02020603050405020304" pitchFamily="18" charset="0"/>
+                <a:cs typeface="Times New Roman" panose="02020603050405020304" pitchFamily="18" charset="0"/>
+              </a:rPr>
               <a:t>siêu</a:t>
             </a:r>
             <a:r>
-              <a:rPr lang="en-US" dirty="0"/>
-              <a:t> </a:t>
-            </a:r>
-            <a:r>
-              <a:rPr lang="en-US" dirty="0" err="1"/>
+              <a:rPr lang="en-US" dirty="0">
+                <a:latin typeface="Times New Roman" panose="02020603050405020304" pitchFamily="18" charset="0"/>
+                <a:cs typeface="Times New Roman" panose="02020603050405020304" pitchFamily="18" charset="0"/>
+              </a:rPr>
+              <a:t> </a:t>
+            </a:r>
+            <a:r>
+              <a:rPr lang="en-US" dirty="0" err="1">
+                <a:latin typeface="Times New Roman" panose="02020603050405020304" pitchFamily="18" charset="0"/>
+                <a:cs typeface="Times New Roman" panose="02020603050405020304" pitchFamily="18" charset="0"/>
+              </a:rPr>
               <a:t>tham</a:t>
             </a:r>
             <a:r>
-              <a:rPr lang="en-US" dirty="0"/>
-              <a:t> </a:t>
-            </a:r>
-            <a:r>
-              <a:rPr lang="en-US" dirty="0" err="1"/>
+              <a:rPr lang="en-US" dirty="0">
+                <a:latin typeface="Times New Roman" panose="02020603050405020304" pitchFamily="18" charset="0"/>
+                <a:cs typeface="Times New Roman" panose="02020603050405020304" pitchFamily="18" charset="0"/>
+              </a:rPr>
+              <a:t> </a:t>
+            </a:r>
+            <a:r>
+              <a:rPr lang="en-US" dirty="0" err="1">
+                <a:latin typeface="Times New Roman" panose="02020603050405020304" pitchFamily="18" charset="0"/>
+                <a:cs typeface="Times New Roman" panose="02020603050405020304" pitchFamily="18" charset="0"/>
+              </a:rPr>
               <a:t>số</a:t>
             </a:r>
             <a:r>
-              <a:rPr lang="en-US" dirty="0"/>
-              <a:t> </a:t>
-            </a:r>
-            <a:r>
-              <a:rPr lang="en-US" dirty="0" err="1"/>
+              <a:rPr lang="en-US" dirty="0">
+                <a:latin typeface="Times New Roman" panose="02020603050405020304" pitchFamily="18" charset="0"/>
+                <a:cs typeface="Times New Roman" panose="02020603050405020304" pitchFamily="18" charset="0"/>
+              </a:rPr>
+              <a:t> </a:t>
+            </a:r>
+            <a:r>
+              <a:rPr lang="en-US" dirty="0" err="1">
+                <a:latin typeface="Times New Roman" panose="02020603050405020304" pitchFamily="18" charset="0"/>
+                <a:cs typeface="Times New Roman" panose="02020603050405020304" pitchFamily="18" charset="0"/>
+              </a:rPr>
               <a:t>mặc</a:t>
             </a:r>
             <a:r>
-              <a:rPr lang="en-US" dirty="0"/>
-              <a:t> </a:t>
-            </a:r>
-            <a:r>
-              <a:rPr lang="en-US" dirty="0" err="1"/>
+              <a:rPr lang="en-US" dirty="0">
+                <a:latin typeface="Times New Roman" panose="02020603050405020304" pitchFamily="18" charset="0"/>
+                <a:cs typeface="Times New Roman" panose="02020603050405020304" pitchFamily="18" charset="0"/>
+              </a:rPr>
+              <a:t> </a:t>
+            </a:r>
+            <a:r>
+              <a:rPr lang="en-US" dirty="0" err="1">
+                <a:latin typeface="Times New Roman" panose="02020603050405020304" pitchFamily="18" charset="0"/>
+                <a:cs typeface="Times New Roman" panose="02020603050405020304" pitchFamily="18" charset="0"/>
+              </a:rPr>
               <a:t>định</a:t>
             </a:r>
-            <a:endParaRPr lang="en-US" dirty="0"/>
+            <a:endParaRPr lang="en-US" dirty="0">
+              <a:latin typeface="Times New Roman" panose="02020603050405020304" pitchFamily="18" charset="0"/>
+              <a:cs typeface="Times New Roman" panose="02020603050405020304" pitchFamily="18" charset="0"/>
+            </a:endParaRPr>
           </a:p>
           <a:p>
             <a:pPr lvl="1"/>
             <a:r>
-              <a:rPr lang="en-US" dirty="0" err="1"/>
+              <a:rPr lang="en-US" dirty="0" err="1">
+                <a:latin typeface="Times New Roman" panose="02020603050405020304" pitchFamily="18" charset="0"/>
+                <a:cs typeface="Times New Roman" panose="02020603050405020304" pitchFamily="18" charset="0"/>
+              </a:rPr>
               <a:t>Đánh</a:t>
             </a:r>
             <a:r>
-              <a:rPr lang="en-US" dirty="0"/>
-              <a:t> </a:t>
-            </a:r>
-            <a:r>
-              <a:rPr lang="en-US" dirty="0" err="1"/>
+              <a:rPr lang="en-US" dirty="0">
+                <a:latin typeface="Times New Roman" panose="02020603050405020304" pitchFamily="18" charset="0"/>
+                <a:cs typeface="Times New Roman" panose="02020603050405020304" pitchFamily="18" charset="0"/>
+              </a:rPr>
+              <a:t> </a:t>
+            </a:r>
+            <a:r>
+              <a:rPr lang="en-US" dirty="0" err="1">
+                <a:latin typeface="Times New Roman" panose="02020603050405020304" pitchFamily="18" charset="0"/>
+                <a:cs typeface="Times New Roman" panose="02020603050405020304" pitchFamily="18" charset="0"/>
+              </a:rPr>
               <a:t>giá</a:t>
             </a:r>
             <a:r>
-              <a:rPr lang="en-US" dirty="0"/>
-              <a:t> </a:t>
-            </a:r>
-            <a:r>
-              <a:rPr lang="en-US" dirty="0" err="1"/>
+              <a:rPr lang="en-US" dirty="0">
+                <a:latin typeface="Times New Roman" panose="02020603050405020304" pitchFamily="18" charset="0"/>
+                <a:cs typeface="Times New Roman" panose="02020603050405020304" pitchFamily="18" charset="0"/>
+              </a:rPr>
+              <a:t> </a:t>
+            </a:r>
+            <a:r>
+              <a:rPr lang="en-US" dirty="0" err="1">
+                <a:latin typeface="Times New Roman" panose="02020603050405020304" pitchFamily="18" charset="0"/>
+                <a:cs typeface="Times New Roman" panose="02020603050405020304" pitchFamily="18" charset="0"/>
+              </a:rPr>
               <a:t>bằng</a:t>
             </a:r>
             <a:r>
-              <a:rPr lang="en-US" dirty="0"/>
+              <a:rPr lang="en-US" dirty="0">
+                <a:latin typeface="Times New Roman" panose="02020603050405020304" pitchFamily="18" charset="0"/>
+                <a:cs typeface="Times New Roman" panose="02020603050405020304" pitchFamily="18" charset="0"/>
+              </a:rPr>
               <a:t> 2 </a:t>
             </a:r>
             <a:r>
-              <a:rPr lang="en-US" dirty="0" err="1"/>
+              <a:rPr lang="en-US" dirty="0" err="1">
+                <a:latin typeface="Times New Roman" panose="02020603050405020304" pitchFamily="18" charset="0"/>
+                <a:cs typeface="Times New Roman" panose="02020603050405020304" pitchFamily="18" charset="0"/>
+              </a:rPr>
               <a:t>độ</a:t>
             </a:r>
             <a:r>
-              <a:rPr lang="en-US" dirty="0"/>
-              <a:t> </a:t>
-            </a:r>
-            <a:r>
-              <a:rPr lang="en-US" dirty="0" err="1"/>
+              <a:rPr lang="en-US" dirty="0">
+                <a:latin typeface="Times New Roman" panose="02020603050405020304" pitchFamily="18" charset="0"/>
+                <a:cs typeface="Times New Roman" panose="02020603050405020304" pitchFamily="18" charset="0"/>
+              </a:rPr>
+              <a:t> </a:t>
+            </a:r>
+            <a:r>
+              <a:rPr lang="en-US" dirty="0" err="1">
+                <a:latin typeface="Times New Roman" panose="02020603050405020304" pitchFamily="18" charset="0"/>
+                <a:cs typeface="Times New Roman" panose="02020603050405020304" pitchFamily="18" charset="0"/>
+              </a:rPr>
               <a:t>đo</a:t>
             </a:r>
             <a:r>
-              <a:rPr lang="en-US" dirty="0"/>
+              <a:rPr lang="en-US" dirty="0">
+                <a:latin typeface="Times New Roman" panose="02020603050405020304" pitchFamily="18" charset="0"/>
+                <a:cs typeface="Times New Roman" panose="02020603050405020304" pitchFamily="18" charset="0"/>
+              </a:rPr>
               <a:t>:</a:t>
             </a:r>
           </a:p>
           <a:p>
             <a:pPr lvl="2"/>
             <a:r>
-              <a:rPr lang="en-US" dirty="0"/>
+              <a:rPr lang="en-US" dirty="0">
+                <a:latin typeface="Times New Roman" panose="02020603050405020304" pitchFamily="18" charset="0"/>
+                <a:cs typeface="Times New Roman" panose="02020603050405020304" pitchFamily="18" charset="0"/>
+              </a:rPr>
               <a:t>Mean Absolute Percentage Error</a:t>
             </a:r>
           </a:p>
           <a:p>
             <a:pPr lvl="2"/>
             <a:r>
-              <a:rPr lang="en-US" dirty="0"/>
+              <a:rPr lang="en-US" dirty="0">
+                <a:latin typeface="Times New Roman" panose="02020603050405020304" pitchFamily="18" charset="0"/>
+                <a:cs typeface="Times New Roman" panose="02020603050405020304" pitchFamily="18" charset="0"/>
+              </a:rPr>
               <a:t>R Squared</a:t>
             </a:r>
           </a:p>
@@ -10659,34 +16059,58 @@
           <a:lstStyle/>
           <a:p>
             <a:r>
-              <a:rPr lang="en-US" dirty="0" err="1"/>
+              <a:rPr lang="en-US" dirty="0" err="1">
+                <a:latin typeface="Times New Roman" panose="02020603050405020304" pitchFamily="18" charset="0"/>
+                <a:cs typeface="Times New Roman" panose="02020603050405020304" pitchFamily="18" charset="0"/>
+              </a:rPr>
               <a:t>Xây</a:t>
             </a:r>
             <a:r>
-              <a:rPr lang="en-US" dirty="0"/>
-              <a:t> </a:t>
-            </a:r>
-            <a:r>
-              <a:rPr lang="en-US" dirty="0" err="1"/>
+              <a:rPr lang="en-US" dirty="0">
+                <a:latin typeface="Times New Roman" panose="02020603050405020304" pitchFamily="18" charset="0"/>
+                <a:cs typeface="Times New Roman" panose="02020603050405020304" pitchFamily="18" charset="0"/>
+              </a:rPr>
+              <a:t> </a:t>
+            </a:r>
+            <a:r>
+              <a:rPr lang="en-US" dirty="0" err="1">
+                <a:latin typeface="Times New Roman" panose="02020603050405020304" pitchFamily="18" charset="0"/>
+                <a:cs typeface="Times New Roman" panose="02020603050405020304" pitchFamily="18" charset="0"/>
+              </a:rPr>
               <a:t>dựng</a:t>
             </a:r>
             <a:r>
-              <a:rPr lang="en-US" dirty="0"/>
-              <a:t> </a:t>
-            </a:r>
-            <a:r>
-              <a:rPr lang="en-US" dirty="0" err="1"/>
+              <a:rPr lang="en-US" dirty="0">
+                <a:latin typeface="Times New Roman" panose="02020603050405020304" pitchFamily="18" charset="0"/>
+                <a:cs typeface="Times New Roman" panose="02020603050405020304" pitchFamily="18" charset="0"/>
+              </a:rPr>
+              <a:t> </a:t>
+            </a:r>
+            <a:r>
+              <a:rPr lang="en-US" dirty="0" err="1">
+                <a:latin typeface="Times New Roman" panose="02020603050405020304" pitchFamily="18" charset="0"/>
+                <a:cs typeface="Times New Roman" panose="02020603050405020304" pitchFamily="18" charset="0"/>
+              </a:rPr>
               <a:t>mô</a:t>
             </a:r>
             <a:r>
-              <a:rPr lang="en-US" dirty="0"/>
-              <a:t> </a:t>
-            </a:r>
-            <a:r>
-              <a:rPr lang="en-US" dirty="0" err="1"/>
+              <a:rPr lang="en-US" dirty="0">
+                <a:latin typeface="Times New Roman" panose="02020603050405020304" pitchFamily="18" charset="0"/>
+                <a:cs typeface="Times New Roman" panose="02020603050405020304" pitchFamily="18" charset="0"/>
+              </a:rPr>
+              <a:t> </a:t>
+            </a:r>
+            <a:r>
+              <a:rPr lang="en-US" dirty="0" err="1">
+                <a:latin typeface="Times New Roman" panose="02020603050405020304" pitchFamily="18" charset="0"/>
+                <a:cs typeface="Times New Roman" panose="02020603050405020304" pitchFamily="18" charset="0"/>
+              </a:rPr>
               <a:t>hình</a:t>
             </a:r>
-            <a:endParaRPr lang="en-US" dirty="0"/>
+            <a:endParaRPr lang="en-US" dirty="0">
+              <a:latin typeface="Times New Roman" panose="02020603050405020304" pitchFamily="18" charset="0"/>
+              <a:cs typeface="Times New Roman" panose="02020603050405020304" pitchFamily="18" charset="0"/>
+            </a:endParaRPr>
           </a:p>
         </p:txBody>
       </p:sp>
@@ -10783,31 +16207,52 @@
           <a:lstStyle/>
           <a:p>
             <a:r>
-              <a:rPr lang="en-US" dirty="0" err="1"/>
+              <a:rPr lang="en-US" dirty="0" err="1">
+                <a:latin typeface="Times New Roman" panose="02020603050405020304" pitchFamily="18" charset="0"/>
+                <a:cs typeface="Times New Roman" panose="02020603050405020304" pitchFamily="18" charset="0"/>
+              </a:rPr>
               <a:t>Xây</a:t>
             </a:r>
             <a:r>
-              <a:rPr lang="en-US" dirty="0"/>
-              <a:t> </a:t>
-            </a:r>
-            <a:r>
-              <a:rPr lang="en-US" dirty="0" err="1"/>
+              <a:rPr lang="en-US" dirty="0">
+                <a:latin typeface="Times New Roman" panose="02020603050405020304" pitchFamily="18" charset="0"/>
+                <a:cs typeface="Times New Roman" panose="02020603050405020304" pitchFamily="18" charset="0"/>
+              </a:rPr>
+              <a:t> </a:t>
+            </a:r>
+            <a:r>
+              <a:rPr lang="en-US" dirty="0" err="1">
+                <a:latin typeface="Times New Roman" panose="02020603050405020304" pitchFamily="18" charset="0"/>
+                <a:cs typeface="Times New Roman" panose="02020603050405020304" pitchFamily="18" charset="0"/>
+              </a:rPr>
               <a:t>dựng</a:t>
             </a:r>
             <a:r>
-              <a:rPr lang="en-US" dirty="0"/>
-              <a:t> </a:t>
-            </a:r>
-            <a:r>
-              <a:rPr lang="en-US" dirty="0" err="1"/>
+              <a:rPr lang="en-US" dirty="0">
+                <a:latin typeface="Times New Roman" panose="02020603050405020304" pitchFamily="18" charset="0"/>
+                <a:cs typeface="Times New Roman" panose="02020603050405020304" pitchFamily="18" charset="0"/>
+              </a:rPr>
+              <a:t> </a:t>
+            </a:r>
+            <a:r>
+              <a:rPr lang="en-US" dirty="0" err="1">
+                <a:latin typeface="Times New Roman" panose="02020603050405020304" pitchFamily="18" charset="0"/>
+                <a:cs typeface="Times New Roman" panose="02020603050405020304" pitchFamily="18" charset="0"/>
+              </a:rPr>
               <a:t>mô</a:t>
             </a:r>
             <a:r>
-              <a:rPr lang="en-US" dirty="0"/>
-              <a:t> </a:t>
-            </a:r>
-            <a:r>
-              <a:rPr lang="en-US" dirty="0" err="1"/>
+              <a:rPr lang="en-US" dirty="0">
+                <a:latin typeface="Times New Roman" panose="02020603050405020304" pitchFamily="18" charset="0"/>
+                <a:cs typeface="Times New Roman" panose="02020603050405020304" pitchFamily="18" charset="0"/>
+              </a:rPr>
+              <a:t> </a:t>
+            </a:r>
+            <a:r>
+              <a:rPr lang="en-US" dirty="0" err="1">
+                <a:latin typeface="Times New Roman" panose="02020603050405020304" pitchFamily="18" charset="0"/>
+                <a:cs typeface="Times New Roman" panose="02020603050405020304" pitchFamily="18" charset="0"/>
+              </a:rPr>
               <a:t>hình</a:t>
             </a:r>
             <a:endParaRPr lang="en-US" dirty="0"/>
@@ -10841,58 +16286,100 @@
           <a:lstStyle/>
           <a:p>
             <a:r>
-              <a:rPr lang="en-US" dirty="0" err="1"/>
+              <a:rPr lang="en-US" dirty="0" err="1">
+                <a:latin typeface="Times New Roman" panose="02020603050405020304" pitchFamily="18" charset="0"/>
+                <a:cs typeface="Times New Roman" panose="02020603050405020304" pitchFamily="18" charset="0"/>
+              </a:rPr>
               <a:t>Kết</a:t>
             </a:r>
             <a:r>
-              <a:rPr lang="en-US" dirty="0"/>
-              <a:t> </a:t>
-            </a:r>
-            <a:r>
-              <a:rPr lang="en-US" dirty="0" err="1"/>
+              <a:rPr lang="en-US" dirty="0">
+                <a:latin typeface="Times New Roman" panose="02020603050405020304" pitchFamily="18" charset="0"/>
+                <a:cs typeface="Times New Roman" panose="02020603050405020304" pitchFamily="18" charset="0"/>
+              </a:rPr>
+              <a:t> </a:t>
+            </a:r>
+            <a:r>
+              <a:rPr lang="en-US" dirty="0" err="1">
+                <a:latin typeface="Times New Roman" panose="02020603050405020304" pitchFamily="18" charset="0"/>
+                <a:cs typeface="Times New Roman" panose="02020603050405020304" pitchFamily="18" charset="0"/>
+              </a:rPr>
               <a:t>quả</a:t>
             </a:r>
             <a:r>
-              <a:rPr lang="en-US" dirty="0"/>
-              <a:t> </a:t>
-            </a:r>
-            <a:r>
-              <a:rPr lang="en-US" dirty="0" err="1"/>
+              <a:rPr lang="en-US" dirty="0">
+                <a:latin typeface="Times New Roman" panose="02020603050405020304" pitchFamily="18" charset="0"/>
+                <a:cs typeface="Times New Roman" panose="02020603050405020304" pitchFamily="18" charset="0"/>
+              </a:rPr>
+              <a:t> </a:t>
+            </a:r>
+            <a:r>
+              <a:rPr lang="en-US" dirty="0" err="1">
+                <a:latin typeface="Times New Roman" panose="02020603050405020304" pitchFamily="18" charset="0"/>
+                <a:cs typeface="Times New Roman" panose="02020603050405020304" pitchFamily="18" charset="0"/>
+              </a:rPr>
               <a:t>thu</a:t>
             </a:r>
             <a:r>
-              <a:rPr lang="en-US" dirty="0"/>
-              <a:t> </a:t>
-            </a:r>
-            <a:r>
-              <a:rPr lang="en-US" dirty="0" err="1"/>
+              <a:rPr lang="en-US" dirty="0">
+                <a:latin typeface="Times New Roman" panose="02020603050405020304" pitchFamily="18" charset="0"/>
+                <a:cs typeface="Times New Roman" panose="02020603050405020304" pitchFamily="18" charset="0"/>
+              </a:rPr>
+              <a:t> </a:t>
+            </a:r>
+            <a:r>
+              <a:rPr lang="en-US" dirty="0" err="1">
+                <a:latin typeface="Times New Roman" panose="02020603050405020304" pitchFamily="18" charset="0"/>
+                <a:cs typeface="Times New Roman" panose="02020603050405020304" pitchFamily="18" charset="0"/>
+              </a:rPr>
               <a:t>được</a:t>
             </a:r>
             <a:r>
-              <a:rPr lang="en-US" dirty="0"/>
-              <a:t> </a:t>
-            </a:r>
-            <a:r>
-              <a:rPr lang="en-US" dirty="0" err="1"/>
+              <a:rPr lang="en-US" dirty="0">
+                <a:latin typeface="Times New Roman" panose="02020603050405020304" pitchFamily="18" charset="0"/>
+                <a:cs typeface="Times New Roman" panose="02020603050405020304" pitchFamily="18" charset="0"/>
+              </a:rPr>
+              <a:t> </a:t>
+            </a:r>
+            <a:r>
+              <a:rPr lang="en-US" dirty="0" err="1">
+                <a:latin typeface="Times New Roman" panose="02020603050405020304" pitchFamily="18" charset="0"/>
+                <a:cs typeface="Times New Roman" panose="02020603050405020304" pitchFamily="18" charset="0"/>
+              </a:rPr>
               <a:t>từ</a:t>
             </a:r>
             <a:r>
-              <a:rPr lang="en-US" dirty="0"/>
-              <a:t> </a:t>
-            </a:r>
-            <a:r>
-              <a:rPr lang="en-US" dirty="0" err="1"/>
+              <a:rPr lang="en-US" dirty="0">
+                <a:latin typeface="Times New Roman" panose="02020603050405020304" pitchFamily="18" charset="0"/>
+                <a:cs typeface="Times New Roman" panose="02020603050405020304" pitchFamily="18" charset="0"/>
+              </a:rPr>
+              <a:t> </a:t>
+            </a:r>
+            <a:r>
+              <a:rPr lang="en-US" dirty="0" err="1">
+                <a:latin typeface="Times New Roman" panose="02020603050405020304" pitchFamily="18" charset="0"/>
+                <a:cs typeface="Times New Roman" panose="02020603050405020304" pitchFamily="18" charset="0"/>
+              </a:rPr>
               <a:t>mô</a:t>
             </a:r>
             <a:r>
-              <a:rPr lang="en-US" dirty="0"/>
-              <a:t> </a:t>
-            </a:r>
-            <a:r>
-              <a:rPr lang="en-US" dirty="0" err="1"/>
+              <a:rPr lang="en-US" dirty="0">
+                <a:latin typeface="Times New Roman" panose="02020603050405020304" pitchFamily="18" charset="0"/>
+                <a:cs typeface="Times New Roman" panose="02020603050405020304" pitchFamily="18" charset="0"/>
+              </a:rPr>
+              <a:t> </a:t>
+            </a:r>
+            <a:r>
+              <a:rPr lang="en-US" dirty="0" err="1">
+                <a:latin typeface="Times New Roman" panose="02020603050405020304" pitchFamily="18" charset="0"/>
+                <a:cs typeface="Times New Roman" panose="02020603050405020304" pitchFamily="18" charset="0"/>
+              </a:rPr>
               <a:t>hình</a:t>
             </a:r>
-            <a:endParaRPr lang="en-US" dirty="0"/>
+            <a:endParaRPr lang="en-US" dirty="0">
+              <a:latin typeface="Times New Roman" panose="02020603050405020304" pitchFamily="18" charset="0"/>
+              <a:cs typeface="Times New Roman" panose="02020603050405020304" pitchFamily="18" charset="0"/>
+            </a:endParaRPr>
           </a:p>
         </p:txBody>
       </p:sp>
@@ -11009,31 +16496,52 @@
           <a:lstStyle/>
           <a:p>
             <a:r>
-              <a:rPr lang="en-US" dirty="0" err="1"/>
+              <a:rPr lang="en-US" dirty="0" err="1">
+                <a:latin typeface="Times New Roman" panose="02020603050405020304" pitchFamily="18" charset="0"/>
+                <a:cs typeface="Times New Roman" panose="02020603050405020304" pitchFamily="18" charset="0"/>
+              </a:rPr>
               <a:t>Xây</a:t>
             </a:r>
             <a:r>
-              <a:rPr lang="en-US" dirty="0"/>
-              <a:t> </a:t>
-            </a:r>
-            <a:r>
-              <a:rPr lang="en-US" dirty="0" err="1"/>
+              <a:rPr lang="en-US" dirty="0">
+                <a:latin typeface="Times New Roman" panose="02020603050405020304" pitchFamily="18" charset="0"/>
+                <a:cs typeface="Times New Roman" panose="02020603050405020304" pitchFamily="18" charset="0"/>
+              </a:rPr>
+              <a:t> </a:t>
+            </a:r>
+            <a:r>
+              <a:rPr lang="en-US" dirty="0" err="1">
+                <a:latin typeface="Times New Roman" panose="02020603050405020304" pitchFamily="18" charset="0"/>
+                <a:cs typeface="Times New Roman" panose="02020603050405020304" pitchFamily="18" charset="0"/>
+              </a:rPr>
               <a:t>dựng</a:t>
             </a:r>
             <a:r>
-              <a:rPr lang="en-US" dirty="0"/>
-              <a:t> </a:t>
-            </a:r>
-            <a:r>
-              <a:rPr lang="en-US" dirty="0" err="1"/>
+              <a:rPr lang="en-US" dirty="0">
+                <a:latin typeface="Times New Roman" panose="02020603050405020304" pitchFamily="18" charset="0"/>
+                <a:cs typeface="Times New Roman" panose="02020603050405020304" pitchFamily="18" charset="0"/>
+              </a:rPr>
+              <a:t> </a:t>
+            </a:r>
+            <a:r>
+              <a:rPr lang="en-US" dirty="0" err="1">
+                <a:latin typeface="Times New Roman" panose="02020603050405020304" pitchFamily="18" charset="0"/>
+                <a:cs typeface="Times New Roman" panose="02020603050405020304" pitchFamily="18" charset="0"/>
+              </a:rPr>
               <a:t>mô</a:t>
             </a:r>
             <a:r>
-              <a:rPr lang="en-US" dirty="0"/>
-              <a:t> </a:t>
-            </a:r>
-            <a:r>
-              <a:rPr lang="en-US" dirty="0" err="1"/>
+              <a:rPr lang="en-US" dirty="0">
+                <a:latin typeface="Times New Roman" panose="02020603050405020304" pitchFamily="18" charset="0"/>
+                <a:cs typeface="Times New Roman" panose="02020603050405020304" pitchFamily="18" charset="0"/>
+              </a:rPr>
+              <a:t> </a:t>
+            </a:r>
+            <a:r>
+              <a:rPr lang="en-US" dirty="0" err="1">
+                <a:latin typeface="Times New Roman" panose="02020603050405020304" pitchFamily="18" charset="0"/>
+                <a:cs typeface="Times New Roman" panose="02020603050405020304" pitchFamily="18" charset="0"/>
+              </a:rPr>
               <a:t>hình</a:t>
             </a:r>
             <a:endParaRPr lang="en-US" dirty="0"/>
@@ -11067,58 +16575,100 @@
           <a:lstStyle/>
           <a:p>
             <a:r>
-              <a:rPr lang="en-US" dirty="0" err="1"/>
+              <a:rPr lang="en-US" dirty="0" err="1">
+                <a:latin typeface="Times New Roman" panose="02020603050405020304" pitchFamily="18" charset="0"/>
+                <a:cs typeface="Times New Roman" panose="02020603050405020304" pitchFamily="18" charset="0"/>
+              </a:rPr>
               <a:t>Kết</a:t>
             </a:r>
             <a:r>
-              <a:rPr lang="en-US" dirty="0"/>
-              <a:t> </a:t>
-            </a:r>
-            <a:r>
-              <a:rPr lang="en-US" dirty="0" err="1"/>
+              <a:rPr lang="en-US" dirty="0">
+                <a:latin typeface="Times New Roman" panose="02020603050405020304" pitchFamily="18" charset="0"/>
+                <a:cs typeface="Times New Roman" panose="02020603050405020304" pitchFamily="18" charset="0"/>
+              </a:rPr>
+              <a:t> </a:t>
+            </a:r>
+            <a:r>
+              <a:rPr lang="en-US" dirty="0" err="1">
+                <a:latin typeface="Times New Roman" panose="02020603050405020304" pitchFamily="18" charset="0"/>
+                <a:cs typeface="Times New Roman" panose="02020603050405020304" pitchFamily="18" charset="0"/>
+              </a:rPr>
               <a:t>quả</a:t>
             </a:r>
             <a:r>
-              <a:rPr lang="en-US" dirty="0"/>
-              <a:t> </a:t>
-            </a:r>
-            <a:r>
-              <a:rPr lang="en-US" dirty="0" err="1"/>
+              <a:rPr lang="en-US" dirty="0">
+                <a:latin typeface="Times New Roman" panose="02020603050405020304" pitchFamily="18" charset="0"/>
+                <a:cs typeface="Times New Roman" panose="02020603050405020304" pitchFamily="18" charset="0"/>
+              </a:rPr>
+              <a:t> </a:t>
+            </a:r>
+            <a:r>
+              <a:rPr lang="en-US" dirty="0" err="1">
+                <a:latin typeface="Times New Roman" panose="02020603050405020304" pitchFamily="18" charset="0"/>
+                <a:cs typeface="Times New Roman" panose="02020603050405020304" pitchFamily="18" charset="0"/>
+              </a:rPr>
               <a:t>thu</a:t>
             </a:r>
             <a:r>
-              <a:rPr lang="en-US" dirty="0"/>
-              <a:t> </a:t>
-            </a:r>
-            <a:r>
-              <a:rPr lang="en-US" dirty="0" err="1"/>
+              <a:rPr lang="en-US" dirty="0">
+                <a:latin typeface="Times New Roman" panose="02020603050405020304" pitchFamily="18" charset="0"/>
+                <a:cs typeface="Times New Roman" panose="02020603050405020304" pitchFamily="18" charset="0"/>
+              </a:rPr>
+              <a:t> </a:t>
+            </a:r>
+            <a:r>
+              <a:rPr lang="en-US" dirty="0" err="1">
+                <a:latin typeface="Times New Roman" panose="02020603050405020304" pitchFamily="18" charset="0"/>
+                <a:cs typeface="Times New Roman" panose="02020603050405020304" pitchFamily="18" charset="0"/>
+              </a:rPr>
               <a:t>được</a:t>
             </a:r>
             <a:r>
-              <a:rPr lang="en-US" dirty="0"/>
-              <a:t> </a:t>
-            </a:r>
-            <a:r>
-              <a:rPr lang="en-US" dirty="0" err="1"/>
+              <a:rPr lang="en-US" dirty="0">
+                <a:latin typeface="Times New Roman" panose="02020603050405020304" pitchFamily="18" charset="0"/>
+                <a:cs typeface="Times New Roman" panose="02020603050405020304" pitchFamily="18" charset="0"/>
+              </a:rPr>
+              <a:t> </a:t>
+            </a:r>
+            <a:r>
+              <a:rPr lang="en-US" dirty="0" err="1">
+                <a:latin typeface="Times New Roman" panose="02020603050405020304" pitchFamily="18" charset="0"/>
+                <a:cs typeface="Times New Roman" panose="02020603050405020304" pitchFamily="18" charset="0"/>
+              </a:rPr>
               <a:t>từ</a:t>
             </a:r>
             <a:r>
-              <a:rPr lang="en-US" dirty="0"/>
-              <a:t> </a:t>
-            </a:r>
-            <a:r>
-              <a:rPr lang="en-US" dirty="0" err="1"/>
+              <a:rPr lang="en-US" dirty="0">
+                <a:latin typeface="Times New Roman" panose="02020603050405020304" pitchFamily="18" charset="0"/>
+                <a:cs typeface="Times New Roman" panose="02020603050405020304" pitchFamily="18" charset="0"/>
+              </a:rPr>
+              <a:t> </a:t>
+            </a:r>
+            <a:r>
+              <a:rPr lang="en-US" dirty="0" err="1">
+                <a:latin typeface="Times New Roman" panose="02020603050405020304" pitchFamily="18" charset="0"/>
+                <a:cs typeface="Times New Roman" panose="02020603050405020304" pitchFamily="18" charset="0"/>
+              </a:rPr>
               <a:t>mô</a:t>
             </a:r>
             <a:r>
-              <a:rPr lang="en-US" dirty="0"/>
-              <a:t> </a:t>
-            </a:r>
-            <a:r>
-              <a:rPr lang="en-US" dirty="0" err="1"/>
+              <a:rPr lang="en-US" dirty="0">
+                <a:latin typeface="Times New Roman" panose="02020603050405020304" pitchFamily="18" charset="0"/>
+                <a:cs typeface="Times New Roman" panose="02020603050405020304" pitchFamily="18" charset="0"/>
+              </a:rPr>
+              <a:t> </a:t>
+            </a:r>
+            <a:r>
+              <a:rPr lang="en-US" dirty="0" err="1">
+                <a:latin typeface="Times New Roman" panose="02020603050405020304" pitchFamily="18" charset="0"/>
+                <a:cs typeface="Times New Roman" panose="02020603050405020304" pitchFamily="18" charset="0"/>
+              </a:rPr>
               <a:t>hình</a:t>
             </a:r>
-            <a:endParaRPr lang="en-US" dirty="0"/>
+            <a:endParaRPr lang="en-US" dirty="0">
+              <a:latin typeface="Times New Roman" panose="02020603050405020304" pitchFamily="18" charset="0"/>
+              <a:cs typeface="Times New Roman" panose="02020603050405020304" pitchFamily="18" charset="0"/>
+            </a:endParaRPr>
           </a:p>
         </p:txBody>
       </p:sp>
@@ -11215,31 +16765,52 @@
           <a:lstStyle/>
           <a:p>
             <a:r>
-              <a:rPr lang="en-US" dirty="0" err="1"/>
+              <a:rPr lang="en-US" dirty="0" err="1">
+                <a:latin typeface="Times New Roman" panose="02020603050405020304" pitchFamily="18" charset="0"/>
+                <a:cs typeface="Times New Roman" panose="02020603050405020304" pitchFamily="18" charset="0"/>
+              </a:rPr>
               <a:t>Xây</a:t>
             </a:r>
             <a:r>
-              <a:rPr lang="en-US" dirty="0"/>
-              <a:t> </a:t>
-            </a:r>
-            <a:r>
-              <a:rPr lang="en-US" dirty="0" err="1"/>
+              <a:rPr lang="en-US" dirty="0">
+                <a:latin typeface="Times New Roman" panose="02020603050405020304" pitchFamily="18" charset="0"/>
+                <a:cs typeface="Times New Roman" panose="02020603050405020304" pitchFamily="18" charset="0"/>
+              </a:rPr>
+              <a:t> </a:t>
+            </a:r>
+            <a:r>
+              <a:rPr lang="en-US" dirty="0" err="1">
+                <a:latin typeface="Times New Roman" panose="02020603050405020304" pitchFamily="18" charset="0"/>
+                <a:cs typeface="Times New Roman" panose="02020603050405020304" pitchFamily="18" charset="0"/>
+              </a:rPr>
               <a:t>dựng</a:t>
             </a:r>
             <a:r>
-              <a:rPr lang="en-US" dirty="0"/>
-              <a:t> </a:t>
-            </a:r>
-            <a:r>
-              <a:rPr lang="en-US" dirty="0" err="1"/>
+              <a:rPr lang="en-US" dirty="0">
+                <a:latin typeface="Times New Roman" panose="02020603050405020304" pitchFamily="18" charset="0"/>
+                <a:cs typeface="Times New Roman" panose="02020603050405020304" pitchFamily="18" charset="0"/>
+              </a:rPr>
+              <a:t> </a:t>
+            </a:r>
+            <a:r>
+              <a:rPr lang="en-US" dirty="0" err="1">
+                <a:latin typeface="Times New Roman" panose="02020603050405020304" pitchFamily="18" charset="0"/>
+                <a:cs typeface="Times New Roman" panose="02020603050405020304" pitchFamily="18" charset="0"/>
+              </a:rPr>
               <a:t>mô</a:t>
             </a:r>
             <a:r>
-              <a:rPr lang="en-US" dirty="0"/>
-              <a:t> </a:t>
-            </a:r>
-            <a:r>
-              <a:rPr lang="en-US" dirty="0" err="1"/>
+              <a:rPr lang="en-US" dirty="0">
+                <a:latin typeface="Times New Roman" panose="02020603050405020304" pitchFamily="18" charset="0"/>
+                <a:cs typeface="Times New Roman" panose="02020603050405020304" pitchFamily="18" charset="0"/>
+              </a:rPr>
+              <a:t> </a:t>
+            </a:r>
+            <a:r>
+              <a:rPr lang="en-US" dirty="0" err="1">
+                <a:latin typeface="Times New Roman" panose="02020603050405020304" pitchFamily="18" charset="0"/>
+                <a:cs typeface="Times New Roman" panose="02020603050405020304" pitchFamily="18" charset="0"/>
+              </a:rPr>
               <a:t>hình</a:t>
             </a:r>
             <a:endParaRPr lang="en-US" dirty="0"/>
@@ -11273,58 +16844,100 @@
           <a:lstStyle/>
           <a:p>
             <a:r>
-              <a:rPr lang="en-US" dirty="0" err="1"/>
+              <a:rPr lang="en-US" dirty="0" err="1">
+                <a:latin typeface="Times New Roman" panose="02020603050405020304" pitchFamily="18" charset="0"/>
+                <a:cs typeface="Times New Roman" panose="02020603050405020304" pitchFamily="18" charset="0"/>
+              </a:rPr>
               <a:t>Kết</a:t>
             </a:r>
             <a:r>
-              <a:rPr lang="en-US" dirty="0"/>
-              <a:t> </a:t>
-            </a:r>
-            <a:r>
-              <a:rPr lang="en-US" dirty="0" err="1"/>
+              <a:rPr lang="en-US" dirty="0">
+                <a:latin typeface="Times New Roman" panose="02020603050405020304" pitchFamily="18" charset="0"/>
+                <a:cs typeface="Times New Roman" panose="02020603050405020304" pitchFamily="18" charset="0"/>
+              </a:rPr>
+              <a:t> </a:t>
+            </a:r>
+            <a:r>
+              <a:rPr lang="en-US" dirty="0" err="1">
+                <a:latin typeface="Times New Roman" panose="02020603050405020304" pitchFamily="18" charset="0"/>
+                <a:cs typeface="Times New Roman" panose="02020603050405020304" pitchFamily="18" charset="0"/>
+              </a:rPr>
               <a:t>quả</a:t>
             </a:r>
             <a:r>
-              <a:rPr lang="en-US" dirty="0"/>
-              <a:t> </a:t>
-            </a:r>
-            <a:r>
-              <a:rPr lang="en-US" dirty="0" err="1"/>
+              <a:rPr lang="en-US" dirty="0">
+                <a:latin typeface="Times New Roman" panose="02020603050405020304" pitchFamily="18" charset="0"/>
+                <a:cs typeface="Times New Roman" panose="02020603050405020304" pitchFamily="18" charset="0"/>
+              </a:rPr>
+              <a:t> </a:t>
+            </a:r>
+            <a:r>
+              <a:rPr lang="en-US" dirty="0" err="1">
+                <a:latin typeface="Times New Roman" panose="02020603050405020304" pitchFamily="18" charset="0"/>
+                <a:cs typeface="Times New Roman" panose="02020603050405020304" pitchFamily="18" charset="0"/>
+              </a:rPr>
               <a:t>thu</a:t>
             </a:r>
             <a:r>
-              <a:rPr lang="en-US" dirty="0"/>
-              <a:t> </a:t>
-            </a:r>
-            <a:r>
-              <a:rPr lang="en-US" dirty="0" err="1"/>
+              <a:rPr lang="en-US" dirty="0">
+                <a:latin typeface="Times New Roman" panose="02020603050405020304" pitchFamily="18" charset="0"/>
+                <a:cs typeface="Times New Roman" panose="02020603050405020304" pitchFamily="18" charset="0"/>
+              </a:rPr>
+              <a:t> </a:t>
+            </a:r>
+            <a:r>
+              <a:rPr lang="en-US" dirty="0" err="1">
+                <a:latin typeface="Times New Roman" panose="02020603050405020304" pitchFamily="18" charset="0"/>
+                <a:cs typeface="Times New Roman" panose="02020603050405020304" pitchFamily="18" charset="0"/>
+              </a:rPr>
               <a:t>được</a:t>
             </a:r>
             <a:r>
-              <a:rPr lang="en-US" dirty="0"/>
-              <a:t> </a:t>
-            </a:r>
-            <a:r>
-              <a:rPr lang="en-US" dirty="0" err="1"/>
+              <a:rPr lang="en-US" dirty="0">
+                <a:latin typeface="Times New Roman" panose="02020603050405020304" pitchFamily="18" charset="0"/>
+                <a:cs typeface="Times New Roman" panose="02020603050405020304" pitchFamily="18" charset="0"/>
+              </a:rPr>
+              <a:t> </a:t>
+            </a:r>
+            <a:r>
+              <a:rPr lang="en-US" dirty="0" err="1">
+                <a:latin typeface="Times New Roman" panose="02020603050405020304" pitchFamily="18" charset="0"/>
+                <a:cs typeface="Times New Roman" panose="02020603050405020304" pitchFamily="18" charset="0"/>
+              </a:rPr>
               <a:t>từ</a:t>
             </a:r>
             <a:r>
-              <a:rPr lang="en-US" dirty="0"/>
-              <a:t> </a:t>
-            </a:r>
-            <a:r>
-              <a:rPr lang="en-US" dirty="0" err="1"/>
+              <a:rPr lang="en-US" dirty="0">
+                <a:latin typeface="Times New Roman" panose="02020603050405020304" pitchFamily="18" charset="0"/>
+                <a:cs typeface="Times New Roman" panose="02020603050405020304" pitchFamily="18" charset="0"/>
+              </a:rPr>
+              <a:t> </a:t>
+            </a:r>
+            <a:r>
+              <a:rPr lang="en-US" dirty="0" err="1">
+                <a:latin typeface="Times New Roman" panose="02020603050405020304" pitchFamily="18" charset="0"/>
+                <a:cs typeface="Times New Roman" panose="02020603050405020304" pitchFamily="18" charset="0"/>
+              </a:rPr>
               <a:t>mô</a:t>
             </a:r>
             <a:r>
-              <a:rPr lang="en-US" dirty="0"/>
-              <a:t> </a:t>
-            </a:r>
-            <a:r>
-              <a:rPr lang="en-US" dirty="0" err="1"/>
+              <a:rPr lang="en-US" dirty="0">
+                <a:latin typeface="Times New Roman" panose="02020603050405020304" pitchFamily="18" charset="0"/>
+                <a:cs typeface="Times New Roman" panose="02020603050405020304" pitchFamily="18" charset="0"/>
+              </a:rPr>
+              <a:t> </a:t>
+            </a:r>
+            <a:r>
+              <a:rPr lang="en-US" dirty="0" err="1">
+                <a:latin typeface="Times New Roman" panose="02020603050405020304" pitchFamily="18" charset="0"/>
+                <a:cs typeface="Times New Roman" panose="02020603050405020304" pitchFamily="18" charset="0"/>
+              </a:rPr>
               <a:t>hình</a:t>
             </a:r>
-            <a:endParaRPr lang="en-US" dirty="0"/>
+            <a:endParaRPr lang="en-US" dirty="0">
+              <a:latin typeface="Times New Roman" panose="02020603050405020304" pitchFamily="18" charset="0"/>
+              <a:cs typeface="Times New Roman" panose="02020603050405020304" pitchFamily="18" charset="0"/>
+            </a:endParaRPr>
           </a:p>
         </p:txBody>
       </p:sp>
@@ -11421,31 +17034,52 @@
           <a:lstStyle/>
           <a:p>
             <a:r>
-              <a:rPr lang="en-US" dirty="0" err="1"/>
+              <a:rPr lang="en-US" dirty="0" err="1">
+                <a:latin typeface="Times New Roman" panose="02020603050405020304" pitchFamily="18" charset="0"/>
+                <a:cs typeface="Times New Roman" panose="02020603050405020304" pitchFamily="18" charset="0"/>
+              </a:rPr>
               <a:t>Xây</a:t>
             </a:r>
             <a:r>
-              <a:rPr lang="en-US" dirty="0"/>
-              <a:t> </a:t>
-            </a:r>
-            <a:r>
-              <a:rPr lang="en-US" dirty="0" err="1"/>
+              <a:rPr lang="en-US" dirty="0">
+                <a:latin typeface="Times New Roman" panose="02020603050405020304" pitchFamily="18" charset="0"/>
+                <a:cs typeface="Times New Roman" panose="02020603050405020304" pitchFamily="18" charset="0"/>
+              </a:rPr>
+              <a:t> </a:t>
+            </a:r>
+            <a:r>
+              <a:rPr lang="en-US" dirty="0" err="1">
+                <a:latin typeface="Times New Roman" panose="02020603050405020304" pitchFamily="18" charset="0"/>
+                <a:cs typeface="Times New Roman" panose="02020603050405020304" pitchFamily="18" charset="0"/>
+              </a:rPr>
               <a:t>dựng</a:t>
             </a:r>
             <a:r>
-              <a:rPr lang="en-US" dirty="0"/>
-              <a:t> </a:t>
-            </a:r>
-            <a:r>
-              <a:rPr lang="en-US" dirty="0" err="1"/>
+              <a:rPr lang="en-US" dirty="0">
+                <a:latin typeface="Times New Roman" panose="02020603050405020304" pitchFamily="18" charset="0"/>
+                <a:cs typeface="Times New Roman" panose="02020603050405020304" pitchFamily="18" charset="0"/>
+              </a:rPr>
+              <a:t> </a:t>
+            </a:r>
+            <a:r>
+              <a:rPr lang="en-US" dirty="0" err="1">
+                <a:latin typeface="Times New Roman" panose="02020603050405020304" pitchFamily="18" charset="0"/>
+                <a:cs typeface="Times New Roman" panose="02020603050405020304" pitchFamily="18" charset="0"/>
+              </a:rPr>
               <a:t>mô</a:t>
             </a:r>
             <a:r>
-              <a:rPr lang="en-US" dirty="0"/>
-              <a:t> </a:t>
-            </a:r>
-            <a:r>
-              <a:rPr lang="en-US" dirty="0" err="1"/>
+              <a:rPr lang="en-US" dirty="0">
+                <a:latin typeface="Times New Roman" panose="02020603050405020304" pitchFamily="18" charset="0"/>
+                <a:cs typeface="Times New Roman" panose="02020603050405020304" pitchFamily="18" charset="0"/>
+              </a:rPr>
+              <a:t> </a:t>
+            </a:r>
+            <a:r>
+              <a:rPr lang="en-US" dirty="0" err="1">
+                <a:latin typeface="Times New Roman" panose="02020603050405020304" pitchFamily="18" charset="0"/>
+                <a:cs typeface="Times New Roman" panose="02020603050405020304" pitchFamily="18" charset="0"/>
+              </a:rPr>
               <a:t>hình</a:t>
             </a:r>
             <a:endParaRPr lang="en-US" dirty="0"/>
@@ -12424,31 +18058,52 @@
           <a:lstStyle/>
           <a:p>
             <a:r>
-              <a:rPr lang="en-US" dirty="0" err="1"/>
+              <a:rPr lang="en-US" dirty="0" err="1">
+                <a:latin typeface="Times New Roman" panose="02020603050405020304" pitchFamily="18" charset="0"/>
+                <a:cs typeface="Times New Roman" panose="02020603050405020304" pitchFamily="18" charset="0"/>
+              </a:rPr>
               <a:t>Xây</a:t>
             </a:r>
             <a:r>
-              <a:rPr lang="en-US" dirty="0"/>
-              <a:t> </a:t>
-            </a:r>
-            <a:r>
-              <a:rPr lang="en-US" dirty="0" err="1"/>
+              <a:rPr lang="en-US" dirty="0">
+                <a:latin typeface="Times New Roman" panose="02020603050405020304" pitchFamily="18" charset="0"/>
+                <a:cs typeface="Times New Roman" panose="02020603050405020304" pitchFamily="18" charset="0"/>
+              </a:rPr>
+              <a:t> </a:t>
+            </a:r>
+            <a:r>
+              <a:rPr lang="en-US" dirty="0" err="1">
+                <a:latin typeface="Times New Roman" panose="02020603050405020304" pitchFamily="18" charset="0"/>
+                <a:cs typeface="Times New Roman" panose="02020603050405020304" pitchFamily="18" charset="0"/>
+              </a:rPr>
               <a:t>dựng</a:t>
             </a:r>
             <a:r>
-              <a:rPr lang="en-US" dirty="0"/>
-              <a:t> </a:t>
-            </a:r>
-            <a:r>
-              <a:rPr lang="en-US" dirty="0" err="1"/>
+              <a:rPr lang="en-US" dirty="0">
+                <a:latin typeface="Times New Roman" panose="02020603050405020304" pitchFamily="18" charset="0"/>
+                <a:cs typeface="Times New Roman" panose="02020603050405020304" pitchFamily="18" charset="0"/>
+              </a:rPr>
+              <a:t> </a:t>
+            </a:r>
+            <a:r>
+              <a:rPr lang="en-US" dirty="0" err="1">
+                <a:latin typeface="Times New Roman" panose="02020603050405020304" pitchFamily="18" charset="0"/>
+                <a:cs typeface="Times New Roman" panose="02020603050405020304" pitchFamily="18" charset="0"/>
+              </a:rPr>
               <a:t>mô</a:t>
             </a:r>
             <a:r>
-              <a:rPr lang="en-US" dirty="0"/>
-              <a:t> </a:t>
-            </a:r>
-            <a:r>
-              <a:rPr lang="en-US" dirty="0" err="1"/>
+              <a:rPr lang="en-US" dirty="0">
+                <a:latin typeface="Times New Roman" panose="02020603050405020304" pitchFamily="18" charset="0"/>
+                <a:cs typeface="Times New Roman" panose="02020603050405020304" pitchFamily="18" charset="0"/>
+              </a:rPr>
+              <a:t> </a:t>
+            </a:r>
+            <a:r>
+              <a:rPr lang="en-US" dirty="0" err="1">
+                <a:latin typeface="Times New Roman" panose="02020603050405020304" pitchFamily="18" charset="0"/>
+                <a:cs typeface="Times New Roman" panose="02020603050405020304" pitchFamily="18" charset="0"/>
+              </a:rPr>
               <a:t>hình</a:t>
             </a:r>
             <a:endParaRPr lang="en-US" dirty="0"/>
@@ -12775,31 +18430,52 @@
           <a:lstStyle/>
           <a:p>
             <a:r>
-              <a:rPr lang="en-US" dirty="0" err="1"/>
+              <a:rPr lang="en-US" dirty="0" err="1">
+                <a:latin typeface="Times New Roman" panose="02020603050405020304" pitchFamily="18" charset="0"/>
+                <a:cs typeface="Times New Roman" panose="02020603050405020304" pitchFamily="18" charset="0"/>
+              </a:rPr>
               <a:t>Xây</a:t>
             </a:r>
             <a:r>
-              <a:rPr lang="en-US" dirty="0"/>
-              <a:t> </a:t>
-            </a:r>
-            <a:r>
-              <a:rPr lang="en-US" dirty="0" err="1"/>
+              <a:rPr lang="en-US" dirty="0">
+                <a:latin typeface="Times New Roman" panose="02020603050405020304" pitchFamily="18" charset="0"/>
+                <a:cs typeface="Times New Roman" panose="02020603050405020304" pitchFamily="18" charset="0"/>
+              </a:rPr>
+              <a:t> </a:t>
+            </a:r>
+            <a:r>
+              <a:rPr lang="en-US" dirty="0" err="1">
+                <a:latin typeface="Times New Roman" panose="02020603050405020304" pitchFamily="18" charset="0"/>
+                <a:cs typeface="Times New Roman" panose="02020603050405020304" pitchFamily="18" charset="0"/>
+              </a:rPr>
               <a:t>dựng</a:t>
             </a:r>
             <a:r>
-              <a:rPr lang="en-US" dirty="0"/>
-              <a:t> </a:t>
-            </a:r>
-            <a:r>
-              <a:rPr lang="en-US" dirty="0" err="1"/>
+              <a:rPr lang="en-US" dirty="0">
+                <a:latin typeface="Times New Roman" panose="02020603050405020304" pitchFamily="18" charset="0"/>
+                <a:cs typeface="Times New Roman" panose="02020603050405020304" pitchFamily="18" charset="0"/>
+              </a:rPr>
+              <a:t> </a:t>
+            </a:r>
+            <a:r>
+              <a:rPr lang="en-US" dirty="0" err="1">
+                <a:latin typeface="Times New Roman" panose="02020603050405020304" pitchFamily="18" charset="0"/>
+                <a:cs typeface="Times New Roman" panose="02020603050405020304" pitchFamily="18" charset="0"/>
+              </a:rPr>
               <a:t>mô</a:t>
             </a:r>
             <a:r>
-              <a:rPr lang="en-US" dirty="0"/>
-              <a:t> </a:t>
-            </a:r>
-            <a:r>
-              <a:rPr lang="en-US" dirty="0" err="1"/>
+              <a:rPr lang="en-US" dirty="0">
+                <a:latin typeface="Times New Roman" panose="02020603050405020304" pitchFamily="18" charset="0"/>
+                <a:cs typeface="Times New Roman" panose="02020603050405020304" pitchFamily="18" charset="0"/>
+              </a:rPr>
+              <a:t> </a:t>
+            </a:r>
+            <a:r>
+              <a:rPr lang="en-US" dirty="0" err="1">
+                <a:latin typeface="Times New Roman" panose="02020603050405020304" pitchFamily="18" charset="0"/>
+                <a:cs typeface="Times New Roman" panose="02020603050405020304" pitchFamily="18" charset="0"/>
+              </a:rPr>
               <a:t>hình</a:t>
             </a:r>
             <a:endParaRPr lang="en-US" dirty="0"/>
@@ -13738,31 +19414,52 @@
           <a:lstStyle/>
           <a:p>
             <a:r>
-              <a:rPr lang="en-US"/>
+              <a:rPr lang="en-US" dirty="0" err="1">
+                <a:latin typeface="Times New Roman" panose="02020603050405020304" pitchFamily="18" charset="0"/>
+                <a:cs typeface="Times New Roman" panose="02020603050405020304" pitchFamily="18" charset="0"/>
+              </a:rPr>
               <a:t>Xây</a:t>
             </a:r>
             <a:r>
-              <a:rPr lang="en-US" dirty="0"/>
-              <a:t> </a:t>
-            </a:r>
-            <a:r>
-              <a:rPr lang="en-US"/>
+              <a:rPr lang="en-US" dirty="0">
+                <a:latin typeface="Times New Roman" panose="02020603050405020304" pitchFamily="18" charset="0"/>
+                <a:cs typeface="Times New Roman" panose="02020603050405020304" pitchFamily="18" charset="0"/>
+              </a:rPr>
+              <a:t> </a:t>
+            </a:r>
+            <a:r>
+              <a:rPr lang="en-US" dirty="0" err="1">
+                <a:latin typeface="Times New Roman" panose="02020603050405020304" pitchFamily="18" charset="0"/>
+                <a:cs typeface="Times New Roman" panose="02020603050405020304" pitchFamily="18" charset="0"/>
+              </a:rPr>
               <a:t>dựng</a:t>
             </a:r>
             <a:r>
-              <a:rPr lang="en-US" dirty="0"/>
-              <a:t> </a:t>
-            </a:r>
-            <a:r>
-              <a:rPr lang="en-US"/>
+              <a:rPr lang="en-US" dirty="0">
+                <a:latin typeface="Times New Roman" panose="02020603050405020304" pitchFamily="18" charset="0"/>
+                <a:cs typeface="Times New Roman" panose="02020603050405020304" pitchFamily="18" charset="0"/>
+              </a:rPr>
+              <a:t> </a:t>
+            </a:r>
+            <a:r>
+              <a:rPr lang="en-US" dirty="0" err="1">
+                <a:latin typeface="Times New Roman" panose="02020603050405020304" pitchFamily="18" charset="0"/>
+                <a:cs typeface="Times New Roman" panose="02020603050405020304" pitchFamily="18" charset="0"/>
+              </a:rPr>
               <a:t>mô</a:t>
             </a:r>
             <a:r>
-              <a:rPr lang="en-US" dirty="0"/>
-              <a:t> </a:t>
-            </a:r>
-            <a:r>
-              <a:rPr lang="en-US"/>
+              <a:rPr lang="en-US" dirty="0">
+                <a:latin typeface="Times New Roman" panose="02020603050405020304" pitchFamily="18" charset="0"/>
+                <a:cs typeface="Times New Roman" panose="02020603050405020304" pitchFamily="18" charset="0"/>
+              </a:rPr>
+              <a:t> </a:t>
+            </a:r>
+            <a:r>
+              <a:rPr lang="en-US" dirty="0" err="1">
+                <a:latin typeface="Times New Roman" panose="02020603050405020304" pitchFamily="18" charset="0"/>
+                <a:cs typeface="Times New Roman" panose="02020603050405020304" pitchFamily="18" charset="0"/>
+              </a:rPr>
               <a:t>hình</a:t>
             </a:r>
             <a:endParaRPr lang="en-US" dirty="0"/>
@@ -14850,26 +20547,158 @@
             <p:ph type="title"/>
           </p:nvPr>
         </p:nvSpPr>
-        <p:spPr/>
+        <p:spPr>
+          <a:xfrm>
+            <a:off x="1104900" y="76200"/>
+            <a:ext cx="9980682" cy="1096962"/>
+          </a:xfrm>
+        </p:spPr>
         <p:txBody>
-          <a:bodyPr/>
+          <a:bodyPr anchor="b">
+            <a:normAutofit/>
+          </a:bodyPr>
           <a:lstStyle/>
           <a:p>
             <a:r>
-              <a:rPr lang="en-US" dirty="0"/>
-              <a:t>Add a Slide Title - 5</a:t>
-            </a:r>
+              <a:rPr lang="en-US" dirty="0" err="1">
+                <a:latin typeface="Times New Roman" panose="02020603050405020304" pitchFamily="18" charset="0"/>
+                <a:cs typeface="Times New Roman" panose="02020603050405020304" pitchFamily="18" charset="0"/>
+              </a:rPr>
+              <a:t>Xây</a:t>
+            </a:r>
+            <a:r>
+              <a:rPr lang="en-US" dirty="0">
+                <a:latin typeface="Times New Roman" panose="02020603050405020304" pitchFamily="18" charset="0"/>
+                <a:cs typeface="Times New Roman" panose="02020603050405020304" pitchFamily="18" charset="0"/>
+              </a:rPr>
+              <a:t> </a:t>
+            </a:r>
+            <a:r>
+              <a:rPr lang="en-US" dirty="0" err="1">
+                <a:latin typeface="Times New Roman" panose="02020603050405020304" pitchFamily="18" charset="0"/>
+                <a:cs typeface="Times New Roman" panose="02020603050405020304" pitchFamily="18" charset="0"/>
+              </a:rPr>
+              <a:t>dựng</a:t>
+            </a:r>
+            <a:r>
+              <a:rPr lang="en-US" dirty="0">
+                <a:latin typeface="Times New Roman" panose="02020603050405020304" pitchFamily="18" charset="0"/>
+                <a:cs typeface="Times New Roman" panose="02020603050405020304" pitchFamily="18" charset="0"/>
+              </a:rPr>
+              <a:t> </a:t>
+            </a:r>
+            <a:r>
+              <a:rPr lang="en-US" dirty="0" err="1">
+                <a:latin typeface="Times New Roman" panose="02020603050405020304" pitchFamily="18" charset="0"/>
+                <a:cs typeface="Times New Roman" panose="02020603050405020304" pitchFamily="18" charset="0"/>
+              </a:rPr>
+              <a:t>mô</a:t>
+            </a:r>
+            <a:r>
+              <a:rPr lang="en-US" dirty="0">
+                <a:latin typeface="Times New Roman" panose="02020603050405020304" pitchFamily="18" charset="0"/>
+                <a:cs typeface="Times New Roman" panose="02020603050405020304" pitchFamily="18" charset="0"/>
+              </a:rPr>
+              <a:t> </a:t>
+            </a:r>
+            <a:r>
+              <a:rPr lang="en-US" dirty="0" err="1">
+                <a:latin typeface="Times New Roman" panose="02020603050405020304" pitchFamily="18" charset="0"/>
+                <a:cs typeface="Times New Roman" panose="02020603050405020304" pitchFamily="18" charset="0"/>
+              </a:rPr>
+              <a:t>hình</a:t>
+            </a:r>
+            <a:endParaRPr lang="en-US" dirty="0"/>
           </a:p>
         </p:txBody>
       </p:sp>
+      <p:graphicFrame>
+        <p:nvGraphicFramePr>
+          <p:cNvPr id="7" name="Content Placeholder 4">
+            <a:extLst>
+              <a:ext uri="{FF2B5EF4-FFF2-40B4-BE49-F238E27FC236}">
+                <a16:creationId xmlns:a16="http://schemas.microsoft.com/office/drawing/2014/main" id="{35327839-46F5-4226-B5FC-F69C8026790B}"/>
+              </a:ext>
+            </a:extLst>
+          </p:cNvPr>
+          <p:cNvGraphicFramePr>
+            <a:graphicFrameLocks noGrp="1"/>
+          </p:cNvGraphicFramePr>
+          <p:nvPr>
+            <p:ph idx="1"/>
+            <p:extLst>
+              <p:ext uri="{D42A27DB-BD31-4B8C-83A1-F6EECF244321}">
+                <p14:modId xmlns:p14="http://schemas.microsoft.com/office/powerpoint/2010/main" val="804238996"/>
+              </p:ext>
+            </p:extLst>
+          </p:nvPr>
+        </p:nvGraphicFramePr>
+        <p:xfrm>
+          <a:off x="1104900" y="1600200"/>
+          <a:ext cx="9982200" cy="4572000"/>
+        </p:xfrm>
+        <a:graphic>
+          <a:graphicData uri="http://schemas.openxmlformats.org/drawingml/2006/diagram">
+            <dgm:relIds xmlns:dgm="http://schemas.openxmlformats.org/drawingml/2006/diagram" xmlns:r="http://schemas.openxmlformats.org/officeDocument/2006/relationships" r:dm="rId2" r:lo="rId3" r:qs="rId4" r:cs="rId5"/>
+          </a:graphicData>
+        </a:graphic>
+      </p:graphicFrame>
+    </p:spTree>
+    <p:extLst>
+      <p:ext uri="{BB962C8B-B14F-4D97-AF65-F5344CB8AC3E}">
+        <p14:creationId xmlns:p14="http://schemas.microsoft.com/office/powerpoint/2010/main" val="3197023440"/>
+      </p:ext>
+    </p:extLst>
+  </p:cSld>
+  <p:clrMapOvr>
+    <a:masterClrMapping/>
+  </p:clrMapOvr>
+  <mc:AlternateContent xmlns:mc="http://schemas.openxmlformats.org/markup-compatibility/2006" xmlns:p14="http://schemas.microsoft.com/office/powerpoint/2010/main">
+    <mc:Choice Requires="p14">
+      <p:transition spd="med" p14:dur="700">
+        <p:fade/>
+      </p:transition>
+    </mc:Choice>
+    <mc:Fallback xmlns="">
+      <p:transition spd="med">
+        <p:fade/>
+      </p:transition>
+    </mc:Fallback>
+  </mc:AlternateContent>
+</p:sld>
+</file>
+
+<file path=ppt/slides/slide31.xml><?xml version="1.0" encoding="utf-8"?>
+<p:sld xmlns:a="http://schemas.openxmlformats.org/drawingml/2006/main" xmlns:r="http://schemas.openxmlformats.org/officeDocument/2006/relationships" xmlns:p="http://schemas.openxmlformats.org/presentationml/2006/main">
+  <p:cSld>
+    <p:spTree>
+      <p:nvGrpSpPr>
+        <p:cNvPr id="1" name=""/>
+        <p:cNvGrpSpPr/>
+        <p:nvPr/>
+      </p:nvGrpSpPr>
+      <p:grpSpPr>
+        <a:xfrm>
+          <a:off x="0" y="0"/>
+          <a:ext cx="0" cy="0"/>
+          <a:chOff x="0" y="0"/>
+          <a:chExt cx="0" cy="0"/>
+        </a:xfrm>
+      </p:grpSpPr>
       <p:sp>
         <p:nvSpPr>
-          <p:cNvPr id="4" name="Text Placeholder 3"/>
+          <p:cNvPr id="2" name="Title 1">
+            <a:extLst>
+              <a:ext uri="{FF2B5EF4-FFF2-40B4-BE49-F238E27FC236}">
+                <a16:creationId xmlns:a16="http://schemas.microsoft.com/office/drawing/2014/main" id="{1A40ABCB-1B77-4018-B026-3B243DB5CA83}"/>
+              </a:ext>
+            </a:extLst>
+          </p:cNvPr>
           <p:cNvSpPr>
             <a:spLocks noGrp="1"/>
           </p:cNvSpPr>
           <p:nvPr>
-            <p:ph type="body" sz="half" idx="2"/>
+            <p:ph type="title"/>
           </p:nvPr>
         </p:nvSpPr>
         <p:spPr/>
@@ -14877,13 +20706,71 @@
           <a:bodyPr/>
           <a:lstStyle/>
           <a:p>
-            <a:endParaRPr lang="en-US"/>
+            <a:r>
+              <a:rPr lang="en-US" dirty="0" err="1">
+                <a:latin typeface="Times New Roman" panose="02020603050405020304" pitchFamily="18" charset="0"/>
+                <a:cs typeface="Times New Roman" panose="02020603050405020304" pitchFamily="18" charset="0"/>
+              </a:rPr>
+              <a:t>Đánh</a:t>
+            </a:r>
+            <a:r>
+              <a:rPr lang="en-US" dirty="0">
+                <a:latin typeface="Times New Roman" panose="02020603050405020304" pitchFamily="18" charset="0"/>
+                <a:cs typeface="Times New Roman" panose="02020603050405020304" pitchFamily="18" charset="0"/>
+              </a:rPr>
+              <a:t> </a:t>
+            </a:r>
+            <a:r>
+              <a:rPr lang="en-US" dirty="0" err="1">
+                <a:latin typeface="Times New Roman" panose="02020603050405020304" pitchFamily="18" charset="0"/>
+                <a:cs typeface="Times New Roman" panose="02020603050405020304" pitchFamily="18" charset="0"/>
+              </a:rPr>
+              <a:t>giá</a:t>
+            </a:r>
+            <a:r>
+              <a:rPr lang="en-US" dirty="0">
+                <a:latin typeface="Times New Roman" panose="02020603050405020304" pitchFamily="18" charset="0"/>
+                <a:cs typeface="Times New Roman" panose="02020603050405020304" pitchFamily="18" charset="0"/>
+              </a:rPr>
+              <a:t> </a:t>
+            </a:r>
+            <a:r>
+              <a:rPr lang="en-US" dirty="0" err="1">
+                <a:latin typeface="Times New Roman" panose="02020603050405020304" pitchFamily="18" charset="0"/>
+                <a:cs typeface="Times New Roman" panose="02020603050405020304" pitchFamily="18" charset="0"/>
+              </a:rPr>
+              <a:t>mô</a:t>
+            </a:r>
+            <a:r>
+              <a:rPr lang="en-US" dirty="0">
+                <a:latin typeface="Times New Roman" panose="02020603050405020304" pitchFamily="18" charset="0"/>
+                <a:cs typeface="Times New Roman" panose="02020603050405020304" pitchFamily="18" charset="0"/>
+              </a:rPr>
+              <a:t> </a:t>
+            </a:r>
+            <a:r>
+              <a:rPr lang="en-US" dirty="0" err="1">
+                <a:latin typeface="Times New Roman" panose="02020603050405020304" pitchFamily="18" charset="0"/>
+                <a:cs typeface="Times New Roman" panose="02020603050405020304" pitchFamily="18" charset="0"/>
+              </a:rPr>
+              <a:t>hình</a:t>
+            </a:r>
+            <a:endParaRPr lang="en-US" dirty="0">
+              <a:latin typeface="Times New Roman" panose="02020603050405020304" pitchFamily="18" charset="0"/>
+              <a:cs typeface="Times New Roman" panose="02020603050405020304" pitchFamily="18" charset="0"/>
+            </a:endParaRPr>
           </a:p>
         </p:txBody>
       </p:sp>
       <p:sp>
         <p:nvSpPr>
-          <p:cNvPr id="3" name="Content Placeholder 2"/>
+          <p:cNvPr id="3" name="Content Placeholder 2">
+            <a:extLst>
+              <a:ext uri="{FF2B5EF4-FFF2-40B4-BE49-F238E27FC236}">
+                <a16:creationId xmlns:a16="http://schemas.microsoft.com/office/drawing/2014/main" id="{9E03A641-A383-4B76-BE74-2EE235661223}"/>
+              </a:ext>
+            </a:extLst>
+          </p:cNvPr>
           <p:cNvSpPr>
             <a:spLocks noGrp="1"/>
           </p:cNvSpPr>
@@ -14896,14 +20783,447 @@
           <a:bodyPr/>
           <a:lstStyle/>
           <a:p>
-            <a:endParaRPr lang="en-US"/>
+            <a:r>
+              <a:rPr lang="en-US" dirty="0">
+                <a:latin typeface="Times New Roman" panose="02020603050405020304" pitchFamily="18" charset="0"/>
+                <a:cs typeface="Times New Roman" panose="02020603050405020304" pitchFamily="18" charset="0"/>
+              </a:rPr>
+              <a:t>Chia </a:t>
+            </a:r>
+            <a:r>
+              <a:rPr lang="en-US" dirty="0" err="1">
+                <a:latin typeface="Times New Roman" panose="02020603050405020304" pitchFamily="18" charset="0"/>
+                <a:cs typeface="Times New Roman" panose="02020603050405020304" pitchFamily="18" charset="0"/>
+              </a:rPr>
+              <a:t>bộ</a:t>
+            </a:r>
+            <a:r>
+              <a:rPr lang="en-US" dirty="0">
+                <a:latin typeface="Times New Roman" panose="02020603050405020304" pitchFamily="18" charset="0"/>
+                <a:cs typeface="Times New Roman" panose="02020603050405020304" pitchFamily="18" charset="0"/>
+              </a:rPr>
+              <a:t> </a:t>
+            </a:r>
+            <a:r>
+              <a:rPr lang="en-US" dirty="0" err="1">
+                <a:latin typeface="Times New Roman" panose="02020603050405020304" pitchFamily="18" charset="0"/>
+                <a:cs typeface="Times New Roman" panose="02020603050405020304" pitchFamily="18" charset="0"/>
+              </a:rPr>
+              <a:t>dữ</a:t>
+            </a:r>
+            <a:r>
+              <a:rPr lang="en-US" dirty="0">
+                <a:latin typeface="Times New Roman" panose="02020603050405020304" pitchFamily="18" charset="0"/>
+                <a:cs typeface="Times New Roman" panose="02020603050405020304" pitchFamily="18" charset="0"/>
+              </a:rPr>
+              <a:t> </a:t>
+            </a:r>
+            <a:r>
+              <a:rPr lang="en-US" dirty="0" err="1">
+                <a:latin typeface="Times New Roman" panose="02020603050405020304" pitchFamily="18" charset="0"/>
+                <a:cs typeface="Times New Roman" panose="02020603050405020304" pitchFamily="18" charset="0"/>
+              </a:rPr>
+              <a:t>liệu</a:t>
+            </a:r>
+            <a:r>
+              <a:rPr lang="en-US" dirty="0">
+                <a:latin typeface="Times New Roman" panose="02020603050405020304" pitchFamily="18" charset="0"/>
+                <a:cs typeface="Times New Roman" panose="02020603050405020304" pitchFamily="18" charset="0"/>
+              </a:rPr>
+              <a:t> </a:t>
+            </a:r>
+          </a:p>
+          <a:p>
+            <a:r>
+              <a:rPr lang="en-US" dirty="0" err="1">
+                <a:latin typeface="Times New Roman" panose="02020603050405020304" pitchFamily="18" charset="0"/>
+                <a:cs typeface="Times New Roman" panose="02020603050405020304" pitchFamily="18" charset="0"/>
+              </a:rPr>
+              <a:t>Sử</a:t>
+            </a:r>
+            <a:r>
+              <a:rPr lang="en-US" dirty="0">
+                <a:latin typeface="Times New Roman" panose="02020603050405020304" pitchFamily="18" charset="0"/>
+                <a:cs typeface="Times New Roman" panose="02020603050405020304" pitchFamily="18" charset="0"/>
+              </a:rPr>
+              <a:t> </a:t>
+            </a:r>
+            <a:r>
+              <a:rPr lang="en-US" dirty="0" err="1">
+                <a:latin typeface="Times New Roman" panose="02020603050405020304" pitchFamily="18" charset="0"/>
+                <a:cs typeface="Times New Roman" panose="02020603050405020304" pitchFamily="18" charset="0"/>
+              </a:rPr>
+              <a:t>dụng</a:t>
+            </a:r>
+            <a:r>
+              <a:rPr lang="en-US" dirty="0">
+                <a:latin typeface="Times New Roman" panose="02020603050405020304" pitchFamily="18" charset="0"/>
+                <a:cs typeface="Times New Roman" panose="02020603050405020304" pitchFamily="18" charset="0"/>
+              </a:rPr>
+              <a:t> pipeline </a:t>
+            </a:r>
+            <a:r>
+              <a:rPr lang="en-US" dirty="0" err="1">
+                <a:latin typeface="Times New Roman" panose="02020603050405020304" pitchFamily="18" charset="0"/>
+                <a:cs typeface="Times New Roman" panose="02020603050405020304" pitchFamily="18" charset="0"/>
+              </a:rPr>
+              <a:t>đã</a:t>
+            </a:r>
+            <a:r>
+              <a:rPr lang="en-US" dirty="0">
+                <a:latin typeface="Times New Roman" panose="02020603050405020304" pitchFamily="18" charset="0"/>
+                <a:cs typeface="Times New Roman" panose="02020603050405020304" pitchFamily="18" charset="0"/>
+              </a:rPr>
+              <a:t> </a:t>
+            </a:r>
+            <a:r>
+              <a:rPr lang="en-US" dirty="0" err="1">
+                <a:latin typeface="Times New Roman" panose="02020603050405020304" pitchFamily="18" charset="0"/>
+                <a:cs typeface="Times New Roman" panose="02020603050405020304" pitchFamily="18" charset="0"/>
+              </a:rPr>
+              <a:t>xây</a:t>
+            </a:r>
+            <a:r>
+              <a:rPr lang="en-US" dirty="0">
+                <a:latin typeface="Times New Roman" panose="02020603050405020304" pitchFamily="18" charset="0"/>
+                <a:cs typeface="Times New Roman" panose="02020603050405020304" pitchFamily="18" charset="0"/>
+              </a:rPr>
+              <a:t> </a:t>
+            </a:r>
+            <a:r>
+              <a:rPr lang="en-US" dirty="0" err="1">
+                <a:latin typeface="Times New Roman" panose="02020603050405020304" pitchFamily="18" charset="0"/>
+                <a:cs typeface="Times New Roman" panose="02020603050405020304" pitchFamily="18" charset="0"/>
+              </a:rPr>
+              <a:t>dựng</a:t>
+            </a:r>
+            <a:r>
+              <a:rPr lang="en-US" dirty="0">
+                <a:latin typeface="Times New Roman" panose="02020603050405020304" pitchFamily="18" charset="0"/>
+                <a:cs typeface="Times New Roman" panose="02020603050405020304" pitchFamily="18" charset="0"/>
+              </a:rPr>
+              <a:t> ở </a:t>
+            </a:r>
+            <a:r>
+              <a:rPr lang="en-US" dirty="0" err="1">
+                <a:latin typeface="Times New Roman" panose="02020603050405020304" pitchFamily="18" charset="0"/>
+                <a:cs typeface="Times New Roman" panose="02020603050405020304" pitchFamily="18" charset="0"/>
+              </a:rPr>
+              <a:t>trên</a:t>
+            </a:r>
+            <a:endParaRPr lang="en-US" dirty="0">
+              <a:latin typeface="Times New Roman" panose="02020603050405020304" pitchFamily="18" charset="0"/>
+              <a:cs typeface="Times New Roman" panose="02020603050405020304" pitchFamily="18" charset="0"/>
+            </a:endParaRPr>
+          </a:p>
+          <a:p>
+            <a:r>
+              <a:rPr lang="en-US" dirty="0" err="1">
+                <a:latin typeface="Times New Roman" panose="02020603050405020304" pitchFamily="18" charset="0"/>
+                <a:cs typeface="Times New Roman" panose="02020603050405020304" pitchFamily="18" charset="0"/>
+              </a:rPr>
+              <a:t>Đánh</a:t>
+            </a:r>
+            <a:r>
+              <a:rPr lang="en-US" dirty="0">
+                <a:latin typeface="Times New Roman" panose="02020603050405020304" pitchFamily="18" charset="0"/>
+                <a:cs typeface="Times New Roman" panose="02020603050405020304" pitchFamily="18" charset="0"/>
+              </a:rPr>
+              <a:t> </a:t>
+            </a:r>
+            <a:r>
+              <a:rPr lang="en-US" dirty="0" err="1">
+                <a:latin typeface="Times New Roman" panose="02020603050405020304" pitchFamily="18" charset="0"/>
+                <a:cs typeface="Times New Roman" panose="02020603050405020304" pitchFamily="18" charset="0"/>
+              </a:rPr>
+              <a:t>giá</a:t>
+            </a:r>
+            <a:r>
+              <a:rPr lang="en-US" dirty="0">
+                <a:latin typeface="Times New Roman" panose="02020603050405020304" pitchFamily="18" charset="0"/>
+                <a:cs typeface="Times New Roman" panose="02020603050405020304" pitchFamily="18" charset="0"/>
+              </a:rPr>
+              <a:t> </a:t>
+            </a:r>
+            <a:r>
+              <a:rPr lang="en-US" dirty="0" err="1">
+                <a:latin typeface="Times New Roman" panose="02020603050405020304" pitchFamily="18" charset="0"/>
+                <a:cs typeface="Times New Roman" panose="02020603050405020304" pitchFamily="18" charset="0"/>
+              </a:rPr>
+              <a:t>với</a:t>
+            </a:r>
+            <a:r>
+              <a:rPr lang="en-US" dirty="0">
+                <a:latin typeface="Times New Roman" panose="02020603050405020304" pitchFamily="18" charset="0"/>
+                <a:cs typeface="Times New Roman" panose="02020603050405020304" pitchFamily="18" charset="0"/>
+              </a:rPr>
+              <a:t> </a:t>
+            </a:r>
+            <a:r>
+              <a:rPr lang="en-US" dirty="0" err="1">
+                <a:latin typeface="Times New Roman" panose="02020603050405020304" pitchFamily="18" charset="0"/>
+                <a:cs typeface="Times New Roman" panose="02020603050405020304" pitchFamily="18" charset="0"/>
+              </a:rPr>
+              <a:t>bộ</a:t>
+            </a:r>
+            <a:r>
+              <a:rPr lang="en-US" dirty="0">
+                <a:latin typeface="Times New Roman" panose="02020603050405020304" pitchFamily="18" charset="0"/>
+                <a:cs typeface="Times New Roman" panose="02020603050405020304" pitchFamily="18" charset="0"/>
+              </a:rPr>
+              <a:t> </a:t>
+            </a:r>
+            <a:r>
+              <a:rPr lang="en-US" dirty="0" err="1">
+                <a:latin typeface="Times New Roman" panose="02020603050405020304" pitchFamily="18" charset="0"/>
+                <a:cs typeface="Times New Roman" panose="02020603050405020304" pitchFamily="18" charset="0"/>
+              </a:rPr>
+              <a:t>tham</a:t>
+            </a:r>
+            <a:r>
+              <a:rPr lang="en-US" dirty="0">
+                <a:latin typeface="Times New Roman" panose="02020603050405020304" pitchFamily="18" charset="0"/>
+                <a:cs typeface="Times New Roman" panose="02020603050405020304" pitchFamily="18" charset="0"/>
+              </a:rPr>
+              <a:t> </a:t>
+            </a:r>
+            <a:r>
+              <a:rPr lang="en-US" dirty="0" err="1">
+                <a:latin typeface="Times New Roman" panose="02020603050405020304" pitchFamily="18" charset="0"/>
+                <a:cs typeface="Times New Roman" panose="02020603050405020304" pitchFamily="18" charset="0"/>
+              </a:rPr>
+              <a:t>số</a:t>
+            </a:r>
+            <a:r>
+              <a:rPr lang="en-US" dirty="0">
+                <a:latin typeface="Times New Roman" panose="02020603050405020304" pitchFamily="18" charset="0"/>
+                <a:cs typeface="Times New Roman" panose="02020603050405020304" pitchFamily="18" charset="0"/>
+              </a:rPr>
+              <a:t> </a:t>
+            </a:r>
+            <a:r>
+              <a:rPr lang="en-US" dirty="0" err="1">
+                <a:latin typeface="Times New Roman" panose="02020603050405020304" pitchFamily="18" charset="0"/>
+                <a:cs typeface="Times New Roman" panose="02020603050405020304" pitchFamily="18" charset="0"/>
+              </a:rPr>
+              <a:t>tốt</a:t>
+            </a:r>
+            <a:r>
+              <a:rPr lang="en-US" dirty="0">
+                <a:latin typeface="Times New Roman" panose="02020603050405020304" pitchFamily="18" charset="0"/>
+                <a:cs typeface="Times New Roman" panose="02020603050405020304" pitchFamily="18" charset="0"/>
+              </a:rPr>
+              <a:t> </a:t>
+            </a:r>
+            <a:r>
+              <a:rPr lang="en-US" dirty="0" err="1">
+                <a:latin typeface="Times New Roman" panose="02020603050405020304" pitchFamily="18" charset="0"/>
+                <a:cs typeface="Times New Roman" panose="02020603050405020304" pitchFamily="18" charset="0"/>
+              </a:rPr>
+              <a:t>nhất</a:t>
+            </a:r>
+            <a:endParaRPr lang="en-US" dirty="0">
+              <a:latin typeface="Times New Roman" panose="02020603050405020304" pitchFamily="18" charset="0"/>
+              <a:cs typeface="Times New Roman" panose="02020603050405020304" pitchFamily="18" charset="0"/>
+            </a:endParaRPr>
           </a:p>
         </p:txBody>
       </p:sp>
     </p:spTree>
     <p:extLst>
       <p:ext uri="{BB962C8B-B14F-4D97-AF65-F5344CB8AC3E}">
-        <p14:creationId xmlns:p14="http://schemas.microsoft.com/office/powerpoint/2010/main" val="3197023440"/>
+        <p14:creationId xmlns:p14="http://schemas.microsoft.com/office/powerpoint/2010/main" val="2258706049"/>
+      </p:ext>
+    </p:extLst>
+  </p:cSld>
+  <p:clrMapOvr>
+    <a:masterClrMapping/>
+  </p:clrMapOvr>
+  <mc:AlternateContent xmlns:mc="http://schemas.openxmlformats.org/markup-compatibility/2006" xmlns:p14="http://schemas.microsoft.com/office/powerpoint/2010/main">
+    <mc:Choice Requires="p14">
+      <p:transition spd="med" p14:dur="700">
+        <p:fade/>
+      </p:transition>
+    </mc:Choice>
+    <mc:Fallback xmlns="">
+      <p:transition spd="med">
+        <p:fade/>
+      </p:transition>
+    </mc:Fallback>
+  </mc:AlternateContent>
+</p:sld>
+</file>
+
+<file path=ppt/slides/slide32.xml><?xml version="1.0" encoding="utf-8"?>
+<p:sld xmlns:a="http://schemas.openxmlformats.org/drawingml/2006/main" xmlns:r="http://schemas.openxmlformats.org/officeDocument/2006/relationships" xmlns:p="http://schemas.openxmlformats.org/presentationml/2006/main">
+  <p:cSld>
+    <p:spTree>
+      <p:nvGrpSpPr>
+        <p:cNvPr id="1" name=""/>
+        <p:cNvGrpSpPr/>
+        <p:nvPr/>
+      </p:nvGrpSpPr>
+      <p:grpSpPr>
+        <a:xfrm>
+          <a:off x="0" y="0"/>
+          <a:ext cx="0" cy="0"/>
+          <a:chOff x="0" y="0"/>
+          <a:chExt cx="0" cy="0"/>
+        </a:xfrm>
+      </p:grpSpPr>
+      <p:pic>
+        <p:nvPicPr>
+          <p:cNvPr id="5" name="Picture 4">
+            <a:extLst>
+              <a:ext uri="{FF2B5EF4-FFF2-40B4-BE49-F238E27FC236}">
+                <a16:creationId xmlns:a16="http://schemas.microsoft.com/office/drawing/2014/main" id="{45516D85-A131-48C6-BEFA-E4D596B390FB}"/>
+              </a:ext>
+            </a:extLst>
+          </p:cNvPr>
+          <p:cNvPicPr>
+            <a:picLocks noChangeAspect="1"/>
+          </p:cNvPicPr>
+          <p:nvPr/>
+        </p:nvPicPr>
+        <p:blipFill>
+          <a:blip r:embed="rId2"/>
+          <a:stretch>
+            <a:fillRect/>
+          </a:stretch>
+        </p:blipFill>
+        <p:spPr>
+          <a:xfrm>
+            <a:off x="800877" y="0"/>
+            <a:ext cx="10590245" cy="6858000"/>
+          </a:xfrm>
+          <a:prstGeom prst="rect">
+            <a:avLst/>
+          </a:prstGeom>
+        </p:spPr>
+      </p:pic>
+    </p:spTree>
+    <p:extLst>
+      <p:ext uri="{BB962C8B-B14F-4D97-AF65-F5344CB8AC3E}">
+        <p14:creationId xmlns:p14="http://schemas.microsoft.com/office/powerpoint/2010/main" val="1311251287"/>
+      </p:ext>
+    </p:extLst>
+  </p:cSld>
+  <p:clrMapOvr>
+    <a:masterClrMapping/>
+  </p:clrMapOvr>
+  <mc:AlternateContent xmlns:mc="http://schemas.openxmlformats.org/markup-compatibility/2006" xmlns:p14="http://schemas.microsoft.com/office/powerpoint/2010/main">
+    <mc:Choice Requires="p14">
+      <p:transition spd="med" p14:dur="700">
+        <p:fade/>
+      </p:transition>
+    </mc:Choice>
+    <mc:Fallback xmlns="">
+      <p:transition spd="med">
+        <p:fade/>
+      </p:transition>
+    </mc:Fallback>
+  </mc:AlternateContent>
+</p:sld>
+</file>
+
+<file path=ppt/slides/slide33.xml><?xml version="1.0" encoding="utf-8"?>
+<p:sld xmlns:a="http://schemas.openxmlformats.org/drawingml/2006/main" xmlns:r="http://schemas.openxmlformats.org/officeDocument/2006/relationships" xmlns:p="http://schemas.openxmlformats.org/presentationml/2006/main">
+  <p:cSld>
+    <p:spTree>
+      <p:nvGrpSpPr>
+        <p:cNvPr id="1" name=""/>
+        <p:cNvGrpSpPr/>
+        <p:nvPr/>
+      </p:nvGrpSpPr>
+      <p:grpSpPr>
+        <a:xfrm>
+          <a:off x="0" y="0"/>
+          <a:ext cx="0" cy="0"/>
+          <a:chOff x="0" y="0"/>
+          <a:chExt cx="0" cy="0"/>
+        </a:xfrm>
+      </p:grpSpPr>
+      <p:pic>
+        <p:nvPicPr>
+          <p:cNvPr id="3" name="Picture 2">
+            <a:extLst>
+              <a:ext uri="{FF2B5EF4-FFF2-40B4-BE49-F238E27FC236}">
+                <a16:creationId xmlns:a16="http://schemas.microsoft.com/office/drawing/2014/main" id="{9605C09C-462B-4B2E-B7BA-7ACBDB20BAAE}"/>
+              </a:ext>
+            </a:extLst>
+          </p:cNvPr>
+          <p:cNvPicPr>
+            <a:picLocks noChangeAspect="1"/>
+          </p:cNvPicPr>
+          <p:nvPr/>
+        </p:nvPicPr>
+        <p:blipFill>
+          <a:blip r:embed="rId2"/>
+          <a:stretch>
+            <a:fillRect/>
+          </a:stretch>
+        </p:blipFill>
+        <p:spPr>
+          <a:xfrm>
+            <a:off x="-1" y="0"/>
+            <a:ext cx="5279091" cy="5801033"/>
+          </a:xfrm>
+          <a:prstGeom prst="rect">
+            <a:avLst/>
+          </a:prstGeom>
+        </p:spPr>
+      </p:pic>
+      <p:pic>
+        <p:nvPicPr>
+          <p:cNvPr id="1028" name="Picture 4">
+            <a:extLst>
+              <a:ext uri="{FF2B5EF4-FFF2-40B4-BE49-F238E27FC236}">
+                <a16:creationId xmlns:a16="http://schemas.microsoft.com/office/drawing/2014/main" id="{3AEB5418-FD00-407A-AA93-0530D33186DA}"/>
+              </a:ext>
+            </a:extLst>
+          </p:cNvPr>
+          <p:cNvPicPr>
+            <a:picLocks noChangeAspect="1" noChangeArrowheads="1"/>
+          </p:cNvPicPr>
+          <p:nvPr/>
+        </p:nvPicPr>
+        <p:blipFill>
+          <a:blip r:embed="rId3">
+            <a:extLst>
+              <a:ext uri="{28A0092B-C50C-407E-A947-70E740481C1C}">
+                <a14:useLocalDpi xmlns:a14="http://schemas.microsoft.com/office/drawing/2010/main" val="0"/>
+              </a:ext>
+            </a:extLst>
+          </a:blip>
+          <a:srcRect/>
+          <a:stretch>
+            <a:fillRect/>
+          </a:stretch>
+        </p:blipFill>
+        <p:spPr bwMode="auto">
+          <a:xfrm>
+            <a:off x="5284474" y="0"/>
+            <a:ext cx="6907526" cy="5801033"/>
+          </a:xfrm>
+          <a:prstGeom prst="rect">
+            <a:avLst/>
+          </a:prstGeom>
+          <a:noFill/>
+          <a:extLst>
+            <a:ext uri="{909E8E84-426E-40DD-AFC4-6F175D3DCCD1}">
+              <a14:hiddenFill xmlns:a14="http://schemas.microsoft.com/office/drawing/2010/main">
+                <a:solidFill>
+                  <a:srgbClr val="FFFFFF"/>
+                </a:solidFill>
+              </a14:hiddenFill>
+            </a:ext>
+          </a:extLst>
+        </p:spPr>
+      </p:pic>
+    </p:spTree>
+    <p:extLst>
+      <p:ext uri="{BB962C8B-B14F-4D97-AF65-F5344CB8AC3E}">
+        <p14:creationId xmlns:p14="http://schemas.microsoft.com/office/powerpoint/2010/main" val="202230451"/>
       </p:ext>
     </p:extLst>
   </p:cSld>
@@ -15217,30 +21537,51 @@
           <a:lstStyle/>
           <a:p>
             <a:r>
-              <a:rPr lang="en-US" dirty="0"/>
+              <a:rPr lang="en-US" dirty="0">
+                <a:latin typeface="Times New Roman" panose="02020603050405020304" pitchFamily="18" charset="0"/>
+                <a:cs typeface="Times New Roman" panose="02020603050405020304" pitchFamily="18" charset="0"/>
+              </a:rPr>
               <a:t>Thu </a:t>
             </a:r>
             <a:r>
-              <a:rPr lang="en-US" dirty="0" err="1"/>
+              <a:rPr lang="en-US" dirty="0" err="1">
+                <a:latin typeface="Times New Roman" panose="02020603050405020304" pitchFamily="18" charset="0"/>
+                <a:cs typeface="Times New Roman" panose="02020603050405020304" pitchFamily="18" charset="0"/>
+              </a:rPr>
               <a:t>thập</a:t>
             </a:r>
             <a:r>
-              <a:rPr lang="en-US" dirty="0"/>
-              <a:t> </a:t>
-            </a:r>
-            <a:r>
-              <a:rPr lang="en-US" dirty="0" err="1"/>
+              <a:rPr lang="en-US" dirty="0">
+                <a:latin typeface="Times New Roman" panose="02020603050405020304" pitchFamily="18" charset="0"/>
+                <a:cs typeface="Times New Roman" panose="02020603050405020304" pitchFamily="18" charset="0"/>
+              </a:rPr>
+              <a:t> </a:t>
+            </a:r>
+            <a:r>
+              <a:rPr lang="en-US" dirty="0" err="1">
+                <a:latin typeface="Times New Roman" panose="02020603050405020304" pitchFamily="18" charset="0"/>
+                <a:cs typeface="Times New Roman" panose="02020603050405020304" pitchFamily="18" charset="0"/>
+              </a:rPr>
               <a:t>dữ</a:t>
             </a:r>
             <a:r>
-              <a:rPr lang="en-US" dirty="0"/>
-              <a:t> </a:t>
-            </a:r>
-            <a:r>
-              <a:rPr lang="en-US" dirty="0" err="1"/>
+              <a:rPr lang="en-US" dirty="0">
+                <a:latin typeface="Times New Roman" panose="02020603050405020304" pitchFamily="18" charset="0"/>
+                <a:cs typeface="Times New Roman" panose="02020603050405020304" pitchFamily="18" charset="0"/>
+              </a:rPr>
+              <a:t> </a:t>
+            </a:r>
+            <a:r>
+              <a:rPr lang="en-US" dirty="0" err="1">
+                <a:latin typeface="Times New Roman" panose="02020603050405020304" pitchFamily="18" charset="0"/>
+                <a:cs typeface="Times New Roman" panose="02020603050405020304" pitchFamily="18" charset="0"/>
+              </a:rPr>
               <a:t>liệu</a:t>
             </a:r>
-            <a:endParaRPr lang="en-US" dirty="0"/>
+            <a:endParaRPr lang="en-US" dirty="0">
+              <a:latin typeface="Times New Roman" panose="02020603050405020304" pitchFamily="18" charset="0"/>
+              <a:cs typeface="Times New Roman" panose="02020603050405020304" pitchFamily="18" charset="0"/>
+            </a:endParaRPr>
           </a:p>
         </p:txBody>
       </p:sp>
@@ -15424,30 +21765,51 @@
           <a:lstStyle/>
           <a:p>
             <a:r>
-              <a:rPr lang="en-US" dirty="0"/>
+              <a:rPr lang="en-US" dirty="0">
+                <a:latin typeface="Times New Roman" panose="02020603050405020304" pitchFamily="18" charset="0"/>
+                <a:cs typeface="Times New Roman" panose="02020603050405020304" pitchFamily="18" charset="0"/>
+              </a:rPr>
               <a:t>Thu </a:t>
             </a:r>
             <a:r>
-              <a:rPr lang="en-US" dirty="0" err="1"/>
+              <a:rPr lang="en-US" dirty="0" err="1">
+                <a:latin typeface="Times New Roman" panose="02020603050405020304" pitchFamily="18" charset="0"/>
+                <a:cs typeface="Times New Roman" panose="02020603050405020304" pitchFamily="18" charset="0"/>
+              </a:rPr>
               <a:t>thập</a:t>
             </a:r>
             <a:r>
-              <a:rPr lang="en-US" dirty="0"/>
-              <a:t> </a:t>
-            </a:r>
-            <a:r>
-              <a:rPr lang="en-US" dirty="0" err="1"/>
+              <a:rPr lang="en-US" dirty="0">
+                <a:latin typeface="Times New Roman" panose="02020603050405020304" pitchFamily="18" charset="0"/>
+                <a:cs typeface="Times New Roman" panose="02020603050405020304" pitchFamily="18" charset="0"/>
+              </a:rPr>
+              <a:t> </a:t>
+            </a:r>
+            <a:r>
+              <a:rPr lang="en-US" dirty="0" err="1">
+                <a:latin typeface="Times New Roman" panose="02020603050405020304" pitchFamily="18" charset="0"/>
+                <a:cs typeface="Times New Roman" panose="02020603050405020304" pitchFamily="18" charset="0"/>
+              </a:rPr>
               <a:t>dữ</a:t>
             </a:r>
             <a:r>
-              <a:rPr lang="en-US" dirty="0"/>
-              <a:t> </a:t>
-            </a:r>
-            <a:r>
-              <a:rPr lang="en-US" dirty="0" err="1"/>
+              <a:rPr lang="en-US" dirty="0">
+                <a:latin typeface="Times New Roman" panose="02020603050405020304" pitchFamily="18" charset="0"/>
+                <a:cs typeface="Times New Roman" panose="02020603050405020304" pitchFamily="18" charset="0"/>
+              </a:rPr>
+              <a:t> </a:t>
+            </a:r>
+            <a:r>
+              <a:rPr lang="en-US" dirty="0" err="1">
+                <a:latin typeface="Times New Roman" panose="02020603050405020304" pitchFamily="18" charset="0"/>
+                <a:cs typeface="Times New Roman" panose="02020603050405020304" pitchFamily="18" charset="0"/>
+              </a:rPr>
               <a:t>liệu</a:t>
             </a:r>
-            <a:endParaRPr lang="en-US" dirty="0"/>
+            <a:endParaRPr lang="en-US" dirty="0">
+              <a:latin typeface="Times New Roman" panose="02020603050405020304" pitchFamily="18" charset="0"/>
+              <a:cs typeface="Times New Roman" panose="02020603050405020304" pitchFamily="18" charset="0"/>
+            </a:endParaRPr>
           </a:p>
         </p:txBody>
       </p:sp>
@@ -15778,10 +22140,58 @@
           <a:lstStyle/>
           <a:p>
             <a:r>
-              <a:rPr lang="en-US"/>
-              <a:t>Khám phá dữ liệu</a:t>
-            </a:r>
-            <a:endParaRPr lang="en-US" dirty="0"/>
+              <a:rPr lang="en-US" dirty="0" err="1">
+                <a:latin typeface="Times New Roman" panose="02020603050405020304" pitchFamily="18" charset="0"/>
+                <a:cs typeface="Times New Roman" panose="02020603050405020304" pitchFamily="18" charset="0"/>
+              </a:rPr>
+              <a:t>Khám</a:t>
+            </a:r>
+            <a:r>
+              <a:rPr lang="en-US" dirty="0">
+                <a:latin typeface="Times New Roman" panose="02020603050405020304" pitchFamily="18" charset="0"/>
+                <a:cs typeface="Times New Roman" panose="02020603050405020304" pitchFamily="18" charset="0"/>
+              </a:rPr>
+              <a:t> </a:t>
+            </a:r>
+            <a:r>
+              <a:rPr lang="en-US" dirty="0" err="1">
+                <a:latin typeface="Times New Roman" panose="02020603050405020304" pitchFamily="18" charset="0"/>
+                <a:cs typeface="Times New Roman" panose="02020603050405020304" pitchFamily="18" charset="0"/>
+              </a:rPr>
+              <a:t>phá</a:t>
+            </a:r>
+            <a:r>
+              <a:rPr lang="en-US" dirty="0">
+                <a:latin typeface="Times New Roman" panose="02020603050405020304" pitchFamily="18" charset="0"/>
+                <a:cs typeface="Times New Roman" panose="02020603050405020304" pitchFamily="18" charset="0"/>
+              </a:rPr>
+              <a:t> </a:t>
+            </a:r>
+            <a:r>
+              <a:rPr lang="en-US" dirty="0" err="1">
+                <a:latin typeface="Times New Roman" panose="02020603050405020304" pitchFamily="18" charset="0"/>
+                <a:cs typeface="Times New Roman" panose="02020603050405020304" pitchFamily="18" charset="0"/>
+              </a:rPr>
+              <a:t>dữ</a:t>
+            </a:r>
+            <a:r>
+              <a:rPr lang="en-US" dirty="0">
+                <a:latin typeface="Times New Roman" panose="02020603050405020304" pitchFamily="18" charset="0"/>
+                <a:cs typeface="Times New Roman" panose="02020603050405020304" pitchFamily="18" charset="0"/>
+              </a:rPr>
+              <a:t> </a:t>
+            </a:r>
+            <a:r>
+              <a:rPr lang="en-US" dirty="0" err="1">
+                <a:latin typeface="Times New Roman" panose="02020603050405020304" pitchFamily="18" charset="0"/>
+                <a:cs typeface="Times New Roman" panose="02020603050405020304" pitchFamily="18" charset="0"/>
+              </a:rPr>
+              <a:t>liệu</a:t>
+            </a:r>
+            <a:endParaRPr lang="en-US" dirty="0">
+              <a:latin typeface="Times New Roman" panose="02020603050405020304" pitchFamily="18" charset="0"/>
+              <a:cs typeface="Times New Roman" panose="02020603050405020304" pitchFamily="18" charset="0"/>
+            </a:endParaRPr>
           </a:p>
         </p:txBody>
       </p:sp>
@@ -16042,10 +22452,58 @@
           <a:lstStyle/>
           <a:p>
             <a:r>
-              <a:rPr lang="en-US"/>
-              <a:t>Khám phá dữ liệu</a:t>
-            </a:r>
-            <a:endParaRPr lang="en-US" dirty="0"/>
+              <a:rPr lang="en-US" dirty="0" err="1">
+                <a:latin typeface="Times New Roman" panose="02020603050405020304" pitchFamily="18" charset="0"/>
+                <a:cs typeface="Times New Roman" panose="02020603050405020304" pitchFamily="18" charset="0"/>
+              </a:rPr>
+              <a:t>Khám</a:t>
+            </a:r>
+            <a:r>
+              <a:rPr lang="en-US" dirty="0">
+                <a:latin typeface="Times New Roman" panose="02020603050405020304" pitchFamily="18" charset="0"/>
+                <a:cs typeface="Times New Roman" panose="02020603050405020304" pitchFamily="18" charset="0"/>
+              </a:rPr>
+              <a:t> </a:t>
+            </a:r>
+            <a:r>
+              <a:rPr lang="en-US" dirty="0" err="1">
+                <a:latin typeface="Times New Roman" panose="02020603050405020304" pitchFamily="18" charset="0"/>
+                <a:cs typeface="Times New Roman" panose="02020603050405020304" pitchFamily="18" charset="0"/>
+              </a:rPr>
+              <a:t>phá</a:t>
+            </a:r>
+            <a:r>
+              <a:rPr lang="en-US" dirty="0">
+                <a:latin typeface="Times New Roman" panose="02020603050405020304" pitchFamily="18" charset="0"/>
+                <a:cs typeface="Times New Roman" panose="02020603050405020304" pitchFamily="18" charset="0"/>
+              </a:rPr>
+              <a:t> </a:t>
+            </a:r>
+            <a:r>
+              <a:rPr lang="en-US" dirty="0" err="1">
+                <a:latin typeface="Times New Roman" panose="02020603050405020304" pitchFamily="18" charset="0"/>
+                <a:cs typeface="Times New Roman" panose="02020603050405020304" pitchFamily="18" charset="0"/>
+              </a:rPr>
+              <a:t>dữ</a:t>
+            </a:r>
+            <a:r>
+              <a:rPr lang="en-US" dirty="0">
+                <a:latin typeface="Times New Roman" panose="02020603050405020304" pitchFamily="18" charset="0"/>
+                <a:cs typeface="Times New Roman" panose="02020603050405020304" pitchFamily="18" charset="0"/>
+              </a:rPr>
+              <a:t> </a:t>
+            </a:r>
+            <a:r>
+              <a:rPr lang="en-US" dirty="0" err="1">
+                <a:latin typeface="Times New Roman" panose="02020603050405020304" pitchFamily="18" charset="0"/>
+                <a:cs typeface="Times New Roman" panose="02020603050405020304" pitchFamily="18" charset="0"/>
+              </a:rPr>
+              <a:t>liệu</a:t>
+            </a:r>
+            <a:endParaRPr lang="en-US" dirty="0">
+              <a:latin typeface="Times New Roman" panose="02020603050405020304" pitchFamily="18" charset="0"/>
+              <a:cs typeface="Times New Roman" panose="02020603050405020304" pitchFamily="18" charset="0"/>
+            </a:endParaRPr>
           </a:p>
         </p:txBody>
       </p:sp>
